--- a/doc/SPCNVMe_Introduction_and_Design.pptx
+++ b/doc/SPCNVMe_Introduction_and_Design.pptx
@@ -4,9 +4,42 @@
   <p:sldMasterIdLst>
     <p:sldMasterId id="2147483648" r:id="rId1"/>
   </p:sldMasterIdLst>
+  <p:notesMasterIdLst>
+    <p:notesMasterId r:id="rId34"/>
+  </p:notesMasterIdLst>
   <p:sldIdLst>
     <p:sldId id="256" r:id="rId2"/>
     <p:sldId id="257" r:id="rId3"/>
+    <p:sldId id="285" r:id="rId4"/>
+    <p:sldId id="260" r:id="rId5"/>
+    <p:sldId id="305" r:id="rId6"/>
+    <p:sldId id="259" r:id="rId7"/>
+    <p:sldId id="301" r:id="rId8"/>
+    <p:sldId id="306" r:id="rId9"/>
+    <p:sldId id="302" r:id="rId10"/>
+    <p:sldId id="303" r:id="rId11"/>
+    <p:sldId id="304" r:id="rId12"/>
+    <p:sldId id="286" r:id="rId13"/>
+    <p:sldId id="288" r:id="rId14"/>
+    <p:sldId id="289" r:id="rId15"/>
+    <p:sldId id="290" r:id="rId16"/>
+    <p:sldId id="276" r:id="rId17"/>
+    <p:sldId id="281" r:id="rId18"/>
+    <p:sldId id="283" r:id="rId19"/>
+    <p:sldId id="284" r:id="rId20"/>
+    <p:sldId id="279" r:id="rId21"/>
+    <p:sldId id="261" r:id="rId22"/>
+    <p:sldId id="292" r:id="rId23"/>
+    <p:sldId id="295" r:id="rId24"/>
+    <p:sldId id="298" r:id="rId25"/>
+    <p:sldId id="297" r:id="rId26"/>
+    <p:sldId id="296" r:id="rId27"/>
+    <p:sldId id="293" r:id="rId28"/>
+    <p:sldId id="294" r:id="rId29"/>
+    <p:sldId id="262" r:id="rId30"/>
+    <p:sldId id="291" r:id="rId31"/>
+    <p:sldId id="300" r:id="rId32"/>
+    <p:sldId id="299" r:id="rId33"/>
   </p:sldIdLst>
   <p:sldSz cx="12192000" cy="6858000"/>
   <p:notesSz cx="6858000" cy="9144000"/>
@@ -105,7 +138,445 @@
       </a:defRPr>
     </a:lvl9pPr>
   </p:defaultTextStyle>
+  <p:extLst>
+    <p:ext uri="{EFAFB233-063F-42B5-8137-9DF3F51BA10A}">
+      <p15:sldGuideLst xmlns:p15="http://schemas.microsoft.com/office/powerpoint/2012/main"/>
+    </p:ext>
+  </p:extLst>
 </p:presentation>
+</file>
+
+<file path=ppt/notesMasters/notesMaster1.xml><?xml version="1.0" encoding="utf-8"?>
+<p:notesMaster xmlns:a="http://schemas.openxmlformats.org/drawingml/2006/main" xmlns:r="http://schemas.openxmlformats.org/officeDocument/2006/relationships" xmlns:p="http://schemas.openxmlformats.org/presentationml/2006/main">
+  <p:cSld>
+    <p:bg>
+      <p:bgRef idx="1001">
+        <a:schemeClr val="bg1"/>
+      </p:bgRef>
+    </p:bg>
+    <p:spTree>
+      <p:nvGrpSpPr>
+        <p:cNvPr id="1" name=""/>
+        <p:cNvGrpSpPr/>
+        <p:nvPr/>
+      </p:nvGrpSpPr>
+      <p:grpSpPr>
+        <a:xfrm>
+          <a:off x="0" y="0"/>
+          <a:ext cx="0" cy="0"/>
+          <a:chOff x="0" y="0"/>
+          <a:chExt cx="0" cy="0"/>
+        </a:xfrm>
+      </p:grpSpPr>
+      <p:sp>
+        <p:nvSpPr>
+          <p:cNvPr id="2" name="頁首版面配置區 1"/>
+          <p:cNvSpPr>
+            <a:spLocks noGrp="1"/>
+          </p:cNvSpPr>
+          <p:nvPr>
+            <p:ph type="hdr" sz="quarter"/>
+          </p:nvPr>
+        </p:nvSpPr>
+        <p:spPr>
+          <a:xfrm>
+            <a:off x="0" y="0"/>
+            <a:ext cx="2971800" cy="458788"/>
+          </a:xfrm>
+          <a:prstGeom prst="rect">
+            <a:avLst/>
+          </a:prstGeom>
+        </p:spPr>
+        <p:txBody>
+          <a:bodyPr vert="horz" lIns="91440" tIns="45720" rIns="91440" bIns="45720" rtlCol="0"/>
+          <a:lstStyle>
+            <a:lvl1pPr algn="l">
+              <a:defRPr sz="1200"/>
+            </a:lvl1pPr>
+          </a:lstStyle>
+          <a:p>
+            <a:endParaRPr lang="zh-TW" altLang="en-US"/>
+          </a:p>
+        </p:txBody>
+      </p:sp>
+      <p:sp>
+        <p:nvSpPr>
+          <p:cNvPr id="3" name="日期版面配置區 2"/>
+          <p:cNvSpPr>
+            <a:spLocks noGrp="1"/>
+          </p:cNvSpPr>
+          <p:nvPr>
+            <p:ph type="dt" idx="1"/>
+          </p:nvPr>
+        </p:nvSpPr>
+        <p:spPr>
+          <a:xfrm>
+            <a:off x="3884613" y="0"/>
+            <a:ext cx="2971800" cy="458788"/>
+          </a:xfrm>
+          <a:prstGeom prst="rect">
+            <a:avLst/>
+          </a:prstGeom>
+        </p:spPr>
+        <p:txBody>
+          <a:bodyPr vert="horz" lIns="91440" tIns="45720" rIns="91440" bIns="45720" rtlCol="0"/>
+          <a:lstStyle>
+            <a:lvl1pPr algn="r">
+              <a:defRPr sz="1200"/>
+            </a:lvl1pPr>
+          </a:lstStyle>
+          <a:p>
+            <a:fld id="{E62BA9D9-771C-4D98-956D-DED813A08700}" type="datetimeFigureOut">
+              <a:rPr lang="zh-TW" altLang="en-US" smtClean="0"/>
+              <a:t>2023/2/5</a:t>
+            </a:fld>
+            <a:endParaRPr lang="zh-TW" altLang="en-US"/>
+          </a:p>
+        </p:txBody>
+      </p:sp>
+      <p:sp>
+        <p:nvSpPr>
+          <p:cNvPr id="4" name="投影片影像版面配置區 3"/>
+          <p:cNvSpPr>
+            <a:spLocks noGrp="1" noRot="1" noChangeAspect="1"/>
+          </p:cNvSpPr>
+          <p:nvPr>
+            <p:ph type="sldImg" idx="2"/>
+          </p:nvPr>
+        </p:nvSpPr>
+        <p:spPr>
+          <a:xfrm>
+            <a:off x="685800" y="1143000"/>
+            <a:ext cx="5486400" cy="3086100"/>
+          </a:xfrm>
+          <a:prstGeom prst="rect">
+            <a:avLst/>
+          </a:prstGeom>
+          <a:noFill/>
+          <a:ln w="12700">
+            <a:solidFill>
+              <a:prstClr val="black"/>
+            </a:solidFill>
+          </a:ln>
+        </p:spPr>
+        <p:txBody>
+          <a:bodyPr vert="horz" lIns="91440" tIns="45720" rIns="91440" bIns="45720" rtlCol="0" anchor="ctr"/>
+          <a:lstStyle/>
+          <a:p>
+            <a:endParaRPr lang="zh-TW" altLang="en-US"/>
+          </a:p>
+        </p:txBody>
+      </p:sp>
+      <p:sp>
+        <p:nvSpPr>
+          <p:cNvPr id="5" name="備忘稿版面配置區 4"/>
+          <p:cNvSpPr>
+            <a:spLocks noGrp="1"/>
+          </p:cNvSpPr>
+          <p:nvPr>
+            <p:ph type="body" sz="quarter" idx="3"/>
+          </p:nvPr>
+        </p:nvSpPr>
+        <p:spPr>
+          <a:xfrm>
+            <a:off x="685800" y="4400550"/>
+            <a:ext cx="5486400" cy="3600450"/>
+          </a:xfrm>
+          <a:prstGeom prst="rect">
+            <a:avLst/>
+          </a:prstGeom>
+        </p:spPr>
+        <p:txBody>
+          <a:bodyPr vert="horz" lIns="91440" tIns="45720" rIns="91440" bIns="45720" rtlCol="0"/>
+          <a:lstStyle/>
+          <a:p>
+            <a:pPr lvl="0"/>
+            <a:r>
+              <a:rPr lang="zh-TW" altLang="en-US"/>
+              <a:t>按一下以編輯母片文字樣式</a:t>
+            </a:r>
+          </a:p>
+          <a:p>
+            <a:pPr lvl="1"/>
+            <a:r>
+              <a:rPr lang="zh-TW" altLang="en-US"/>
+              <a:t>第二層</a:t>
+            </a:r>
+          </a:p>
+          <a:p>
+            <a:pPr lvl="2"/>
+            <a:r>
+              <a:rPr lang="zh-TW" altLang="en-US"/>
+              <a:t>第三層</a:t>
+            </a:r>
+          </a:p>
+          <a:p>
+            <a:pPr lvl="3"/>
+            <a:r>
+              <a:rPr lang="zh-TW" altLang="en-US"/>
+              <a:t>第四層</a:t>
+            </a:r>
+          </a:p>
+          <a:p>
+            <a:pPr lvl="4"/>
+            <a:r>
+              <a:rPr lang="zh-TW" altLang="en-US"/>
+              <a:t>第五層</a:t>
+            </a:r>
+          </a:p>
+        </p:txBody>
+      </p:sp>
+      <p:sp>
+        <p:nvSpPr>
+          <p:cNvPr id="6" name="頁尾版面配置區 5"/>
+          <p:cNvSpPr>
+            <a:spLocks noGrp="1"/>
+          </p:cNvSpPr>
+          <p:nvPr>
+            <p:ph type="ftr" sz="quarter" idx="4"/>
+          </p:nvPr>
+        </p:nvSpPr>
+        <p:spPr>
+          <a:xfrm>
+            <a:off x="0" y="8685213"/>
+            <a:ext cx="2971800" cy="458787"/>
+          </a:xfrm>
+          <a:prstGeom prst="rect">
+            <a:avLst/>
+          </a:prstGeom>
+        </p:spPr>
+        <p:txBody>
+          <a:bodyPr vert="horz" lIns="91440" tIns="45720" rIns="91440" bIns="45720" rtlCol="0" anchor="b"/>
+          <a:lstStyle>
+            <a:lvl1pPr algn="l">
+              <a:defRPr sz="1200"/>
+            </a:lvl1pPr>
+          </a:lstStyle>
+          <a:p>
+            <a:endParaRPr lang="zh-TW" altLang="en-US"/>
+          </a:p>
+        </p:txBody>
+      </p:sp>
+      <p:sp>
+        <p:nvSpPr>
+          <p:cNvPr id="7" name="投影片編號版面配置區 6"/>
+          <p:cNvSpPr>
+            <a:spLocks noGrp="1"/>
+          </p:cNvSpPr>
+          <p:nvPr>
+            <p:ph type="sldNum" sz="quarter" idx="5"/>
+          </p:nvPr>
+        </p:nvSpPr>
+        <p:spPr>
+          <a:xfrm>
+            <a:off x="3884613" y="8685213"/>
+            <a:ext cx="2971800" cy="458787"/>
+          </a:xfrm>
+          <a:prstGeom prst="rect">
+            <a:avLst/>
+          </a:prstGeom>
+        </p:spPr>
+        <p:txBody>
+          <a:bodyPr vert="horz" lIns="91440" tIns="45720" rIns="91440" bIns="45720" rtlCol="0" anchor="b"/>
+          <a:lstStyle>
+            <a:lvl1pPr algn="r">
+              <a:defRPr sz="1200"/>
+            </a:lvl1pPr>
+          </a:lstStyle>
+          <a:p>
+            <a:fld id="{E489381C-7048-4516-9E7E-A2773550BBA6}" type="slidenum">
+              <a:rPr lang="zh-TW" altLang="en-US" smtClean="0"/>
+              <a:t>‹#›</a:t>
+            </a:fld>
+            <a:endParaRPr lang="zh-TW" altLang="en-US"/>
+          </a:p>
+        </p:txBody>
+      </p:sp>
+    </p:spTree>
+    <p:extLst>
+      <p:ext uri="{BB962C8B-B14F-4D97-AF65-F5344CB8AC3E}">
+        <p14:creationId xmlns:p14="http://schemas.microsoft.com/office/powerpoint/2010/main" val="3356844786"/>
+      </p:ext>
+    </p:extLst>
+  </p:cSld>
+  <p:clrMap bg1="lt1" tx1="dk1" bg2="lt2" tx2="dk2" accent1="accent1" accent2="accent2" accent3="accent3" accent4="accent4" accent5="accent5" accent6="accent6" hlink="hlink" folHlink="folHlink"/>
+  <p:notesStyle>
+    <a:lvl1pPr marL="0" algn="l" defTabSz="914400" rtl="0" eaLnBrk="1" latinLnBrk="0" hangingPunct="1">
+      <a:defRPr sz="1200" kern="1200">
+        <a:solidFill>
+          <a:schemeClr val="tx1"/>
+        </a:solidFill>
+        <a:latin typeface="+mn-lt"/>
+        <a:ea typeface="+mn-ea"/>
+        <a:cs typeface="+mn-cs"/>
+      </a:defRPr>
+    </a:lvl1pPr>
+    <a:lvl2pPr marL="457200" algn="l" defTabSz="914400" rtl="0" eaLnBrk="1" latinLnBrk="0" hangingPunct="1">
+      <a:defRPr sz="1200" kern="1200">
+        <a:solidFill>
+          <a:schemeClr val="tx1"/>
+        </a:solidFill>
+        <a:latin typeface="+mn-lt"/>
+        <a:ea typeface="+mn-ea"/>
+        <a:cs typeface="+mn-cs"/>
+      </a:defRPr>
+    </a:lvl2pPr>
+    <a:lvl3pPr marL="914400" algn="l" defTabSz="914400" rtl="0" eaLnBrk="1" latinLnBrk="0" hangingPunct="1">
+      <a:defRPr sz="1200" kern="1200">
+        <a:solidFill>
+          <a:schemeClr val="tx1"/>
+        </a:solidFill>
+        <a:latin typeface="+mn-lt"/>
+        <a:ea typeface="+mn-ea"/>
+        <a:cs typeface="+mn-cs"/>
+      </a:defRPr>
+    </a:lvl3pPr>
+    <a:lvl4pPr marL="1371600" algn="l" defTabSz="914400" rtl="0" eaLnBrk="1" latinLnBrk="0" hangingPunct="1">
+      <a:defRPr sz="1200" kern="1200">
+        <a:solidFill>
+          <a:schemeClr val="tx1"/>
+        </a:solidFill>
+        <a:latin typeface="+mn-lt"/>
+        <a:ea typeface="+mn-ea"/>
+        <a:cs typeface="+mn-cs"/>
+      </a:defRPr>
+    </a:lvl4pPr>
+    <a:lvl5pPr marL="1828800" algn="l" defTabSz="914400" rtl="0" eaLnBrk="1" latinLnBrk="0" hangingPunct="1">
+      <a:defRPr sz="1200" kern="1200">
+        <a:solidFill>
+          <a:schemeClr val="tx1"/>
+        </a:solidFill>
+        <a:latin typeface="+mn-lt"/>
+        <a:ea typeface="+mn-ea"/>
+        <a:cs typeface="+mn-cs"/>
+      </a:defRPr>
+    </a:lvl5pPr>
+    <a:lvl6pPr marL="2286000" algn="l" defTabSz="914400" rtl="0" eaLnBrk="1" latinLnBrk="0" hangingPunct="1">
+      <a:defRPr sz="1200" kern="1200">
+        <a:solidFill>
+          <a:schemeClr val="tx1"/>
+        </a:solidFill>
+        <a:latin typeface="+mn-lt"/>
+        <a:ea typeface="+mn-ea"/>
+        <a:cs typeface="+mn-cs"/>
+      </a:defRPr>
+    </a:lvl6pPr>
+    <a:lvl7pPr marL="2743200" algn="l" defTabSz="914400" rtl="0" eaLnBrk="1" latinLnBrk="0" hangingPunct="1">
+      <a:defRPr sz="1200" kern="1200">
+        <a:solidFill>
+          <a:schemeClr val="tx1"/>
+        </a:solidFill>
+        <a:latin typeface="+mn-lt"/>
+        <a:ea typeface="+mn-ea"/>
+        <a:cs typeface="+mn-cs"/>
+      </a:defRPr>
+    </a:lvl7pPr>
+    <a:lvl8pPr marL="3200400" algn="l" defTabSz="914400" rtl="0" eaLnBrk="1" latinLnBrk="0" hangingPunct="1">
+      <a:defRPr sz="1200" kern="1200">
+        <a:solidFill>
+          <a:schemeClr val="tx1"/>
+        </a:solidFill>
+        <a:latin typeface="+mn-lt"/>
+        <a:ea typeface="+mn-ea"/>
+        <a:cs typeface="+mn-cs"/>
+      </a:defRPr>
+    </a:lvl8pPr>
+    <a:lvl9pPr marL="3657600" algn="l" defTabSz="914400" rtl="0" eaLnBrk="1" latinLnBrk="0" hangingPunct="1">
+      <a:defRPr sz="1200" kern="1200">
+        <a:solidFill>
+          <a:schemeClr val="tx1"/>
+        </a:solidFill>
+        <a:latin typeface="+mn-lt"/>
+        <a:ea typeface="+mn-ea"/>
+        <a:cs typeface="+mn-cs"/>
+      </a:defRPr>
+    </a:lvl9pPr>
+  </p:notesStyle>
+</p:notesMaster>
+</file>
+
+<file path=ppt/notesSlides/notesSlide1.xml><?xml version="1.0" encoding="utf-8"?>
+<p:notes xmlns:a="http://schemas.openxmlformats.org/drawingml/2006/main" xmlns:r="http://schemas.openxmlformats.org/officeDocument/2006/relationships" xmlns:p="http://schemas.openxmlformats.org/presentationml/2006/main">
+  <p:cSld>
+    <p:spTree>
+      <p:nvGrpSpPr>
+        <p:cNvPr id="1" name=""/>
+        <p:cNvGrpSpPr/>
+        <p:nvPr/>
+      </p:nvGrpSpPr>
+      <p:grpSpPr>
+        <a:xfrm>
+          <a:off x="0" y="0"/>
+          <a:ext cx="0" cy="0"/>
+          <a:chOff x="0" y="0"/>
+          <a:chExt cx="0" cy="0"/>
+        </a:xfrm>
+      </p:grpSpPr>
+      <p:sp>
+        <p:nvSpPr>
+          <p:cNvPr id="2" name="投影片影像版面配置區 1"/>
+          <p:cNvSpPr>
+            <a:spLocks noGrp="1" noRot="1" noChangeAspect="1"/>
+          </p:cNvSpPr>
+          <p:nvPr>
+            <p:ph type="sldImg"/>
+          </p:nvPr>
+        </p:nvSpPr>
+        <p:spPr/>
+      </p:sp>
+      <p:sp>
+        <p:nvSpPr>
+          <p:cNvPr id="3" name="備忘稿版面配置區 2"/>
+          <p:cNvSpPr>
+            <a:spLocks noGrp="1"/>
+          </p:cNvSpPr>
+          <p:nvPr>
+            <p:ph type="body" idx="1"/>
+          </p:nvPr>
+        </p:nvSpPr>
+        <p:spPr/>
+        <p:txBody>
+          <a:bodyPr/>
+          <a:lstStyle/>
+          <a:p>
+            <a:endParaRPr lang="zh-TW" altLang="en-US" dirty="0"/>
+          </a:p>
+        </p:txBody>
+      </p:sp>
+      <p:sp>
+        <p:nvSpPr>
+          <p:cNvPr id="4" name="投影片編號版面配置區 3"/>
+          <p:cNvSpPr>
+            <a:spLocks noGrp="1"/>
+          </p:cNvSpPr>
+          <p:nvPr>
+            <p:ph type="sldNum" sz="quarter" idx="5"/>
+          </p:nvPr>
+        </p:nvSpPr>
+        <p:spPr/>
+        <p:txBody>
+          <a:bodyPr/>
+          <a:lstStyle/>
+          <a:p>
+            <a:fld id="{D9DC5696-1C4E-40EF-99A6-A8370CE7BA59}" type="slidenum">
+              <a:rPr lang="zh-TW" altLang="en-US" smtClean="0"/>
+              <a:t>23</a:t>
+            </a:fld>
+            <a:endParaRPr lang="zh-TW" altLang="en-US"/>
+          </a:p>
+        </p:txBody>
+      </p:sp>
+    </p:spTree>
+    <p:extLst>
+      <p:ext uri="{BB962C8B-B14F-4D97-AF65-F5344CB8AC3E}">
+        <p14:creationId xmlns:p14="http://schemas.microsoft.com/office/powerpoint/2010/main" val="2136604396"/>
+      </p:ext>
+    </p:extLst>
+  </p:cSld>
+  <p:clrMapOvr>
+    <a:masterClrMapping/>
+  </p:clrMapOvr>
+</p:notes>
 </file>
 
 <file path=ppt/slideLayouts/slideLayout1.xml><?xml version="1.0" encoding="utf-8"?>
@@ -3343,7 +3814,15 @@
           <a:bodyPr/>
           <a:lstStyle/>
           <a:p>
-            <a:endParaRPr lang="zh-TW" altLang="en-US"/>
+            <a:r>
+              <a:rPr lang="en-US" altLang="zh-TW" dirty="0" err="1"/>
+              <a:t>SPCNVMe</a:t>
+            </a:r>
+            <a:r>
+              <a:rPr lang="en-US" altLang="zh-TW" dirty="0"/>
+              <a:t> Introduction and Design</a:t>
+            </a:r>
+            <a:endParaRPr lang="zh-TW" altLang="en-US" dirty="0"/>
           </a:p>
         </p:txBody>
       </p:sp>
@@ -3368,7 +3847,21 @@
           <a:bodyPr/>
           <a:lstStyle/>
           <a:p>
-            <a:endParaRPr lang="zh-TW" altLang="en-US"/>
+            <a:r>
+              <a:rPr lang="en-US" altLang="zh-TW" dirty="0"/>
+              <a:t>Roy Wang</a:t>
+            </a:r>
+          </a:p>
+          <a:p>
+            <a:r>
+              <a:rPr lang="en-US" altLang="zh-TW" dirty="0"/>
+              <a:t>a.k.a. </a:t>
+            </a:r>
+            <a:r>
+              <a:rPr lang="en-US" altLang="zh-TW" dirty="0" err="1"/>
+              <a:t>SmokingPC</a:t>
+            </a:r>
+            <a:endParaRPr lang="zh-TW" altLang="en-US" dirty="0"/>
           </a:p>
         </p:txBody>
       </p:sp>
@@ -3376,6 +3869,1477 @@
     <p:extLst>
       <p:ext uri="{BB962C8B-B14F-4D97-AF65-F5344CB8AC3E}">
         <p14:creationId xmlns:p14="http://schemas.microsoft.com/office/powerpoint/2010/main" val="3271985177"/>
+      </p:ext>
+    </p:extLst>
+  </p:cSld>
+  <p:clrMapOvr>
+    <a:masterClrMapping/>
+  </p:clrMapOvr>
+</p:sld>
+</file>
+
+<file path=ppt/slides/slide10.xml><?xml version="1.0" encoding="utf-8"?>
+<p:sld xmlns:a="http://schemas.openxmlformats.org/drawingml/2006/main" xmlns:r="http://schemas.openxmlformats.org/officeDocument/2006/relationships" xmlns:p="http://schemas.openxmlformats.org/presentationml/2006/main">
+  <p:cSld>
+    <p:spTree>
+      <p:nvGrpSpPr>
+        <p:cNvPr id="1" name=""/>
+        <p:cNvGrpSpPr/>
+        <p:nvPr/>
+      </p:nvGrpSpPr>
+      <p:grpSpPr>
+        <a:xfrm>
+          <a:off x="0" y="0"/>
+          <a:ext cx="0" cy="0"/>
+          <a:chOff x="0" y="0"/>
+          <a:chExt cx="0" cy="0"/>
+        </a:xfrm>
+      </p:grpSpPr>
+      <p:sp>
+        <p:nvSpPr>
+          <p:cNvPr id="2" name="標題 1">
+            <a:extLst>
+              <a:ext uri="{FF2B5EF4-FFF2-40B4-BE49-F238E27FC236}">
+                <a16:creationId xmlns:a16="http://schemas.microsoft.com/office/drawing/2014/main" id="{5DD07498-5F52-49AE-8F70-D644A562FAEE}"/>
+              </a:ext>
+            </a:extLst>
+          </p:cNvPr>
+          <p:cNvSpPr>
+            <a:spLocks noGrp="1"/>
+          </p:cNvSpPr>
+          <p:nvPr>
+            <p:ph type="title"/>
+          </p:nvPr>
+        </p:nvSpPr>
+        <p:spPr/>
+        <p:txBody>
+          <a:bodyPr/>
+          <a:lstStyle/>
+          <a:p>
+            <a:endParaRPr lang="zh-TW" altLang="en-US"/>
+          </a:p>
+        </p:txBody>
+      </p:sp>
+      <p:sp>
+        <p:nvSpPr>
+          <p:cNvPr id="3" name="內容版面配置區 2">
+            <a:extLst>
+              <a:ext uri="{FF2B5EF4-FFF2-40B4-BE49-F238E27FC236}">
+                <a16:creationId xmlns:a16="http://schemas.microsoft.com/office/drawing/2014/main" id="{38A78F0E-8A29-474B-B872-6D9F55857160}"/>
+              </a:ext>
+            </a:extLst>
+          </p:cNvPr>
+          <p:cNvSpPr>
+            <a:spLocks noGrp="1"/>
+          </p:cNvSpPr>
+          <p:nvPr>
+            <p:ph idx="1"/>
+          </p:nvPr>
+        </p:nvSpPr>
+        <p:spPr/>
+        <p:txBody>
+          <a:bodyPr/>
+          <a:lstStyle/>
+          <a:p>
+            <a:endParaRPr lang="zh-TW" altLang="en-US"/>
+          </a:p>
+        </p:txBody>
+      </p:sp>
+    </p:spTree>
+    <p:extLst>
+      <p:ext uri="{BB962C8B-B14F-4D97-AF65-F5344CB8AC3E}">
+        <p14:creationId xmlns:p14="http://schemas.microsoft.com/office/powerpoint/2010/main" val="631674032"/>
+      </p:ext>
+    </p:extLst>
+  </p:cSld>
+  <p:clrMapOvr>
+    <a:masterClrMapping/>
+  </p:clrMapOvr>
+</p:sld>
+</file>
+
+<file path=ppt/slides/slide11.xml><?xml version="1.0" encoding="utf-8"?>
+<p:sld xmlns:a="http://schemas.openxmlformats.org/drawingml/2006/main" xmlns:r="http://schemas.openxmlformats.org/officeDocument/2006/relationships" xmlns:p="http://schemas.openxmlformats.org/presentationml/2006/main">
+  <p:cSld>
+    <p:spTree>
+      <p:nvGrpSpPr>
+        <p:cNvPr id="1" name=""/>
+        <p:cNvGrpSpPr/>
+        <p:nvPr/>
+      </p:nvGrpSpPr>
+      <p:grpSpPr>
+        <a:xfrm>
+          <a:off x="0" y="0"/>
+          <a:ext cx="0" cy="0"/>
+          <a:chOff x="0" y="0"/>
+          <a:chExt cx="0" cy="0"/>
+        </a:xfrm>
+      </p:grpSpPr>
+      <p:sp>
+        <p:nvSpPr>
+          <p:cNvPr id="2" name="標題 1">
+            <a:extLst>
+              <a:ext uri="{FF2B5EF4-FFF2-40B4-BE49-F238E27FC236}">
+                <a16:creationId xmlns:a16="http://schemas.microsoft.com/office/drawing/2014/main" id="{5DD07498-5F52-49AE-8F70-D644A562FAEE}"/>
+              </a:ext>
+            </a:extLst>
+          </p:cNvPr>
+          <p:cNvSpPr>
+            <a:spLocks noGrp="1"/>
+          </p:cNvSpPr>
+          <p:nvPr>
+            <p:ph type="title"/>
+          </p:nvPr>
+        </p:nvSpPr>
+        <p:spPr/>
+        <p:txBody>
+          <a:bodyPr/>
+          <a:lstStyle/>
+          <a:p>
+            <a:endParaRPr lang="zh-TW" altLang="en-US"/>
+          </a:p>
+        </p:txBody>
+      </p:sp>
+      <p:sp>
+        <p:nvSpPr>
+          <p:cNvPr id="3" name="內容版面配置區 2">
+            <a:extLst>
+              <a:ext uri="{FF2B5EF4-FFF2-40B4-BE49-F238E27FC236}">
+                <a16:creationId xmlns:a16="http://schemas.microsoft.com/office/drawing/2014/main" id="{38A78F0E-8A29-474B-B872-6D9F55857160}"/>
+              </a:ext>
+            </a:extLst>
+          </p:cNvPr>
+          <p:cNvSpPr>
+            <a:spLocks noGrp="1"/>
+          </p:cNvSpPr>
+          <p:nvPr>
+            <p:ph idx="1"/>
+          </p:nvPr>
+        </p:nvSpPr>
+        <p:spPr/>
+        <p:txBody>
+          <a:bodyPr/>
+          <a:lstStyle/>
+          <a:p>
+            <a:endParaRPr lang="zh-TW" altLang="en-US"/>
+          </a:p>
+        </p:txBody>
+      </p:sp>
+    </p:spTree>
+    <p:extLst>
+      <p:ext uri="{BB962C8B-B14F-4D97-AF65-F5344CB8AC3E}">
+        <p14:creationId xmlns:p14="http://schemas.microsoft.com/office/powerpoint/2010/main" val="2298968539"/>
+      </p:ext>
+    </p:extLst>
+  </p:cSld>
+  <p:clrMapOvr>
+    <a:masterClrMapping/>
+  </p:clrMapOvr>
+</p:sld>
+</file>
+
+<file path=ppt/slides/slide12.xml><?xml version="1.0" encoding="utf-8"?>
+<p:sld xmlns:a="http://schemas.openxmlformats.org/drawingml/2006/main" xmlns:r="http://schemas.openxmlformats.org/officeDocument/2006/relationships" xmlns:p="http://schemas.openxmlformats.org/presentationml/2006/main">
+  <p:cSld>
+    <p:spTree>
+      <p:nvGrpSpPr>
+        <p:cNvPr id="1" name=""/>
+        <p:cNvGrpSpPr/>
+        <p:nvPr/>
+      </p:nvGrpSpPr>
+      <p:grpSpPr>
+        <a:xfrm>
+          <a:off x="0" y="0"/>
+          <a:ext cx="0" cy="0"/>
+          <a:chOff x="0" y="0"/>
+          <a:chExt cx="0" cy="0"/>
+        </a:xfrm>
+      </p:grpSpPr>
+      <p:sp>
+        <p:nvSpPr>
+          <p:cNvPr id="4" name="標題 3">
+            <a:extLst>
+              <a:ext uri="{FF2B5EF4-FFF2-40B4-BE49-F238E27FC236}">
+                <a16:creationId xmlns:a16="http://schemas.microsoft.com/office/drawing/2014/main" id="{B17EB488-837F-4E7C-B89F-E7F442EC7A6A}"/>
+              </a:ext>
+            </a:extLst>
+          </p:cNvPr>
+          <p:cNvSpPr>
+            <a:spLocks noGrp="1"/>
+          </p:cNvSpPr>
+          <p:nvPr>
+            <p:ph type="title"/>
+          </p:nvPr>
+        </p:nvSpPr>
+        <p:spPr/>
+        <p:txBody>
+          <a:bodyPr/>
+          <a:lstStyle/>
+          <a:p>
+            <a:r>
+              <a:rPr lang="en-US" altLang="zh-TW" dirty="0"/>
+              <a:t>Important Behavior and Sequence</a:t>
+            </a:r>
+            <a:endParaRPr lang="zh-TW" altLang="en-US" dirty="0"/>
+          </a:p>
+        </p:txBody>
+      </p:sp>
+      <p:sp>
+        <p:nvSpPr>
+          <p:cNvPr id="5" name="文字版面配置區 4">
+            <a:extLst>
+              <a:ext uri="{FF2B5EF4-FFF2-40B4-BE49-F238E27FC236}">
+                <a16:creationId xmlns:a16="http://schemas.microsoft.com/office/drawing/2014/main" id="{0234E306-6658-4246-B671-84FED8974166}"/>
+              </a:ext>
+            </a:extLst>
+          </p:cNvPr>
+          <p:cNvSpPr>
+            <a:spLocks noGrp="1"/>
+          </p:cNvSpPr>
+          <p:nvPr>
+            <p:ph type="body" idx="1"/>
+          </p:nvPr>
+        </p:nvSpPr>
+        <p:spPr/>
+        <p:txBody>
+          <a:bodyPr/>
+          <a:lstStyle/>
+          <a:p>
+            <a:endParaRPr lang="zh-TW" altLang="en-US"/>
+          </a:p>
+        </p:txBody>
+      </p:sp>
+    </p:spTree>
+    <p:extLst>
+      <p:ext uri="{BB962C8B-B14F-4D97-AF65-F5344CB8AC3E}">
+        <p14:creationId xmlns:p14="http://schemas.microsoft.com/office/powerpoint/2010/main" val="2170769223"/>
+      </p:ext>
+    </p:extLst>
+  </p:cSld>
+  <p:clrMapOvr>
+    <a:masterClrMapping/>
+  </p:clrMapOvr>
+</p:sld>
+</file>
+
+<file path=ppt/slides/slide13.xml><?xml version="1.0" encoding="utf-8"?>
+<p:sld xmlns:a="http://schemas.openxmlformats.org/drawingml/2006/main" xmlns:r="http://schemas.openxmlformats.org/officeDocument/2006/relationships" xmlns:p="http://schemas.openxmlformats.org/presentationml/2006/main">
+  <p:cSld>
+    <p:spTree>
+      <p:nvGrpSpPr>
+        <p:cNvPr id="1" name=""/>
+        <p:cNvGrpSpPr/>
+        <p:nvPr/>
+      </p:nvGrpSpPr>
+      <p:grpSpPr>
+        <a:xfrm>
+          <a:off x="0" y="0"/>
+          <a:ext cx="0" cy="0"/>
+          <a:chOff x="0" y="0"/>
+          <a:chExt cx="0" cy="0"/>
+        </a:xfrm>
+      </p:grpSpPr>
+      <p:sp>
+        <p:nvSpPr>
+          <p:cNvPr id="2" name="標題 1">
+            <a:extLst>
+              <a:ext uri="{FF2B5EF4-FFF2-40B4-BE49-F238E27FC236}">
+                <a16:creationId xmlns:a16="http://schemas.microsoft.com/office/drawing/2014/main" id="{5DD07498-5F52-49AE-8F70-D644A562FAEE}"/>
+              </a:ext>
+            </a:extLst>
+          </p:cNvPr>
+          <p:cNvSpPr>
+            <a:spLocks noGrp="1"/>
+          </p:cNvSpPr>
+          <p:nvPr>
+            <p:ph type="title"/>
+          </p:nvPr>
+        </p:nvSpPr>
+        <p:spPr/>
+        <p:txBody>
+          <a:bodyPr/>
+          <a:lstStyle/>
+          <a:p>
+            <a:endParaRPr lang="zh-TW" altLang="en-US"/>
+          </a:p>
+        </p:txBody>
+      </p:sp>
+      <p:sp>
+        <p:nvSpPr>
+          <p:cNvPr id="3" name="內容版面配置區 2">
+            <a:extLst>
+              <a:ext uri="{FF2B5EF4-FFF2-40B4-BE49-F238E27FC236}">
+                <a16:creationId xmlns:a16="http://schemas.microsoft.com/office/drawing/2014/main" id="{38A78F0E-8A29-474B-B872-6D9F55857160}"/>
+              </a:ext>
+            </a:extLst>
+          </p:cNvPr>
+          <p:cNvSpPr>
+            <a:spLocks noGrp="1"/>
+          </p:cNvSpPr>
+          <p:nvPr>
+            <p:ph idx="1"/>
+          </p:nvPr>
+        </p:nvSpPr>
+        <p:spPr/>
+        <p:txBody>
+          <a:bodyPr/>
+          <a:lstStyle/>
+          <a:p>
+            <a:r>
+              <a:rPr lang="en-US" altLang="zh-TW" dirty="0"/>
+              <a:t>Init Controller</a:t>
+            </a:r>
+          </a:p>
+          <a:p>
+            <a:r>
+              <a:rPr lang="en-US" altLang="zh-TW" dirty="0"/>
+              <a:t>shutdown controller (SHN == 1)</a:t>
+            </a:r>
+          </a:p>
+          <a:p>
+            <a:r>
+              <a:rPr lang="en-US" altLang="zh-TW" dirty="0"/>
+              <a:t>reset controller</a:t>
+            </a:r>
+          </a:p>
+          <a:p>
+            <a:r>
+              <a:rPr lang="en-US" altLang="zh-TW" dirty="0"/>
+              <a:t>Queue create/delete sequence</a:t>
+            </a:r>
+            <a:endParaRPr lang="zh-TW" altLang="en-US" dirty="0"/>
+          </a:p>
+        </p:txBody>
+      </p:sp>
+    </p:spTree>
+    <p:extLst>
+      <p:ext uri="{BB962C8B-B14F-4D97-AF65-F5344CB8AC3E}">
+        <p14:creationId xmlns:p14="http://schemas.microsoft.com/office/powerpoint/2010/main" val="777140348"/>
+      </p:ext>
+    </p:extLst>
+  </p:cSld>
+  <p:clrMapOvr>
+    <a:masterClrMapping/>
+  </p:clrMapOvr>
+</p:sld>
+</file>
+
+<file path=ppt/slides/slide14.xml><?xml version="1.0" encoding="utf-8"?>
+<p:sld xmlns:a="http://schemas.openxmlformats.org/drawingml/2006/main" xmlns:r="http://schemas.openxmlformats.org/officeDocument/2006/relationships" xmlns:p="http://schemas.openxmlformats.org/presentationml/2006/main">
+  <p:cSld>
+    <p:spTree>
+      <p:nvGrpSpPr>
+        <p:cNvPr id="1" name=""/>
+        <p:cNvGrpSpPr/>
+        <p:nvPr/>
+      </p:nvGrpSpPr>
+      <p:grpSpPr>
+        <a:xfrm>
+          <a:off x="0" y="0"/>
+          <a:ext cx="0" cy="0"/>
+          <a:chOff x="0" y="0"/>
+          <a:chExt cx="0" cy="0"/>
+        </a:xfrm>
+      </p:grpSpPr>
+      <p:sp>
+        <p:nvSpPr>
+          <p:cNvPr id="4" name="標題 3">
+            <a:extLst>
+              <a:ext uri="{FF2B5EF4-FFF2-40B4-BE49-F238E27FC236}">
+                <a16:creationId xmlns:a16="http://schemas.microsoft.com/office/drawing/2014/main" id="{9108BE99-58FD-4D5D-9AA4-65A64F5EC935}"/>
+              </a:ext>
+            </a:extLst>
+          </p:cNvPr>
+          <p:cNvSpPr>
+            <a:spLocks noGrp="1"/>
+          </p:cNvSpPr>
+          <p:nvPr>
+            <p:ph type="title"/>
+          </p:nvPr>
+        </p:nvSpPr>
+        <p:spPr/>
+        <p:txBody>
+          <a:bodyPr/>
+          <a:lstStyle/>
+          <a:p>
+            <a:r>
+              <a:rPr lang="en-US" altLang="zh-TW" dirty="0"/>
+              <a:t>Admin and I/O Queues</a:t>
+            </a:r>
+            <a:endParaRPr lang="zh-TW" altLang="en-US" dirty="0"/>
+          </a:p>
+        </p:txBody>
+      </p:sp>
+      <p:sp>
+        <p:nvSpPr>
+          <p:cNvPr id="5" name="文字版面配置區 4">
+            <a:extLst>
+              <a:ext uri="{FF2B5EF4-FFF2-40B4-BE49-F238E27FC236}">
+                <a16:creationId xmlns:a16="http://schemas.microsoft.com/office/drawing/2014/main" id="{97D13A04-9C11-47DC-B7E1-8E69EA7F1754}"/>
+              </a:ext>
+            </a:extLst>
+          </p:cNvPr>
+          <p:cNvSpPr>
+            <a:spLocks noGrp="1"/>
+          </p:cNvSpPr>
+          <p:nvPr>
+            <p:ph type="body" idx="1"/>
+          </p:nvPr>
+        </p:nvSpPr>
+        <p:spPr/>
+        <p:txBody>
+          <a:bodyPr/>
+          <a:lstStyle/>
+          <a:p>
+            <a:endParaRPr lang="zh-TW" altLang="en-US"/>
+          </a:p>
+        </p:txBody>
+      </p:sp>
+    </p:spTree>
+    <p:extLst>
+      <p:ext uri="{BB962C8B-B14F-4D97-AF65-F5344CB8AC3E}">
+        <p14:creationId xmlns:p14="http://schemas.microsoft.com/office/powerpoint/2010/main" val="1835430700"/>
+      </p:ext>
+    </p:extLst>
+  </p:cSld>
+  <p:clrMapOvr>
+    <a:masterClrMapping/>
+  </p:clrMapOvr>
+</p:sld>
+</file>
+
+<file path=ppt/slides/slide15.xml><?xml version="1.0" encoding="utf-8"?>
+<p:sld xmlns:a="http://schemas.openxmlformats.org/drawingml/2006/main" xmlns:r="http://schemas.openxmlformats.org/officeDocument/2006/relationships" xmlns:p="http://schemas.openxmlformats.org/presentationml/2006/main">
+  <p:cSld>
+    <p:spTree>
+      <p:nvGrpSpPr>
+        <p:cNvPr id="1" name=""/>
+        <p:cNvGrpSpPr/>
+        <p:nvPr/>
+      </p:nvGrpSpPr>
+      <p:grpSpPr>
+        <a:xfrm>
+          <a:off x="0" y="0"/>
+          <a:ext cx="0" cy="0"/>
+          <a:chOff x="0" y="0"/>
+          <a:chExt cx="0" cy="0"/>
+        </a:xfrm>
+      </p:grpSpPr>
+      <p:sp>
+        <p:nvSpPr>
+          <p:cNvPr id="2" name="標題 1">
+            <a:extLst>
+              <a:ext uri="{FF2B5EF4-FFF2-40B4-BE49-F238E27FC236}">
+                <a16:creationId xmlns:a16="http://schemas.microsoft.com/office/drawing/2014/main" id="{5DD07498-5F52-49AE-8F70-D644A562FAEE}"/>
+              </a:ext>
+            </a:extLst>
+          </p:cNvPr>
+          <p:cNvSpPr>
+            <a:spLocks noGrp="1"/>
+          </p:cNvSpPr>
+          <p:nvPr>
+            <p:ph type="title"/>
+          </p:nvPr>
+        </p:nvSpPr>
+        <p:spPr/>
+        <p:txBody>
+          <a:bodyPr/>
+          <a:lstStyle/>
+          <a:p>
+            <a:endParaRPr lang="zh-TW" altLang="en-US"/>
+          </a:p>
+        </p:txBody>
+      </p:sp>
+      <p:sp>
+        <p:nvSpPr>
+          <p:cNvPr id="3" name="內容版面配置區 2">
+            <a:extLst>
+              <a:ext uri="{FF2B5EF4-FFF2-40B4-BE49-F238E27FC236}">
+                <a16:creationId xmlns:a16="http://schemas.microsoft.com/office/drawing/2014/main" id="{38A78F0E-8A29-474B-B872-6D9F55857160}"/>
+              </a:ext>
+            </a:extLst>
+          </p:cNvPr>
+          <p:cNvSpPr>
+            <a:spLocks noGrp="1"/>
+          </p:cNvSpPr>
+          <p:nvPr>
+            <p:ph idx="1"/>
+          </p:nvPr>
+        </p:nvSpPr>
+        <p:spPr/>
+        <p:txBody>
+          <a:bodyPr/>
+          <a:lstStyle/>
+          <a:p>
+            <a:endParaRPr lang="zh-TW" altLang="en-US"/>
+          </a:p>
+        </p:txBody>
+      </p:sp>
+    </p:spTree>
+    <p:extLst>
+      <p:ext uri="{BB962C8B-B14F-4D97-AF65-F5344CB8AC3E}">
+        <p14:creationId xmlns:p14="http://schemas.microsoft.com/office/powerpoint/2010/main" val="2532945758"/>
+      </p:ext>
+    </p:extLst>
+  </p:cSld>
+  <p:clrMapOvr>
+    <a:masterClrMapping/>
+  </p:clrMapOvr>
+</p:sld>
+</file>
+
+<file path=ppt/slides/slide16.xml><?xml version="1.0" encoding="utf-8"?>
+<p:sld xmlns:a="http://schemas.openxmlformats.org/drawingml/2006/main" xmlns:r="http://schemas.openxmlformats.org/officeDocument/2006/relationships" xmlns:p="http://schemas.openxmlformats.org/presentationml/2006/main">
+  <p:cSld>
+    <p:spTree>
+      <p:nvGrpSpPr>
+        <p:cNvPr id="1" name=""/>
+        <p:cNvGrpSpPr/>
+        <p:nvPr/>
+      </p:nvGrpSpPr>
+      <p:grpSpPr>
+        <a:xfrm>
+          <a:off x="0" y="0"/>
+          <a:ext cx="0" cy="0"/>
+          <a:chOff x="0" y="0"/>
+          <a:chExt cx="0" cy="0"/>
+        </a:xfrm>
+      </p:grpSpPr>
+      <p:sp>
+        <p:nvSpPr>
+          <p:cNvPr id="4" name="標題 3">
+            <a:extLst>
+              <a:ext uri="{FF2B5EF4-FFF2-40B4-BE49-F238E27FC236}">
+                <a16:creationId xmlns:a16="http://schemas.microsoft.com/office/drawing/2014/main" id="{B85BB7CA-6397-4B9A-9539-366D00893484}"/>
+              </a:ext>
+            </a:extLst>
+          </p:cNvPr>
+          <p:cNvSpPr>
+            <a:spLocks noGrp="1"/>
+          </p:cNvSpPr>
+          <p:nvPr>
+            <p:ph type="title"/>
+          </p:nvPr>
+        </p:nvSpPr>
+        <p:spPr/>
+        <p:txBody>
+          <a:bodyPr/>
+          <a:lstStyle/>
+          <a:p>
+            <a:r>
+              <a:rPr lang="en-US" altLang="zh-TW" dirty="0" err="1"/>
+              <a:t>NVMe</a:t>
+            </a:r>
+            <a:r>
+              <a:rPr lang="en-US" altLang="zh-TW" dirty="0"/>
+              <a:t> Queue</a:t>
+            </a:r>
+            <a:endParaRPr lang="zh-TW" altLang="en-US" dirty="0"/>
+          </a:p>
+        </p:txBody>
+      </p:sp>
+      <p:sp>
+        <p:nvSpPr>
+          <p:cNvPr id="5" name="內容版面配置區 4">
+            <a:extLst>
+              <a:ext uri="{FF2B5EF4-FFF2-40B4-BE49-F238E27FC236}">
+                <a16:creationId xmlns:a16="http://schemas.microsoft.com/office/drawing/2014/main" id="{31DD020F-E3D8-4D11-9F02-A2BF43BAEE98}"/>
+              </a:ext>
+            </a:extLst>
+          </p:cNvPr>
+          <p:cNvSpPr>
+            <a:spLocks noGrp="1"/>
+          </p:cNvSpPr>
+          <p:nvPr>
+            <p:ph idx="1"/>
+          </p:nvPr>
+        </p:nvSpPr>
+        <p:spPr/>
+        <p:txBody>
+          <a:bodyPr/>
+          <a:lstStyle/>
+          <a:p>
+            <a:endParaRPr lang="zh-TW" altLang="en-US" dirty="0"/>
+          </a:p>
+        </p:txBody>
+      </p:sp>
+      <p:sp>
+        <p:nvSpPr>
+          <p:cNvPr id="6" name="矩形 5">
+            <a:extLst>
+              <a:ext uri="{FF2B5EF4-FFF2-40B4-BE49-F238E27FC236}">
+                <a16:creationId xmlns:a16="http://schemas.microsoft.com/office/drawing/2014/main" id="{8E686140-89F4-4F90-A674-3B67B1B6CC4F}"/>
+              </a:ext>
+            </a:extLst>
+          </p:cNvPr>
+          <p:cNvSpPr/>
+          <p:nvPr/>
+        </p:nvSpPr>
+        <p:spPr>
+          <a:xfrm>
+            <a:off x="3936000" y="5124704"/>
+            <a:ext cx="4320000" cy="720000"/>
+          </a:xfrm>
+          <a:prstGeom prst="rect">
+            <a:avLst/>
+          </a:prstGeom>
+        </p:spPr>
+        <p:style>
+          <a:lnRef idx="0">
+            <a:schemeClr val="accent3"/>
+          </a:lnRef>
+          <a:fillRef idx="3">
+            <a:schemeClr val="accent3"/>
+          </a:fillRef>
+          <a:effectRef idx="3">
+            <a:schemeClr val="accent3"/>
+          </a:effectRef>
+          <a:fontRef idx="minor">
+            <a:schemeClr val="lt1"/>
+          </a:fontRef>
+        </p:style>
+        <p:txBody>
+          <a:bodyPr rtlCol="0" anchor="ctr"/>
+          <a:lstStyle/>
+          <a:p>
+            <a:pPr algn="ctr"/>
+            <a:r>
+              <a:rPr lang="en-US" altLang="zh-TW" dirty="0" err="1"/>
+              <a:t>NVMe</a:t>
+            </a:r>
+            <a:r>
+              <a:rPr lang="en-US" altLang="zh-TW" dirty="0"/>
+              <a:t> Device</a:t>
+            </a:r>
+            <a:endParaRPr lang="zh-TW" altLang="en-US" dirty="0"/>
+          </a:p>
+        </p:txBody>
+      </p:sp>
+      <p:sp>
+        <p:nvSpPr>
+          <p:cNvPr id="7" name="矩形 6">
+            <a:extLst>
+              <a:ext uri="{FF2B5EF4-FFF2-40B4-BE49-F238E27FC236}">
+                <a16:creationId xmlns:a16="http://schemas.microsoft.com/office/drawing/2014/main" id="{0DE59471-ACB8-45E6-9E06-2044543FDA0F}"/>
+              </a:ext>
+            </a:extLst>
+          </p:cNvPr>
+          <p:cNvSpPr/>
+          <p:nvPr/>
+        </p:nvSpPr>
+        <p:spPr>
+          <a:xfrm>
+            <a:off x="6456000" y="3145259"/>
+            <a:ext cx="1800000" cy="1440000"/>
+          </a:xfrm>
+          <a:prstGeom prst="rect">
+            <a:avLst/>
+          </a:prstGeom>
+        </p:spPr>
+        <p:style>
+          <a:lnRef idx="1">
+            <a:schemeClr val="accent4"/>
+          </a:lnRef>
+          <a:fillRef idx="2">
+            <a:schemeClr val="accent4"/>
+          </a:fillRef>
+          <a:effectRef idx="1">
+            <a:schemeClr val="accent4"/>
+          </a:effectRef>
+          <a:fontRef idx="minor">
+            <a:schemeClr val="dk1"/>
+          </a:fontRef>
+        </p:style>
+        <p:txBody>
+          <a:bodyPr rtlCol="0" anchor="ctr"/>
+          <a:lstStyle/>
+          <a:p>
+            <a:pPr algn="ctr"/>
+            <a:r>
+              <a:rPr lang="en-US" altLang="zh-TW" dirty="0" err="1"/>
+              <a:t>Submittion</a:t>
+            </a:r>
+            <a:r>
+              <a:rPr lang="en-US" altLang="zh-TW" dirty="0"/>
+              <a:t> Queue</a:t>
+            </a:r>
+            <a:endParaRPr lang="zh-TW" altLang="en-US" dirty="0"/>
+          </a:p>
+        </p:txBody>
+      </p:sp>
+      <p:sp>
+        <p:nvSpPr>
+          <p:cNvPr id="8" name="矩形 7">
+            <a:extLst>
+              <a:ext uri="{FF2B5EF4-FFF2-40B4-BE49-F238E27FC236}">
+                <a16:creationId xmlns:a16="http://schemas.microsoft.com/office/drawing/2014/main" id="{B9B330FD-D329-4B29-911F-D7A7A4225E09}"/>
+              </a:ext>
+            </a:extLst>
+          </p:cNvPr>
+          <p:cNvSpPr/>
+          <p:nvPr/>
+        </p:nvSpPr>
+        <p:spPr>
+          <a:xfrm>
+            <a:off x="3936001" y="3145259"/>
+            <a:ext cx="1800000" cy="1440000"/>
+          </a:xfrm>
+          <a:prstGeom prst="rect">
+            <a:avLst/>
+          </a:prstGeom>
+        </p:spPr>
+        <p:style>
+          <a:lnRef idx="1">
+            <a:schemeClr val="accent4"/>
+          </a:lnRef>
+          <a:fillRef idx="2">
+            <a:schemeClr val="accent4"/>
+          </a:fillRef>
+          <a:effectRef idx="1">
+            <a:schemeClr val="accent4"/>
+          </a:effectRef>
+          <a:fontRef idx="minor">
+            <a:schemeClr val="dk1"/>
+          </a:fontRef>
+        </p:style>
+        <p:txBody>
+          <a:bodyPr rtlCol="0" anchor="ctr"/>
+          <a:lstStyle/>
+          <a:p>
+            <a:pPr algn="ctr"/>
+            <a:r>
+              <a:rPr lang="en-US" altLang="zh-TW" dirty="0"/>
+              <a:t>Completion Queue</a:t>
+            </a:r>
+            <a:endParaRPr lang="zh-TW" altLang="en-US" dirty="0"/>
+          </a:p>
+        </p:txBody>
+      </p:sp>
+      <p:sp>
+        <p:nvSpPr>
+          <p:cNvPr id="9" name="箭號: 向下 8">
+            <a:extLst>
+              <a:ext uri="{FF2B5EF4-FFF2-40B4-BE49-F238E27FC236}">
+                <a16:creationId xmlns:a16="http://schemas.microsoft.com/office/drawing/2014/main" id="{179642EC-D510-455F-82A9-8AED41E60404}"/>
+              </a:ext>
+            </a:extLst>
+          </p:cNvPr>
+          <p:cNvSpPr/>
+          <p:nvPr/>
+        </p:nvSpPr>
+        <p:spPr>
+          <a:xfrm>
+            <a:off x="6990240" y="2029830"/>
+            <a:ext cx="731520" cy="1064768"/>
+          </a:xfrm>
+          <a:prstGeom prst="downArrow">
+            <a:avLst/>
+          </a:prstGeom>
+        </p:spPr>
+        <p:style>
+          <a:lnRef idx="1">
+            <a:schemeClr val="accent6"/>
+          </a:lnRef>
+          <a:fillRef idx="2">
+            <a:schemeClr val="accent6"/>
+          </a:fillRef>
+          <a:effectRef idx="1">
+            <a:schemeClr val="accent6"/>
+          </a:effectRef>
+          <a:fontRef idx="minor">
+            <a:schemeClr val="dk1"/>
+          </a:fontRef>
+        </p:style>
+        <p:txBody>
+          <a:bodyPr rtlCol="0" anchor="ctr"/>
+          <a:lstStyle/>
+          <a:p>
+            <a:pPr algn="ctr"/>
+            <a:endParaRPr lang="zh-TW" altLang="en-US" dirty="0"/>
+          </a:p>
+        </p:txBody>
+      </p:sp>
+      <p:sp>
+        <p:nvSpPr>
+          <p:cNvPr id="10" name="文字方塊 9">
+            <a:extLst>
+              <a:ext uri="{FF2B5EF4-FFF2-40B4-BE49-F238E27FC236}">
+                <a16:creationId xmlns:a16="http://schemas.microsoft.com/office/drawing/2014/main" id="{68D89488-31A0-4902-9D29-15A4A0D257FD}"/>
+              </a:ext>
+            </a:extLst>
+          </p:cNvPr>
+          <p:cNvSpPr txBox="1"/>
+          <p:nvPr/>
+        </p:nvSpPr>
+        <p:spPr>
+          <a:xfrm>
+            <a:off x="6861335" y="2300776"/>
+            <a:ext cx="944297" cy="369332"/>
+          </a:xfrm>
+          <a:prstGeom prst="rect">
+            <a:avLst/>
+          </a:prstGeom>
+          <a:noFill/>
+        </p:spPr>
+        <p:txBody>
+          <a:bodyPr wrap="none" rtlCol="0">
+            <a:spAutoFit/>
+          </a:bodyPr>
+          <a:lstStyle/>
+          <a:p>
+            <a:r>
+              <a:rPr lang="en-US" altLang="zh-TW" dirty="0"/>
+              <a:t>Request</a:t>
+            </a:r>
+            <a:endParaRPr lang="zh-TW" altLang="en-US" dirty="0"/>
+          </a:p>
+        </p:txBody>
+      </p:sp>
+      <p:sp>
+        <p:nvSpPr>
+          <p:cNvPr id="11" name="箭號: 向下 10">
+            <a:extLst>
+              <a:ext uri="{FF2B5EF4-FFF2-40B4-BE49-F238E27FC236}">
+                <a16:creationId xmlns:a16="http://schemas.microsoft.com/office/drawing/2014/main" id="{456F3645-A5B7-4AB0-97DB-28A5D55495F5}"/>
+              </a:ext>
+            </a:extLst>
+          </p:cNvPr>
+          <p:cNvSpPr/>
+          <p:nvPr/>
+        </p:nvSpPr>
+        <p:spPr>
+          <a:xfrm flipV="1">
+            <a:off x="4470241" y="2027660"/>
+            <a:ext cx="731520" cy="1064768"/>
+          </a:xfrm>
+          <a:prstGeom prst="downArrow">
+            <a:avLst/>
+          </a:prstGeom>
+        </p:spPr>
+        <p:style>
+          <a:lnRef idx="1">
+            <a:schemeClr val="accent5"/>
+          </a:lnRef>
+          <a:fillRef idx="2">
+            <a:schemeClr val="accent5"/>
+          </a:fillRef>
+          <a:effectRef idx="1">
+            <a:schemeClr val="accent5"/>
+          </a:effectRef>
+          <a:fontRef idx="minor">
+            <a:schemeClr val="dk1"/>
+          </a:fontRef>
+        </p:style>
+        <p:txBody>
+          <a:bodyPr rtlCol="0" anchor="ctr"/>
+          <a:lstStyle/>
+          <a:p>
+            <a:pPr algn="ctr"/>
+            <a:endParaRPr lang="zh-TW" altLang="en-US" dirty="0"/>
+          </a:p>
+        </p:txBody>
+      </p:sp>
+      <p:sp>
+        <p:nvSpPr>
+          <p:cNvPr id="12" name="文字方塊 11">
+            <a:extLst>
+              <a:ext uri="{FF2B5EF4-FFF2-40B4-BE49-F238E27FC236}">
+                <a16:creationId xmlns:a16="http://schemas.microsoft.com/office/drawing/2014/main" id="{4C02CD59-28AB-4C20-ACBF-634B0794A565}"/>
+              </a:ext>
+            </a:extLst>
+          </p:cNvPr>
+          <p:cNvSpPr txBox="1"/>
+          <p:nvPr/>
+        </p:nvSpPr>
+        <p:spPr>
+          <a:xfrm>
+            <a:off x="4295243" y="2485442"/>
+            <a:ext cx="1081515" cy="369332"/>
+          </a:xfrm>
+          <a:prstGeom prst="rect">
+            <a:avLst/>
+          </a:prstGeom>
+          <a:noFill/>
+        </p:spPr>
+        <p:txBody>
+          <a:bodyPr wrap="none" rtlCol="0">
+            <a:spAutoFit/>
+          </a:bodyPr>
+          <a:lstStyle/>
+          <a:p>
+            <a:r>
+              <a:rPr lang="en-US" altLang="zh-TW" dirty="0"/>
+              <a:t>Response</a:t>
+            </a:r>
+            <a:endParaRPr lang="zh-TW" altLang="en-US" dirty="0"/>
+          </a:p>
+        </p:txBody>
+      </p:sp>
+      <p:sp>
+        <p:nvSpPr>
+          <p:cNvPr id="13" name="箭號: 向下 12">
+            <a:extLst>
+              <a:ext uri="{FF2B5EF4-FFF2-40B4-BE49-F238E27FC236}">
+                <a16:creationId xmlns:a16="http://schemas.microsoft.com/office/drawing/2014/main" id="{1E1B7B98-0CCB-4C01-9F7F-1D15D42C29DB}"/>
+              </a:ext>
+            </a:extLst>
+          </p:cNvPr>
+          <p:cNvSpPr/>
+          <p:nvPr/>
+        </p:nvSpPr>
+        <p:spPr>
+          <a:xfrm>
+            <a:off x="6990240" y="4635920"/>
+            <a:ext cx="731520" cy="422320"/>
+          </a:xfrm>
+          <a:prstGeom prst="downArrow">
+            <a:avLst/>
+          </a:prstGeom>
+        </p:spPr>
+        <p:style>
+          <a:lnRef idx="1">
+            <a:schemeClr val="accent6"/>
+          </a:lnRef>
+          <a:fillRef idx="2">
+            <a:schemeClr val="accent6"/>
+          </a:fillRef>
+          <a:effectRef idx="1">
+            <a:schemeClr val="accent6"/>
+          </a:effectRef>
+          <a:fontRef idx="minor">
+            <a:schemeClr val="dk1"/>
+          </a:fontRef>
+        </p:style>
+        <p:txBody>
+          <a:bodyPr rtlCol="0" anchor="ctr"/>
+          <a:lstStyle/>
+          <a:p>
+            <a:pPr algn="ctr"/>
+            <a:endParaRPr lang="zh-TW" altLang="en-US" dirty="0"/>
+          </a:p>
+        </p:txBody>
+      </p:sp>
+      <p:sp>
+        <p:nvSpPr>
+          <p:cNvPr id="14" name="箭號: 向下 13">
+            <a:extLst>
+              <a:ext uri="{FF2B5EF4-FFF2-40B4-BE49-F238E27FC236}">
+                <a16:creationId xmlns:a16="http://schemas.microsoft.com/office/drawing/2014/main" id="{066C193D-0CE9-445A-B111-5AE904F0F298}"/>
+              </a:ext>
+            </a:extLst>
+          </p:cNvPr>
+          <p:cNvSpPr/>
+          <p:nvPr/>
+        </p:nvSpPr>
+        <p:spPr>
+          <a:xfrm flipV="1">
+            <a:off x="4470241" y="4638089"/>
+            <a:ext cx="731520" cy="422320"/>
+          </a:xfrm>
+          <a:prstGeom prst="downArrow">
+            <a:avLst/>
+          </a:prstGeom>
+        </p:spPr>
+        <p:style>
+          <a:lnRef idx="1">
+            <a:schemeClr val="accent5"/>
+          </a:lnRef>
+          <a:fillRef idx="2">
+            <a:schemeClr val="accent5"/>
+          </a:fillRef>
+          <a:effectRef idx="1">
+            <a:schemeClr val="accent5"/>
+          </a:effectRef>
+          <a:fontRef idx="minor">
+            <a:schemeClr val="dk1"/>
+          </a:fontRef>
+        </p:style>
+        <p:txBody>
+          <a:bodyPr rtlCol="0" anchor="ctr"/>
+          <a:lstStyle/>
+          <a:p>
+            <a:pPr algn="ctr"/>
+            <a:endParaRPr lang="zh-TW" altLang="en-US" dirty="0"/>
+          </a:p>
+        </p:txBody>
+      </p:sp>
+    </p:spTree>
+    <p:extLst>
+      <p:ext uri="{BB962C8B-B14F-4D97-AF65-F5344CB8AC3E}">
+        <p14:creationId xmlns:p14="http://schemas.microsoft.com/office/powerpoint/2010/main" val="3301797147"/>
+      </p:ext>
+    </p:extLst>
+  </p:cSld>
+  <p:clrMapOvr>
+    <a:masterClrMapping/>
+  </p:clrMapOvr>
+</p:sld>
+</file>
+
+<file path=ppt/slides/slide17.xml><?xml version="1.0" encoding="utf-8"?>
+<p:sld xmlns:a="http://schemas.openxmlformats.org/drawingml/2006/main" xmlns:r="http://schemas.openxmlformats.org/officeDocument/2006/relationships" xmlns:p="http://schemas.openxmlformats.org/presentationml/2006/main">
+  <p:cSld>
+    <p:spTree>
+      <p:nvGrpSpPr>
+        <p:cNvPr id="1" name=""/>
+        <p:cNvGrpSpPr/>
+        <p:nvPr/>
+      </p:nvGrpSpPr>
+      <p:grpSpPr>
+        <a:xfrm>
+          <a:off x="0" y="0"/>
+          <a:ext cx="0" cy="0"/>
+          <a:chOff x="0" y="0"/>
+          <a:chExt cx="0" cy="0"/>
+        </a:xfrm>
+      </p:grpSpPr>
+      <p:sp>
+        <p:nvSpPr>
+          <p:cNvPr id="2" name="標題 1">
+            <a:extLst>
+              <a:ext uri="{FF2B5EF4-FFF2-40B4-BE49-F238E27FC236}">
+                <a16:creationId xmlns:a16="http://schemas.microsoft.com/office/drawing/2014/main" id="{4D13DE31-7707-4B7B-9B84-481CA9627F15}"/>
+              </a:ext>
+            </a:extLst>
+          </p:cNvPr>
+          <p:cNvSpPr>
+            <a:spLocks noGrp="1"/>
+          </p:cNvSpPr>
+          <p:nvPr>
+            <p:ph type="title"/>
+          </p:nvPr>
+        </p:nvSpPr>
+        <p:spPr/>
+        <p:txBody>
+          <a:bodyPr/>
+          <a:lstStyle/>
+          <a:p>
+            <a:r>
+              <a:rPr lang="en-US" altLang="zh-TW" dirty="0" err="1"/>
+              <a:t>NVMe</a:t>
+            </a:r>
+            <a:r>
+              <a:rPr lang="en-US" altLang="zh-TW" dirty="0"/>
+              <a:t> Queue Concept</a:t>
+            </a:r>
+            <a:endParaRPr lang="zh-TW" altLang="en-US" dirty="0"/>
+          </a:p>
+        </p:txBody>
+      </p:sp>
+      <p:sp>
+        <p:nvSpPr>
+          <p:cNvPr id="3" name="內容版面配置區 2">
+            <a:extLst>
+              <a:ext uri="{FF2B5EF4-FFF2-40B4-BE49-F238E27FC236}">
+                <a16:creationId xmlns:a16="http://schemas.microsoft.com/office/drawing/2014/main" id="{F2FACA4D-14DE-4121-AA24-8B9A15FC399C}"/>
+              </a:ext>
+            </a:extLst>
+          </p:cNvPr>
+          <p:cNvSpPr>
+            <a:spLocks noGrp="1"/>
+          </p:cNvSpPr>
+          <p:nvPr>
+            <p:ph idx="1"/>
+          </p:nvPr>
+        </p:nvSpPr>
+        <p:spPr/>
+        <p:txBody>
+          <a:bodyPr>
+            <a:normAutofit lnSpcReduction="10000"/>
+          </a:bodyPr>
+          <a:lstStyle/>
+          <a:p>
+            <a:r>
+              <a:rPr lang="en-US" altLang="zh-TW" dirty="0"/>
+              <a:t>All queues are kind of ring buffer structure with doorbell notification .</a:t>
+            </a:r>
+          </a:p>
+          <a:p>
+            <a:r>
+              <a:rPr lang="en-US" altLang="zh-TW" dirty="0" err="1"/>
+              <a:t>Submittion</a:t>
+            </a:r>
+            <a:r>
+              <a:rPr lang="en-US" altLang="zh-TW" dirty="0"/>
+              <a:t> Queue</a:t>
+            </a:r>
+          </a:p>
+          <a:p>
+            <a:pPr lvl="1"/>
+            <a:r>
+              <a:rPr lang="en-US" altLang="zh-TW" dirty="0"/>
+              <a:t>Submit NVME_COMMAND to NVME device</a:t>
+            </a:r>
+          </a:p>
+          <a:p>
+            <a:pPr lvl="1"/>
+            <a:r>
+              <a:rPr lang="en-US" altLang="zh-TW" dirty="0"/>
+              <a:t>After submit, update doorbell to notification device</a:t>
+            </a:r>
+          </a:p>
+          <a:p>
+            <a:pPr lvl="1"/>
+            <a:endParaRPr lang="en-US" altLang="zh-TW" dirty="0"/>
+          </a:p>
+          <a:p>
+            <a:r>
+              <a:rPr lang="en-US" altLang="zh-TW" dirty="0"/>
+              <a:t>Completion Queue</a:t>
+            </a:r>
+          </a:p>
+          <a:p>
+            <a:pPr lvl="1"/>
+            <a:r>
+              <a:rPr lang="en-US" altLang="zh-TW" dirty="0"/>
+              <a:t>Retrieve command result from NVME device</a:t>
+            </a:r>
+          </a:p>
+          <a:p>
+            <a:pPr lvl="1"/>
+            <a:r>
+              <a:rPr lang="en-US" altLang="zh-TW" dirty="0"/>
+              <a:t>Device trigger interrupt</a:t>
+            </a:r>
+            <a:r>
+              <a:rPr lang="zh-TW" altLang="en-US" dirty="0"/>
+              <a:t> </a:t>
+            </a:r>
+            <a:r>
+              <a:rPr lang="en-US" altLang="zh-TW" dirty="0"/>
+              <a:t>back to driver for notification</a:t>
+            </a:r>
+          </a:p>
+          <a:p>
+            <a:pPr lvl="1"/>
+            <a:endParaRPr lang="en-US" altLang="zh-TW" dirty="0"/>
+          </a:p>
+          <a:p>
+            <a:r>
+              <a:rPr lang="en-US" altLang="zh-TW" dirty="0"/>
+              <a:t>1 </a:t>
+            </a:r>
+            <a:r>
+              <a:rPr lang="en-US" altLang="zh-TW" dirty="0" err="1"/>
+              <a:t>SubQ</a:t>
+            </a:r>
+            <a:r>
+              <a:rPr lang="en-US" altLang="zh-TW" dirty="0"/>
+              <a:t> + 1 </a:t>
+            </a:r>
+            <a:r>
+              <a:rPr lang="en-US" altLang="zh-TW" dirty="0" err="1"/>
+              <a:t>CplQ</a:t>
+            </a:r>
+            <a:r>
+              <a:rPr lang="en-US" altLang="zh-TW" dirty="0"/>
+              <a:t> </a:t>
+            </a:r>
+            <a:r>
+              <a:rPr lang="en-US" altLang="zh-TW" dirty="0">
+                <a:sym typeface="Wingdings" panose="05000000000000000000" pitchFamily="2" charset="2"/>
+              </a:rPr>
+              <a:t> a </a:t>
+            </a:r>
+            <a:r>
+              <a:rPr lang="en-US" altLang="zh-TW" dirty="0" err="1">
+                <a:sym typeface="Wingdings" panose="05000000000000000000" pitchFamily="2" charset="2"/>
+              </a:rPr>
+              <a:t>QueuePair</a:t>
+            </a:r>
+            <a:endParaRPr lang="zh-TW" altLang="en-US" dirty="0"/>
+          </a:p>
+        </p:txBody>
+      </p:sp>
+    </p:spTree>
+    <p:extLst>
+      <p:ext uri="{BB962C8B-B14F-4D97-AF65-F5344CB8AC3E}">
+        <p14:creationId xmlns:p14="http://schemas.microsoft.com/office/powerpoint/2010/main" val="3690968021"/>
+      </p:ext>
+    </p:extLst>
+  </p:cSld>
+  <p:clrMapOvr>
+    <a:masterClrMapping/>
+  </p:clrMapOvr>
+</p:sld>
+</file>
+
+<file path=ppt/slides/slide18.xml><?xml version="1.0" encoding="utf-8"?>
+<p:sld xmlns:a="http://schemas.openxmlformats.org/drawingml/2006/main" xmlns:r="http://schemas.openxmlformats.org/officeDocument/2006/relationships" xmlns:p="http://schemas.openxmlformats.org/presentationml/2006/main">
+  <p:cSld>
+    <p:spTree>
+      <p:nvGrpSpPr>
+        <p:cNvPr id="1" name=""/>
+        <p:cNvGrpSpPr/>
+        <p:nvPr/>
+      </p:nvGrpSpPr>
+      <p:grpSpPr>
+        <a:xfrm>
+          <a:off x="0" y="0"/>
+          <a:ext cx="0" cy="0"/>
+          <a:chOff x="0" y="0"/>
+          <a:chExt cx="0" cy="0"/>
+        </a:xfrm>
+      </p:grpSpPr>
+      <p:sp>
+        <p:nvSpPr>
+          <p:cNvPr id="2" name="標題 1">
+            <a:extLst>
+              <a:ext uri="{FF2B5EF4-FFF2-40B4-BE49-F238E27FC236}">
+                <a16:creationId xmlns:a16="http://schemas.microsoft.com/office/drawing/2014/main" id="{A8E875E9-AD81-4F57-AE9B-9695FC1E596C}"/>
+              </a:ext>
+            </a:extLst>
+          </p:cNvPr>
+          <p:cNvSpPr>
+            <a:spLocks noGrp="1"/>
+          </p:cNvSpPr>
+          <p:nvPr>
+            <p:ph type="title"/>
+          </p:nvPr>
+        </p:nvSpPr>
+        <p:spPr/>
+        <p:txBody>
+          <a:bodyPr/>
+          <a:lstStyle/>
+          <a:p>
+            <a:r>
+              <a:rPr lang="en-US" altLang="zh-TW" dirty="0"/>
+              <a:t>Ring Buffer concept</a:t>
+            </a:r>
+            <a:endParaRPr lang="zh-TW" altLang="en-US" dirty="0"/>
+          </a:p>
+        </p:txBody>
+      </p:sp>
+      <p:sp>
+        <p:nvSpPr>
+          <p:cNvPr id="3" name="內容版面配置區 2">
+            <a:extLst>
+              <a:ext uri="{FF2B5EF4-FFF2-40B4-BE49-F238E27FC236}">
+                <a16:creationId xmlns:a16="http://schemas.microsoft.com/office/drawing/2014/main" id="{1A61F770-AC75-49CD-BE48-6B3B8C531047}"/>
+              </a:ext>
+            </a:extLst>
+          </p:cNvPr>
+          <p:cNvSpPr>
+            <a:spLocks noGrp="1"/>
+          </p:cNvSpPr>
+          <p:nvPr>
+            <p:ph idx="1"/>
+          </p:nvPr>
+        </p:nvSpPr>
+        <p:spPr/>
+        <p:txBody>
+          <a:bodyPr/>
+          <a:lstStyle/>
+          <a:p>
+            <a:r>
+              <a:rPr lang="en-US" altLang="zh-TW" dirty="0"/>
+              <a:t>Producer / Consumer model</a:t>
+            </a:r>
+          </a:p>
+          <a:p>
+            <a:endParaRPr lang="en-US" altLang="zh-TW" dirty="0"/>
+          </a:p>
+          <a:p>
+            <a:r>
+              <a:rPr lang="en-US" altLang="zh-TW" dirty="0" err="1"/>
+              <a:t>QHead</a:t>
+            </a:r>
+            <a:r>
+              <a:rPr lang="en-US" altLang="zh-TW" dirty="0"/>
+              <a:t> and </a:t>
+            </a:r>
+            <a:r>
+              <a:rPr lang="en-US" altLang="zh-TW" dirty="0" err="1"/>
+              <a:t>QTail</a:t>
+            </a:r>
+            <a:r>
+              <a:rPr lang="en-US" altLang="zh-TW" dirty="0"/>
+              <a:t> </a:t>
+            </a:r>
+            <a:r>
+              <a:rPr lang="en-US" altLang="zh-TW" dirty="0" err="1"/>
+              <a:t>ptr</a:t>
+            </a:r>
+            <a:endParaRPr lang="en-US" altLang="zh-TW" dirty="0"/>
+          </a:p>
+          <a:p>
+            <a:pPr lvl="1"/>
+            <a:r>
+              <a:rPr lang="en-US" altLang="zh-TW" dirty="0"/>
+              <a:t>Producer updates </a:t>
+            </a:r>
+            <a:r>
+              <a:rPr lang="en-US" altLang="zh-TW" dirty="0" err="1"/>
+              <a:t>QTail</a:t>
+            </a:r>
+            <a:r>
+              <a:rPr lang="en-US" altLang="zh-TW" dirty="0"/>
+              <a:t> </a:t>
+            </a:r>
+            <a:r>
+              <a:rPr lang="en-US" altLang="zh-TW" dirty="0" err="1"/>
+              <a:t>ptr</a:t>
+            </a:r>
+            <a:r>
+              <a:rPr lang="en-US" altLang="zh-TW" dirty="0"/>
+              <a:t> (write)</a:t>
+            </a:r>
+          </a:p>
+          <a:p>
+            <a:pPr lvl="1"/>
+            <a:r>
+              <a:rPr lang="en-US" altLang="zh-TW" dirty="0"/>
+              <a:t>Consumer updates </a:t>
+            </a:r>
+            <a:r>
+              <a:rPr lang="en-US" altLang="zh-TW" dirty="0" err="1"/>
+              <a:t>QHead</a:t>
+            </a:r>
+            <a:r>
+              <a:rPr lang="en-US" altLang="zh-TW" dirty="0"/>
+              <a:t> </a:t>
+            </a:r>
+            <a:r>
+              <a:rPr lang="en-US" altLang="zh-TW" dirty="0" err="1"/>
+              <a:t>ptr</a:t>
+            </a:r>
+            <a:r>
+              <a:rPr lang="en-US" altLang="zh-TW" dirty="0"/>
+              <a:t> (read)</a:t>
+            </a:r>
+          </a:p>
+          <a:p>
+            <a:pPr lvl="1"/>
+            <a:r>
+              <a:rPr lang="en-US" altLang="zh-TW" dirty="0"/>
+              <a:t>If Head == Tail, queue is full. </a:t>
+            </a:r>
+          </a:p>
+          <a:p>
+            <a:pPr lvl="2"/>
+            <a:r>
+              <a:rPr lang="en-US" altLang="zh-TW" dirty="0"/>
+              <a:t>Stop pushing entries into queue.</a:t>
+            </a:r>
+          </a:p>
+          <a:p>
+            <a:pPr lvl="1"/>
+            <a:endParaRPr lang="zh-TW" altLang="en-US" dirty="0"/>
+          </a:p>
+        </p:txBody>
+      </p:sp>
+    </p:spTree>
+    <p:extLst>
+      <p:ext uri="{BB962C8B-B14F-4D97-AF65-F5344CB8AC3E}">
+        <p14:creationId xmlns:p14="http://schemas.microsoft.com/office/powerpoint/2010/main" val="1885401870"/>
+      </p:ext>
+    </p:extLst>
+  </p:cSld>
+  <p:clrMapOvr>
+    <a:masterClrMapping/>
+  </p:clrMapOvr>
+</p:sld>
+</file>
+
+<file path=ppt/slides/slide19.xml><?xml version="1.0" encoding="utf-8"?>
+<p:sld xmlns:a="http://schemas.openxmlformats.org/drawingml/2006/main" xmlns:r="http://schemas.openxmlformats.org/officeDocument/2006/relationships" xmlns:p="http://schemas.openxmlformats.org/presentationml/2006/main">
+  <p:cSld>
+    <p:spTree>
+      <p:nvGrpSpPr>
+        <p:cNvPr id="1" name=""/>
+        <p:cNvGrpSpPr/>
+        <p:nvPr/>
+      </p:nvGrpSpPr>
+      <p:grpSpPr>
+        <a:xfrm>
+          <a:off x="0" y="0"/>
+          <a:ext cx="0" cy="0"/>
+          <a:chOff x="0" y="0"/>
+          <a:chExt cx="0" cy="0"/>
+        </a:xfrm>
+      </p:grpSpPr>
+      <p:sp>
+        <p:nvSpPr>
+          <p:cNvPr id="2" name="標題 1">
+            <a:extLst>
+              <a:ext uri="{FF2B5EF4-FFF2-40B4-BE49-F238E27FC236}">
+                <a16:creationId xmlns:a16="http://schemas.microsoft.com/office/drawing/2014/main" id="{8D059B1B-AA94-4B2F-8140-5487173A598D}"/>
+              </a:ext>
+            </a:extLst>
+          </p:cNvPr>
+          <p:cNvSpPr>
+            <a:spLocks noGrp="1"/>
+          </p:cNvSpPr>
+          <p:nvPr>
+            <p:ph type="title"/>
+          </p:nvPr>
+        </p:nvSpPr>
+        <p:spPr/>
+        <p:txBody>
+          <a:bodyPr/>
+          <a:lstStyle/>
+          <a:p>
+            <a:r>
+              <a:rPr lang="en-US" altLang="zh-TW" dirty="0"/>
+              <a:t>Ring Buffer concept</a:t>
+            </a:r>
+            <a:endParaRPr lang="zh-TW" altLang="en-US" dirty="0"/>
+          </a:p>
+        </p:txBody>
+      </p:sp>
+      <p:pic>
+        <p:nvPicPr>
+          <p:cNvPr id="1028" name="Picture 4" descr="Implementing a Queue using a circular array">
+            <a:extLst>
+              <a:ext uri="{FF2B5EF4-FFF2-40B4-BE49-F238E27FC236}">
+                <a16:creationId xmlns:a16="http://schemas.microsoft.com/office/drawing/2014/main" id="{16D5CDC1-42AF-45F2-9B41-044EF8EA3592}"/>
+              </a:ext>
+            </a:extLst>
+          </p:cNvPr>
+          <p:cNvPicPr>
+            <a:picLocks noGrp="1" noChangeAspect="1" noChangeArrowheads="1"/>
+          </p:cNvPicPr>
+          <p:nvPr>
+            <p:ph idx="1"/>
+          </p:nvPr>
+        </p:nvPicPr>
+        <p:blipFill>
+          <a:blip r:embed="rId2">
+            <a:extLst>
+              <a:ext uri="{28A0092B-C50C-407E-A947-70E740481C1C}">
+                <a14:useLocalDpi xmlns:a14="http://schemas.microsoft.com/office/drawing/2010/main" val="0"/>
+              </a:ext>
+            </a:extLst>
+          </a:blip>
+          <a:srcRect/>
+          <a:stretch>
+            <a:fillRect/>
+          </a:stretch>
+        </p:blipFill>
+        <p:spPr bwMode="auto">
+          <a:xfrm>
+            <a:off x="2805113" y="1511727"/>
+            <a:ext cx="6581774" cy="4981148"/>
+          </a:xfrm>
+          <a:prstGeom prst="rect">
+            <a:avLst/>
+          </a:prstGeom>
+          <a:noFill/>
+          <a:extLst>
+            <a:ext uri="{909E8E84-426E-40DD-AFC4-6F175D3DCCD1}">
+              <a14:hiddenFill xmlns:a14="http://schemas.microsoft.com/office/drawing/2010/main">
+                <a:solidFill>
+                  <a:srgbClr val="FFFFFF"/>
+                </a:solidFill>
+              </a14:hiddenFill>
+            </a:ext>
+          </a:extLst>
+        </p:spPr>
+      </p:pic>
+    </p:spTree>
+    <p:extLst>
+      <p:ext uri="{BB962C8B-B14F-4D97-AF65-F5344CB8AC3E}">
+        <p14:creationId xmlns:p14="http://schemas.microsoft.com/office/powerpoint/2010/main" val="3076538485"/>
       </p:ext>
     </p:extLst>
   </p:cSld>
@@ -3423,7 +5387,11 @@
           <a:bodyPr/>
           <a:lstStyle/>
           <a:p>
-            <a:endParaRPr lang="zh-TW" altLang="en-US"/>
+            <a:r>
+              <a:rPr lang="en-US" altLang="zh-TW" dirty="0"/>
+              <a:t>TOC</a:t>
+            </a:r>
+            <a:endParaRPr lang="zh-TW" altLang="en-US" dirty="0"/>
           </a:p>
         </p:txBody>
       </p:sp>
@@ -3448,7 +5416,42 @@
           <a:bodyPr/>
           <a:lstStyle/>
           <a:p>
-            <a:endParaRPr lang="zh-TW" altLang="en-US"/>
+            <a:r>
+              <a:rPr lang="en-US" altLang="zh-TW" dirty="0" err="1"/>
+              <a:t>NVMe</a:t>
+            </a:r>
+            <a:r>
+              <a:rPr lang="en-US" altLang="zh-TW" dirty="0"/>
+              <a:t> Overview</a:t>
+            </a:r>
+          </a:p>
+          <a:p>
+            <a:r>
+              <a:rPr lang="en-US" altLang="zh-TW" dirty="0"/>
+              <a:t>Important Behavior and Sequence</a:t>
+            </a:r>
+          </a:p>
+          <a:p>
+            <a:r>
+              <a:rPr lang="en-US" altLang="zh-TW" dirty="0"/>
+              <a:t>Admin and I/O Queue</a:t>
+            </a:r>
+          </a:p>
+          <a:p>
+            <a:r>
+              <a:rPr lang="en-US" altLang="zh-TW" dirty="0"/>
+              <a:t>SCSI Translation</a:t>
+            </a:r>
+          </a:p>
+          <a:p>
+            <a:r>
+              <a:rPr lang="en-US" altLang="zh-TW" dirty="0"/>
+              <a:t>Reference</a:t>
+            </a:r>
+            <a:endParaRPr lang="zh-TW" altLang="en-US" dirty="0"/>
+          </a:p>
+          <a:p>
+            <a:endParaRPr lang="zh-TW" altLang="en-US" dirty="0"/>
           </a:p>
         </p:txBody>
       </p:sp>
@@ -3456,6 +5459,4218 @@
     <p:extLst>
       <p:ext uri="{BB962C8B-B14F-4D97-AF65-F5344CB8AC3E}">
         <p14:creationId xmlns:p14="http://schemas.microsoft.com/office/powerpoint/2010/main" val="1587906646"/>
+      </p:ext>
+    </p:extLst>
+  </p:cSld>
+  <p:clrMapOvr>
+    <a:masterClrMapping/>
+  </p:clrMapOvr>
+</p:sld>
+</file>
+
+<file path=ppt/slides/slide20.xml><?xml version="1.0" encoding="utf-8"?>
+<p:sld xmlns:a="http://schemas.openxmlformats.org/drawingml/2006/main" xmlns:r="http://schemas.openxmlformats.org/officeDocument/2006/relationships" xmlns:p="http://schemas.openxmlformats.org/presentationml/2006/main">
+  <p:cSld>
+    <p:spTree>
+      <p:nvGrpSpPr>
+        <p:cNvPr id="1" name=""/>
+        <p:cNvGrpSpPr/>
+        <p:nvPr/>
+      </p:nvGrpSpPr>
+      <p:grpSpPr>
+        <a:xfrm>
+          <a:off x="0" y="0"/>
+          <a:ext cx="0" cy="0"/>
+          <a:chOff x="0" y="0"/>
+          <a:chExt cx="0" cy="0"/>
+        </a:xfrm>
+      </p:grpSpPr>
+      <p:sp>
+        <p:nvSpPr>
+          <p:cNvPr id="2" name="標題 1">
+            <a:extLst>
+              <a:ext uri="{FF2B5EF4-FFF2-40B4-BE49-F238E27FC236}">
+                <a16:creationId xmlns:a16="http://schemas.microsoft.com/office/drawing/2014/main" id="{976890C9-EBB7-41E9-BD92-EB9523480302}"/>
+              </a:ext>
+            </a:extLst>
+          </p:cNvPr>
+          <p:cNvSpPr>
+            <a:spLocks noGrp="1"/>
+          </p:cNvSpPr>
+          <p:nvPr>
+            <p:ph type="title"/>
+          </p:nvPr>
+        </p:nvSpPr>
+        <p:spPr/>
+        <p:txBody>
+          <a:bodyPr/>
+          <a:lstStyle/>
+          <a:p>
+            <a:r>
+              <a:rPr lang="en-US" altLang="zh-TW" dirty="0" err="1"/>
+              <a:t>NVMe</a:t>
+            </a:r>
+            <a:r>
+              <a:rPr lang="en-US" altLang="zh-TW" dirty="0"/>
+              <a:t> </a:t>
+            </a:r>
+            <a:r>
+              <a:rPr lang="en-US" altLang="zh-TW" dirty="0" err="1"/>
+              <a:t>Submittion</a:t>
+            </a:r>
+            <a:r>
+              <a:rPr lang="en-US" altLang="zh-TW" dirty="0"/>
+              <a:t> Queue</a:t>
+            </a:r>
+            <a:endParaRPr lang="zh-TW" altLang="en-US" dirty="0"/>
+          </a:p>
+        </p:txBody>
+      </p:sp>
+      <p:sp>
+        <p:nvSpPr>
+          <p:cNvPr id="3" name="內容版面配置區 2">
+            <a:extLst>
+              <a:ext uri="{FF2B5EF4-FFF2-40B4-BE49-F238E27FC236}">
+                <a16:creationId xmlns:a16="http://schemas.microsoft.com/office/drawing/2014/main" id="{04200311-BA0E-4721-A01F-A7A768374014}"/>
+              </a:ext>
+            </a:extLst>
+          </p:cNvPr>
+          <p:cNvSpPr>
+            <a:spLocks noGrp="1"/>
+          </p:cNvSpPr>
+          <p:nvPr>
+            <p:ph idx="1"/>
+          </p:nvPr>
+        </p:nvSpPr>
+        <p:spPr/>
+        <p:txBody>
+          <a:bodyPr/>
+          <a:lstStyle/>
+          <a:p>
+            <a:r>
+              <a:rPr lang="en-US" altLang="zh-TW" dirty="0"/>
+              <a:t>Each command put into this queue by sequence</a:t>
+            </a:r>
+          </a:p>
+          <a:p>
+            <a:r>
+              <a:rPr lang="en-US" altLang="zh-TW" dirty="0"/>
+              <a:t>Using NVME_COMMAND structure as entry</a:t>
+            </a:r>
+          </a:p>
+          <a:p>
+            <a:r>
+              <a:rPr lang="en-US" altLang="zh-TW" dirty="0" err="1"/>
+              <a:t>SubQHead</a:t>
+            </a:r>
+            <a:r>
+              <a:rPr lang="en-US" altLang="zh-TW" dirty="0"/>
+              <a:t> and </a:t>
+            </a:r>
+            <a:r>
+              <a:rPr lang="en-US" altLang="zh-TW" dirty="0" err="1"/>
+              <a:t>SubQTail</a:t>
+            </a:r>
+            <a:r>
+              <a:rPr lang="en-US" altLang="zh-TW" dirty="0"/>
+              <a:t> cursor</a:t>
+            </a:r>
+          </a:p>
+          <a:p>
+            <a:pPr lvl="1"/>
+            <a:r>
+              <a:rPr lang="en-US" altLang="zh-TW" dirty="0"/>
+              <a:t>Sender update </a:t>
+            </a:r>
+            <a:r>
+              <a:rPr lang="en-US" altLang="zh-TW" dirty="0" err="1"/>
+              <a:t>SubQTail</a:t>
+            </a:r>
+            <a:r>
+              <a:rPr lang="en-US" altLang="zh-TW" dirty="0"/>
+              <a:t> to indicate “where is latest submitted entry”</a:t>
+            </a:r>
+          </a:p>
+          <a:p>
+            <a:pPr lvl="1"/>
+            <a:r>
+              <a:rPr lang="en-US" altLang="zh-TW" dirty="0" err="1"/>
+              <a:t>NVMe</a:t>
+            </a:r>
+            <a:r>
+              <a:rPr lang="en-US" altLang="zh-TW" dirty="0"/>
+              <a:t> device update </a:t>
+            </a:r>
+            <a:r>
+              <a:rPr lang="en-US" altLang="zh-TW" dirty="0" err="1"/>
+              <a:t>SubQHead</a:t>
+            </a:r>
+            <a:r>
+              <a:rPr lang="en-US" altLang="zh-TW" dirty="0"/>
+              <a:t> to indicate “where is latest consumed entry”</a:t>
+            </a:r>
+          </a:p>
+        </p:txBody>
+      </p:sp>
+    </p:spTree>
+    <p:extLst>
+      <p:ext uri="{BB962C8B-B14F-4D97-AF65-F5344CB8AC3E}">
+        <p14:creationId xmlns:p14="http://schemas.microsoft.com/office/powerpoint/2010/main" val="734294015"/>
+      </p:ext>
+    </p:extLst>
+  </p:cSld>
+  <p:clrMapOvr>
+    <a:masterClrMapping/>
+  </p:clrMapOvr>
+</p:sld>
+</file>
+
+<file path=ppt/slides/slide21.xml><?xml version="1.0" encoding="utf-8"?>
+<p:sld xmlns:a="http://schemas.openxmlformats.org/drawingml/2006/main" xmlns:r="http://schemas.openxmlformats.org/officeDocument/2006/relationships" xmlns:p="http://schemas.openxmlformats.org/presentationml/2006/main">
+  <p:cSld>
+    <p:spTree>
+      <p:nvGrpSpPr>
+        <p:cNvPr id="1" name=""/>
+        <p:cNvGrpSpPr/>
+        <p:nvPr/>
+      </p:nvGrpSpPr>
+      <p:grpSpPr>
+        <a:xfrm>
+          <a:off x="0" y="0"/>
+          <a:ext cx="0" cy="0"/>
+          <a:chOff x="0" y="0"/>
+          <a:chExt cx="0" cy="0"/>
+        </a:xfrm>
+      </p:grpSpPr>
+      <p:sp>
+        <p:nvSpPr>
+          <p:cNvPr id="2" name="標題 1">
+            <a:extLst>
+              <a:ext uri="{FF2B5EF4-FFF2-40B4-BE49-F238E27FC236}">
+                <a16:creationId xmlns:a16="http://schemas.microsoft.com/office/drawing/2014/main" id="{5DD07498-5F52-49AE-8F70-D644A562FAEE}"/>
+              </a:ext>
+            </a:extLst>
+          </p:cNvPr>
+          <p:cNvSpPr>
+            <a:spLocks noGrp="1"/>
+          </p:cNvSpPr>
+          <p:nvPr>
+            <p:ph type="title"/>
+          </p:nvPr>
+        </p:nvSpPr>
+        <p:spPr/>
+        <p:txBody>
+          <a:bodyPr/>
+          <a:lstStyle/>
+          <a:p>
+            <a:r>
+              <a:rPr lang="en-US" altLang="zh-TW" dirty="0"/>
+              <a:t>How to transmit data with command</a:t>
+            </a:r>
+            <a:endParaRPr lang="zh-TW" altLang="en-US" dirty="0"/>
+          </a:p>
+        </p:txBody>
+      </p:sp>
+      <p:sp>
+        <p:nvSpPr>
+          <p:cNvPr id="3" name="內容版面配置區 2">
+            <a:extLst>
+              <a:ext uri="{FF2B5EF4-FFF2-40B4-BE49-F238E27FC236}">
+                <a16:creationId xmlns:a16="http://schemas.microsoft.com/office/drawing/2014/main" id="{38A78F0E-8A29-474B-B872-6D9F55857160}"/>
+              </a:ext>
+            </a:extLst>
+          </p:cNvPr>
+          <p:cNvSpPr>
+            <a:spLocks noGrp="1"/>
+          </p:cNvSpPr>
+          <p:nvPr>
+            <p:ph idx="1"/>
+          </p:nvPr>
+        </p:nvSpPr>
+        <p:spPr/>
+        <p:txBody>
+          <a:bodyPr/>
+          <a:lstStyle/>
+          <a:p>
+            <a:r>
+              <a:rPr lang="en-US" altLang="zh-TW" dirty="0"/>
+              <a:t>To transmit data with commands, sender have to prepare some physical pages to store data </a:t>
+            </a:r>
+          </a:p>
+          <a:p>
+            <a:pPr lvl="1"/>
+            <a:r>
+              <a:rPr lang="en-US" altLang="zh-TW" dirty="0"/>
+              <a:t>Sender should set PRP field to store these data</a:t>
+            </a:r>
+          </a:p>
+          <a:p>
+            <a:endParaRPr lang="en-US" altLang="zh-TW" dirty="0"/>
+          </a:p>
+          <a:p>
+            <a:r>
+              <a:rPr lang="en-US" altLang="zh-TW" dirty="0"/>
+              <a:t>Host should prepare these pages to read from/write to </a:t>
+            </a:r>
+            <a:r>
+              <a:rPr lang="en-US" altLang="zh-TW" dirty="0" err="1"/>
+              <a:t>NVMe</a:t>
+            </a:r>
+            <a:r>
+              <a:rPr lang="en-US" altLang="zh-TW" dirty="0"/>
+              <a:t> device.</a:t>
+            </a:r>
+          </a:p>
+          <a:p>
+            <a:endParaRPr lang="en-US" altLang="zh-TW" dirty="0"/>
+          </a:p>
+          <a:p>
+            <a:r>
+              <a:rPr lang="en-US" altLang="zh-TW" dirty="0"/>
+              <a:t>Physical Region Page (PRP)</a:t>
+            </a:r>
+          </a:p>
+          <a:p>
+            <a:r>
+              <a:rPr lang="en-US" altLang="zh-TW" dirty="0"/>
+              <a:t>Scatter Gather List (SGL)</a:t>
+            </a:r>
+          </a:p>
+          <a:p>
+            <a:endParaRPr lang="zh-TW" altLang="en-US" dirty="0"/>
+          </a:p>
+        </p:txBody>
+      </p:sp>
+    </p:spTree>
+    <p:extLst>
+      <p:ext uri="{BB962C8B-B14F-4D97-AF65-F5344CB8AC3E}">
+        <p14:creationId xmlns:p14="http://schemas.microsoft.com/office/powerpoint/2010/main" val="1075892646"/>
+      </p:ext>
+    </p:extLst>
+  </p:cSld>
+  <p:clrMapOvr>
+    <a:masterClrMapping/>
+  </p:clrMapOvr>
+</p:sld>
+</file>
+
+<file path=ppt/slides/slide22.xml><?xml version="1.0" encoding="utf-8"?>
+<p:sld xmlns:a="http://schemas.openxmlformats.org/drawingml/2006/main" xmlns:r="http://schemas.openxmlformats.org/officeDocument/2006/relationships" xmlns:p="http://schemas.openxmlformats.org/presentationml/2006/main">
+  <p:cSld>
+    <p:spTree>
+      <p:nvGrpSpPr>
+        <p:cNvPr id="1" name=""/>
+        <p:cNvGrpSpPr/>
+        <p:nvPr/>
+      </p:nvGrpSpPr>
+      <p:grpSpPr>
+        <a:xfrm>
+          <a:off x="0" y="0"/>
+          <a:ext cx="0" cy="0"/>
+          <a:chOff x="0" y="0"/>
+          <a:chExt cx="0" cy="0"/>
+        </a:xfrm>
+      </p:grpSpPr>
+      <p:sp>
+        <p:nvSpPr>
+          <p:cNvPr id="2" name="標題 1">
+            <a:extLst>
+              <a:ext uri="{FF2B5EF4-FFF2-40B4-BE49-F238E27FC236}">
+                <a16:creationId xmlns:a16="http://schemas.microsoft.com/office/drawing/2014/main" id="{EC86F950-3471-456F-B75A-981FB35221F3}"/>
+              </a:ext>
+            </a:extLst>
+          </p:cNvPr>
+          <p:cNvSpPr>
+            <a:spLocks noGrp="1"/>
+          </p:cNvSpPr>
+          <p:nvPr>
+            <p:ph type="title"/>
+          </p:nvPr>
+        </p:nvSpPr>
+        <p:spPr/>
+        <p:txBody>
+          <a:bodyPr/>
+          <a:lstStyle/>
+          <a:p>
+            <a:endParaRPr lang="zh-TW" altLang="en-US" dirty="0"/>
+          </a:p>
+        </p:txBody>
+      </p:sp>
+      <p:sp>
+        <p:nvSpPr>
+          <p:cNvPr id="3" name="內容版面配置區 2">
+            <a:extLst>
+              <a:ext uri="{FF2B5EF4-FFF2-40B4-BE49-F238E27FC236}">
+                <a16:creationId xmlns:a16="http://schemas.microsoft.com/office/drawing/2014/main" id="{9E6D7088-FD26-4E35-ACB4-34AA12025937}"/>
+              </a:ext>
+            </a:extLst>
+          </p:cNvPr>
+          <p:cNvSpPr>
+            <a:spLocks noGrp="1"/>
+          </p:cNvSpPr>
+          <p:nvPr>
+            <p:ph idx="1"/>
+          </p:nvPr>
+        </p:nvSpPr>
+        <p:spPr/>
+        <p:txBody>
+          <a:bodyPr/>
+          <a:lstStyle/>
+          <a:p>
+            <a:endParaRPr lang="zh-TW" altLang="en-US"/>
+          </a:p>
+        </p:txBody>
+      </p:sp>
+    </p:spTree>
+    <p:extLst>
+      <p:ext uri="{BB962C8B-B14F-4D97-AF65-F5344CB8AC3E}">
+        <p14:creationId xmlns:p14="http://schemas.microsoft.com/office/powerpoint/2010/main" val="1983699397"/>
+      </p:ext>
+    </p:extLst>
+  </p:cSld>
+  <p:clrMapOvr>
+    <a:masterClrMapping/>
+  </p:clrMapOvr>
+</p:sld>
+</file>
+
+<file path=ppt/slides/slide23.xml><?xml version="1.0" encoding="utf-8"?>
+<p:sld xmlns:a="http://schemas.openxmlformats.org/drawingml/2006/main" xmlns:r="http://schemas.openxmlformats.org/officeDocument/2006/relationships" xmlns:p="http://schemas.openxmlformats.org/presentationml/2006/main">
+  <p:cSld>
+    <p:spTree>
+      <p:nvGrpSpPr>
+        <p:cNvPr id="1" name=""/>
+        <p:cNvGrpSpPr/>
+        <p:nvPr/>
+      </p:nvGrpSpPr>
+      <p:grpSpPr>
+        <a:xfrm>
+          <a:off x="0" y="0"/>
+          <a:ext cx="0" cy="0"/>
+          <a:chOff x="0" y="0"/>
+          <a:chExt cx="0" cy="0"/>
+        </a:xfrm>
+      </p:grpSpPr>
+      <p:sp>
+        <p:nvSpPr>
+          <p:cNvPr id="2" name="標題 1">
+            <a:extLst>
+              <a:ext uri="{FF2B5EF4-FFF2-40B4-BE49-F238E27FC236}">
+                <a16:creationId xmlns:a16="http://schemas.microsoft.com/office/drawing/2014/main" id="{EC86F950-3471-456F-B75A-981FB35221F3}"/>
+              </a:ext>
+            </a:extLst>
+          </p:cNvPr>
+          <p:cNvSpPr>
+            <a:spLocks noGrp="1"/>
+          </p:cNvSpPr>
+          <p:nvPr>
+            <p:ph type="title"/>
+          </p:nvPr>
+        </p:nvSpPr>
+        <p:spPr/>
+        <p:txBody>
+          <a:bodyPr/>
+          <a:lstStyle/>
+          <a:p>
+            <a:r>
+              <a:rPr lang="en-US" altLang="zh-TW" dirty="0"/>
+              <a:t>Admin Queue and I/O Queue</a:t>
+            </a:r>
+            <a:endParaRPr lang="zh-TW" altLang="en-US" dirty="0"/>
+          </a:p>
+        </p:txBody>
+      </p:sp>
+      <p:sp>
+        <p:nvSpPr>
+          <p:cNvPr id="3" name="內容版面配置區 2">
+            <a:extLst>
+              <a:ext uri="{FF2B5EF4-FFF2-40B4-BE49-F238E27FC236}">
+                <a16:creationId xmlns:a16="http://schemas.microsoft.com/office/drawing/2014/main" id="{9E6D7088-FD26-4E35-ACB4-34AA12025937}"/>
+              </a:ext>
+            </a:extLst>
+          </p:cNvPr>
+          <p:cNvSpPr>
+            <a:spLocks noGrp="1"/>
+          </p:cNvSpPr>
+          <p:nvPr>
+            <p:ph idx="1"/>
+          </p:nvPr>
+        </p:nvSpPr>
+        <p:spPr/>
+        <p:txBody>
+          <a:bodyPr/>
+          <a:lstStyle/>
+          <a:p>
+            <a:endParaRPr lang="zh-TW" altLang="en-US" dirty="0"/>
+          </a:p>
+        </p:txBody>
+      </p:sp>
+      <p:grpSp>
+        <p:nvGrpSpPr>
+          <p:cNvPr id="79" name="群組 78">
+            <a:extLst>
+              <a:ext uri="{FF2B5EF4-FFF2-40B4-BE49-F238E27FC236}">
+                <a16:creationId xmlns:a16="http://schemas.microsoft.com/office/drawing/2014/main" id="{30F79721-1184-4C45-979B-7556EE4C4D8B}"/>
+              </a:ext>
+            </a:extLst>
+          </p:cNvPr>
+          <p:cNvGrpSpPr/>
+          <p:nvPr/>
+        </p:nvGrpSpPr>
+        <p:grpSpPr>
+          <a:xfrm>
+            <a:off x="1762539" y="2160104"/>
+            <a:ext cx="8322549" cy="3772453"/>
+            <a:chOff x="1762539" y="2160104"/>
+            <a:chExt cx="8322549" cy="3772453"/>
+          </a:xfrm>
+        </p:grpSpPr>
+        <p:grpSp>
+          <p:nvGrpSpPr>
+            <p:cNvPr id="23" name="群組 22">
+              <a:extLst>
+                <a:ext uri="{FF2B5EF4-FFF2-40B4-BE49-F238E27FC236}">
+                  <a16:creationId xmlns:a16="http://schemas.microsoft.com/office/drawing/2014/main" id="{8523F69F-C7EF-4E2B-BF42-D08B81A3B59E}"/>
+                </a:ext>
+              </a:extLst>
+            </p:cNvPr>
+            <p:cNvGrpSpPr/>
+            <p:nvPr/>
+          </p:nvGrpSpPr>
+          <p:grpSpPr>
+            <a:xfrm>
+              <a:off x="1762539" y="2160104"/>
+              <a:ext cx="3043583" cy="3772453"/>
+              <a:chOff x="1762539" y="2160104"/>
+              <a:chExt cx="3043583" cy="3772453"/>
+            </a:xfrm>
+          </p:grpSpPr>
+          <p:sp>
+            <p:nvSpPr>
+              <p:cNvPr id="4" name="矩形 3">
+                <a:extLst>
+                  <a:ext uri="{FF2B5EF4-FFF2-40B4-BE49-F238E27FC236}">
+                    <a16:creationId xmlns:a16="http://schemas.microsoft.com/office/drawing/2014/main" id="{9B484980-94E3-4C08-9A19-CC3BFC599E88}"/>
+                  </a:ext>
+                </a:extLst>
+              </p:cNvPr>
+              <p:cNvSpPr/>
+              <p:nvPr/>
+            </p:nvSpPr>
+            <p:spPr>
+              <a:xfrm>
+                <a:off x="1762539" y="2160104"/>
+                <a:ext cx="3043583" cy="3772453"/>
+              </a:xfrm>
+              <a:prstGeom prst="rect">
+                <a:avLst/>
+              </a:prstGeom>
+            </p:spPr>
+            <p:style>
+              <a:lnRef idx="1">
+                <a:schemeClr val="accent4"/>
+              </a:lnRef>
+              <a:fillRef idx="2">
+                <a:schemeClr val="accent4"/>
+              </a:fillRef>
+              <a:effectRef idx="1">
+                <a:schemeClr val="accent4"/>
+              </a:effectRef>
+              <a:fontRef idx="minor">
+                <a:schemeClr val="dk1"/>
+              </a:fontRef>
+            </p:style>
+            <p:txBody>
+              <a:bodyPr rtlCol="0" anchor="t"/>
+              <a:lstStyle/>
+              <a:p>
+                <a:pPr algn="ctr"/>
+                <a:r>
+                  <a:rPr lang="en-US" altLang="zh-TW" dirty="0" err="1"/>
+                  <a:t>SubmitQueue</a:t>
+                </a:r>
+                <a:endParaRPr lang="zh-TW" altLang="en-US" dirty="0"/>
+              </a:p>
+            </p:txBody>
+          </p:sp>
+          <p:sp>
+            <p:nvSpPr>
+              <p:cNvPr id="6" name="矩形 5">
+                <a:extLst>
+                  <a:ext uri="{FF2B5EF4-FFF2-40B4-BE49-F238E27FC236}">
+                    <a16:creationId xmlns:a16="http://schemas.microsoft.com/office/drawing/2014/main" id="{447EB405-1CF1-4DCF-BEC2-C96092462458}"/>
+                  </a:ext>
+                </a:extLst>
+              </p:cNvPr>
+              <p:cNvSpPr/>
+              <p:nvPr/>
+            </p:nvSpPr>
+            <p:spPr>
+              <a:xfrm>
+                <a:off x="2384330" y="2641600"/>
+                <a:ext cx="1800000" cy="360000"/>
+              </a:xfrm>
+              <a:prstGeom prst="rect">
+                <a:avLst/>
+              </a:prstGeom>
+            </p:spPr>
+            <p:style>
+              <a:lnRef idx="1">
+                <a:schemeClr val="accent5"/>
+              </a:lnRef>
+              <a:fillRef idx="2">
+                <a:schemeClr val="accent5"/>
+              </a:fillRef>
+              <a:effectRef idx="1">
+                <a:schemeClr val="accent5"/>
+              </a:effectRef>
+              <a:fontRef idx="minor">
+                <a:schemeClr val="dk1"/>
+              </a:fontRef>
+            </p:style>
+            <p:txBody>
+              <a:bodyPr rtlCol="0" anchor="ctr"/>
+              <a:lstStyle/>
+              <a:p>
+                <a:pPr algn="ctr"/>
+                <a:r>
+                  <a:rPr lang="en-US" altLang="zh-TW" dirty="0"/>
+                  <a:t>SubQ-0</a:t>
+                </a:r>
+                <a:endParaRPr lang="zh-TW" altLang="en-US" dirty="0"/>
+              </a:p>
+            </p:txBody>
+          </p:sp>
+          <p:sp>
+            <p:nvSpPr>
+              <p:cNvPr id="7" name="矩形 6">
+                <a:extLst>
+                  <a:ext uri="{FF2B5EF4-FFF2-40B4-BE49-F238E27FC236}">
+                    <a16:creationId xmlns:a16="http://schemas.microsoft.com/office/drawing/2014/main" id="{A656E593-E0E2-4A6C-AA4B-BA9A03CC5229}"/>
+                  </a:ext>
+                </a:extLst>
+              </p:cNvPr>
+              <p:cNvSpPr/>
+              <p:nvPr/>
+            </p:nvSpPr>
+            <p:spPr>
+              <a:xfrm>
+                <a:off x="2384330" y="3001600"/>
+                <a:ext cx="1800000" cy="360000"/>
+              </a:xfrm>
+              <a:prstGeom prst="rect">
+                <a:avLst/>
+              </a:prstGeom>
+            </p:spPr>
+            <p:style>
+              <a:lnRef idx="1">
+                <a:schemeClr val="accent5"/>
+              </a:lnRef>
+              <a:fillRef idx="2">
+                <a:schemeClr val="accent5"/>
+              </a:fillRef>
+              <a:effectRef idx="1">
+                <a:schemeClr val="accent5"/>
+              </a:effectRef>
+              <a:fontRef idx="minor">
+                <a:schemeClr val="dk1"/>
+              </a:fontRef>
+            </p:style>
+            <p:txBody>
+              <a:bodyPr rtlCol="0" anchor="ctr"/>
+              <a:lstStyle/>
+              <a:p>
+                <a:pPr algn="ctr"/>
+                <a:r>
+                  <a:rPr lang="en-US" altLang="zh-TW" dirty="0"/>
+                  <a:t>SubQ-1</a:t>
+                </a:r>
+                <a:endParaRPr lang="zh-TW" altLang="en-US" dirty="0"/>
+              </a:p>
+            </p:txBody>
+          </p:sp>
+          <p:sp>
+            <p:nvSpPr>
+              <p:cNvPr id="8" name="矩形 7">
+                <a:extLst>
+                  <a:ext uri="{FF2B5EF4-FFF2-40B4-BE49-F238E27FC236}">
+                    <a16:creationId xmlns:a16="http://schemas.microsoft.com/office/drawing/2014/main" id="{FCC0D861-F3BA-43C5-983A-97256EC7A30B}"/>
+                  </a:ext>
+                </a:extLst>
+              </p:cNvPr>
+              <p:cNvSpPr/>
+              <p:nvPr/>
+            </p:nvSpPr>
+            <p:spPr>
+              <a:xfrm>
+                <a:off x="2384330" y="3363967"/>
+                <a:ext cx="1800000" cy="360000"/>
+              </a:xfrm>
+              <a:prstGeom prst="rect">
+                <a:avLst/>
+              </a:prstGeom>
+            </p:spPr>
+            <p:style>
+              <a:lnRef idx="1">
+                <a:schemeClr val="accent5"/>
+              </a:lnRef>
+              <a:fillRef idx="2">
+                <a:schemeClr val="accent5"/>
+              </a:fillRef>
+              <a:effectRef idx="1">
+                <a:schemeClr val="accent5"/>
+              </a:effectRef>
+              <a:fontRef idx="minor">
+                <a:schemeClr val="dk1"/>
+              </a:fontRef>
+            </p:style>
+            <p:txBody>
+              <a:bodyPr rtlCol="0" anchor="ctr"/>
+              <a:lstStyle/>
+              <a:p>
+                <a:pPr algn="ctr"/>
+                <a:r>
+                  <a:rPr lang="en-US" altLang="zh-TW" dirty="0"/>
+                  <a:t>SubQ-2</a:t>
+                </a:r>
+                <a:endParaRPr lang="zh-TW" altLang="en-US" dirty="0"/>
+              </a:p>
+            </p:txBody>
+          </p:sp>
+          <p:sp>
+            <p:nvSpPr>
+              <p:cNvPr id="9" name="矩形 8">
+                <a:extLst>
+                  <a:ext uri="{FF2B5EF4-FFF2-40B4-BE49-F238E27FC236}">
+                    <a16:creationId xmlns:a16="http://schemas.microsoft.com/office/drawing/2014/main" id="{CE2DFE8A-E45A-4716-8EBC-49B64FAAEEFA}"/>
+                  </a:ext>
+                </a:extLst>
+              </p:cNvPr>
+              <p:cNvSpPr/>
+              <p:nvPr/>
+            </p:nvSpPr>
+            <p:spPr>
+              <a:xfrm>
+                <a:off x="2384330" y="3728200"/>
+                <a:ext cx="1800000" cy="360000"/>
+              </a:xfrm>
+              <a:prstGeom prst="rect">
+                <a:avLst/>
+              </a:prstGeom>
+            </p:spPr>
+            <p:style>
+              <a:lnRef idx="1">
+                <a:schemeClr val="accent5"/>
+              </a:lnRef>
+              <a:fillRef idx="2">
+                <a:schemeClr val="accent5"/>
+              </a:fillRef>
+              <a:effectRef idx="1">
+                <a:schemeClr val="accent5"/>
+              </a:effectRef>
+              <a:fontRef idx="minor">
+                <a:schemeClr val="dk1"/>
+              </a:fontRef>
+            </p:style>
+            <p:txBody>
+              <a:bodyPr rtlCol="0" anchor="ctr"/>
+              <a:lstStyle/>
+              <a:p>
+                <a:pPr algn="ctr"/>
+                <a:r>
+                  <a:rPr lang="en-US" altLang="zh-TW" dirty="0"/>
+                  <a:t>SubQ-3</a:t>
+                </a:r>
+                <a:endParaRPr lang="zh-TW" altLang="en-US" dirty="0"/>
+              </a:p>
+            </p:txBody>
+          </p:sp>
+          <p:sp>
+            <p:nvSpPr>
+              <p:cNvPr id="10" name="矩形 9">
+                <a:extLst>
+                  <a:ext uri="{FF2B5EF4-FFF2-40B4-BE49-F238E27FC236}">
+                    <a16:creationId xmlns:a16="http://schemas.microsoft.com/office/drawing/2014/main" id="{02D3A85B-C0CD-438B-80C0-767E704C3604}"/>
+                  </a:ext>
+                </a:extLst>
+              </p:cNvPr>
+              <p:cNvSpPr/>
+              <p:nvPr/>
+            </p:nvSpPr>
+            <p:spPr>
+              <a:xfrm>
+                <a:off x="2384330" y="4088200"/>
+                <a:ext cx="1800000" cy="360000"/>
+              </a:xfrm>
+              <a:prstGeom prst="rect">
+                <a:avLst/>
+              </a:prstGeom>
+            </p:spPr>
+            <p:style>
+              <a:lnRef idx="1">
+                <a:schemeClr val="accent5"/>
+              </a:lnRef>
+              <a:fillRef idx="2">
+                <a:schemeClr val="accent5"/>
+              </a:fillRef>
+              <a:effectRef idx="1">
+                <a:schemeClr val="accent5"/>
+              </a:effectRef>
+              <a:fontRef idx="minor">
+                <a:schemeClr val="dk1"/>
+              </a:fontRef>
+            </p:style>
+            <p:txBody>
+              <a:bodyPr rtlCol="0" anchor="ctr"/>
+              <a:lstStyle/>
+              <a:p>
+                <a:pPr algn="ctr"/>
+                <a:r>
+                  <a:rPr lang="en-US" altLang="zh-TW" dirty="0"/>
+                  <a:t>…</a:t>
+                </a:r>
+                <a:endParaRPr lang="zh-TW" altLang="en-US" dirty="0"/>
+              </a:p>
+            </p:txBody>
+          </p:sp>
+          <p:sp>
+            <p:nvSpPr>
+              <p:cNvPr id="11" name="矩形 10">
+                <a:extLst>
+                  <a:ext uri="{FF2B5EF4-FFF2-40B4-BE49-F238E27FC236}">
+                    <a16:creationId xmlns:a16="http://schemas.microsoft.com/office/drawing/2014/main" id="{1CE159B6-625E-4ED6-9228-82DF86C5C198}"/>
+                  </a:ext>
+                </a:extLst>
+              </p:cNvPr>
+              <p:cNvSpPr/>
+              <p:nvPr/>
+            </p:nvSpPr>
+            <p:spPr>
+              <a:xfrm>
+                <a:off x="2384330" y="4448200"/>
+                <a:ext cx="1800000" cy="360000"/>
+              </a:xfrm>
+              <a:prstGeom prst="rect">
+                <a:avLst/>
+              </a:prstGeom>
+            </p:spPr>
+            <p:style>
+              <a:lnRef idx="1">
+                <a:schemeClr val="accent5"/>
+              </a:lnRef>
+              <a:fillRef idx="2">
+                <a:schemeClr val="accent5"/>
+              </a:fillRef>
+              <a:effectRef idx="1">
+                <a:schemeClr val="accent5"/>
+              </a:effectRef>
+              <a:fontRef idx="minor">
+                <a:schemeClr val="dk1"/>
+              </a:fontRef>
+            </p:style>
+            <p:txBody>
+              <a:bodyPr rtlCol="0" anchor="ctr"/>
+              <a:lstStyle/>
+              <a:p>
+                <a:pPr algn="ctr"/>
+                <a:r>
+                  <a:rPr lang="en-US" altLang="zh-TW" dirty="0"/>
+                  <a:t>…</a:t>
+                </a:r>
+                <a:endParaRPr lang="zh-TW" altLang="en-US" dirty="0"/>
+              </a:p>
+            </p:txBody>
+          </p:sp>
+          <p:sp>
+            <p:nvSpPr>
+              <p:cNvPr id="12" name="矩形 11">
+                <a:extLst>
+                  <a:ext uri="{FF2B5EF4-FFF2-40B4-BE49-F238E27FC236}">
+                    <a16:creationId xmlns:a16="http://schemas.microsoft.com/office/drawing/2014/main" id="{E6C90A88-785C-452C-8E6A-6F93E7E64F0D}"/>
+                  </a:ext>
+                </a:extLst>
+              </p:cNvPr>
+              <p:cNvSpPr/>
+              <p:nvPr/>
+            </p:nvSpPr>
+            <p:spPr>
+              <a:xfrm>
+                <a:off x="2384330" y="4814800"/>
+                <a:ext cx="1800000" cy="360000"/>
+              </a:xfrm>
+              <a:prstGeom prst="rect">
+                <a:avLst/>
+              </a:prstGeom>
+            </p:spPr>
+            <p:style>
+              <a:lnRef idx="1">
+                <a:schemeClr val="accent5"/>
+              </a:lnRef>
+              <a:fillRef idx="2">
+                <a:schemeClr val="accent5"/>
+              </a:fillRef>
+              <a:effectRef idx="1">
+                <a:schemeClr val="accent5"/>
+              </a:effectRef>
+              <a:fontRef idx="minor">
+                <a:schemeClr val="dk1"/>
+              </a:fontRef>
+            </p:style>
+            <p:txBody>
+              <a:bodyPr rtlCol="0" anchor="ctr"/>
+              <a:lstStyle/>
+              <a:p>
+                <a:pPr algn="ctr"/>
+                <a:r>
+                  <a:rPr lang="en-US" altLang="zh-TW" dirty="0"/>
+                  <a:t>…</a:t>
+                </a:r>
+                <a:endParaRPr lang="zh-TW" altLang="en-US" dirty="0"/>
+              </a:p>
+            </p:txBody>
+          </p:sp>
+          <p:sp>
+            <p:nvSpPr>
+              <p:cNvPr id="13" name="矩形 12">
+                <a:extLst>
+                  <a:ext uri="{FF2B5EF4-FFF2-40B4-BE49-F238E27FC236}">
+                    <a16:creationId xmlns:a16="http://schemas.microsoft.com/office/drawing/2014/main" id="{6378386D-FB93-49E1-8997-549A2E5F17D6}"/>
+                  </a:ext>
+                </a:extLst>
+              </p:cNvPr>
+              <p:cNvSpPr/>
+              <p:nvPr/>
+            </p:nvSpPr>
+            <p:spPr>
+              <a:xfrm>
+                <a:off x="2384330" y="5174800"/>
+                <a:ext cx="1800000" cy="360000"/>
+              </a:xfrm>
+              <a:prstGeom prst="rect">
+                <a:avLst/>
+              </a:prstGeom>
+            </p:spPr>
+            <p:style>
+              <a:lnRef idx="1">
+                <a:schemeClr val="accent5"/>
+              </a:lnRef>
+              <a:fillRef idx="2">
+                <a:schemeClr val="accent5"/>
+              </a:fillRef>
+              <a:effectRef idx="1">
+                <a:schemeClr val="accent5"/>
+              </a:effectRef>
+              <a:fontRef idx="minor">
+                <a:schemeClr val="dk1"/>
+              </a:fontRef>
+            </p:style>
+            <p:txBody>
+              <a:bodyPr rtlCol="0" anchor="ctr"/>
+              <a:lstStyle/>
+              <a:p>
+                <a:pPr algn="ctr"/>
+                <a:r>
+                  <a:rPr lang="en-US" altLang="zh-TW" dirty="0" err="1"/>
+                  <a:t>SubQ</a:t>
+                </a:r>
+                <a:r>
+                  <a:rPr lang="en-US" altLang="zh-TW" dirty="0"/>
+                  <a:t>-N</a:t>
+                </a:r>
+                <a:endParaRPr lang="zh-TW" altLang="en-US" dirty="0"/>
+              </a:p>
+            </p:txBody>
+          </p:sp>
+        </p:grpSp>
+        <p:grpSp>
+          <p:nvGrpSpPr>
+            <p:cNvPr id="22" name="群組 21">
+              <a:extLst>
+                <a:ext uri="{FF2B5EF4-FFF2-40B4-BE49-F238E27FC236}">
+                  <a16:creationId xmlns:a16="http://schemas.microsoft.com/office/drawing/2014/main" id="{A6D73160-9B9B-4858-B9D6-045BAFB2A55C}"/>
+                </a:ext>
+              </a:extLst>
+            </p:cNvPr>
+            <p:cNvGrpSpPr/>
+            <p:nvPr/>
+          </p:nvGrpSpPr>
+          <p:grpSpPr>
+            <a:xfrm>
+              <a:off x="7041505" y="2160104"/>
+              <a:ext cx="3043583" cy="3772453"/>
+              <a:chOff x="7041505" y="2160104"/>
+              <a:chExt cx="3043583" cy="3772453"/>
+            </a:xfrm>
+          </p:grpSpPr>
+          <p:sp>
+            <p:nvSpPr>
+              <p:cNvPr id="5" name="矩形 4">
+                <a:extLst>
+                  <a:ext uri="{FF2B5EF4-FFF2-40B4-BE49-F238E27FC236}">
+                    <a16:creationId xmlns:a16="http://schemas.microsoft.com/office/drawing/2014/main" id="{B02E83DE-9D38-4BF0-9E8F-18EF749AC51E}"/>
+                  </a:ext>
+                </a:extLst>
+              </p:cNvPr>
+              <p:cNvSpPr/>
+              <p:nvPr/>
+            </p:nvSpPr>
+            <p:spPr>
+              <a:xfrm>
+                <a:off x="7041505" y="2160104"/>
+                <a:ext cx="3043583" cy="3772453"/>
+              </a:xfrm>
+              <a:prstGeom prst="rect">
+                <a:avLst/>
+              </a:prstGeom>
+            </p:spPr>
+            <p:style>
+              <a:lnRef idx="1">
+                <a:schemeClr val="accent4"/>
+              </a:lnRef>
+              <a:fillRef idx="2">
+                <a:schemeClr val="accent4"/>
+              </a:fillRef>
+              <a:effectRef idx="1">
+                <a:schemeClr val="accent4"/>
+              </a:effectRef>
+              <a:fontRef idx="minor">
+                <a:schemeClr val="dk1"/>
+              </a:fontRef>
+            </p:style>
+            <p:txBody>
+              <a:bodyPr rtlCol="0" anchor="t"/>
+              <a:lstStyle/>
+              <a:p>
+                <a:pPr algn="ctr"/>
+                <a:r>
+                  <a:rPr lang="en-US" altLang="zh-TW" dirty="0" err="1"/>
+                  <a:t>CompletionQueue</a:t>
+                </a:r>
+                <a:endParaRPr lang="zh-TW" altLang="en-US" dirty="0"/>
+              </a:p>
+            </p:txBody>
+          </p:sp>
+          <p:sp>
+            <p:nvSpPr>
+              <p:cNvPr id="14" name="矩形 13">
+                <a:extLst>
+                  <a:ext uri="{FF2B5EF4-FFF2-40B4-BE49-F238E27FC236}">
+                    <a16:creationId xmlns:a16="http://schemas.microsoft.com/office/drawing/2014/main" id="{3BA7E1A0-A064-4E8D-8E1C-6B05308B638D}"/>
+                  </a:ext>
+                </a:extLst>
+              </p:cNvPr>
+              <p:cNvSpPr/>
+              <p:nvPr/>
+            </p:nvSpPr>
+            <p:spPr>
+              <a:xfrm>
+                <a:off x="7667530" y="2641600"/>
+                <a:ext cx="1800000" cy="360000"/>
+              </a:xfrm>
+              <a:prstGeom prst="rect">
+                <a:avLst/>
+              </a:prstGeom>
+            </p:spPr>
+            <p:style>
+              <a:lnRef idx="1">
+                <a:schemeClr val="accent6"/>
+              </a:lnRef>
+              <a:fillRef idx="2">
+                <a:schemeClr val="accent6"/>
+              </a:fillRef>
+              <a:effectRef idx="1">
+                <a:schemeClr val="accent6"/>
+              </a:effectRef>
+              <a:fontRef idx="minor">
+                <a:schemeClr val="dk1"/>
+              </a:fontRef>
+            </p:style>
+            <p:txBody>
+              <a:bodyPr rtlCol="0" anchor="ctr"/>
+              <a:lstStyle/>
+              <a:p>
+                <a:pPr algn="ctr"/>
+                <a:r>
+                  <a:rPr lang="en-US" altLang="zh-TW" dirty="0"/>
+                  <a:t>CplQ-0</a:t>
+                </a:r>
+                <a:endParaRPr lang="zh-TW" altLang="en-US" dirty="0"/>
+              </a:p>
+            </p:txBody>
+          </p:sp>
+          <p:sp>
+            <p:nvSpPr>
+              <p:cNvPr id="15" name="矩形 14">
+                <a:extLst>
+                  <a:ext uri="{FF2B5EF4-FFF2-40B4-BE49-F238E27FC236}">
+                    <a16:creationId xmlns:a16="http://schemas.microsoft.com/office/drawing/2014/main" id="{D3E95C5B-68D6-43F3-96AC-9E247F83BA07}"/>
+                  </a:ext>
+                </a:extLst>
+              </p:cNvPr>
+              <p:cNvSpPr/>
+              <p:nvPr/>
+            </p:nvSpPr>
+            <p:spPr>
+              <a:xfrm>
+                <a:off x="7667530" y="3001600"/>
+                <a:ext cx="1800000" cy="360000"/>
+              </a:xfrm>
+              <a:prstGeom prst="rect">
+                <a:avLst/>
+              </a:prstGeom>
+            </p:spPr>
+            <p:style>
+              <a:lnRef idx="1">
+                <a:schemeClr val="accent6"/>
+              </a:lnRef>
+              <a:fillRef idx="2">
+                <a:schemeClr val="accent6"/>
+              </a:fillRef>
+              <a:effectRef idx="1">
+                <a:schemeClr val="accent6"/>
+              </a:effectRef>
+              <a:fontRef idx="minor">
+                <a:schemeClr val="dk1"/>
+              </a:fontRef>
+            </p:style>
+            <p:txBody>
+              <a:bodyPr rtlCol="0" anchor="ctr"/>
+              <a:lstStyle/>
+              <a:p>
+                <a:pPr algn="ctr"/>
+                <a:r>
+                  <a:rPr lang="en-US" altLang="zh-TW" dirty="0"/>
+                  <a:t>CplQ-1</a:t>
+                </a:r>
+                <a:endParaRPr lang="zh-TW" altLang="en-US" dirty="0"/>
+              </a:p>
+            </p:txBody>
+          </p:sp>
+          <p:sp>
+            <p:nvSpPr>
+              <p:cNvPr id="16" name="矩形 15">
+                <a:extLst>
+                  <a:ext uri="{FF2B5EF4-FFF2-40B4-BE49-F238E27FC236}">
+                    <a16:creationId xmlns:a16="http://schemas.microsoft.com/office/drawing/2014/main" id="{B6B50C74-9C97-4EDF-8E2C-56F09D2B1C3E}"/>
+                  </a:ext>
+                </a:extLst>
+              </p:cNvPr>
+              <p:cNvSpPr/>
+              <p:nvPr/>
+            </p:nvSpPr>
+            <p:spPr>
+              <a:xfrm>
+                <a:off x="7667530" y="3363967"/>
+                <a:ext cx="1800000" cy="360000"/>
+              </a:xfrm>
+              <a:prstGeom prst="rect">
+                <a:avLst/>
+              </a:prstGeom>
+            </p:spPr>
+            <p:style>
+              <a:lnRef idx="1">
+                <a:schemeClr val="accent6"/>
+              </a:lnRef>
+              <a:fillRef idx="2">
+                <a:schemeClr val="accent6"/>
+              </a:fillRef>
+              <a:effectRef idx="1">
+                <a:schemeClr val="accent6"/>
+              </a:effectRef>
+              <a:fontRef idx="minor">
+                <a:schemeClr val="dk1"/>
+              </a:fontRef>
+            </p:style>
+            <p:txBody>
+              <a:bodyPr rtlCol="0" anchor="ctr"/>
+              <a:lstStyle/>
+              <a:p>
+                <a:pPr algn="ctr"/>
+                <a:r>
+                  <a:rPr lang="en-US" altLang="zh-TW" dirty="0"/>
+                  <a:t>CplQ-2</a:t>
+                </a:r>
+                <a:endParaRPr lang="zh-TW" altLang="en-US" dirty="0"/>
+              </a:p>
+            </p:txBody>
+          </p:sp>
+          <p:sp>
+            <p:nvSpPr>
+              <p:cNvPr id="17" name="矩形 16">
+                <a:extLst>
+                  <a:ext uri="{FF2B5EF4-FFF2-40B4-BE49-F238E27FC236}">
+                    <a16:creationId xmlns:a16="http://schemas.microsoft.com/office/drawing/2014/main" id="{CC75A662-0BEF-4277-A863-608638C09FCC}"/>
+                  </a:ext>
+                </a:extLst>
+              </p:cNvPr>
+              <p:cNvSpPr/>
+              <p:nvPr/>
+            </p:nvSpPr>
+            <p:spPr>
+              <a:xfrm>
+                <a:off x="7667530" y="3728200"/>
+                <a:ext cx="1800000" cy="360000"/>
+              </a:xfrm>
+              <a:prstGeom prst="rect">
+                <a:avLst/>
+              </a:prstGeom>
+            </p:spPr>
+            <p:style>
+              <a:lnRef idx="1">
+                <a:schemeClr val="accent6"/>
+              </a:lnRef>
+              <a:fillRef idx="2">
+                <a:schemeClr val="accent6"/>
+              </a:fillRef>
+              <a:effectRef idx="1">
+                <a:schemeClr val="accent6"/>
+              </a:effectRef>
+              <a:fontRef idx="minor">
+                <a:schemeClr val="dk1"/>
+              </a:fontRef>
+            </p:style>
+            <p:txBody>
+              <a:bodyPr rtlCol="0" anchor="ctr"/>
+              <a:lstStyle/>
+              <a:p>
+                <a:pPr algn="ctr"/>
+                <a:r>
+                  <a:rPr lang="en-US" altLang="zh-TW" dirty="0"/>
+                  <a:t>CplQ-3</a:t>
+                </a:r>
+                <a:endParaRPr lang="zh-TW" altLang="en-US" dirty="0"/>
+              </a:p>
+            </p:txBody>
+          </p:sp>
+          <p:sp>
+            <p:nvSpPr>
+              <p:cNvPr id="18" name="矩形 17">
+                <a:extLst>
+                  <a:ext uri="{FF2B5EF4-FFF2-40B4-BE49-F238E27FC236}">
+                    <a16:creationId xmlns:a16="http://schemas.microsoft.com/office/drawing/2014/main" id="{E7509156-CB26-4BB6-AA76-EC7CC5E0FF7B}"/>
+                  </a:ext>
+                </a:extLst>
+              </p:cNvPr>
+              <p:cNvSpPr/>
+              <p:nvPr/>
+            </p:nvSpPr>
+            <p:spPr>
+              <a:xfrm>
+                <a:off x="7667530" y="4088200"/>
+                <a:ext cx="1800000" cy="360000"/>
+              </a:xfrm>
+              <a:prstGeom prst="rect">
+                <a:avLst/>
+              </a:prstGeom>
+            </p:spPr>
+            <p:style>
+              <a:lnRef idx="1">
+                <a:schemeClr val="accent6"/>
+              </a:lnRef>
+              <a:fillRef idx="2">
+                <a:schemeClr val="accent6"/>
+              </a:fillRef>
+              <a:effectRef idx="1">
+                <a:schemeClr val="accent6"/>
+              </a:effectRef>
+              <a:fontRef idx="minor">
+                <a:schemeClr val="dk1"/>
+              </a:fontRef>
+            </p:style>
+            <p:txBody>
+              <a:bodyPr rtlCol="0" anchor="ctr"/>
+              <a:lstStyle/>
+              <a:p>
+                <a:pPr algn="ctr"/>
+                <a:r>
+                  <a:rPr lang="en-US" altLang="zh-TW" dirty="0"/>
+                  <a:t>…</a:t>
+                </a:r>
+                <a:endParaRPr lang="zh-TW" altLang="en-US" dirty="0"/>
+              </a:p>
+            </p:txBody>
+          </p:sp>
+          <p:sp>
+            <p:nvSpPr>
+              <p:cNvPr id="19" name="矩形 18">
+                <a:extLst>
+                  <a:ext uri="{FF2B5EF4-FFF2-40B4-BE49-F238E27FC236}">
+                    <a16:creationId xmlns:a16="http://schemas.microsoft.com/office/drawing/2014/main" id="{6C82D9A6-2884-43F5-AF95-D7A9D1BF8E1F}"/>
+                  </a:ext>
+                </a:extLst>
+              </p:cNvPr>
+              <p:cNvSpPr/>
+              <p:nvPr/>
+            </p:nvSpPr>
+            <p:spPr>
+              <a:xfrm>
+                <a:off x="7667530" y="4448200"/>
+                <a:ext cx="1800000" cy="360000"/>
+              </a:xfrm>
+              <a:prstGeom prst="rect">
+                <a:avLst/>
+              </a:prstGeom>
+            </p:spPr>
+            <p:style>
+              <a:lnRef idx="1">
+                <a:schemeClr val="accent6"/>
+              </a:lnRef>
+              <a:fillRef idx="2">
+                <a:schemeClr val="accent6"/>
+              </a:fillRef>
+              <a:effectRef idx="1">
+                <a:schemeClr val="accent6"/>
+              </a:effectRef>
+              <a:fontRef idx="minor">
+                <a:schemeClr val="dk1"/>
+              </a:fontRef>
+            </p:style>
+            <p:txBody>
+              <a:bodyPr rtlCol="0" anchor="ctr"/>
+              <a:lstStyle/>
+              <a:p>
+                <a:pPr algn="ctr"/>
+                <a:r>
+                  <a:rPr lang="en-US" altLang="zh-TW" dirty="0"/>
+                  <a:t>…</a:t>
+                </a:r>
+                <a:endParaRPr lang="zh-TW" altLang="en-US" dirty="0"/>
+              </a:p>
+            </p:txBody>
+          </p:sp>
+          <p:sp>
+            <p:nvSpPr>
+              <p:cNvPr id="20" name="矩形 19">
+                <a:extLst>
+                  <a:ext uri="{FF2B5EF4-FFF2-40B4-BE49-F238E27FC236}">
+                    <a16:creationId xmlns:a16="http://schemas.microsoft.com/office/drawing/2014/main" id="{B350435A-9E1B-4CCA-90BD-AAC1AAE5DA49}"/>
+                  </a:ext>
+                </a:extLst>
+              </p:cNvPr>
+              <p:cNvSpPr/>
+              <p:nvPr/>
+            </p:nvSpPr>
+            <p:spPr>
+              <a:xfrm>
+                <a:off x="7667530" y="4814800"/>
+                <a:ext cx="1800000" cy="360000"/>
+              </a:xfrm>
+              <a:prstGeom prst="rect">
+                <a:avLst/>
+              </a:prstGeom>
+            </p:spPr>
+            <p:style>
+              <a:lnRef idx="1">
+                <a:schemeClr val="accent6"/>
+              </a:lnRef>
+              <a:fillRef idx="2">
+                <a:schemeClr val="accent6"/>
+              </a:fillRef>
+              <a:effectRef idx="1">
+                <a:schemeClr val="accent6"/>
+              </a:effectRef>
+              <a:fontRef idx="minor">
+                <a:schemeClr val="dk1"/>
+              </a:fontRef>
+            </p:style>
+            <p:txBody>
+              <a:bodyPr rtlCol="0" anchor="ctr"/>
+              <a:lstStyle/>
+              <a:p>
+                <a:pPr algn="ctr"/>
+                <a:r>
+                  <a:rPr lang="en-US" altLang="zh-TW" dirty="0"/>
+                  <a:t>…</a:t>
+                </a:r>
+                <a:endParaRPr lang="zh-TW" altLang="en-US" dirty="0"/>
+              </a:p>
+            </p:txBody>
+          </p:sp>
+          <p:sp>
+            <p:nvSpPr>
+              <p:cNvPr id="21" name="矩形 20">
+                <a:extLst>
+                  <a:ext uri="{FF2B5EF4-FFF2-40B4-BE49-F238E27FC236}">
+                    <a16:creationId xmlns:a16="http://schemas.microsoft.com/office/drawing/2014/main" id="{4D71C117-2380-4110-BB75-7CD2016AA3F3}"/>
+                  </a:ext>
+                </a:extLst>
+              </p:cNvPr>
+              <p:cNvSpPr/>
+              <p:nvPr/>
+            </p:nvSpPr>
+            <p:spPr>
+              <a:xfrm>
+                <a:off x="7667530" y="5174800"/>
+                <a:ext cx="1800000" cy="360000"/>
+              </a:xfrm>
+              <a:prstGeom prst="rect">
+                <a:avLst/>
+              </a:prstGeom>
+            </p:spPr>
+            <p:style>
+              <a:lnRef idx="1">
+                <a:schemeClr val="accent6"/>
+              </a:lnRef>
+              <a:fillRef idx="2">
+                <a:schemeClr val="accent6"/>
+              </a:fillRef>
+              <a:effectRef idx="1">
+                <a:schemeClr val="accent6"/>
+              </a:effectRef>
+              <a:fontRef idx="minor">
+                <a:schemeClr val="dk1"/>
+              </a:fontRef>
+            </p:style>
+            <p:txBody>
+              <a:bodyPr rtlCol="0" anchor="ctr"/>
+              <a:lstStyle/>
+              <a:p>
+                <a:pPr algn="ctr"/>
+                <a:r>
+                  <a:rPr lang="en-US" altLang="zh-TW" dirty="0" err="1"/>
+                  <a:t>CplQ</a:t>
+                </a:r>
+                <a:r>
+                  <a:rPr lang="en-US" altLang="zh-TW" dirty="0"/>
+                  <a:t>-N</a:t>
+                </a:r>
+                <a:endParaRPr lang="zh-TW" altLang="en-US" dirty="0"/>
+              </a:p>
+            </p:txBody>
+          </p:sp>
+        </p:grpSp>
+        <p:cxnSp>
+          <p:nvCxnSpPr>
+            <p:cNvPr id="25" name="直線單箭頭接點 24">
+              <a:extLst>
+                <a:ext uri="{FF2B5EF4-FFF2-40B4-BE49-F238E27FC236}">
+                  <a16:creationId xmlns:a16="http://schemas.microsoft.com/office/drawing/2014/main" id="{9DE0EB57-C1CD-444B-AB0C-8E2BB2CEED4B}"/>
+                </a:ext>
+              </a:extLst>
+            </p:cNvPr>
+            <p:cNvCxnSpPr>
+              <a:cxnSpLocks/>
+              <a:stCxn id="30" idx="1"/>
+              <a:endCxn id="6" idx="3"/>
+            </p:cNvCxnSpPr>
+            <p:nvPr/>
+          </p:nvCxnSpPr>
+          <p:spPr>
+            <a:xfrm flipH="1">
+              <a:off x="4184330" y="2816934"/>
+              <a:ext cx="1194385" cy="4666"/>
+            </a:xfrm>
+            <a:prstGeom prst="straightConnector1">
+              <a:avLst/>
+            </a:prstGeom>
+            <a:ln>
+              <a:tailEnd type="triangle"/>
+            </a:ln>
+          </p:spPr>
+          <p:style>
+            <a:lnRef idx="1">
+              <a:schemeClr val="accent1"/>
+            </a:lnRef>
+            <a:fillRef idx="0">
+              <a:schemeClr val="accent1"/>
+            </a:fillRef>
+            <a:effectRef idx="0">
+              <a:schemeClr val="accent1"/>
+            </a:effectRef>
+            <a:fontRef idx="minor">
+              <a:schemeClr val="tx1"/>
+            </a:fontRef>
+          </p:style>
+        </p:cxnSp>
+        <p:cxnSp>
+          <p:nvCxnSpPr>
+            <p:cNvPr id="28" name="直線單箭頭接點 27">
+              <a:extLst>
+                <a:ext uri="{FF2B5EF4-FFF2-40B4-BE49-F238E27FC236}">
+                  <a16:creationId xmlns:a16="http://schemas.microsoft.com/office/drawing/2014/main" id="{75E4D823-F5FA-4C7F-A15A-E1298C254B17}"/>
+                </a:ext>
+              </a:extLst>
+            </p:cNvPr>
+            <p:cNvCxnSpPr>
+              <a:cxnSpLocks/>
+              <a:stCxn id="30" idx="3"/>
+              <a:endCxn id="14" idx="1"/>
+            </p:cNvCxnSpPr>
+            <p:nvPr/>
+          </p:nvCxnSpPr>
+          <p:spPr>
+            <a:xfrm>
+              <a:off x="6385722" y="2816934"/>
+              <a:ext cx="1281808" cy="4666"/>
+            </a:xfrm>
+            <a:prstGeom prst="straightConnector1">
+              <a:avLst/>
+            </a:prstGeom>
+            <a:ln>
+              <a:tailEnd type="triangle"/>
+            </a:ln>
+          </p:spPr>
+          <p:style>
+            <a:lnRef idx="1">
+              <a:schemeClr val="accent1"/>
+            </a:lnRef>
+            <a:fillRef idx="0">
+              <a:schemeClr val="accent1"/>
+            </a:fillRef>
+            <a:effectRef idx="0">
+              <a:schemeClr val="accent1"/>
+            </a:effectRef>
+            <a:fontRef idx="minor">
+              <a:schemeClr val="tx1"/>
+            </a:fontRef>
+          </p:style>
+        </p:cxnSp>
+        <p:sp>
+          <p:nvSpPr>
+            <p:cNvPr id="30" name="文字方塊 29">
+              <a:extLst>
+                <a:ext uri="{FF2B5EF4-FFF2-40B4-BE49-F238E27FC236}">
+                  <a16:creationId xmlns:a16="http://schemas.microsoft.com/office/drawing/2014/main" id="{66DAD2D2-90E7-4E06-9E92-22955583DBE4}"/>
+                </a:ext>
+              </a:extLst>
+            </p:cNvPr>
+            <p:cNvSpPr txBox="1"/>
+            <p:nvPr/>
+          </p:nvSpPr>
+          <p:spPr>
+            <a:xfrm>
+              <a:off x="5378715" y="2632268"/>
+              <a:ext cx="1007007" cy="369332"/>
+            </a:xfrm>
+            <a:prstGeom prst="rect">
+              <a:avLst/>
+            </a:prstGeom>
+            <a:noFill/>
+          </p:spPr>
+          <p:txBody>
+            <a:bodyPr wrap="square" rtlCol="0">
+              <a:spAutoFit/>
+            </a:bodyPr>
+            <a:lstStyle/>
+            <a:p>
+              <a:r>
+                <a:rPr lang="en-US" altLang="zh-TW" dirty="0"/>
+                <a:t>Admin Q</a:t>
+              </a:r>
+              <a:endParaRPr lang="zh-TW" altLang="en-US" dirty="0"/>
+            </a:p>
+          </p:txBody>
+        </p:sp>
+        <p:cxnSp>
+          <p:nvCxnSpPr>
+            <p:cNvPr id="35" name="直線單箭頭接點 34">
+              <a:extLst>
+                <a:ext uri="{FF2B5EF4-FFF2-40B4-BE49-F238E27FC236}">
+                  <a16:creationId xmlns:a16="http://schemas.microsoft.com/office/drawing/2014/main" id="{AA0D47E5-577D-47E1-9F8B-5274181F26B2}"/>
+                </a:ext>
+              </a:extLst>
+            </p:cNvPr>
+            <p:cNvCxnSpPr>
+              <a:cxnSpLocks/>
+              <a:stCxn id="37" idx="1"/>
+              <a:endCxn id="7" idx="3"/>
+            </p:cNvCxnSpPr>
+            <p:nvPr/>
+          </p:nvCxnSpPr>
+          <p:spPr>
+            <a:xfrm flipH="1">
+              <a:off x="4184330" y="3174635"/>
+              <a:ext cx="1032326" cy="6965"/>
+            </a:xfrm>
+            <a:prstGeom prst="straightConnector1">
+              <a:avLst/>
+            </a:prstGeom>
+            <a:ln>
+              <a:tailEnd type="triangle"/>
+            </a:ln>
+          </p:spPr>
+          <p:style>
+            <a:lnRef idx="1">
+              <a:schemeClr val="accent1"/>
+            </a:lnRef>
+            <a:fillRef idx="0">
+              <a:schemeClr val="accent1"/>
+            </a:fillRef>
+            <a:effectRef idx="0">
+              <a:schemeClr val="accent1"/>
+            </a:effectRef>
+            <a:fontRef idx="minor">
+              <a:schemeClr val="tx1"/>
+            </a:fontRef>
+          </p:style>
+        </p:cxnSp>
+        <p:cxnSp>
+          <p:nvCxnSpPr>
+            <p:cNvPr id="36" name="直線單箭頭接點 35">
+              <a:extLst>
+                <a:ext uri="{FF2B5EF4-FFF2-40B4-BE49-F238E27FC236}">
+                  <a16:creationId xmlns:a16="http://schemas.microsoft.com/office/drawing/2014/main" id="{15334E3E-6CF7-4A57-A47A-EE22AE3882A2}"/>
+                </a:ext>
+              </a:extLst>
+            </p:cNvPr>
+            <p:cNvCxnSpPr>
+              <a:cxnSpLocks/>
+              <a:stCxn id="37" idx="3"/>
+              <a:endCxn id="15" idx="1"/>
+            </p:cNvCxnSpPr>
+            <p:nvPr/>
+          </p:nvCxnSpPr>
+          <p:spPr>
+            <a:xfrm>
+              <a:off x="6547777" y="3174635"/>
+              <a:ext cx="1119753" cy="6965"/>
+            </a:xfrm>
+            <a:prstGeom prst="straightConnector1">
+              <a:avLst/>
+            </a:prstGeom>
+            <a:ln>
+              <a:tailEnd type="triangle"/>
+            </a:ln>
+          </p:spPr>
+          <p:style>
+            <a:lnRef idx="1">
+              <a:schemeClr val="accent1"/>
+            </a:lnRef>
+            <a:fillRef idx="0">
+              <a:schemeClr val="accent1"/>
+            </a:fillRef>
+            <a:effectRef idx="0">
+              <a:schemeClr val="accent1"/>
+            </a:effectRef>
+            <a:fontRef idx="minor">
+              <a:schemeClr val="tx1"/>
+            </a:fontRef>
+          </p:style>
+        </p:cxnSp>
+        <p:sp>
+          <p:nvSpPr>
+            <p:cNvPr id="37" name="文字方塊 36">
+              <a:extLst>
+                <a:ext uri="{FF2B5EF4-FFF2-40B4-BE49-F238E27FC236}">
+                  <a16:creationId xmlns:a16="http://schemas.microsoft.com/office/drawing/2014/main" id="{48ADE9ED-4032-4197-8606-E44F63D0DA29}"/>
+                </a:ext>
+              </a:extLst>
+            </p:cNvPr>
+            <p:cNvSpPr txBox="1"/>
+            <p:nvPr/>
+          </p:nvSpPr>
+          <p:spPr>
+            <a:xfrm>
+              <a:off x="5216656" y="2989969"/>
+              <a:ext cx="1331121" cy="369332"/>
+            </a:xfrm>
+            <a:prstGeom prst="rect">
+              <a:avLst/>
+            </a:prstGeom>
+            <a:noFill/>
+          </p:spPr>
+          <p:txBody>
+            <a:bodyPr wrap="square" rtlCol="0">
+              <a:spAutoFit/>
+            </a:bodyPr>
+            <a:lstStyle/>
+            <a:p>
+              <a:r>
+                <a:rPr lang="en-US" altLang="zh-TW" dirty="0"/>
+                <a:t>I/O Queue 1</a:t>
+              </a:r>
+              <a:endParaRPr lang="zh-TW" altLang="en-US" dirty="0"/>
+            </a:p>
+          </p:txBody>
+        </p:sp>
+        <p:cxnSp>
+          <p:nvCxnSpPr>
+            <p:cNvPr id="38" name="直線單箭頭接點 37">
+              <a:extLst>
+                <a:ext uri="{FF2B5EF4-FFF2-40B4-BE49-F238E27FC236}">
+                  <a16:creationId xmlns:a16="http://schemas.microsoft.com/office/drawing/2014/main" id="{0491A892-2DF7-4581-8CD4-601DEC69A32F}"/>
+                </a:ext>
+              </a:extLst>
+            </p:cNvPr>
+            <p:cNvCxnSpPr>
+              <a:cxnSpLocks/>
+              <a:stCxn id="40" idx="1"/>
+              <a:endCxn id="8" idx="3"/>
+            </p:cNvCxnSpPr>
+            <p:nvPr/>
+          </p:nvCxnSpPr>
+          <p:spPr>
+            <a:xfrm flipH="1">
+              <a:off x="4184330" y="3534635"/>
+              <a:ext cx="1031447" cy="9332"/>
+            </a:xfrm>
+            <a:prstGeom prst="straightConnector1">
+              <a:avLst/>
+            </a:prstGeom>
+            <a:ln>
+              <a:tailEnd type="triangle"/>
+            </a:ln>
+          </p:spPr>
+          <p:style>
+            <a:lnRef idx="1">
+              <a:schemeClr val="accent1"/>
+            </a:lnRef>
+            <a:fillRef idx="0">
+              <a:schemeClr val="accent1"/>
+            </a:fillRef>
+            <a:effectRef idx="0">
+              <a:schemeClr val="accent1"/>
+            </a:effectRef>
+            <a:fontRef idx="minor">
+              <a:schemeClr val="tx1"/>
+            </a:fontRef>
+          </p:style>
+        </p:cxnSp>
+        <p:cxnSp>
+          <p:nvCxnSpPr>
+            <p:cNvPr id="39" name="直線單箭頭接點 38">
+              <a:extLst>
+                <a:ext uri="{FF2B5EF4-FFF2-40B4-BE49-F238E27FC236}">
+                  <a16:creationId xmlns:a16="http://schemas.microsoft.com/office/drawing/2014/main" id="{5C500F9E-08F3-4897-92B4-367A21CAFB61}"/>
+                </a:ext>
+              </a:extLst>
+            </p:cNvPr>
+            <p:cNvCxnSpPr>
+              <a:cxnSpLocks/>
+              <a:stCxn id="40" idx="3"/>
+              <a:endCxn id="16" idx="1"/>
+            </p:cNvCxnSpPr>
+            <p:nvPr/>
+          </p:nvCxnSpPr>
+          <p:spPr>
+            <a:xfrm>
+              <a:off x="6547777" y="3534635"/>
+              <a:ext cx="1119753" cy="9332"/>
+            </a:xfrm>
+            <a:prstGeom prst="straightConnector1">
+              <a:avLst/>
+            </a:prstGeom>
+            <a:ln>
+              <a:tailEnd type="triangle"/>
+            </a:ln>
+          </p:spPr>
+          <p:style>
+            <a:lnRef idx="1">
+              <a:schemeClr val="accent1"/>
+            </a:lnRef>
+            <a:fillRef idx="0">
+              <a:schemeClr val="accent1"/>
+            </a:fillRef>
+            <a:effectRef idx="0">
+              <a:schemeClr val="accent1"/>
+            </a:effectRef>
+            <a:fontRef idx="minor">
+              <a:schemeClr val="tx1"/>
+            </a:fontRef>
+          </p:style>
+        </p:cxnSp>
+        <p:sp>
+          <p:nvSpPr>
+            <p:cNvPr id="40" name="文字方塊 39">
+              <a:extLst>
+                <a:ext uri="{FF2B5EF4-FFF2-40B4-BE49-F238E27FC236}">
+                  <a16:creationId xmlns:a16="http://schemas.microsoft.com/office/drawing/2014/main" id="{D2CEC38F-5D78-4139-A7D6-03CD813D9BC8}"/>
+                </a:ext>
+              </a:extLst>
+            </p:cNvPr>
+            <p:cNvSpPr txBox="1"/>
+            <p:nvPr/>
+          </p:nvSpPr>
+          <p:spPr>
+            <a:xfrm>
+              <a:off x="5215777" y="3349969"/>
+              <a:ext cx="1332000" cy="369332"/>
+            </a:xfrm>
+            <a:prstGeom prst="rect">
+              <a:avLst/>
+            </a:prstGeom>
+            <a:noFill/>
+          </p:spPr>
+          <p:txBody>
+            <a:bodyPr wrap="square" rtlCol="0">
+              <a:spAutoFit/>
+            </a:bodyPr>
+            <a:lstStyle/>
+            <a:p>
+              <a:r>
+                <a:rPr lang="en-US" altLang="zh-TW" dirty="0"/>
+                <a:t>I/O Queue 2</a:t>
+              </a:r>
+              <a:endParaRPr lang="zh-TW" altLang="en-US" dirty="0"/>
+            </a:p>
+          </p:txBody>
+        </p:sp>
+        <p:cxnSp>
+          <p:nvCxnSpPr>
+            <p:cNvPr id="41" name="直線單箭頭接點 40">
+              <a:extLst>
+                <a:ext uri="{FF2B5EF4-FFF2-40B4-BE49-F238E27FC236}">
+                  <a16:creationId xmlns:a16="http://schemas.microsoft.com/office/drawing/2014/main" id="{84DF99F4-D601-4D0B-9E29-CBFFED85E730}"/>
+                </a:ext>
+              </a:extLst>
+            </p:cNvPr>
+            <p:cNvCxnSpPr>
+              <a:cxnSpLocks/>
+              <a:stCxn id="43" idx="1"/>
+              <a:endCxn id="13" idx="3"/>
+            </p:cNvCxnSpPr>
+            <p:nvPr/>
+          </p:nvCxnSpPr>
+          <p:spPr>
+            <a:xfrm flipH="1">
+              <a:off x="4184330" y="5343933"/>
+              <a:ext cx="974333" cy="10867"/>
+            </a:xfrm>
+            <a:prstGeom prst="straightConnector1">
+              <a:avLst/>
+            </a:prstGeom>
+            <a:ln>
+              <a:tailEnd type="triangle"/>
+            </a:ln>
+          </p:spPr>
+          <p:style>
+            <a:lnRef idx="1">
+              <a:schemeClr val="accent1"/>
+            </a:lnRef>
+            <a:fillRef idx="0">
+              <a:schemeClr val="accent1"/>
+            </a:fillRef>
+            <a:effectRef idx="0">
+              <a:schemeClr val="accent1"/>
+            </a:effectRef>
+            <a:fontRef idx="minor">
+              <a:schemeClr val="tx1"/>
+            </a:fontRef>
+          </p:style>
+        </p:cxnSp>
+        <p:cxnSp>
+          <p:nvCxnSpPr>
+            <p:cNvPr id="42" name="直線單箭頭接點 41">
+              <a:extLst>
+                <a:ext uri="{FF2B5EF4-FFF2-40B4-BE49-F238E27FC236}">
+                  <a16:creationId xmlns:a16="http://schemas.microsoft.com/office/drawing/2014/main" id="{7489A335-5422-4140-B439-230BA672D0C6}"/>
+                </a:ext>
+              </a:extLst>
+            </p:cNvPr>
+            <p:cNvCxnSpPr>
+              <a:cxnSpLocks/>
+              <a:stCxn id="43" idx="3"/>
+              <a:endCxn id="21" idx="1"/>
+            </p:cNvCxnSpPr>
+            <p:nvPr/>
+          </p:nvCxnSpPr>
+          <p:spPr>
+            <a:xfrm>
+              <a:off x="6604890" y="5343933"/>
+              <a:ext cx="1062640" cy="10867"/>
+            </a:xfrm>
+            <a:prstGeom prst="straightConnector1">
+              <a:avLst/>
+            </a:prstGeom>
+            <a:ln>
+              <a:tailEnd type="triangle"/>
+            </a:ln>
+          </p:spPr>
+          <p:style>
+            <a:lnRef idx="1">
+              <a:schemeClr val="accent1"/>
+            </a:lnRef>
+            <a:fillRef idx="0">
+              <a:schemeClr val="accent1"/>
+            </a:fillRef>
+            <a:effectRef idx="0">
+              <a:schemeClr val="accent1"/>
+            </a:effectRef>
+            <a:fontRef idx="minor">
+              <a:schemeClr val="tx1"/>
+            </a:fontRef>
+          </p:style>
+        </p:cxnSp>
+        <p:sp>
+          <p:nvSpPr>
+            <p:cNvPr id="43" name="文字方塊 42">
+              <a:extLst>
+                <a:ext uri="{FF2B5EF4-FFF2-40B4-BE49-F238E27FC236}">
+                  <a16:creationId xmlns:a16="http://schemas.microsoft.com/office/drawing/2014/main" id="{65539E39-4271-49F8-951A-846976D9CD34}"/>
+                </a:ext>
+              </a:extLst>
+            </p:cNvPr>
+            <p:cNvSpPr txBox="1"/>
+            <p:nvPr/>
+          </p:nvSpPr>
+          <p:spPr>
+            <a:xfrm>
+              <a:off x="5158663" y="5159267"/>
+              <a:ext cx="1446227" cy="369332"/>
+            </a:xfrm>
+            <a:prstGeom prst="rect">
+              <a:avLst/>
+            </a:prstGeom>
+            <a:noFill/>
+          </p:spPr>
+          <p:txBody>
+            <a:bodyPr wrap="square" rtlCol="0">
+              <a:spAutoFit/>
+            </a:bodyPr>
+            <a:lstStyle/>
+            <a:p>
+              <a:r>
+                <a:rPr lang="en-US" altLang="zh-TW" dirty="0"/>
+                <a:t>I/O Queue N</a:t>
+              </a:r>
+              <a:endParaRPr lang="zh-TW" altLang="en-US" dirty="0"/>
+            </a:p>
+          </p:txBody>
+        </p:sp>
+      </p:grpSp>
+    </p:spTree>
+    <p:extLst>
+      <p:ext uri="{BB962C8B-B14F-4D97-AF65-F5344CB8AC3E}">
+        <p14:creationId xmlns:p14="http://schemas.microsoft.com/office/powerpoint/2010/main" val="3225014572"/>
+      </p:ext>
+    </p:extLst>
+  </p:cSld>
+  <p:clrMapOvr>
+    <a:masterClrMapping/>
+  </p:clrMapOvr>
+</p:sld>
+</file>
+
+<file path=ppt/slides/slide24.xml><?xml version="1.0" encoding="utf-8"?>
+<p:sld xmlns:a="http://schemas.openxmlformats.org/drawingml/2006/main" xmlns:r="http://schemas.openxmlformats.org/officeDocument/2006/relationships" xmlns:p="http://schemas.openxmlformats.org/presentationml/2006/main">
+  <p:cSld>
+    <p:spTree>
+      <p:nvGrpSpPr>
+        <p:cNvPr id="1" name=""/>
+        <p:cNvGrpSpPr/>
+        <p:nvPr/>
+      </p:nvGrpSpPr>
+      <p:grpSpPr>
+        <a:xfrm>
+          <a:off x="0" y="0"/>
+          <a:ext cx="0" cy="0"/>
+          <a:chOff x="0" y="0"/>
+          <a:chExt cx="0" cy="0"/>
+        </a:xfrm>
+      </p:grpSpPr>
+      <p:sp>
+        <p:nvSpPr>
+          <p:cNvPr id="2" name="標題 1">
+            <a:extLst>
+              <a:ext uri="{FF2B5EF4-FFF2-40B4-BE49-F238E27FC236}">
+                <a16:creationId xmlns:a16="http://schemas.microsoft.com/office/drawing/2014/main" id="{EC86F950-3471-456F-B75A-981FB35221F3}"/>
+              </a:ext>
+            </a:extLst>
+          </p:cNvPr>
+          <p:cNvSpPr>
+            <a:spLocks noGrp="1"/>
+          </p:cNvSpPr>
+          <p:nvPr>
+            <p:ph type="title"/>
+          </p:nvPr>
+        </p:nvSpPr>
+        <p:spPr/>
+        <p:txBody>
+          <a:bodyPr/>
+          <a:lstStyle/>
+          <a:p>
+            <a:r>
+              <a:rPr lang="en-US" altLang="zh-TW" dirty="0"/>
+              <a:t>Admin Queue and I/O Queue</a:t>
+            </a:r>
+            <a:endParaRPr lang="zh-TW" altLang="en-US" dirty="0"/>
+          </a:p>
+        </p:txBody>
+      </p:sp>
+      <p:sp>
+        <p:nvSpPr>
+          <p:cNvPr id="3" name="內容版面配置區 2">
+            <a:extLst>
+              <a:ext uri="{FF2B5EF4-FFF2-40B4-BE49-F238E27FC236}">
+                <a16:creationId xmlns:a16="http://schemas.microsoft.com/office/drawing/2014/main" id="{9E6D7088-FD26-4E35-ACB4-34AA12025937}"/>
+              </a:ext>
+            </a:extLst>
+          </p:cNvPr>
+          <p:cNvSpPr>
+            <a:spLocks noGrp="1"/>
+          </p:cNvSpPr>
+          <p:nvPr>
+            <p:ph idx="1"/>
+          </p:nvPr>
+        </p:nvSpPr>
+        <p:spPr/>
+        <p:txBody>
+          <a:bodyPr/>
+          <a:lstStyle/>
+          <a:p>
+            <a:r>
+              <a:rPr lang="en-US" altLang="zh-TW" dirty="0"/>
+              <a:t>Each </a:t>
+            </a:r>
+            <a:r>
+              <a:rPr lang="en-US" altLang="zh-TW" dirty="0" err="1"/>
+              <a:t>QueuePair</a:t>
+            </a:r>
+            <a:r>
+              <a:rPr lang="en-US" altLang="zh-TW" dirty="0"/>
+              <a:t> has 1 </a:t>
+            </a:r>
+            <a:r>
+              <a:rPr lang="en-US" altLang="zh-TW" dirty="0" err="1"/>
+              <a:t>SubmitQueue</a:t>
+            </a:r>
+            <a:r>
+              <a:rPr lang="en-US" altLang="zh-TW" dirty="0"/>
+              <a:t> and 1 </a:t>
+            </a:r>
+            <a:r>
+              <a:rPr lang="en-US" altLang="zh-TW" dirty="0" err="1"/>
+              <a:t>CompletionQueue</a:t>
+            </a:r>
+            <a:endParaRPr lang="en-US" altLang="zh-TW" dirty="0"/>
+          </a:p>
+          <a:p>
+            <a:endParaRPr lang="en-US" altLang="zh-TW" dirty="0"/>
+          </a:p>
+          <a:p>
+            <a:r>
+              <a:rPr lang="en-US" altLang="zh-TW" dirty="0"/>
+              <a:t>Each </a:t>
+            </a:r>
+            <a:r>
+              <a:rPr lang="en-US" altLang="zh-TW" dirty="0" err="1"/>
+              <a:t>NVMe</a:t>
+            </a:r>
+            <a:r>
+              <a:rPr lang="en-US" altLang="zh-TW" dirty="0"/>
+              <a:t> device has 1 Admin </a:t>
+            </a:r>
+            <a:r>
+              <a:rPr lang="en-US" altLang="zh-TW" dirty="0" err="1"/>
+              <a:t>QueuePair</a:t>
+            </a:r>
+            <a:r>
+              <a:rPr lang="en-US" altLang="zh-TW" dirty="0"/>
+              <a:t> and N I/O </a:t>
+            </a:r>
+            <a:r>
+              <a:rPr lang="en-US" altLang="zh-TW" dirty="0" err="1"/>
+              <a:t>QueuePairs</a:t>
+            </a:r>
+            <a:r>
+              <a:rPr lang="en-US" altLang="zh-TW" dirty="0"/>
+              <a:t>.</a:t>
+            </a:r>
+          </a:p>
+          <a:p>
+            <a:pPr lvl="1"/>
+            <a:r>
+              <a:rPr lang="en-US" altLang="zh-TW" dirty="0"/>
+              <a:t>Admin </a:t>
+            </a:r>
+            <a:r>
+              <a:rPr lang="en-US" altLang="zh-TW" dirty="0" err="1"/>
+              <a:t>QueuePair</a:t>
+            </a:r>
+            <a:r>
+              <a:rPr lang="en-US" altLang="zh-TW" dirty="0"/>
+              <a:t> for admin command.</a:t>
+            </a:r>
+          </a:p>
+          <a:p>
+            <a:pPr lvl="1"/>
+            <a:r>
+              <a:rPr lang="en-US" altLang="zh-TW" dirty="0"/>
+              <a:t>I/O </a:t>
+            </a:r>
+            <a:r>
+              <a:rPr lang="en-US" altLang="zh-TW" dirty="0" err="1"/>
+              <a:t>QueuePairs</a:t>
+            </a:r>
+            <a:r>
+              <a:rPr lang="en-US" altLang="zh-TW" dirty="0"/>
+              <a:t> for I/O requests</a:t>
+            </a:r>
+            <a:endParaRPr lang="zh-TW" altLang="en-US" dirty="0"/>
+          </a:p>
+        </p:txBody>
+      </p:sp>
+    </p:spTree>
+    <p:extLst>
+      <p:ext uri="{BB962C8B-B14F-4D97-AF65-F5344CB8AC3E}">
+        <p14:creationId xmlns:p14="http://schemas.microsoft.com/office/powerpoint/2010/main" val="1102719799"/>
+      </p:ext>
+    </p:extLst>
+  </p:cSld>
+  <p:clrMapOvr>
+    <a:masterClrMapping/>
+  </p:clrMapOvr>
+</p:sld>
+</file>
+
+<file path=ppt/slides/slide25.xml><?xml version="1.0" encoding="utf-8"?>
+<p:sld xmlns:a="http://schemas.openxmlformats.org/drawingml/2006/main" xmlns:r="http://schemas.openxmlformats.org/officeDocument/2006/relationships" xmlns:p="http://schemas.openxmlformats.org/presentationml/2006/main">
+  <p:cSld>
+    <p:spTree>
+      <p:nvGrpSpPr>
+        <p:cNvPr id="1" name=""/>
+        <p:cNvGrpSpPr/>
+        <p:nvPr/>
+      </p:nvGrpSpPr>
+      <p:grpSpPr>
+        <a:xfrm>
+          <a:off x="0" y="0"/>
+          <a:ext cx="0" cy="0"/>
+          <a:chOff x="0" y="0"/>
+          <a:chExt cx="0" cy="0"/>
+        </a:xfrm>
+      </p:grpSpPr>
+      <p:sp>
+        <p:nvSpPr>
+          <p:cNvPr id="2" name="標題 1">
+            <a:extLst>
+              <a:ext uri="{FF2B5EF4-FFF2-40B4-BE49-F238E27FC236}">
+                <a16:creationId xmlns:a16="http://schemas.microsoft.com/office/drawing/2014/main" id="{EC86F950-3471-456F-B75A-981FB35221F3}"/>
+              </a:ext>
+            </a:extLst>
+          </p:cNvPr>
+          <p:cNvSpPr>
+            <a:spLocks noGrp="1"/>
+          </p:cNvSpPr>
+          <p:nvPr>
+            <p:ph type="title"/>
+          </p:nvPr>
+        </p:nvSpPr>
+        <p:spPr/>
+        <p:txBody>
+          <a:bodyPr/>
+          <a:lstStyle/>
+          <a:p>
+            <a:endParaRPr lang="zh-TW" altLang="en-US" dirty="0"/>
+          </a:p>
+        </p:txBody>
+      </p:sp>
+      <p:sp>
+        <p:nvSpPr>
+          <p:cNvPr id="3" name="內容版面配置區 2">
+            <a:extLst>
+              <a:ext uri="{FF2B5EF4-FFF2-40B4-BE49-F238E27FC236}">
+                <a16:creationId xmlns:a16="http://schemas.microsoft.com/office/drawing/2014/main" id="{9E6D7088-FD26-4E35-ACB4-34AA12025937}"/>
+              </a:ext>
+            </a:extLst>
+          </p:cNvPr>
+          <p:cNvSpPr>
+            <a:spLocks noGrp="1"/>
+          </p:cNvSpPr>
+          <p:nvPr>
+            <p:ph idx="1"/>
+          </p:nvPr>
+        </p:nvSpPr>
+        <p:spPr/>
+        <p:txBody>
+          <a:bodyPr/>
+          <a:lstStyle/>
+          <a:p>
+            <a:endParaRPr lang="zh-TW" altLang="en-US"/>
+          </a:p>
+        </p:txBody>
+      </p:sp>
+    </p:spTree>
+    <p:extLst>
+      <p:ext uri="{BB962C8B-B14F-4D97-AF65-F5344CB8AC3E}">
+        <p14:creationId xmlns:p14="http://schemas.microsoft.com/office/powerpoint/2010/main" val="3141863352"/>
+      </p:ext>
+    </p:extLst>
+  </p:cSld>
+  <p:clrMapOvr>
+    <a:masterClrMapping/>
+  </p:clrMapOvr>
+</p:sld>
+</file>
+
+<file path=ppt/slides/slide26.xml><?xml version="1.0" encoding="utf-8"?>
+<p:sld xmlns:a="http://schemas.openxmlformats.org/drawingml/2006/main" xmlns:r="http://schemas.openxmlformats.org/officeDocument/2006/relationships" xmlns:p="http://schemas.openxmlformats.org/presentationml/2006/main">
+  <p:cSld>
+    <p:spTree>
+      <p:nvGrpSpPr>
+        <p:cNvPr id="1" name=""/>
+        <p:cNvGrpSpPr/>
+        <p:nvPr/>
+      </p:nvGrpSpPr>
+      <p:grpSpPr>
+        <a:xfrm>
+          <a:off x="0" y="0"/>
+          <a:ext cx="0" cy="0"/>
+          <a:chOff x="0" y="0"/>
+          <a:chExt cx="0" cy="0"/>
+        </a:xfrm>
+      </p:grpSpPr>
+      <p:sp>
+        <p:nvSpPr>
+          <p:cNvPr id="4" name="標題 3">
+            <a:extLst>
+              <a:ext uri="{FF2B5EF4-FFF2-40B4-BE49-F238E27FC236}">
+                <a16:creationId xmlns:a16="http://schemas.microsoft.com/office/drawing/2014/main" id="{00F7993E-90D9-4121-8ABB-193ED25601F3}"/>
+              </a:ext>
+            </a:extLst>
+          </p:cNvPr>
+          <p:cNvSpPr>
+            <a:spLocks noGrp="1"/>
+          </p:cNvSpPr>
+          <p:nvPr>
+            <p:ph type="title"/>
+          </p:nvPr>
+        </p:nvSpPr>
+        <p:spPr/>
+        <p:txBody>
+          <a:bodyPr/>
+          <a:lstStyle/>
+          <a:p>
+            <a:r>
+              <a:rPr lang="en-US" altLang="zh-TW" dirty="0"/>
+              <a:t>SCSI</a:t>
+            </a:r>
+            <a:r>
+              <a:rPr lang="zh-TW" altLang="en-US" dirty="0"/>
+              <a:t> </a:t>
+            </a:r>
+            <a:r>
+              <a:rPr lang="en-US" altLang="zh-TW" dirty="0"/>
+              <a:t>Command</a:t>
+            </a:r>
+            <a:r>
+              <a:rPr lang="zh-TW" altLang="en-US" dirty="0"/>
+              <a:t> </a:t>
+            </a:r>
+            <a:r>
+              <a:rPr lang="en-US" altLang="zh-TW" dirty="0"/>
+              <a:t>Translation</a:t>
+            </a:r>
+            <a:endParaRPr lang="zh-TW" altLang="en-US" dirty="0"/>
+          </a:p>
+        </p:txBody>
+      </p:sp>
+      <p:sp>
+        <p:nvSpPr>
+          <p:cNvPr id="5" name="文字版面配置區 4">
+            <a:extLst>
+              <a:ext uri="{FF2B5EF4-FFF2-40B4-BE49-F238E27FC236}">
+                <a16:creationId xmlns:a16="http://schemas.microsoft.com/office/drawing/2014/main" id="{51C43A67-4728-421E-9965-03B66287D293}"/>
+              </a:ext>
+            </a:extLst>
+          </p:cNvPr>
+          <p:cNvSpPr>
+            <a:spLocks noGrp="1"/>
+          </p:cNvSpPr>
+          <p:nvPr>
+            <p:ph type="body" idx="1"/>
+          </p:nvPr>
+        </p:nvSpPr>
+        <p:spPr/>
+        <p:txBody>
+          <a:bodyPr/>
+          <a:lstStyle/>
+          <a:p>
+            <a:endParaRPr lang="zh-TW" altLang="en-US"/>
+          </a:p>
+        </p:txBody>
+      </p:sp>
+    </p:spTree>
+    <p:extLst>
+      <p:ext uri="{BB962C8B-B14F-4D97-AF65-F5344CB8AC3E}">
+        <p14:creationId xmlns:p14="http://schemas.microsoft.com/office/powerpoint/2010/main" val="2036064448"/>
+      </p:ext>
+    </p:extLst>
+  </p:cSld>
+  <p:clrMapOvr>
+    <a:masterClrMapping/>
+  </p:clrMapOvr>
+</p:sld>
+</file>
+
+<file path=ppt/slides/slide27.xml><?xml version="1.0" encoding="utf-8"?>
+<p:sld xmlns:a="http://schemas.openxmlformats.org/drawingml/2006/main" xmlns:r="http://schemas.openxmlformats.org/officeDocument/2006/relationships" xmlns:p="http://schemas.openxmlformats.org/presentationml/2006/main">
+  <p:cSld>
+    <p:spTree>
+      <p:nvGrpSpPr>
+        <p:cNvPr id="1" name=""/>
+        <p:cNvGrpSpPr/>
+        <p:nvPr/>
+      </p:nvGrpSpPr>
+      <p:grpSpPr>
+        <a:xfrm>
+          <a:off x="0" y="0"/>
+          <a:ext cx="0" cy="0"/>
+          <a:chOff x="0" y="0"/>
+          <a:chExt cx="0" cy="0"/>
+        </a:xfrm>
+      </p:grpSpPr>
+      <p:sp>
+        <p:nvSpPr>
+          <p:cNvPr id="2" name="標題 1">
+            <a:extLst>
+              <a:ext uri="{FF2B5EF4-FFF2-40B4-BE49-F238E27FC236}">
+                <a16:creationId xmlns:a16="http://schemas.microsoft.com/office/drawing/2014/main" id="{EC86F950-3471-456F-B75A-981FB35221F3}"/>
+              </a:ext>
+            </a:extLst>
+          </p:cNvPr>
+          <p:cNvSpPr>
+            <a:spLocks noGrp="1"/>
+          </p:cNvSpPr>
+          <p:nvPr>
+            <p:ph type="title"/>
+          </p:nvPr>
+        </p:nvSpPr>
+        <p:spPr/>
+        <p:txBody>
+          <a:bodyPr/>
+          <a:lstStyle/>
+          <a:p>
+            <a:r>
+              <a:rPr lang="en-US" altLang="zh-TW" dirty="0"/>
+              <a:t>SCSI Translation</a:t>
+            </a:r>
+            <a:endParaRPr lang="zh-TW" altLang="en-US" dirty="0"/>
+          </a:p>
+        </p:txBody>
+      </p:sp>
+      <p:sp>
+        <p:nvSpPr>
+          <p:cNvPr id="3" name="內容版面配置區 2">
+            <a:extLst>
+              <a:ext uri="{FF2B5EF4-FFF2-40B4-BE49-F238E27FC236}">
+                <a16:creationId xmlns:a16="http://schemas.microsoft.com/office/drawing/2014/main" id="{9E6D7088-FD26-4E35-ACB4-34AA12025937}"/>
+              </a:ext>
+            </a:extLst>
+          </p:cNvPr>
+          <p:cNvSpPr>
+            <a:spLocks noGrp="1"/>
+          </p:cNvSpPr>
+          <p:nvPr>
+            <p:ph idx="1"/>
+          </p:nvPr>
+        </p:nvSpPr>
+        <p:spPr/>
+        <p:txBody>
+          <a:bodyPr/>
+          <a:lstStyle/>
+          <a:p>
+            <a:endParaRPr lang="zh-TW" altLang="en-US" dirty="0"/>
+          </a:p>
+        </p:txBody>
+      </p:sp>
+    </p:spTree>
+    <p:extLst>
+      <p:ext uri="{BB962C8B-B14F-4D97-AF65-F5344CB8AC3E}">
+        <p14:creationId xmlns:p14="http://schemas.microsoft.com/office/powerpoint/2010/main" val="2864589049"/>
+      </p:ext>
+    </p:extLst>
+  </p:cSld>
+  <p:clrMapOvr>
+    <a:masterClrMapping/>
+  </p:clrMapOvr>
+</p:sld>
+</file>
+
+<file path=ppt/slides/slide28.xml><?xml version="1.0" encoding="utf-8"?>
+<p:sld xmlns:a="http://schemas.openxmlformats.org/drawingml/2006/main" xmlns:r="http://schemas.openxmlformats.org/officeDocument/2006/relationships" xmlns:p="http://schemas.openxmlformats.org/presentationml/2006/main">
+  <p:cSld>
+    <p:spTree>
+      <p:nvGrpSpPr>
+        <p:cNvPr id="1" name=""/>
+        <p:cNvGrpSpPr/>
+        <p:nvPr/>
+      </p:nvGrpSpPr>
+      <p:grpSpPr>
+        <a:xfrm>
+          <a:off x="0" y="0"/>
+          <a:ext cx="0" cy="0"/>
+          <a:chOff x="0" y="0"/>
+          <a:chExt cx="0" cy="0"/>
+        </a:xfrm>
+      </p:grpSpPr>
+      <p:sp>
+        <p:nvSpPr>
+          <p:cNvPr id="2" name="標題 1">
+            <a:extLst>
+              <a:ext uri="{FF2B5EF4-FFF2-40B4-BE49-F238E27FC236}">
+                <a16:creationId xmlns:a16="http://schemas.microsoft.com/office/drawing/2014/main" id="{EC86F950-3471-456F-B75A-981FB35221F3}"/>
+              </a:ext>
+            </a:extLst>
+          </p:cNvPr>
+          <p:cNvSpPr>
+            <a:spLocks noGrp="1"/>
+          </p:cNvSpPr>
+          <p:nvPr>
+            <p:ph type="title"/>
+          </p:nvPr>
+        </p:nvSpPr>
+        <p:spPr/>
+        <p:txBody>
+          <a:bodyPr/>
+          <a:lstStyle/>
+          <a:p>
+            <a:endParaRPr lang="zh-TW" altLang="en-US"/>
+          </a:p>
+        </p:txBody>
+      </p:sp>
+      <p:sp>
+        <p:nvSpPr>
+          <p:cNvPr id="3" name="內容版面配置區 2">
+            <a:extLst>
+              <a:ext uri="{FF2B5EF4-FFF2-40B4-BE49-F238E27FC236}">
+                <a16:creationId xmlns:a16="http://schemas.microsoft.com/office/drawing/2014/main" id="{9E6D7088-FD26-4E35-ACB4-34AA12025937}"/>
+              </a:ext>
+            </a:extLst>
+          </p:cNvPr>
+          <p:cNvSpPr>
+            <a:spLocks noGrp="1"/>
+          </p:cNvSpPr>
+          <p:nvPr>
+            <p:ph idx="1"/>
+          </p:nvPr>
+        </p:nvSpPr>
+        <p:spPr/>
+        <p:txBody>
+          <a:bodyPr/>
+          <a:lstStyle/>
+          <a:p>
+            <a:endParaRPr lang="zh-TW" altLang="en-US"/>
+          </a:p>
+        </p:txBody>
+      </p:sp>
+    </p:spTree>
+    <p:extLst>
+      <p:ext uri="{BB962C8B-B14F-4D97-AF65-F5344CB8AC3E}">
+        <p14:creationId xmlns:p14="http://schemas.microsoft.com/office/powerpoint/2010/main" val="386798515"/>
+      </p:ext>
+    </p:extLst>
+  </p:cSld>
+  <p:clrMapOvr>
+    <a:masterClrMapping/>
+  </p:clrMapOvr>
+</p:sld>
+</file>
+
+<file path=ppt/slides/slide29.xml><?xml version="1.0" encoding="utf-8"?>
+<p:sld xmlns:a="http://schemas.openxmlformats.org/drawingml/2006/main" xmlns:r="http://schemas.openxmlformats.org/officeDocument/2006/relationships" xmlns:p="http://schemas.openxmlformats.org/presentationml/2006/main">
+  <p:cSld>
+    <p:spTree>
+      <p:nvGrpSpPr>
+        <p:cNvPr id="1" name=""/>
+        <p:cNvGrpSpPr/>
+        <p:nvPr/>
+      </p:nvGrpSpPr>
+      <p:grpSpPr>
+        <a:xfrm>
+          <a:off x="0" y="0"/>
+          <a:ext cx="0" cy="0"/>
+          <a:chOff x="0" y="0"/>
+          <a:chExt cx="0" cy="0"/>
+        </a:xfrm>
+      </p:grpSpPr>
+      <p:sp>
+        <p:nvSpPr>
+          <p:cNvPr id="2" name="標題 1">
+            <a:extLst>
+              <a:ext uri="{FF2B5EF4-FFF2-40B4-BE49-F238E27FC236}">
+                <a16:creationId xmlns:a16="http://schemas.microsoft.com/office/drawing/2014/main" id="{5DD07498-5F52-49AE-8F70-D644A562FAEE}"/>
+              </a:ext>
+            </a:extLst>
+          </p:cNvPr>
+          <p:cNvSpPr>
+            <a:spLocks noGrp="1"/>
+          </p:cNvSpPr>
+          <p:nvPr>
+            <p:ph type="title"/>
+          </p:nvPr>
+        </p:nvSpPr>
+        <p:spPr/>
+        <p:txBody>
+          <a:bodyPr/>
+          <a:lstStyle/>
+          <a:p>
+            <a:r>
+              <a:rPr lang="en-US" altLang="zh-TW" dirty="0"/>
+              <a:t>Reference</a:t>
+            </a:r>
+            <a:endParaRPr lang="zh-TW" altLang="en-US" dirty="0"/>
+          </a:p>
+        </p:txBody>
+      </p:sp>
+      <p:sp>
+        <p:nvSpPr>
+          <p:cNvPr id="3" name="內容版面配置區 2">
+            <a:extLst>
+              <a:ext uri="{FF2B5EF4-FFF2-40B4-BE49-F238E27FC236}">
+                <a16:creationId xmlns:a16="http://schemas.microsoft.com/office/drawing/2014/main" id="{38A78F0E-8A29-474B-B872-6D9F55857160}"/>
+              </a:ext>
+            </a:extLst>
+          </p:cNvPr>
+          <p:cNvSpPr>
+            <a:spLocks noGrp="1"/>
+          </p:cNvSpPr>
+          <p:nvPr>
+            <p:ph idx="1"/>
+          </p:nvPr>
+        </p:nvSpPr>
+        <p:spPr/>
+        <p:txBody>
+          <a:bodyPr/>
+          <a:lstStyle/>
+          <a:p>
+            <a:r>
+              <a:rPr lang="en-US" altLang="zh-TW" dirty="0" err="1"/>
+              <a:t>NVMe</a:t>
+            </a:r>
+            <a:r>
+              <a:rPr lang="en-US" altLang="zh-TW" dirty="0"/>
+              <a:t> 1.3 spec</a:t>
+            </a:r>
+          </a:p>
+          <a:p>
+            <a:pPr lvl="1"/>
+            <a:r>
+              <a:rPr lang="en-US" altLang="zh-TW" dirty="0">
+                <a:hlinkClick r:id="rId2"/>
+              </a:rPr>
+              <a:t>https://nvmexpress.org/wp-content/uploads/NVM_Express_Revision_1.3.pdf</a:t>
+            </a:r>
+            <a:endParaRPr lang="en-US" altLang="zh-TW" dirty="0"/>
+          </a:p>
+          <a:p>
+            <a:endParaRPr lang="en-US" altLang="zh-TW" dirty="0"/>
+          </a:p>
+          <a:p>
+            <a:r>
+              <a:rPr lang="en-US" altLang="zh-TW" dirty="0"/>
+              <a:t>Windows </a:t>
+            </a:r>
+            <a:r>
+              <a:rPr lang="en-US" altLang="zh-TW" dirty="0" err="1"/>
+              <a:t>StorNVMe</a:t>
+            </a:r>
+            <a:r>
+              <a:rPr lang="en-US" altLang="zh-TW" dirty="0"/>
+              <a:t> driver SCSI Translation Support</a:t>
+            </a:r>
+          </a:p>
+          <a:p>
+            <a:pPr lvl="1"/>
+            <a:r>
+              <a:rPr lang="en-US" altLang="zh-TW">
+                <a:hlinkClick r:id="rId3"/>
+              </a:rPr>
+              <a:t>https://github.com/MicrosoftDocs/windows-driver-docs/blob/staging/windows-driver-docs-pr/storage/stornvme-scsi-translation-support.md</a:t>
+            </a:r>
+            <a:endParaRPr lang="en-US" altLang="zh-TW"/>
+          </a:p>
+          <a:p>
+            <a:endParaRPr lang="zh-TW" altLang="en-US" dirty="0"/>
+          </a:p>
+        </p:txBody>
+      </p:sp>
+    </p:spTree>
+    <p:extLst>
+      <p:ext uri="{BB962C8B-B14F-4D97-AF65-F5344CB8AC3E}">
+        <p14:creationId xmlns:p14="http://schemas.microsoft.com/office/powerpoint/2010/main" val="1102339624"/>
+      </p:ext>
+    </p:extLst>
+  </p:cSld>
+  <p:clrMapOvr>
+    <a:masterClrMapping/>
+  </p:clrMapOvr>
+</p:sld>
+</file>
+
+<file path=ppt/slides/slide3.xml><?xml version="1.0" encoding="utf-8"?>
+<p:sld xmlns:a="http://schemas.openxmlformats.org/drawingml/2006/main" xmlns:r="http://schemas.openxmlformats.org/officeDocument/2006/relationships" xmlns:p="http://schemas.openxmlformats.org/presentationml/2006/main">
+  <p:cSld>
+    <p:spTree>
+      <p:nvGrpSpPr>
+        <p:cNvPr id="1" name=""/>
+        <p:cNvGrpSpPr/>
+        <p:nvPr/>
+      </p:nvGrpSpPr>
+      <p:grpSpPr>
+        <a:xfrm>
+          <a:off x="0" y="0"/>
+          <a:ext cx="0" cy="0"/>
+          <a:chOff x="0" y="0"/>
+          <a:chExt cx="0" cy="0"/>
+        </a:xfrm>
+      </p:grpSpPr>
+      <p:sp>
+        <p:nvSpPr>
+          <p:cNvPr id="2" name="標題 1">
+            <a:extLst>
+              <a:ext uri="{FF2B5EF4-FFF2-40B4-BE49-F238E27FC236}">
+                <a16:creationId xmlns:a16="http://schemas.microsoft.com/office/drawing/2014/main" id="{5DD07498-5F52-49AE-8F70-D644A562FAEE}"/>
+              </a:ext>
+            </a:extLst>
+          </p:cNvPr>
+          <p:cNvSpPr>
+            <a:spLocks noGrp="1"/>
+          </p:cNvSpPr>
+          <p:nvPr>
+            <p:ph type="title"/>
+          </p:nvPr>
+        </p:nvSpPr>
+        <p:spPr/>
+        <p:txBody>
+          <a:bodyPr/>
+          <a:lstStyle/>
+          <a:p>
+            <a:r>
+              <a:rPr lang="en-US" altLang="zh-TW" dirty="0"/>
+              <a:t>What is </a:t>
+            </a:r>
+            <a:r>
+              <a:rPr lang="en-US" altLang="zh-TW" dirty="0" err="1"/>
+              <a:t>SPCNVMe</a:t>
+            </a:r>
+            <a:r>
+              <a:rPr lang="en-US" altLang="zh-TW" dirty="0"/>
+              <a:t> ?</a:t>
+            </a:r>
+            <a:endParaRPr lang="zh-TW" altLang="en-US" dirty="0"/>
+          </a:p>
+        </p:txBody>
+      </p:sp>
+      <p:sp>
+        <p:nvSpPr>
+          <p:cNvPr id="3" name="內容版面配置區 2">
+            <a:extLst>
+              <a:ext uri="{FF2B5EF4-FFF2-40B4-BE49-F238E27FC236}">
+                <a16:creationId xmlns:a16="http://schemas.microsoft.com/office/drawing/2014/main" id="{38A78F0E-8A29-474B-B872-6D9F55857160}"/>
+              </a:ext>
+            </a:extLst>
+          </p:cNvPr>
+          <p:cNvSpPr>
+            <a:spLocks noGrp="1"/>
+          </p:cNvSpPr>
+          <p:nvPr>
+            <p:ph idx="1"/>
+          </p:nvPr>
+        </p:nvSpPr>
+        <p:spPr/>
+        <p:txBody>
+          <a:bodyPr/>
+          <a:lstStyle/>
+          <a:p>
+            <a:r>
+              <a:rPr lang="en-US" altLang="zh-TW" dirty="0"/>
+              <a:t>an </a:t>
+            </a:r>
+            <a:r>
+              <a:rPr lang="en-US" altLang="zh-TW" dirty="0" err="1"/>
+              <a:t>OpenSource</a:t>
+            </a:r>
+            <a:r>
+              <a:rPr lang="en-US" altLang="zh-TW" dirty="0"/>
+              <a:t> PCIe </a:t>
+            </a:r>
+            <a:r>
+              <a:rPr lang="en-US" altLang="zh-TW" dirty="0" err="1"/>
+              <a:t>NVMe</a:t>
+            </a:r>
+            <a:r>
+              <a:rPr lang="en-US" altLang="zh-TW" dirty="0"/>
+              <a:t> driver for Windows Platform</a:t>
+            </a:r>
+          </a:p>
+          <a:p>
+            <a:r>
+              <a:rPr lang="en-US" altLang="zh-TW" dirty="0"/>
+              <a:t>Implemented by </a:t>
+            </a:r>
+            <a:r>
+              <a:rPr lang="en-US" altLang="zh-TW" dirty="0" err="1"/>
+              <a:t>Storport</a:t>
+            </a:r>
+            <a:r>
+              <a:rPr lang="en-US" altLang="zh-TW" dirty="0"/>
+              <a:t> Miniport framework</a:t>
+            </a:r>
+          </a:p>
+          <a:p>
+            <a:r>
+              <a:rPr lang="en-US" altLang="zh-TW" dirty="0"/>
+              <a:t>Supported only Win 8+</a:t>
+            </a:r>
+          </a:p>
+          <a:p>
+            <a:pPr lvl="1"/>
+            <a:r>
+              <a:rPr lang="en-US" altLang="zh-TW" dirty="0"/>
+              <a:t>Maybe I will make it support Win7 when I have free time.... :p</a:t>
+            </a:r>
+          </a:p>
+          <a:p>
+            <a:pPr lvl="1"/>
+            <a:endParaRPr lang="en-US" altLang="zh-TW" dirty="0"/>
+          </a:p>
+          <a:p>
+            <a:endParaRPr lang="en-US" altLang="zh-TW" dirty="0"/>
+          </a:p>
+          <a:p>
+            <a:r>
+              <a:rPr lang="en-US" altLang="zh-TW" dirty="0"/>
+              <a:t>Some information are reversed from windows built-in stornvme.sys.</a:t>
+            </a:r>
+          </a:p>
+          <a:p>
+            <a:endParaRPr lang="zh-TW" altLang="en-US" dirty="0"/>
+          </a:p>
+        </p:txBody>
+      </p:sp>
+    </p:spTree>
+    <p:extLst>
+      <p:ext uri="{BB962C8B-B14F-4D97-AF65-F5344CB8AC3E}">
+        <p14:creationId xmlns:p14="http://schemas.microsoft.com/office/powerpoint/2010/main" val="1333622040"/>
+      </p:ext>
+    </p:extLst>
+  </p:cSld>
+  <p:clrMapOvr>
+    <a:masterClrMapping/>
+  </p:clrMapOvr>
+</p:sld>
+</file>
+
+<file path=ppt/slides/slide30.xml><?xml version="1.0" encoding="utf-8"?>
+<p:sld xmlns:a="http://schemas.openxmlformats.org/drawingml/2006/main" xmlns:r="http://schemas.openxmlformats.org/officeDocument/2006/relationships" xmlns:p="http://schemas.openxmlformats.org/presentationml/2006/main">
+  <p:cSld>
+    <p:spTree>
+      <p:nvGrpSpPr>
+        <p:cNvPr id="1" name=""/>
+        <p:cNvGrpSpPr/>
+        <p:nvPr/>
+      </p:nvGrpSpPr>
+      <p:grpSpPr>
+        <a:xfrm>
+          <a:off x="0" y="0"/>
+          <a:ext cx="0" cy="0"/>
+          <a:chOff x="0" y="0"/>
+          <a:chExt cx="0" cy="0"/>
+        </a:xfrm>
+      </p:grpSpPr>
+      <p:pic>
+        <p:nvPicPr>
+          <p:cNvPr id="6" name="Picture 2" descr="Fin Png – Free PNG Images Vector, PSD, Clipart, Templates">
+            <a:extLst>
+              <a:ext uri="{FF2B5EF4-FFF2-40B4-BE49-F238E27FC236}">
+                <a16:creationId xmlns:a16="http://schemas.microsoft.com/office/drawing/2014/main" id="{BBE47B31-2B36-49D5-B349-F096C4286AEB}"/>
+              </a:ext>
+            </a:extLst>
+          </p:cNvPr>
+          <p:cNvPicPr>
+            <a:picLocks noChangeAspect="1" noChangeArrowheads="1"/>
+          </p:cNvPicPr>
+          <p:nvPr/>
+        </p:nvPicPr>
+        <p:blipFill>
+          <a:blip r:embed="rId2">
+            <a:extLst>
+              <a:ext uri="{28A0092B-C50C-407E-A947-70E740481C1C}">
+                <a14:useLocalDpi xmlns:a14="http://schemas.microsoft.com/office/drawing/2010/main" val="0"/>
+              </a:ext>
+            </a:extLst>
+          </a:blip>
+          <a:srcRect/>
+          <a:stretch>
+            <a:fillRect/>
+          </a:stretch>
+        </p:blipFill>
+        <p:spPr bwMode="auto">
+          <a:xfrm>
+            <a:off x="383845" y="3429000"/>
+            <a:ext cx="5200650" cy="3028950"/>
+          </a:xfrm>
+          <a:prstGeom prst="rect">
+            <a:avLst/>
+          </a:prstGeom>
+          <a:noFill/>
+          <a:extLst>
+            <a:ext uri="{909E8E84-426E-40DD-AFC4-6F175D3DCCD1}">
+              <a14:hiddenFill xmlns:a14="http://schemas.microsoft.com/office/drawing/2010/main">
+                <a:solidFill>
+                  <a:srgbClr val="FFFFFF"/>
+                </a:solidFill>
+              </a14:hiddenFill>
+            </a:ext>
+          </a:extLst>
+        </p:spPr>
+      </p:pic>
+    </p:spTree>
+    <p:extLst>
+      <p:ext uri="{BB962C8B-B14F-4D97-AF65-F5344CB8AC3E}">
+        <p14:creationId xmlns:p14="http://schemas.microsoft.com/office/powerpoint/2010/main" val="3292092338"/>
+      </p:ext>
+    </p:extLst>
+  </p:cSld>
+  <p:clrMapOvr>
+    <a:masterClrMapping/>
+  </p:clrMapOvr>
+</p:sld>
+</file>
+
+<file path=ppt/slides/slide31.xml><?xml version="1.0" encoding="utf-8"?>
+<p:sld xmlns:a="http://schemas.openxmlformats.org/drawingml/2006/main" xmlns:r="http://schemas.openxmlformats.org/officeDocument/2006/relationships" xmlns:p="http://schemas.openxmlformats.org/presentationml/2006/main">
+  <p:cSld>
+    <p:spTree>
+      <p:nvGrpSpPr>
+        <p:cNvPr id="1" name=""/>
+        <p:cNvGrpSpPr/>
+        <p:nvPr/>
+      </p:nvGrpSpPr>
+      <p:grpSpPr>
+        <a:xfrm>
+          <a:off x="0" y="0"/>
+          <a:ext cx="0" cy="0"/>
+          <a:chOff x="0" y="0"/>
+          <a:chExt cx="0" cy="0"/>
+        </a:xfrm>
+      </p:grpSpPr>
+      <p:sp>
+        <p:nvSpPr>
+          <p:cNvPr id="4" name="標題 3">
+            <a:extLst>
+              <a:ext uri="{FF2B5EF4-FFF2-40B4-BE49-F238E27FC236}">
+                <a16:creationId xmlns:a16="http://schemas.microsoft.com/office/drawing/2014/main" id="{836B52DE-F4E9-DCDD-5123-EA2F45A66015}"/>
+              </a:ext>
+            </a:extLst>
+          </p:cNvPr>
+          <p:cNvSpPr>
+            <a:spLocks noGrp="1"/>
+          </p:cNvSpPr>
+          <p:nvPr>
+            <p:ph type="title"/>
+          </p:nvPr>
+        </p:nvSpPr>
+        <p:spPr/>
+        <p:txBody>
+          <a:bodyPr/>
+          <a:lstStyle/>
+          <a:p>
+            <a:r>
+              <a:rPr lang="en-US" altLang="zh-TW" dirty="0"/>
+              <a:t>Appendix</a:t>
+            </a:r>
+            <a:endParaRPr lang="zh-TW" altLang="en-US" dirty="0"/>
+          </a:p>
+        </p:txBody>
+      </p:sp>
+      <p:sp>
+        <p:nvSpPr>
+          <p:cNvPr id="5" name="文字版面配置區 4">
+            <a:extLst>
+              <a:ext uri="{FF2B5EF4-FFF2-40B4-BE49-F238E27FC236}">
+                <a16:creationId xmlns:a16="http://schemas.microsoft.com/office/drawing/2014/main" id="{92FC0D2C-A825-F0C3-57AE-43F9052E4C0B}"/>
+              </a:ext>
+            </a:extLst>
+          </p:cNvPr>
+          <p:cNvSpPr>
+            <a:spLocks noGrp="1"/>
+          </p:cNvSpPr>
+          <p:nvPr>
+            <p:ph type="body" idx="1"/>
+          </p:nvPr>
+        </p:nvSpPr>
+        <p:spPr/>
+        <p:txBody>
+          <a:bodyPr/>
+          <a:lstStyle/>
+          <a:p>
+            <a:endParaRPr lang="zh-TW" altLang="en-US"/>
+          </a:p>
+        </p:txBody>
+      </p:sp>
+    </p:spTree>
+    <p:extLst>
+      <p:ext uri="{BB962C8B-B14F-4D97-AF65-F5344CB8AC3E}">
+        <p14:creationId xmlns:p14="http://schemas.microsoft.com/office/powerpoint/2010/main" val="1362560452"/>
+      </p:ext>
+    </p:extLst>
+  </p:cSld>
+  <p:clrMapOvr>
+    <a:masterClrMapping/>
+  </p:clrMapOvr>
+</p:sld>
+</file>
+
+<file path=ppt/slides/slide32.xml><?xml version="1.0" encoding="utf-8"?>
+<p:sld xmlns:a="http://schemas.openxmlformats.org/drawingml/2006/main" xmlns:r="http://schemas.openxmlformats.org/officeDocument/2006/relationships" xmlns:p="http://schemas.openxmlformats.org/presentationml/2006/main">
+  <p:cSld>
+    <p:spTree>
+      <p:nvGrpSpPr>
+        <p:cNvPr id="1" name=""/>
+        <p:cNvGrpSpPr/>
+        <p:nvPr/>
+      </p:nvGrpSpPr>
+      <p:grpSpPr>
+        <a:xfrm>
+          <a:off x="0" y="0"/>
+          <a:ext cx="0" cy="0"/>
+          <a:chOff x="0" y="0"/>
+          <a:chExt cx="0" cy="0"/>
+        </a:xfrm>
+      </p:grpSpPr>
+      <p:sp>
+        <p:nvSpPr>
+          <p:cNvPr id="2" name="標題 1">
+            <a:extLst>
+              <a:ext uri="{FF2B5EF4-FFF2-40B4-BE49-F238E27FC236}">
+                <a16:creationId xmlns:a16="http://schemas.microsoft.com/office/drawing/2014/main" id="{063D7246-E8AE-F734-CF16-12109BF4EF8F}"/>
+              </a:ext>
+            </a:extLst>
+          </p:cNvPr>
+          <p:cNvSpPr>
+            <a:spLocks noGrp="1"/>
+          </p:cNvSpPr>
+          <p:nvPr>
+            <p:ph type="title"/>
+          </p:nvPr>
+        </p:nvSpPr>
+        <p:spPr/>
+        <p:txBody>
+          <a:bodyPr/>
+          <a:lstStyle/>
+          <a:p>
+            <a:r>
+              <a:rPr lang="en-US" altLang="zh-TW" dirty="0"/>
+              <a:t>History of SSD</a:t>
+            </a:r>
+            <a:endParaRPr lang="zh-TW" altLang="en-US" dirty="0"/>
+          </a:p>
+        </p:txBody>
+      </p:sp>
+      <p:sp>
+        <p:nvSpPr>
+          <p:cNvPr id="3" name="內容版面配置區 2">
+            <a:extLst>
+              <a:ext uri="{FF2B5EF4-FFF2-40B4-BE49-F238E27FC236}">
+                <a16:creationId xmlns:a16="http://schemas.microsoft.com/office/drawing/2014/main" id="{8B0188B6-E844-51EE-F42C-634E328BE9F5}"/>
+              </a:ext>
+            </a:extLst>
+          </p:cNvPr>
+          <p:cNvSpPr>
+            <a:spLocks noGrp="1"/>
+          </p:cNvSpPr>
+          <p:nvPr>
+            <p:ph idx="1"/>
+          </p:nvPr>
+        </p:nvSpPr>
+        <p:spPr/>
+        <p:txBody>
+          <a:bodyPr/>
+          <a:lstStyle/>
+          <a:p>
+            <a:r>
+              <a:rPr lang="en-US" altLang="zh-TW" dirty="0">
+                <a:hlinkClick r:id="rId2"/>
+              </a:rPr>
+              <a:t>http://www.ssdfans.com/?p=8076</a:t>
+            </a:r>
+            <a:endParaRPr lang="en-US" altLang="zh-TW" dirty="0"/>
+          </a:p>
+          <a:p>
+            <a:r>
+              <a:rPr lang="en-US" altLang="zh-TW" dirty="0">
+                <a:hlinkClick r:id="rId3"/>
+              </a:rPr>
+              <a:t>https://zh.m.wikipedia.org/zh-hant/NVM_Express</a:t>
+            </a:r>
+            <a:endParaRPr lang="en-US" altLang="zh-TW" dirty="0"/>
+          </a:p>
+          <a:p>
+            <a:endParaRPr lang="zh-TW" altLang="en-US" dirty="0"/>
+          </a:p>
+        </p:txBody>
+      </p:sp>
+    </p:spTree>
+    <p:extLst>
+      <p:ext uri="{BB962C8B-B14F-4D97-AF65-F5344CB8AC3E}">
+        <p14:creationId xmlns:p14="http://schemas.microsoft.com/office/powerpoint/2010/main" val="4239985929"/>
+      </p:ext>
+    </p:extLst>
+  </p:cSld>
+  <p:clrMapOvr>
+    <a:masterClrMapping/>
+  </p:clrMapOvr>
+</p:sld>
+</file>
+
+<file path=ppt/slides/slide4.xml><?xml version="1.0" encoding="utf-8"?>
+<p:sld xmlns:a="http://schemas.openxmlformats.org/drawingml/2006/main" xmlns:r="http://schemas.openxmlformats.org/officeDocument/2006/relationships" xmlns:p="http://schemas.openxmlformats.org/presentationml/2006/main">
+  <p:cSld>
+    <p:spTree>
+      <p:nvGrpSpPr>
+        <p:cNvPr id="1" name=""/>
+        <p:cNvGrpSpPr/>
+        <p:nvPr/>
+      </p:nvGrpSpPr>
+      <p:grpSpPr>
+        <a:xfrm>
+          <a:off x="0" y="0"/>
+          <a:ext cx="0" cy="0"/>
+          <a:chOff x="0" y="0"/>
+          <a:chExt cx="0" cy="0"/>
+        </a:xfrm>
+      </p:grpSpPr>
+      <p:sp>
+        <p:nvSpPr>
+          <p:cNvPr id="6" name="標題 5">
+            <a:extLst>
+              <a:ext uri="{FF2B5EF4-FFF2-40B4-BE49-F238E27FC236}">
+                <a16:creationId xmlns:a16="http://schemas.microsoft.com/office/drawing/2014/main" id="{DADF06BF-988B-4B88-B932-A6EEAF258791}"/>
+              </a:ext>
+            </a:extLst>
+          </p:cNvPr>
+          <p:cNvSpPr>
+            <a:spLocks noGrp="1"/>
+          </p:cNvSpPr>
+          <p:nvPr>
+            <p:ph type="title"/>
+          </p:nvPr>
+        </p:nvSpPr>
+        <p:spPr/>
+        <p:txBody>
+          <a:bodyPr/>
+          <a:lstStyle/>
+          <a:p>
+            <a:r>
+              <a:rPr lang="en-US" altLang="zh-TW" dirty="0"/>
+              <a:t>Overview</a:t>
+            </a:r>
+            <a:endParaRPr lang="zh-TW" altLang="en-US" dirty="0"/>
+          </a:p>
+        </p:txBody>
+      </p:sp>
+      <p:sp>
+        <p:nvSpPr>
+          <p:cNvPr id="7" name="文字版面配置區 6">
+            <a:extLst>
+              <a:ext uri="{FF2B5EF4-FFF2-40B4-BE49-F238E27FC236}">
+                <a16:creationId xmlns:a16="http://schemas.microsoft.com/office/drawing/2014/main" id="{D4EE589F-F9B3-490B-886C-236427096FD9}"/>
+              </a:ext>
+            </a:extLst>
+          </p:cNvPr>
+          <p:cNvSpPr>
+            <a:spLocks noGrp="1"/>
+          </p:cNvSpPr>
+          <p:nvPr>
+            <p:ph type="body" idx="1"/>
+          </p:nvPr>
+        </p:nvSpPr>
+        <p:spPr/>
+        <p:txBody>
+          <a:bodyPr/>
+          <a:lstStyle/>
+          <a:p>
+            <a:endParaRPr lang="zh-TW" altLang="en-US"/>
+          </a:p>
+        </p:txBody>
+      </p:sp>
+    </p:spTree>
+    <p:extLst>
+      <p:ext uri="{BB962C8B-B14F-4D97-AF65-F5344CB8AC3E}">
+        <p14:creationId xmlns:p14="http://schemas.microsoft.com/office/powerpoint/2010/main" val="2060120053"/>
+      </p:ext>
+    </p:extLst>
+  </p:cSld>
+  <p:clrMapOvr>
+    <a:masterClrMapping/>
+  </p:clrMapOvr>
+</p:sld>
+</file>
+
+<file path=ppt/slides/slide5.xml><?xml version="1.0" encoding="utf-8"?>
+<p:sld xmlns:a="http://schemas.openxmlformats.org/drawingml/2006/main" xmlns:r="http://schemas.openxmlformats.org/officeDocument/2006/relationships" xmlns:p="http://schemas.openxmlformats.org/presentationml/2006/main">
+  <p:cSld>
+    <p:spTree>
+      <p:nvGrpSpPr>
+        <p:cNvPr id="1" name=""/>
+        <p:cNvGrpSpPr/>
+        <p:nvPr/>
+      </p:nvGrpSpPr>
+      <p:grpSpPr>
+        <a:xfrm>
+          <a:off x="0" y="0"/>
+          <a:ext cx="0" cy="0"/>
+          <a:chOff x="0" y="0"/>
+          <a:chExt cx="0" cy="0"/>
+        </a:xfrm>
+      </p:grpSpPr>
+      <p:sp>
+        <p:nvSpPr>
+          <p:cNvPr id="2" name="標題 1">
+            <a:extLst>
+              <a:ext uri="{FF2B5EF4-FFF2-40B4-BE49-F238E27FC236}">
+                <a16:creationId xmlns:a16="http://schemas.microsoft.com/office/drawing/2014/main" id="{5DD07498-5F52-49AE-8F70-D644A562FAEE}"/>
+              </a:ext>
+            </a:extLst>
+          </p:cNvPr>
+          <p:cNvSpPr>
+            <a:spLocks noGrp="1"/>
+          </p:cNvSpPr>
+          <p:nvPr>
+            <p:ph type="title"/>
+          </p:nvPr>
+        </p:nvSpPr>
+        <p:spPr/>
+        <p:txBody>
+          <a:bodyPr/>
+          <a:lstStyle/>
+          <a:p>
+            <a:r>
+              <a:rPr lang="en-US" altLang="zh-TW" dirty="0"/>
+              <a:t>Logical View of </a:t>
+            </a:r>
+            <a:r>
+              <a:rPr lang="en-US" altLang="zh-TW" dirty="0" err="1"/>
+              <a:t>NVMe</a:t>
+            </a:r>
+            <a:r>
+              <a:rPr lang="en-US" altLang="zh-TW" dirty="0"/>
+              <a:t> system</a:t>
+            </a:r>
+            <a:endParaRPr lang="zh-TW" altLang="en-US" dirty="0"/>
+          </a:p>
+        </p:txBody>
+      </p:sp>
+      <p:sp>
+        <p:nvSpPr>
+          <p:cNvPr id="3" name="內容版面配置區 2">
+            <a:extLst>
+              <a:ext uri="{FF2B5EF4-FFF2-40B4-BE49-F238E27FC236}">
+                <a16:creationId xmlns:a16="http://schemas.microsoft.com/office/drawing/2014/main" id="{38A78F0E-8A29-474B-B872-6D9F55857160}"/>
+              </a:ext>
+            </a:extLst>
+          </p:cNvPr>
+          <p:cNvSpPr>
+            <a:spLocks noGrp="1"/>
+          </p:cNvSpPr>
+          <p:nvPr>
+            <p:ph idx="1"/>
+          </p:nvPr>
+        </p:nvSpPr>
+        <p:spPr/>
+        <p:txBody>
+          <a:bodyPr/>
+          <a:lstStyle/>
+          <a:p>
+            <a:endParaRPr lang="zh-TW" altLang="en-US" dirty="0"/>
+          </a:p>
+        </p:txBody>
+      </p:sp>
+      <p:grpSp>
+        <p:nvGrpSpPr>
+          <p:cNvPr id="11" name="群組 10">
+            <a:extLst>
+              <a:ext uri="{FF2B5EF4-FFF2-40B4-BE49-F238E27FC236}">
+                <a16:creationId xmlns:a16="http://schemas.microsoft.com/office/drawing/2014/main" id="{689BC7A6-846C-AB0D-BA2F-CB9C591A88EE}"/>
+              </a:ext>
+            </a:extLst>
+          </p:cNvPr>
+          <p:cNvGrpSpPr/>
+          <p:nvPr/>
+        </p:nvGrpSpPr>
+        <p:grpSpPr>
+          <a:xfrm>
+            <a:off x="3936000" y="1895306"/>
+            <a:ext cx="4320000" cy="4211976"/>
+            <a:chOff x="2632953" y="1964987"/>
+            <a:chExt cx="4320000" cy="4211976"/>
+          </a:xfrm>
+        </p:grpSpPr>
+        <p:sp>
+          <p:nvSpPr>
+            <p:cNvPr id="4" name="矩形 3">
+              <a:extLst>
+                <a:ext uri="{FF2B5EF4-FFF2-40B4-BE49-F238E27FC236}">
+                  <a16:creationId xmlns:a16="http://schemas.microsoft.com/office/drawing/2014/main" id="{420E1AD8-EA86-BEC4-279C-530CF4F85C1C}"/>
+                </a:ext>
+              </a:extLst>
+            </p:cNvPr>
+            <p:cNvSpPr/>
+            <p:nvPr/>
+          </p:nvSpPr>
+          <p:spPr>
+            <a:xfrm>
+              <a:off x="2632953" y="5376153"/>
+              <a:ext cx="4320000" cy="800810"/>
+            </a:xfrm>
+            <a:prstGeom prst="rect">
+              <a:avLst/>
+            </a:prstGeom>
+          </p:spPr>
+          <p:style>
+            <a:lnRef idx="1">
+              <a:schemeClr val="accent6"/>
+            </a:lnRef>
+            <a:fillRef idx="2">
+              <a:schemeClr val="accent6"/>
+            </a:fillRef>
+            <a:effectRef idx="1">
+              <a:schemeClr val="accent6"/>
+            </a:effectRef>
+            <a:fontRef idx="minor">
+              <a:schemeClr val="dk1"/>
+            </a:fontRef>
+          </p:style>
+          <p:txBody>
+            <a:bodyPr rtlCol="0" anchor="ctr"/>
+            <a:lstStyle/>
+            <a:p>
+              <a:pPr algn="ctr"/>
+              <a:r>
+                <a:rPr lang="en-US" altLang="zh-TW" dirty="0"/>
+                <a:t>PCIe</a:t>
+              </a:r>
+              <a:endParaRPr lang="zh-TW" altLang="en-US" dirty="0"/>
+            </a:p>
+          </p:txBody>
+        </p:sp>
+        <p:sp>
+          <p:nvSpPr>
+            <p:cNvPr id="5" name="矩形 4">
+              <a:extLst>
+                <a:ext uri="{FF2B5EF4-FFF2-40B4-BE49-F238E27FC236}">
+                  <a16:creationId xmlns:a16="http://schemas.microsoft.com/office/drawing/2014/main" id="{9A75C308-7B07-6079-06C0-CA5FAF328938}"/>
+                </a:ext>
+              </a:extLst>
+            </p:cNvPr>
+            <p:cNvSpPr/>
+            <p:nvPr/>
+          </p:nvSpPr>
+          <p:spPr>
+            <a:xfrm>
+              <a:off x="2632953" y="1964987"/>
+              <a:ext cx="4320000" cy="3411166"/>
+            </a:xfrm>
+            <a:prstGeom prst="rect">
+              <a:avLst/>
+            </a:prstGeom>
+          </p:spPr>
+          <p:style>
+            <a:lnRef idx="1">
+              <a:schemeClr val="accent5"/>
+            </a:lnRef>
+            <a:fillRef idx="2">
+              <a:schemeClr val="accent5"/>
+            </a:fillRef>
+            <a:effectRef idx="1">
+              <a:schemeClr val="accent5"/>
+            </a:effectRef>
+            <a:fontRef idx="minor">
+              <a:schemeClr val="dk1"/>
+            </a:fontRef>
+          </p:style>
+          <p:txBody>
+            <a:bodyPr rtlCol="0" anchor="t"/>
+            <a:lstStyle/>
+            <a:p>
+              <a:pPr algn="ctr"/>
+              <a:r>
+                <a:rPr lang="en-US" altLang="zh-TW" dirty="0" err="1"/>
+                <a:t>NVMe</a:t>
+              </a:r>
+              <a:r>
+                <a:rPr lang="en-US" altLang="zh-TW" dirty="0"/>
+                <a:t> Device</a:t>
+              </a:r>
+              <a:endParaRPr lang="zh-TW" altLang="en-US" dirty="0"/>
+            </a:p>
+          </p:txBody>
+        </p:sp>
+        <p:sp>
+          <p:nvSpPr>
+            <p:cNvPr id="6" name="矩形 5">
+              <a:extLst>
+                <a:ext uri="{FF2B5EF4-FFF2-40B4-BE49-F238E27FC236}">
+                  <a16:creationId xmlns:a16="http://schemas.microsoft.com/office/drawing/2014/main" id="{DC080D61-8C5A-6BAC-DC9F-398728353605}"/>
+                </a:ext>
+              </a:extLst>
+            </p:cNvPr>
+            <p:cNvSpPr/>
+            <p:nvPr/>
+          </p:nvSpPr>
+          <p:spPr>
+            <a:xfrm>
+              <a:off x="3067456" y="2454207"/>
+              <a:ext cx="1485089" cy="2783361"/>
+            </a:xfrm>
+            <a:prstGeom prst="rect">
+              <a:avLst/>
+            </a:prstGeom>
+          </p:spPr>
+          <p:style>
+            <a:lnRef idx="1">
+              <a:schemeClr val="accent4"/>
+            </a:lnRef>
+            <a:fillRef idx="2">
+              <a:schemeClr val="accent4"/>
+            </a:fillRef>
+            <a:effectRef idx="1">
+              <a:schemeClr val="accent4"/>
+            </a:effectRef>
+            <a:fontRef idx="minor">
+              <a:schemeClr val="dk1"/>
+            </a:fontRef>
+          </p:style>
+          <p:txBody>
+            <a:bodyPr rtlCol="0" anchor="ctr"/>
+            <a:lstStyle/>
+            <a:p>
+              <a:pPr algn="ctr"/>
+              <a:r>
+                <a:rPr lang="en-US" altLang="zh-TW" dirty="0"/>
+                <a:t>Controller</a:t>
+              </a:r>
+              <a:endParaRPr lang="zh-TW" altLang="en-US" dirty="0"/>
+            </a:p>
+          </p:txBody>
+        </p:sp>
+        <p:sp>
+          <p:nvSpPr>
+            <p:cNvPr id="7" name="矩形 6">
+              <a:extLst>
+                <a:ext uri="{FF2B5EF4-FFF2-40B4-BE49-F238E27FC236}">
+                  <a16:creationId xmlns:a16="http://schemas.microsoft.com/office/drawing/2014/main" id="{B55F8CF5-4AB4-A1E6-B155-0EA51A031DF9}"/>
+                </a:ext>
+              </a:extLst>
+            </p:cNvPr>
+            <p:cNvSpPr/>
+            <p:nvPr/>
+          </p:nvSpPr>
+          <p:spPr>
+            <a:xfrm>
+              <a:off x="4364476" y="2976138"/>
+              <a:ext cx="2160000" cy="541912"/>
+            </a:xfrm>
+            <a:prstGeom prst="rect">
+              <a:avLst/>
+            </a:prstGeom>
+          </p:spPr>
+          <p:style>
+            <a:lnRef idx="1">
+              <a:schemeClr val="accent3"/>
+            </a:lnRef>
+            <a:fillRef idx="2">
+              <a:schemeClr val="accent3"/>
+            </a:fillRef>
+            <a:effectRef idx="1">
+              <a:schemeClr val="accent3"/>
+            </a:effectRef>
+            <a:fontRef idx="minor">
+              <a:schemeClr val="dk1"/>
+            </a:fontRef>
+          </p:style>
+          <p:txBody>
+            <a:bodyPr rtlCol="0" anchor="ctr"/>
+            <a:lstStyle/>
+            <a:p>
+              <a:pPr algn="ctr"/>
+              <a:r>
+                <a:rPr lang="en-US" altLang="zh-TW" dirty="0"/>
+                <a:t>Namespace(NS) 1</a:t>
+              </a:r>
+              <a:endParaRPr lang="zh-TW" altLang="en-US" dirty="0"/>
+            </a:p>
+          </p:txBody>
+        </p:sp>
+        <p:sp>
+          <p:nvSpPr>
+            <p:cNvPr id="8" name="矩形 7">
+              <a:extLst>
+                <a:ext uri="{FF2B5EF4-FFF2-40B4-BE49-F238E27FC236}">
+                  <a16:creationId xmlns:a16="http://schemas.microsoft.com/office/drawing/2014/main" id="{75E18334-EFB9-C92F-D431-2141AC3F7900}"/>
+                </a:ext>
+              </a:extLst>
+            </p:cNvPr>
+            <p:cNvSpPr/>
+            <p:nvPr/>
+          </p:nvSpPr>
+          <p:spPr>
+            <a:xfrm>
+              <a:off x="4364476" y="3518050"/>
+              <a:ext cx="2160000" cy="541912"/>
+            </a:xfrm>
+            <a:prstGeom prst="rect">
+              <a:avLst/>
+            </a:prstGeom>
+          </p:spPr>
+          <p:style>
+            <a:lnRef idx="1">
+              <a:schemeClr val="accent3"/>
+            </a:lnRef>
+            <a:fillRef idx="2">
+              <a:schemeClr val="accent3"/>
+            </a:fillRef>
+            <a:effectRef idx="1">
+              <a:schemeClr val="accent3"/>
+            </a:effectRef>
+            <a:fontRef idx="minor">
+              <a:schemeClr val="dk1"/>
+            </a:fontRef>
+          </p:style>
+          <p:txBody>
+            <a:bodyPr rtlCol="0" anchor="ctr"/>
+            <a:lstStyle/>
+            <a:p>
+              <a:pPr algn="ctr"/>
+              <a:r>
+                <a:rPr lang="en-US" altLang="zh-TW" dirty="0"/>
+                <a:t>Namespace(NS) 2</a:t>
+              </a:r>
+              <a:endParaRPr lang="zh-TW" altLang="en-US" dirty="0"/>
+            </a:p>
+          </p:txBody>
+        </p:sp>
+        <p:sp>
+          <p:nvSpPr>
+            <p:cNvPr id="9" name="矩形 8">
+              <a:extLst>
+                <a:ext uri="{FF2B5EF4-FFF2-40B4-BE49-F238E27FC236}">
+                  <a16:creationId xmlns:a16="http://schemas.microsoft.com/office/drawing/2014/main" id="{EECAED02-133F-12C3-748A-7BA23D416CCC}"/>
+                </a:ext>
+              </a:extLst>
+            </p:cNvPr>
+            <p:cNvSpPr/>
+            <p:nvPr/>
+          </p:nvSpPr>
+          <p:spPr>
+            <a:xfrm>
+              <a:off x="4364476" y="4063019"/>
+              <a:ext cx="2160000" cy="541912"/>
+            </a:xfrm>
+            <a:prstGeom prst="rect">
+              <a:avLst/>
+            </a:prstGeom>
+          </p:spPr>
+          <p:style>
+            <a:lnRef idx="1">
+              <a:schemeClr val="accent3"/>
+            </a:lnRef>
+            <a:fillRef idx="2">
+              <a:schemeClr val="accent3"/>
+            </a:fillRef>
+            <a:effectRef idx="1">
+              <a:schemeClr val="accent3"/>
+            </a:effectRef>
+            <a:fontRef idx="minor">
+              <a:schemeClr val="dk1"/>
+            </a:fontRef>
+          </p:style>
+          <p:txBody>
+            <a:bodyPr rtlCol="0" anchor="ctr"/>
+            <a:lstStyle/>
+            <a:p>
+              <a:pPr algn="ctr"/>
+              <a:r>
+                <a:rPr lang="en-US" altLang="zh-TW" dirty="0"/>
+                <a:t>...... NS 3~127</a:t>
+              </a:r>
+              <a:endParaRPr lang="zh-TW" altLang="en-US" dirty="0"/>
+            </a:p>
+          </p:txBody>
+        </p:sp>
+      </p:grpSp>
+    </p:spTree>
+    <p:extLst>
+      <p:ext uri="{BB962C8B-B14F-4D97-AF65-F5344CB8AC3E}">
+        <p14:creationId xmlns:p14="http://schemas.microsoft.com/office/powerpoint/2010/main" val="3077004459"/>
+      </p:ext>
+    </p:extLst>
+  </p:cSld>
+  <p:clrMapOvr>
+    <a:masterClrMapping/>
+  </p:clrMapOvr>
+</p:sld>
+</file>
+
+<file path=ppt/slides/slide6.xml><?xml version="1.0" encoding="utf-8"?>
+<p:sld xmlns:a="http://schemas.openxmlformats.org/drawingml/2006/main" xmlns:r="http://schemas.openxmlformats.org/officeDocument/2006/relationships" xmlns:p="http://schemas.openxmlformats.org/presentationml/2006/main">
+  <p:cSld>
+    <p:spTree>
+      <p:nvGrpSpPr>
+        <p:cNvPr id="1" name=""/>
+        <p:cNvGrpSpPr/>
+        <p:nvPr/>
+      </p:nvGrpSpPr>
+      <p:grpSpPr>
+        <a:xfrm>
+          <a:off x="0" y="0"/>
+          <a:ext cx="0" cy="0"/>
+          <a:chOff x="0" y="0"/>
+          <a:chExt cx="0" cy="0"/>
+        </a:xfrm>
+      </p:grpSpPr>
+      <p:sp>
+        <p:nvSpPr>
+          <p:cNvPr id="2" name="標題 1">
+            <a:extLst>
+              <a:ext uri="{FF2B5EF4-FFF2-40B4-BE49-F238E27FC236}">
+                <a16:creationId xmlns:a16="http://schemas.microsoft.com/office/drawing/2014/main" id="{5DD07498-5F52-49AE-8F70-D644A562FAEE}"/>
+              </a:ext>
+            </a:extLst>
+          </p:cNvPr>
+          <p:cNvSpPr>
+            <a:spLocks noGrp="1"/>
+          </p:cNvSpPr>
+          <p:nvPr>
+            <p:ph type="title"/>
+          </p:nvPr>
+        </p:nvSpPr>
+        <p:spPr/>
+        <p:txBody>
+          <a:bodyPr/>
+          <a:lstStyle/>
+          <a:p>
+            <a:r>
+              <a:rPr lang="en-US" altLang="zh-TW" dirty="0"/>
+              <a:t>Logical View of </a:t>
+            </a:r>
+            <a:r>
+              <a:rPr lang="en-US" altLang="zh-TW" dirty="0" err="1"/>
+              <a:t>NVMe</a:t>
+            </a:r>
+            <a:r>
+              <a:rPr lang="en-US" altLang="zh-TW" dirty="0"/>
+              <a:t> system</a:t>
+            </a:r>
+            <a:endParaRPr lang="zh-TW" altLang="en-US" dirty="0"/>
+          </a:p>
+        </p:txBody>
+      </p:sp>
+      <p:grpSp>
+        <p:nvGrpSpPr>
+          <p:cNvPr id="11" name="群組 10">
+            <a:extLst>
+              <a:ext uri="{FF2B5EF4-FFF2-40B4-BE49-F238E27FC236}">
+                <a16:creationId xmlns:a16="http://schemas.microsoft.com/office/drawing/2014/main" id="{D8290BE5-EAE8-2183-1175-F8E9AA331B17}"/>
+              </a:ext>
+            </a:extLst>
+          </p:cNvPr>
+          <p:cNvGrpSpPr/>
+          <p:nvPr/>
+        </p:nvGrpSpPr>
+        <p:grpSpPr>
+          <a:xfrm>
+            <a:off x="3396000" y="1523234"/>
+            <a:ext cx="5400000" cy="5052663"/>
+            <a:chOff x="3396000" y="1523234"/>
+            <a:chExt cx="5400000" cy="5052663"/>
+          </a:xfrm>
+        </p:grpSpPr>
+        <p:sp>
+          <p:nvSpPr>
+            <p:cNvPr id="5" name="矩形 4">
+              <a:extLst>
+                <a:ext uri="{FF2B5EF4-FFF2-40B4-BE49-F238E27FC236}">
+                  <a16:creationId xmlns:a16="http://schemas.microsoft.com/office/drawing/2014/main" id="{9A75C308-7B07-6079-06C0-CA5FAF328938}"/>
+                </a:ext>
+              </a:extLst>
+            </p:cNvPr>
+            <p:cNvSpPr/>
+            <p:nvPr/>
+          </p:nvSpPr>
+          <p:spPr>
+            <a:xfrm>
+              <a:off x="3396000" y="1523234"/>
+              <a:ext cx="5400000" cy="5052663"/>
+            </a:xfrm>
+            <a:prstGeom prst="rect">
+              <a:avLst/>
+            </a:prstGeom>
+          </p:spPr>
+          <p:style>
+            <a:lnRef idx="1">
+              <a:schemeClr val="accent4"/>
+            </a:lnRef>
+            <a:fillRef idx="2">
+              <a:schemeClr val="accent4"/>
+            </a:fillRef>
+            <a:effectRef idx="1">
+              <a:schemeClr val="accent4"/>
+            </a:effectRef>
+            <a:fontRef idx="minor">
+              <a:schemeClr val="dk1"/>
+            </a:fontRef>
+          </p:style>
+          <p:txBody>
+            <a:bodyPr rtlCol="0" anchor="t"/>
+            <a:lstStyle/>
+            <a:p>
+              <a:pPr algn="ctr"/>
+              <a:r>
+                <a:rPr lang="en-US" altLang="zh-TW" dirty="0" err="1"/>
+                <a:t>NVMe</a:t>
+              </a:r>
+              <a:r>
+                <a:rPr lang="en-US" altLang="zh-TW" dirty="0"/>
+                <a:t> Controller</a:t>
+              </a:r>
+            </a:p>
+          </p:txBody>
+        </p:sp>
+        <p:sp>
+          <p:nvSpPr>
+            <p:cNvPr id="6" name="矩形 5">
+              <a:extLst>
+                <a:ext uri="{FF2B5EF4-FFF2-40B4-BE49-F238E27FC236}">
+                  <a16:creationId xmlns:a16="http://schemas.microsoft.com/office/drawing/2014/main" id="{67002CC5-F340-5F0E-4C15-8244171F8EC7}"/>
+                </a:ext>
+              </a:extLst>
+            </p:cNvPr>
+            <p:cNvSpPr/>
+            <p:nvPr/>
+          </p:nvSpPr>
+          <p:spPr>
+            <a:xfrm>
+              <a:off x="6310009" y="1926075"/>
+              <a:ext cx="2289242" cy="4566799"/>
+            </a:xfrm>
+            <a:prstGeom prst="rect">
+              <a:avLst/>
+            </a:prstGeom>
+          </p:spPr>
+          <p:style>
+            <a:lnRef idx="1">
+              <a:schemeClr val="accent2"/>
+            </a:lnRef>
+            <a:fillRef idx="2">
+              <a:schemeClr val="accent2"/>
+            </a:fillRef>
+            <a:effectRef idx="1">
+              <a:schemeClr val="accent2"/>
+            </a:effectRef>
+            <a:fontRef idx="minor">
+              <a:schemeClr val="dk1"/>
+            </a:fontRef>
+          </p:style>
+          <p:txBody>
+            <a:bodyPr rtlCol="0" anchor="ctr"/>
+            <a:lstStyle/>
+            <a:p>
+              <a:pPr algn="ctr"/>
+              <a:r>
+                <a:rPr lang="en-US" altLang="zh-TW" dirty="0"/>
+                <a:t>Device Registers</a:t>
+              </a:r>
+              <a:endParaRPr lang="zh-TW" altLang="en-US" dirty="0"/>
+            </a:p>
+          </p:txBody>
+        </p:sp>
+        <p:sp>
+          <p:nvSpPr>
+            <p:cNvPr id="7" name="矩形 6">
+              <a:extLst>
+                <a:ext uri="{FF2B5EF4-FFF2-40B4-BE49-F238E27FC236}">
+                  <a16:creationId xmlns:a16="http://schemas.microsoft.com/office/drawing/2014/main" id="{F05A6FAD-7B3B-F270-86FE-0CB4AD2C743A}"/>
+                </a:ext>
+              </a:extLst>
+            </p:cNvPr>
+            <p:cNvSpPr/>
+            <p:nvPr/>
+          </p:nvSpPr>
+          <p:spPr>
+            <a:xfrm>
+              <a:off x="3871608" y="1948797"/>
+              <a:ext cx="1800000" cy="1800000"/>
+            </a:xfrm>
+            <a:prstGeom prst="rect">
+              <a:avLst/>
+            </a:prstGeom>
+          </p:spPr>
+          <p:style>
+            <a:lnRef idx="1">
+              <a:schemeClr val="accent1"/>
+            </a:lnRef>
+            <a:fillRef idx="2">
+              <a:schemeClr val="accent1"/>
+            </a:fillRef>
+            <a:effectRef idx="1">
+              <a:schemeClr val="accent1"/>
+            </a:effectRef>
+            <a:fontRef idx="minor">
+              <a:schemeClr val="dk1"/>
+            </a:fontRef>
+          </p:style>
+          <p:txBody>
+            <a:bodyPr rtlCol="0" anchor="ctr"/>
+            <a:lstStyle/>
+            <a:p>
+              <a:pPr algn="ctr"/>
+              <a:r>
+                <a:rPr lang="en-US" altLang="zh-TW" dirty="0"/>
+                <a:t>Admin Queue Pair x1</a:t>
+              </a:r>
+              <a:endParaRPr lang="zh-TW" altLang="en-US" dirty="0"/>
+            </a:p>
+          </p:txBody>
+        </p:sp>
+        <p:sp>
+          <p:nvSpPr>
+            <p:cNvPr id="8" name="矩形 7">
+              <a:extLst>
+                <a:ext uri="{FF2B5EF4-FFF2-40B4-BE49-F238E27FC236}">
+                  <a16:creationId xmlns:a16="http://schemas.microsoft.com/office/drawing/2014/main" id="{8CE0311E-C2DB-76AF-CDDF-5F3BD476FB6C}"/>
+                </a:ext>
+              </a:extLst>
+            </p:cNvPr>
+            <p:cNvSpPr/>
+            <p:nvPr/>
+          </p:nvSpPr>
+          <p:spPr>
+            <a:xfrm>
+              <a:off x="3871608" y="4006906"/>
+              <a:ext cx="1800000" cy="1800000"/>
+            </a:xfrm>
+            <a:prstGeom prst="rect">
+              <a:avLst/>
+            </a:prstGeom>
+          </p:spPr>
+          <p:style>
+            <a:lnRef idx="1">
+              <a:schemeClr val="accent6"/>
+            </a:lnRef>
+            <a:fillRef idx="2">
+              <a:schemeClr val="accent6"/>
+            </a:fillRef>
+            <a:effectRef idx="1">
+              <a:schemeClr val="accent6"/>
+            </a:effectRef>
+            <a:fontRef idx="minor">
+              <a:schemeClr val="dk1"/>
+            </a:fontRef>
+          </p:style>
+          <p:txBody>
+            <a:bodyPr rtlCol="0" anchor="ctr"/>
+            <a:lstStyle/>
+            <a:p>
+              <a:pPr algn="ctr"/>
+              <a:r>
+                <a:rPr lang="en-US" altLang="zh-TW" dirty="0"/>
+                <a:t>I/O Queue Pairs </a:t>
+              </a:r>
+              <a:r>
+                <a:rPr lang="en-US" altLang="zh-TW" dirty="0" err="1"/>
+                <a:t>xN</a:t>
+              </a:r>
+              <a:endParaRPr lang="zh-TW" altLang="en-US" dirty="0"/>
+            </a:p>
+          </p:txBody>
+        </p:sp>
+        <p:sp>
+          <p:nvSpPr>
+            <p:cNvPr id="9" name="矩形 8">
+              <a:extLst>
+                <a:ext uri="{FF2B5EF4-FFF2-40B4-BE49-F238E27FC236}">
+                  <a16:creationId xmlns:a16="http://schemas.microsoft.com/office/drawing/2014/main" id="{986FFBFF-855B-54ED-F90B-0AA430C7450F}"/>
+                </a:ext>
+              </a:extLst>
+            </p:cNvPr>
+            <p:cNvSpPr/>
+            <p:nvPr/>
+          </p:nvSpPr>
+          <p:spPr>
+            <a:xfrm>
+              <a:off x="4020765" y="4156063"/>
+              <a:ext cx="1800000" cy="1800000"/>
+            </a:xfrm>
+            <a:prstGeom prst="rect">
+              <a:avLst/>
+            </a:prstGeom>
+          </p:spPr>
+          <p:style>
+            <a:lnRef idx="1">
+              <a:schemeClr val="accent6"/>
+            </a:lnRef>
+            <a:fillRef idx="2">
+              <a:schemeClr val="accent6"/>
+            </a:fillRef>
+            <a:effectRef idx="1">
+              <a:schemeClr val="accent6"/>
+            </a:effectRef>
+            <a:fontRef idx="minor">
+              <a:schemeClr val="dk1"/>
+            </a:fontRef>
+          </p:style>
+          <p:txBody>
+            <a:bodyPr rtlCol="0" anchor="ctr"/>
+            <a:lstStyle/>
+            <a:p>
+              <a:pPr algn="ctr"/>
+              <a:r>
+                <a:rPr lang="en-US" altLang="zh-TW" dirty="0"/>
+                <a:t>I/O Queue Pairs </a:t>
+              </a:r>
+              <a:r>
+                <a:rPr lang="en-US" altLang="zh-TW" dirty="0" err="1"/>
+                <a:t>xN</a:t>
+              </a:r>
+              <a:endParaRPr lang="zh-TW" altLang="en-US" dirty="0"/>
+            </a:p>
+          </p:txBody>
+        </p:sp>
+        <p:sp>
+          <p:nvSpPr>
+            <p:cNvPr id="10" name="矩形 9">
+              <a:extLst>
+                <a:ext uri="{FF2B5EF4-FFF2-40B4-BE49-F238E27FC236}">
+                  <a16:creationId xmlns:a16="http://schemas.microsoft.com/office/drawing/2014/main" id="{7C83A800-8F9C-5C09-B7A0-442098FCC104}"/>
+                </a:ext>
+              </a:extLst>
+            </p:cNvPr>
+            <p:cNvSpPr/>
+            <p:nvPr/>
+          </p:nvSpPr>
+          <p:spPr>
+            <a:xfrm>
+              <a:off x="4169922" y="4316823"/>
+              <a:ext cx="1800000" cy="1800000"/>
+            </a:xfrm>
+            <a:prstGeom prst="rect">
+              <a:avLst/>
+            </a:prstGeom>
+          </p:spPr>
+          <p:style>
+            <a:lnRef idx="1">
+              <a:schemeClr val="accent6"/>
+            </a:lnRef>
+            <a:fillRef idx="2">
+              <a:schemeClr val="accent6"/>
+            </a:fillRef>
+            <a:effectRef idx="1">
+              <a:schemeClr val="accent6"/>
+            </a:effectRef>
+            <a:fontRef idx="minor">
+              <a:schemeClr val="dk1"/>
+            </a:fontRef>
+          </p:style>
+          <p:txBody>
+            <a:bodyPr rtlCol="0" anchor="ctr"/>
+            <a:lstStyle/>
+            <a:p>
+              <a:pPr algn="ctr"/>
+              <a:r>
+                <a:rPr lang="en-US" altLang="zh-TW" dirty="0"/>
+                <a:t>I/O Queue Pairs </a:t>
+              </a:r>
+              <a:r>
+                <a:rPr lang="en-US" altLang="zh-TW" dirty="0" err="1"/>
+                <a:t>xN</a:t>
+              </a:r>
+              <a:endParaRPr lang="zh-TW" altLang="en-US" dirty="0"/>
+            </a:p>
+          </p:txBody>
+        </p:sp>
+      </p:grpSp>
+    </p:spTree>
+    <p:extLst>
+      <p:ext uri="{BB962C8B-B14F-4D97-AF65-F5344CB8AC3E}">
+        <p14:creationId xmlns:p14="http://schemas.microsoft.com/office/powerpoint/2010/main" val="3622713896"/>
+      </p:ext>
+    </p:extLst>
+  </p:cSld>
+  <p:clrMapOvr>
+    <a:masterClrMapping/>
+  </p:clrMapOvr>
+</p:sld>
+</file>
+
+<file path=ppt/slides/slide7.xml><?xml version="1.0" encoding="utf-8"?>
+<p:sld xmlns:a="http://schemas.openxmlformats.org/drawingml/2006/main" xmlns:r="http://schemas.openxmlformats.org/officeDocument/2006/relationships" xmlns:p="http://schemas.openxmlformats.org/presentationml/2006/main">
+  <p:cSld>
+    <p:spTree>
+      <p:nvGrpSpPr>
+        <p:cNvPr id="1" name=""/>
+        <p:cNvGrpSpPr/>
+        <p:nvPr/>
+      </p:nvGrpSpPr>
+      <p:grpSpPr>
+        <a:xfrm>
+          <a:off x="0" y="0"/>
+          <a:ext cx="0" cy="0"/>
+          <a:chOff x="0" y="0"/>
+          <a:chExt cx="0" cy="0"/>
+        </a:xfrm>
+      </p:grpSpPr>
+      <p:sp>
+        <p:nvSpPr>
+          <p:cNvPr id="2" name="標題 1">
+            <a:extLst>
+              <a:ext uri="{FF2B5EF4-FFF2-40B4-BE49-F238E27FC236}">
+                <a16:creationId xmlns:a16="http://schemas.microsoft.com/office/drawing/2014/main" id="{5DD07498-5F52-49AE-8F70-D644A562FAEE}"/>
+              </a:ext>
+            </a:extLst>
+          </p:cNvPr>
+          <p:cNvSpPr>
+            <a:spLocks noGrp="1"/>
+          </p:cNvSpPr>
+          <p:nvPr>
+            <p:ph type="title"/>
+          </p:nvPr>
+        </p:nvSpPr>
+        <p:spPr/>
+        <p:txBody>
+          <a:bodyPr/>
+          <a:lstStyle/>
+          <a:p>
+            <a:r>
+              <a:rPr lang="en-US" altLang="zh-TW" dirty="0"/>
+              <a:t>Commands of </a:t>
+            </a:r>
+            <a:r>
+              <a:rPr lang="en-US" altLang="zh-TW" dirty="0" err="1"/>
+              <a:t>NVMe</a:t>
+            </a:r>
+            <a:r>
+              <a:rPr lang="en-US" altLang="zh-TW" dirty="0"/>
+              <a:t> system</a:t>
+            </a:r>
+            <a:endParaRPr lang="zh-TW" altLang="en-US" dirty="0"/>
+          </a:p>
+        </p:txBody>
+      </p:sp>
+      <p:sp>
+        <p:nvSpPr>
+          <p:cNvPr id="3" name="內容版面配置區 2">
+            <a:extLst>
+              <a:ext uri="{FF2B5EF4-FFF2-40B4-BE49-F238E27FC236}">
+                <a16:creationId xmlns:a16="http://schemas.microsoft.com/office/drawing/2014/main" id="{38A78F0E-8A29-474B-B872-6D9F55857160}"/>
+              </a:ext>
+            </a:extLst>
+          </p:cNvPr>
+          <p:cNvSpPr>
+            <a:spLocks noGrp="1"/>
+          </p:cNvSpPr>
+          <p:nvPr>
+            <p:ph idx="1"/>
+          </p:nvPr>
+        </p:nvSpPr>
+        <p:spPr/>
+        <p:txBody>
+          <a:bodyPr/>
+          <a:lstStyle/>
+          <a:p>
+            <a:r>
+              <a:rPr lang="en-US" altLang="zh-TW" dirty="0"/>
+              <a:t>Admin Commands</a:t>
+            </a:r>
+          </a:p>
+          <a:p>
+            <a:pPr lvl="1"/>
+            <a:r>
+              <a:rPr lang="en-US" altLang="zh-TW" dirty="0"/>
+              <a:t>Submit to admin queue</a:t>
+            </a:r>
+          </a:p>
+          <a:p>
+            <a:pPr lvl="1"/>
+            <a:r>
+              <a:rPr lang="en-US" altLang="zh-TW" dirty="0"/>
+              <a:t>I/O Queue Management(create / delete)</a:t>
+            </a:r>
+          </a:p>
+          <a:p>
+            <a:pPr lvl="1"/>
+            <a:r>
+              <a:rPr lang="en-US" altLang="zh-TW" dirty="0"/>
+              <a:t>Identify Controller and Namespace</a:t>
+            </a:r>
+          </a:p>
+          <a:p>
+            <a:pPr lvl="1"/>
+            <a:r>
+              <a:rPr lang="en-US" altLang="zh-TW" dirty="0"/>
+              <a:t>Get </a:t>
+            </a:r>
+            <a:r>
+              <a:rPr lang="en-US" altLang="zh-TW" dirty="0" err="1"/>
+              <a:t>LogPage</a:t>
+            </a:r>
+            <a:r>
+              <a:rPr lang="en-US" altLang="zh-TW" dirty="0"/>
+              <a:t> (e.g. SMART </a:t>
+            </a:r>
+            <a:r>
+              <a:rPr lang="en-US" altLang="zh-TW" dirty="0" err="1"/>
+              <a:t>infor</a:t>
+            </a:r>
+            <a:r>
+              <a:rPr lang="en-US" altLang="zh-TW" dirty="0"/>
+              <a:t>)</a:t>
+            </a:r>
+          </a:p>
+          <a:p>
+            <a:pPr lvl="1"/>
+            <a:r>
+              <a:rPr lang="en-US" altLang="zh-TW" dirty="0"/>
+              <a:t>Namespace Management</a:t>
+            </a:r>
+          </a:p>
+          <a:p>
+            <a:pPr lvl="1"/>
+            <a:r>
+              <a:rPr lang="en-US" altLang="zh-TW" dirty="0"/>
+              <a:t>Firmware Management</a:t>
+            </a:r>
+          </a:p>
+          <a:p>
+            <a:pPr lvl="1"/>
+            <a:r>
+              <a:rPr lang="en-US" altLang="zh-TW" dirty="0"/>
+              <a:t>Query / Set extra feature of controller</a:t>
+            </a:r>
+          </a:p>
+          <a:p>
+            <a:pPr lvl="1"/>
+            <a:r>
+              <a:rPr lang="en-US" altLang="zh-TW" dirty="0"/>
+              <a:t>......etc.</a:t>
+            </a:r>
+          </a:p>
+          <a:p>
+            <a:endParaRPr lang="zh-TW" altLang="en-US" dirty="0"/>
+          </a:p>
+        </p:txBody>
+      </p:sp>
+    </p:spTree>
+    <p:extLst>
+      <p:ext uri="{BB962C8B-B14F-4D97-AF65-F5344CB8AC3E}">
+        <p14:creationId xmlns:p14="http://schemas.microsoft.com/office/powerpoint/2010/main" val="2054057593"/>
+      </p:ext>
+    </p:extLst>
+  </p:cSld>
+  <p:clrMapOvr>
+    <a:masterClrMapping/>
+  </p:clrMapOvr>
+</p:sld>
+</file>
+
+<file path=ppt/slides/slide8.xml><?xml version="1.0" encoding="utf-8"?>
+<p:sld xmlns:a="http://schemas.openxmlformats.org/drawingml/2006/main" xmlns:r="http://schemas.openxmlformats.org/officeDocument/2006/relationships" xmlns:p="http://schemas.openxmlformats.org/presentationml/2006/main">
+  <p:cSld>
+    <p:spTree>
+      <p:nvGrpSpPr>
+        <p:cNvPr id="1" name=""/>
+        <p:cNvGrpSpPr/>
+        <p:nvPr/>
+      </p:nvGrpSpPr>
+      <p:grpSpPr>
+        <a:xfrm>
+          <a:off x="0" y="0"/>
+          <a:ext cx="0" cy="0"/>
+          <a:chOff x="0" y="0"/>
+          <a:chExt cx="0" cy="0"/>
+        </a:xfrm>
+      </p:grpSpPr>
+      <p:sp>
+        <p:nvSpPr>
+          <p:cNvPr id="2" name="標題 1">
+            <a:extLst>
+              <a:ext uri="{FF2B5EF4-FFF2-40B4-BE49-F238E27FC236}">
+                <a16:creationId xmlns:a16="http://schemas.microsoft.com/office/drawing/2014/main" id="{5DD07498-5F52-49AE-8F70-D644A562FAEE}"/>
+              </a:ext>
+            </a:extLst>
+          </p:cNvPr>
+          <p:cNvSpPr>
+            <a:spLocks noGrp="1"/>
+          </p:cNvSpPr>
+          <p:nvPr>
+            <p:ph type="title"/>
+          </p:nvPr>
+        </p:nvSpPr>
+        <p:spPr/>
+        <p:txBody>
+          <a:bodyPr/>
+          <a:lstStyle/>
+          <a:p>
+            <a:r>
+              <a:rPr lang="en-US" altLang="zh-TW" dirty="0"/>
+              <a:t>Commands of </a:t>
+            </a:r>
+            <a:r>
+              <a:rPr lang="en-US" altLang="zh-TW" dirty="0" err="1"/>
+              <a:t>NVMe</a:t>
+            </a:r>
+            <a:r>
+              <a:rPr lang="en-US" altLang="zh-TW" dirty="0"/>
+              <a:t> system</a:t>
+            </a:r>
+            <a:endParaRPr lang="zh-TW" altLang="en-US" dirty="0"/>
+          </a:p>
+        </p:txBody>
+      </p:sp>
+      <p:sp>
+        <p:nvSpPr>
+          <p:cNvPr id="3" name="內容版面配置區 2">
+            <a:extLst>
+              <a:ext uri="{FF2B5EF4-FFF2-40B4-BE49-F238E27FC236}">
+                <a16:creationId xmlns:a16="http://schemas.microsoft.com/office/drawing/2014/main" id="{38A78F0E-8A29-474B-B872-6D9F55857160}"/>
+              </a:ext>
+            </a:extLst>
+          </p:cNvPr>
+          <p:cNvSpPr>
+            <a:spLocks noGrp="1"/>
+          </p:cNvSpPr>
+          <p:nvPr>
+            <p:ph idx="1"/>
+          </p:nvPr>
+        </p:nvSpPr>
+        <p:spPr/>
+        <p:txBody>
+          <a:bodyPr/>
+          <a:lstStyle/>
+          <a:p>
+            <a:r>
+              <a:rPr lang="en-US" altLang="zh-TW" dirty="0"/>
+              <a:t>NVM Commands (I/O commands)</a:t>
+            </a:r>
+          </a:p>
+          <a:p>
+            <a:pPr lvl="1"/>
+            <a:r>
+              <a:rPr lang="en-US" altLang="zh-TW" dirty="0"/>
+              <a:t>Submit to I/O queue</a:t>
+            </a:r>
+          </a:p>
+          <a:p>
+            <a:pPr lvl="1"/>
+            <a:r>
+              <a:rPr lang="en-US" altLang="zh-TW" dirty="0"/>
+              <a:t>Read data</a:t>
+            </a:r>
+          </a:p>
+          <a:p>
+            <a:pPr lvl="1"/>
+            <a:r>
+              <a:rPr lang="en-US" altLang="zh-TW" dirty="0"/>
+              <a:t>Write data</a:t>
+            </a:r>
+          </a:p>
+          <a:p>
+            <a:pPr lvl="1"/>
+            <a:r>
+              <a:rPr lang="en-US" altLang="zh-TW" dirty="0"/>
+              <a:t>Copy and verify</a:t>
+            </a:r>
+          </a:p>
+          <a:p>
+            <a:pPr lvl="1"/>
+            <a:r>
+              <a:rPr lang="en-US" altLang="zh-TW" dirty="0"/>
+              <a:t>Flush</a:t>
+            </a:r>
+          </a:p>
+          <a:p>
+            <a:pPr lvl="1"/>
+            <a:r>
+              <a:rPr lang="en-US" altLang="zh-TW" dirty="0"/>
+              <a:t>Write Zero</a:t>
+            </a:r>
+          </a:p>
+          <a:p>
+            <a:pPr lvl="1"/>
+            <a:r>
+              <a:rPr lang="en-US" altLang="zh-TW" dirty="0"/>
+              <a:t>......etc.</a:t>
+            </a:r>
+            <a:endParaRPr lang="zh-TW" altLang="en-US" dirty="0"/>
+          </a:p>
+        </p:txBody>
+      </p:sp>
+    </p:spTree>
+    <p:extLst>
+      <p:ext uri="{BB962C8B-B14F-4D97-AF65-F5344CB8AC3E}">
+        <p14:creationId xmlns:p14="http://schemas.microsoft.com/office/powerpoint/2010/main" val="2580500672"/>
+      </p:ext>
+    </p:extLst>
+  </p:cSld>
+  <p:clrMapOvr>
+    <a:masterClrMapping/>
+  </p:clrMapOvr>
+</p:sld>
+</file>
+
+<file path=ppt/slides/slide9.xml><?xml version="1.0" encoding="utf-8"?>
+<p:sld xmlns:a="http://schemas.openxmlformats.org/drawingml/2006/main" xmlns:r="http://schemas.openxmlformats.org/officeDocument/2006/relationships" xmlns:p="http://schemas.openxmlformats.org/presentationml/2006/main">
+  <p:cSld>
+    <p:spTree>
+      <p:nvGrpSpPr>
+        <p:cNvPr id="1" name=""/>
+        <p:cNvGrpSpPr/>
+        <p:nvPr/>
+      </p:nvGrpSpPr>
+      <p:grpSpPr>
+        <a:xfrm>
+          <a:off x="0" y="0"/>
+          <a:ext cx="0" cy="0"/>
+          <a:chOff x="0" y="0"/>
+          <a:chExt cx="0" cy="0"/>
+        </a:xfrm>
+      </p:grpSpPr>
+      <p:sp>
+        <p:nvSpPr>
+          <p:cNvPr id="2" name="標題 1">
+            <a:extLst>
+              <a:ext uri="{FF2B5EF4-FFF2-40B4-BE49-F238E27FC236}">
+                <a16:creationId xmlns:a16="http://schemas.microsoft.com/office/drawing/2014/main" id="{5DD07498-5F52-49AE-8F70-D644A562FAEE}"/>
+              </a:ext>
+            </a:extLst>
+          </p:cNvPr>
+          <p:cNvSpPr>
+            <a:spLocks noGrp="1"/>
+          </p:cNvSpPr>
+          <p:nvPr>
+            <p:ph type="title"/>
+          </p:nvPr>
+        </p:nvSpPr>
+        <p:spPr/>
+        <p:txBody>
+          <a:bodyPr/>
+          <a:lstStyle/>
+          <a:p>
+            <a:endParaRPr lang="zh-TW" altLang="en-US"/>
+          </a:p>
+        </p:txBody>
+      </p:sp>
+      <p:sp>
+        <p:nvSpPr>
+          <p:cNvPr id="3" name="內容版面配置區 2">
+            <a:extLst>
+              <a:ext uri="{FF2B5EF4-FFF2-40B4-BE49-F238E27FC236}">
+                <a16:creationId xmlns:a16="http://schemas.microsoft.com/office/drawing/2014/main" id="{38A78F0E-8A29-474B-B872-6D9F55857160}"/>
+              </a:ext>
+            </a:extLst>
+          </p:cNvPr>
+          <p:cNvSpPr>
+            <a:spLocks noGrp="1"/>
+          </p:cNvSpPr>
+          <p:nvPr>
+            <p:ph idx="1"/>
+          </p:nvPr>
+        </p:nvSpPr>
+        <p:spPr/>
+        <p:txBody>
+          <a:bodyPr/>
+          <a:lstStyle/>
+          <a:p>
+            <a:endParaRPr lang="zh-TW" altLang="en-US"/>
+          </a:p>
+        </p:txBody>
+      </p:sp>
+    </p:spTree>
+    <p:extLst>
+      <p:ext uri="{BB962C8B-B14F-4D97-AF65-F5344CB8AC3E}">
+        <p14:creationId xmlns:p14="http://schemas.microsoft.com/office/powerpoint/2010/main" val="3066730032"/>
       </p:ext>
     </p:extLst>
   </p:cSld>
@@ -3758,4 +9973,299 @@
     </a:ext>
   </a:extLst>
 </a:theme>
+</file>
+
+<file path=ppt/theme/theme2.xml><?xml version="1.0" encoding="utf-8"?>
+<a:theme xmlns:a="http://schemas.openxmlformats.org/drawingml/2006/main" name="Office 佈景主題">
+  <a:themeElements>
+    <a:clrScheme name="Office">
+      <a:dk1>
+        <a:sysClr val="windowText" lastClr="000000"/>
+      </a:dk1>
+      <a:lt1>
+        <a:sysClr val="window" lastClr="FFFFFF"/>
+      </a:lt1>
+      <a:dk2>
+        <a:srgbClr val="44546A"/>
+      </a:dk2>
+      <a:lt2>
+        <a:srgbClr val="E7E6E6"/>
+      </a:lt2>
+      <a:accent1>
+        <a:srgbClr val="4472C4"/>
+      </a:accent1>
+      <a:accent2>
+        <a:srgbClr val="ED7D31"/>
+      </a:accent2>
+      <a:accent3>
+        <a:srgbClr val="A5A5A5"/>
+      </a:accent3>
+      <a:accent4>
+        <a:srgbClr val="FFC000"/>
+      </a:accent4>
+      <a:accent5>
+        <a:srgbClr val="5B9BD5"/>
+      </a:accent5>
+      <a:accent6>
+        <a:srgbClr val="70AD47"/>
+      </a:accent6>
+      <a:hlink>
+        <a:srgbClr val="0563C1"/>
+      </a:hlink>
+      <a:folHlink>
+        <a:srgbClr val="954F72"/>
+      </a:folHlink>
+    </a:clrScheme>
+    <a:fontScheme name="Office">
+      <a:majorFont>
+        <a:latin typeface="Calibri Light" panose="020F0302020204030204"/>
+        <a:ea typeface=""/>
+        <a:cs typeface=""/>
+        <a:font script="Jpan" typeface="游ゴシック Light"/>
+        <a:font script="Hang" typeface="맑은 고딕"/>
+        <a:font script="Hans" typeface="等线 Light"/>
+        <a:font script="Hant" typeface="新細明體"/>
+        <a:font script="Arab" typeface="Times New Roman"/>
+        <a:font script="Hebr" typeface="Times New Roman"/>
+        <a:font script="Thai" typeface="Angsana New"/>
+        <a:font script="Ethi" typeface="Nyala"/>
+        <a:font script="Beng" typeface="Vrinda"/>
+        <a:font script="Gujr" typeface="Shruti"/>
+        <a:font script="Khmr" typeface="MoolBoran"/>
+        <a:font script="Knda" typeface="Tunga"/>
+        <a:font script="Guru" typeface="Raavi"/>
+        <a:font script="Cans" typeface="Euphemia"/>
+        <a:font script="Cher" typeface="Plantagenet Cherokee"/>
+        <a:font script="Yiii" typeface="Microsoft Yi Baiti"/>
+        <a:font script="Tibt" typeface="Microsoft Himalaya"/>
+        <a:font script="Thaa" typeface="MV Boli"/>
+        <a:font script="Deva" typeface="Mangal"/>
+        <a:font script="Telu" typeface="Gautami"/>
+        <a:font script="Taml" typeface="Latha"/>
+        <a:font script="Syrc" typeface="Estrangelo Edessa"/>
+        <a:font script="Orya" typeface="Kalinga"/>
+        <a:font script="Mlym" typeface="Kartika"/>
+        <a:font script="Laoo" typeface="DokChampa"/>
+        <a:font script="Sinh" typeface="Iskoola Pota"/>
+        <a:font script="Mong" typeface="Mongolian Baiti"/>
+        <a:font script="Viet" typeface="Times New Roman"/>
+        <a:font script="Uigh" typeface="Microsoft Uighur"/>
+        <a:font script="Geor" typeface="Sylfaen"/>
+        <a:font script="Armn" typeface="Arial"/>
+        <a:font script="Bugi" typeface="Leelawadee UI"/>
+        <a:font script="Bopo" typeface="Microsoft JhengHei"/>
+        <a:font script="Java" typeface="Javanese Text"/>
+        <a:font script="Lisu" typeface="Segoe UI"/>
+        <a:font script="Mymr" typeface="Myanmar Text"/>
+        <a:font script="Nkoo" typeface="Ebrima"/>
+        <a:font script="Olck" typeface="Nirmala UI"/>
+        <a:font script="Osma" typeface="Ebrima"/>
+        <a:font script="Phag" typeface="Phagspa"/>
+        <a:font script="Syrn" typeface="Estrangelo Edessa"/>
+        <a:font script="Syrj" typeface="Estrangelo Edessa"/>
+        <a:font script="Syre" typeface="Estrangelo Edessa"/>
+        <a:font script="Sora" typeface="Nirmala UI"/>
+        <a:font script="Tale" typeface="Microsoft Tai Le"/>
+        <a:font script="Talu" typeface="Microsoft New Tai Lue"/>
+        <a:font script="Tfng" typeface="Ebrima"/>
+      </a:majorFont>
+      <a:minorFont>
+        <a:latin typeface="Calibri" panose="020F0502020204030204"/>
+        <a:ea typeface=""/>
+        <a:cs typeface=""/>
+        <a:font script="Jpan" typeface="游ゴシック"/>
+        <a:font script="Hang" typeface="맑은 고딕"/>
+        <a:font script="Hans" typeface="等线"/>
+        <a:font script="Hant" typeface="新細明體"/>
+        <a:font script="Arab" typeface="Arial"/>
+        <a:font script="Hebr" typeface="Arial"/>
+        <a:font script="Thai" typeface="Cordia New"/>
+        <a:font script="Ethi" typeface="Nyala"/>
+        <a:font script="Beng" typeface="Vrinda"/>
+        <a:font script="Gujr" typeface="Shruti"/>
+        <a:font script="Khmr" typeface="DaunPenh"/>
+        <a:font script="Knda" typeface="Tunga"/>
+        <a:font script="Guru" typeface="Raavi"/>
+        <a:font script="Cans" typeface="Euphemia"/>
+        <a:font script="Cher" typeface="Plantagenet Cherokee"/>
+        <a:font script="Yiii" typeface="Microsoft Yi Baiti"/>
+        <a:font script="Tibt" typeface="Microsoft Himalaya"/>
+        <a:font script="Thaa" typeface="MV Boli"/>
+        <a:font script="Deva" typeface="Mangal"/>
+        <a:font script="Telu" typeface="Gautami"/>
+        <a:font script="Taml" typeface="Latha"/>
+        <a:font script="Syrc" typeface="Estrangelo Edessa"/>
+        <a:font script="Orya" typeface="Kalinga"/>
+        <a:font script="Mlym" typeface="Kartika"/>
+        <a:font script="Laoo" typeface="DokChampa"/>
+        <a:font script="Sinh" typeface="Iskoola Pota"/>
+        <a:font script="Mong" typeface="Mongolian Baiti"/>
+        <a:font script="Viet" typeface="Arial"/>
+        <a:font script="Uigh" typeface="Microsoft Uighur"/>
+        <a:font script="Geor" typeface="Sylfaen"/>
+        <a:font script="Armn" typeface="Arial"/>
+        <a:font script="Bugi" typeface="Leelawadee UI"/>
+        <a:font script="Bopo" typeface="Microsoft JhengHei"/>
+        <a:font script="Java" typeface="Javanese Text"/>
+        <a:font script="Lisu" typeface="Segoe UI"/>
+        <a:font script="Mymr" typeface="Myanmar Text"/>
+        <a:font script="Nkoo" typeface="Ebrima"/>
+        <a:font script="Olck" typeface="Nirmala UI"/>
+        <a:font script="Osma" typeface="Ebrima"/>
+        <a:font script="Phag" typeface="Phagspa"/>
+        <a:font script="Syrn" typeface="Estrangelo Edessa"/>
+        <a:font script="Syrj" typeface="Estrangelo Edessa"/>
+        <a:font script="Syre" typeface="Estrangelo Edessa"/>
+        <a:font script="Sora" typeface="Nirmala UI"/>
+        <a:font script="Tale" typeface="Microsoft Tai Le"/>
+        <a:font script="Talu" typeface="Microsoft New Tai Lue"/>
+        <a:font script="Tfng" typeface="Ebrima"/>
+      </a:minorFont>
+    </a:fontScheme>
+    <a:fmtScheme name="Office">
+      <a:fillStyleLst>
+        <a:solidFill>
+          <a:schemeClr val="phClr"/>
+        </a:solidFill>
+        <a:gradFill rotWithShape="1">
+          <a:gsLst>
+            <a:gs pos="0">
+              <a:schemeClr val="phClr">
+                <a:lumMod val="110000"/>
+                <a:satMod val="105000"/>
+                <a:tint val="67000"/>
+              </a:schemeClr>
+            </a:gs>
+            <a:gs pos="50000">
+              <a:schemeClr val="phClr">
+                <a:lumMod val="105000"/>
+                <a:satMod val="103000"/>
+                <a:tint val="73000"/>
+              </a:schemeClr>
+            </a:gs>
+            <a:gs pos="100000">
+              <a:schemeClr val="phClr">
+                <a:lumMod val="105000"/>
+                <a:satMod val="109000"/>
+                <a:tint val="81000"/>
+              </a:schemeClr>
+            </a:gs>
+          </a:gsLst>
+          <a:lin ang="5400000" scaled="0"/>
+        </a:gradFill>
+        <a:gradFill rotWithShape="1">
+          <a:gsLst>
+            <a:gs pos="0">
+              <a:schemeClr val="phClr">
+                <a:satMod val="103000"/>
+                <a:lumMod val="102000"/>
+                <a:tint val="94000"/>
+              </a:schemeClr>
+            </a:gs>
+            <a:gs pos="50000">
+              <a:schemeClr val="phClr">
+                <a:satMod val="110000"/>
+                <a:lumMod val="100000"/>
+                <a:shade val="100000"/>
+              </a:schemeClr>
+            </a:gs>
+            <a:gs pos="100000">
+              <a:schemeClr val="phClr">
+                <a:lumMod val="99000"/>
+                <a:satMod val="120000"/>
+                <a:shade val="78000"/>
+              </a:schemeClr>
+            </a:gs>
+          </a:gsLst>
+          <a:lin ang="5400000" scaled="0"/>
+        </a:gradFill>
+      </a:fillStyleLst>
+      <a:lnStyleLst>
+        <a:ln w="6350" cap="flat" cmpd="sng" algn="ctr">
+          <a:solidFill>
+            <a:schemeClr val="phClr"/>
+          </a:solidFill>
+          <a:prstDash val="solid"/>
+          <a:miter lim="800000"/>
+        </a:ln>
+        <a:ln w="12700" cap="flat" cmpd="sng" algn="ctr">
+          <a:solidFill>
+            <a:schemeClr val="phClr"/>
+          </a:solidFill>
+          <a:prstDash val="solid"/>
+          <a:miter lim="800000"/>
+        </a:ln>
+        <a:ln w="19050" cap="flat" cmpd="sng" algn="ctr">
+          <a:solidFill>
+            <a:schemeClr val="phClr"/>
+          </a:solidFill>
+          <a:prstDash val="solid"/>
+          <a:miter lim="800000"/>
+        </a:ln>
+      </a:lnStyleLst>
+      <a:effectStyleLst>
+        <a:effectStyle>
+          <a:effectLst/>
+        </a:effectStyle>
+        <a:effectStyle>
+          <a:effectLst/>
+        </a:effectStyle>
+        <a:effectStyle>
+          <a:effectLst>
+            <a:outerShdw blurRad="57150" dist="19050" dir="5400000" algn="ctr" rotWithShape="0">
+              <a:srgbClr val="000000">
+                <a:alpha val="63000"/>
+              </a:srgbClr>
+            </a:outerShdw>
+          </a:effectLst>
+        </a:effectStyle>
+      </a:effectStyleLst>
+      <a:bgFillStyleLst>
+        <a:solidFill>
+          <a:schemeClr val="phClr"/>
+        </a:solidFill>
+        <a:solidFill>
+          <a:schemeClr val="phClr">
+            <a:tint val="95000"/>
+            <a:satMod val="170000"/>
+          </a:schemeClr>
+        </a:solidFill>
+        <a:gradFill rotWithShape="1">
+          <a:gsLst>
+            <a:gs pos="0">
+              <a:schemeClr val="phClr">
+                <a:tint val="93000"/>
+                <a:satMod val="150000"/>
+                <a:shade val="98000"/>
+                <a:lumMod val="102000"/>
+              </a:schemeClr>
+            </a:gs>
+            <a:gs pos="50000">
+              <a:schemeClr val="phClr">
+                <a:tint val="98000"/>
+                <a:satMod val="130000"/>
+                <a:shade val="90000"/>
+                <a:lumMod val="103000"/>
+              </a:schemeClr>
+            </a:gs>
+            <a:gs pos="100000">
+              <a:schemeClr val="phClr">
+                <a:shade val="63000"/>
+                <a:satMod val="120000"/>
+              </a:schemeClr>
+            </a:gs>
+          </a:gsLst>
+          <a:lin ang="5400000" scaled="0"/>
+        </a:gradFill>
+      </a:bgFillStyleLst>
+    </a:fmtScheme>
+  </a:themeElements>
+  <a:objectDefaults/>
+  <a:extraClrSchemeLst/>
+  <a:extLst>
+    <a:ext uri="{05A4C25C-085E-4340-85A3-A5531E510DB2}">
+      <thm15:themeFamily xmlns:thm15="http://schemas.microsoft.com/office/thememl/2012/main" name="Office Theme" id="{62F939B6-93AF-4DB8-9C6B-D6C7DFDC589F}" vid="{4A3C46E8-61CC-4603-A589-7422A47A8E4A}"/>
+    </a:ext>
+  </a:extLst>
+</a:theme>
 </file>
--- a/doc/SPCNVMe_Introduction_and_Design.pptx
+++ b/doc/SPCNVMe_Introduction_and_Design.pptx
@@ -5,7 +5,7 @@
     <p:sldMasterId id="2147483648" r:id="rId1"/>
   </p:sldMasterIdLst>
   <p:notesMasterIdLst>
-    <p:notesMasterId r:id="rId34"/>
+    <p:notesMasterId r:id="rId51"/>
   </p:notesMasterIdLst>
   <p:sldIdLst>
     <p:sldId id="256" r:id="rId2"/>
@@ -14,32 +14,49 @@
     <p:sldId id="260" r:id="rId5"/>
     <p:sldId id="305" r:id="rId6"/>
     <p:sldId id="259" r:id="rId7"/>
-    <p:sldId id="301" r:id="rId8"/>
-    <p:sldId id="306" r:id="rId9"/>
-    <p:sldId id="302" r:id="rId10"/>
-    <p:sldId id="303" r:id="rId11"/>
-    <p:sldId id="304" r:id="rId12"/>
-    <p:sldId id="286" r:id="rId13"/>
-    <p:sldId id="288" r:id="rId14"/>
-    <p:sldId id="289" r:id="rId15"/>
-    <p:sldId id="290" r:id="rId16"/>
-    <p:sldId id="276" r:id="rId17"/>
-    <p:sldId id="281" r:id="rId18"/>
-    <p:sldId id="283" r:id="rId19"/>
-    <p:sldId id="284" r:id="rId20"/>
-    <p:sldId id="279" r:id="rId21"/>
-    <p:sldId id="261" r:id="rId22"/>
-    <p:sldId id="292" r:id="rId23"/>
-    <p:sldId id="295" r:id="rId24"/>
-    <p:sldId id="298" r:id="rId25"/>
-    <p:sldId id="297" r:id="rId26"/>
-    <p:sldId id="296" r:id="rId27"/>
-    <p:sldId id="293" r:id="rId28"/>
-    <p:sldId id="294" r:id="rId29"/>
-    <p:sldId id="262" r:id="rId30"/>
-    <p:sldId id="291" r:id="rId31"/>
-    <p:sldId id="300" r:id="rId32"/>
-    <p:sldId id="299" r:id="rId33"/>
+    <p:sldId id="309" r:id="rId8"/>
+    <p:sldId id="307" r:id="rId9"/>
+    <p:sldId id="308" r:id="rId10"/>
+    <p:sldId id="312" r:id="rId11"/>
+    <p:sldId id="313" r:id="rId12"/>
+    <p:sldId id="311" r:id="rId13"/>
+    <p:sldId id="314" r:id="rId14"/>
+    <p:sldId id="310" r:id="rId15"/>
+    <p:sldId id="301" r:id="rId16"/>
+    <p:sldId id="306" r:id="rId17"/>
+    <p:sldId id="302" r:id="rId18"/>
+    <p:sldId id="303" r:id="rId19"/>
+    <p:sldId id="304" r:id="rId20"/>
+    <p:sldId id="286" r:id="rId21"/>
+    <p:sldId id="288" r:id="rId22"/>
+    <p:sldId id="289" r:id="rId23"/>
+    <p:sldId id="290" r:id="rId24"/>
+    <p:sldId id="276" r:id="rId25"/>
+    <p:sldId id="281" r:id="rId26"/>
+    <p:sldId id="283" r:id="rId27"/>
+    <p:sldId id="284" r:id="rId28"/>
+    <p:sldId id="279" r:id="rId29"/>
+    <p:sldId id="261" r:id="rId30"/>
+    <p:sldId id="295" r:id="rId31"/>
+    <p:sldId id="298" r:id="rId32"/>
+    <p:sldId id="292" r:id="rId33"/>
+    <p:sldId id="315" r:id="rId34"/>
+    <p:sldId id="297" r:id="rId35"/>
+    <p:sldId id="316" r:id="rId36"/>
+    <p:sldId id="317" r:id="rId37"/>
+    <p:sldId id="319" r:id="rId38"/>
+    <p:sldId id="318" r:id="rId39"/>
+    <p:sldId id="320" r:id="rId40"/>
+    <p:sldId id="321" r:id="rId41"/>
+    <p:sldId id="322" r:id="rId42"/>
+    <p:sldId id="323" r:id="rId43"/>
+    <p:sldId id="296" r:id="rId44"/>
+    <p:sldId id="293" r:id="rId45"/>
+    <p:sldId id="294" r:id="rId46"/>
+    <p:sldId id="262" r:id="rId47"/>
+    <p:sldId id="291" r:id="rId48"/>
+    <p:sldId id="300" r:id="rId49"/>
+    <p:sldId id="299" r:id="rId50"/>
   </p:sldIdLst>
   <p:sldSz cx="12192000" cy="6858000"/>
   <p:notesSz cx="6858000" cy="9144000"/>
@@ -228,7 +245,7 @@
           <a:p>
             <a:fld id="{E62BA9D9-771C-4D98-956D-DED813A08700}" type="datetimeFigureOut">
               <a:rPr lang="zh-TW" altLang="en-US" smtClean="0"/>
-              <a:t>2023/2/5</a:t>
+              <a:t>2023/4/14</a:t>
             </a:fld>
             <a:endParaRPr lang="zh-TW" altLang="en-US"/>
           </a:p>
@@ -560,7 +577,7 @@
           <a:p>
             <a:fld id="{D9DC5696-1C4E-40EF-99A6-A8370CE7BA59}" type="slidenum">
               <a:rPr lang="zh-TW" altLang="en-US" smtClean="0"/>
-              <a:t>23</a:t>
+              <a:t>30</a:t>
             </a:fld>
             <a:endParaRPr lang="zh-TW" altLang="en-US"/>
           </a:p>
@@ -569,7 +586,7 @@
     </p:spTree>
     <p:extLst>
       <p:ext uri="{BB962C8B-B14F-4D97-AF65-F5344CB8AC3E}">
-        <p14:creationId xmlns:p14="http://schemas.microsoft.com/office/powerpoint/2010/main" val="2136604396"/>
+        <p14:creationId xmlns:p14="http://schemas.microsoft.com/office/powerpoint/2010/main" val="2107609438"/>
       </p:ext>
     </p:extLst>
   </p:cSld>
@@ -726,7 +743,7 @@
           <a:p>
             <a:fld id="{14FB2775-2485-43BF-8EBD-295176C8D13C}" type="datetimeFigureOut">
               <a:rPr lang="zh-TW" altLang="en-US" smtClean="0"/>
-              <a:t>2023/2/5</a:t>
+              <a:t>2023/4/14</a:t>
             </a:fld>
             <a:endParaRPr lang="zh-TW" altLang="en-US"/>
           </a:p>
@@ -924,7 +941,7 @@
           <a:p>
             <a:fld id="{14FB2775-2485-43BF-8EBD-295176C8D13C}" type="datetimeFigureOut">
               <a:rPr lang="zh-TW" altLang="en-US" smtClean="0"/>
-              <a:t>2023/2/5</a:t>
+              <a:t>2023/4/14</a:t>
             </a:fld>
             <a:endParaRPr lang="zh-TW" altLang="en-US"/>
           </a:p>
@@ -1132,7 +1149,7 @@
           <a:p>
             <a:fld id="{14FB2775-2485-43BF-8EBD-295176C8D13C}" type="datetimeFigureOut">
               <a:rPr lang="zh-TW" altLang="en-US" smtClean="0"/>
-              <a:t>2023/2/5</a:t>
+              <a:t>2023/4/14</a:t>
             </a:fld>
             <a:endParaRPr lang="zh-TW" altLang="en-US"/>
           </a:p>
@@ -1330,7 +1347,7 @@
           <a:p>
             <a:fld id="{14FB2775-2485-43BF-8EBD-295176C8D13C}" type="datetimeFigureOut">
               <a:rPr lang="zh-TW" altLang="en-US" smtClean="0"/>
-              <a:t>2023/2/5</a:t>
+              <a:t>2023/4/14</a:t>
             </a:fld>
             <a:endParaRPr lang="zh-TW" altLang="en-US"/>
           </a:p>
@@ -1605,7 +1622,7 @@
           <a:p>
             <a:fld id="{14FB2775-2485-43BF-8EBD-295176C8D13C}" type="datetimeFigureOut">
               <a:rPr lang="zh-TW" altLang="en-US" smtClean="0"/>
-              <a:t>2023/2/5</a:t>
+              <a:t>2023/4/14</a:t>
             </a:fld>
             <a:endParaRPr lang="zh-TW" altLang="en-US"/>
           </a:p>
@@ -1870,7 +1887,7 @@
           <a:p>
             <a:fld id="{14FB2775-2485-43BF-8EBD-295176C8D13C}" type="datetimeFigureOut">
               <a:rPr lang="zh-TW" altLang="en-US" smtClean="0"/>
-              <a:t>2023/2/5</a:t>
+              <a:t>2023/4/14</a:t>
             </a:fld>
             <a:endParaRPr lang="zh-TW" altLang="en-US"/>
           </a:p>
@@ -2282,7 +2299,7 @@
           <a:p>
             <a:fld id="{14FB2775-2485-43BF-8EBD-295176C8D13C}" type="datetimeFigureOut">
               <a:rPr lang="zh-TW" altLang="en-US" smtClean="0"/>
-              <a:t>2023/2/5</a:t>
+              <a:t>2023/4/14</a:t>
             </a:fld>
             <a:endParaRPr lang="zh-TW" altLang="en-US"/>
           </a:p>
@@ -2423,7 +2440,7 @@
           <a:p>
             <a:fld id="{14FB2775-2485-43BF-8EBD-295176C8D13C}" type="datetimeFigureOut">
               <a:rPr lang="zh-TW" altLang="en-US" smtClean="0"/>
-              <a:t>2023/2/5</a:t>
+              <a:t>2023/4/14</a:t>
             </a:fld>
             <a:endParaRPr lang="zh-TW" altLang="en-US"/>
           </a:p>
@@ -2536,7 +2553,7 @@
           <a:p>
             <a:fld id="{14FB2775-2485-43BF-8EBD-295176C8D13C}" type="datetimeFigureOut">
               <a:rPr lang="zh-TW" altLang="en-US" smtClean="0"/>
-              <a:t>2023/2/5</a:t>
+              <a:t>2023/4/14</a:t>
             </a:fld>
             <a:endParaRPr lang="zh-TW" altLang="en-US"/>
           </a:p>
@@ -2847,7 +2864,7 @@
           <a:p>
             <a:fld id="{14FB2775-2485-43BF-8EBD-295176C8D13C}" type="datetimeFigureOut">
               <a:rPr lang="zh-TW" altLang="en-US" smtClean="0"/>
-              <a:t>2023/2/5</a:t>
+              <a:t>2023/4/14</a:t>
             </a:fld>
             <a:endParaRPr lang="zh-TW" altLang="en-US"/>
           </a:p>
@@ -3135,7 +3152,7 @@
           <a:p>
             <a:fld id="{14FB2775-2485-43BF-8EBD-295176C8D13C}" type="datetimeFigureOut">
               <a:rPr lang="zh-TW" altLang="en-US" smtClean="0"/>
-              <a:t>2023/2/5</a:t>
+              <a:t>2023/4/14</a:t>
             </a:fld>
             <a:endParaRPr lang="zh-TW" altLang="en-US"/>
           </a:p>
@@ -3376,7 +3393,7 @@
           <a:p>
             <a:fld id="{14FB2775-2485-43BF-8EBD-295176C8D13C}" type="datetimeFigureOut">
               <a:rPr lang="zh-TW" altLang="en-US" smtClean="0"/>
-              <a:t>2023/2/5</a:t>
+              <a:t>2023/4/14</a:t>
             </a:fld>
             <a:endParaRPr lang="zh-TW" altLang="en-US"/>
           </a:p>
@@ -3900,7 +3917,7 @@
           <p:cNvPr id="2" name="標題 1">
             <a:extLst>
               <a:ext uri="{FF2B5EF4-FFF2-40B4-BE49-F238E27FC236}">
-                <a16:creationId xmlns:a16="http://schemas.microsoft.com/office/drawing/2014/main" id="{5DD07498-5F52-49AE-8F70-D644A562FAEE}"/>
+                <a16:creationId xmlns:a16="http://schemas.microsoft.com/office/drawing/2014/main" id="{99A17732-9EF9-F1B5-5309-970F7B564776}"/>
               </a:ext>
             </a:extLst>
           </p:cNvPr>
@@ -3916,7 +3933,11 @@
           <a:bodyPr/>
           <a:lstStyle/>
           <a:p>
-            <a:endParaRPr lang="zh-TW" altLang="en-US"/>
+            <a:r>
+              <a:rPr lang="en-US" altLang="zh-TW" dirty="0"/>
+              <a:t>Queue and Doorbell</a:t>
+            </a:r>
+            <a:endParaRPr lang="zh-TW" altLang="en-US" dirty="0"/>
           </a:p>
         </p:txBody>
       </p:sp>
@@ -3925,7 +3946,7 @@
           <p:cNvPr id="3" name="內容版面配置區 2">
             <a:extLst>
               <a:ext uri="{FF2B5EF4-FFF2-40B4-BE49-F238E27FC236}">
-                <a16:creationId xmlns:a16="http://schemas.microsoft.com/office/drawing/2014/main" id="{38A78F0E-8A29-474B-B872-6D9F55857160}"/>
+                <a16:creationId xmlns:a16="http://schemas.microsoft.com/office/drawing/2014/main" id="{10F7BE49-2FE2-1B30-0ECD-2FDD575E8EE9}"/>
               </a:ext>
             </a:extLst>
           </p:cNvPr>
@@ -3941,14 +3962,435 @@
           <a:bodyPr/>
           <a:lstStyle/>
           <a:p>
-            <a:endParaRPr lang="zh-TW" altLang="en-US"/>
-          </a:p>
-        </p:txBody>
-      </p:sp>
+            <a:endParaRPr lang="zh-TW" altLang="en-US" dirty="0"/>
+          </a:p>
+        </p:txBody>
+      </p:sp>
+      <p:grpSp>
+        <p:nvGrpSpPr>
+          <p:cNvPr id="4" name="群組 3">
+            <a:extLst>
+              <a:ext uri="{FF2B5EF4-FFF2-40B4-BE49-F238E27FC236}">
+                <a16:creationId xmlns:a16="http://schemas.microsoft.com/office/drawing/2014/main" id="{7B1F16BF-94E6-76A3-167B-6225A36BE2CD}"/>
+              </a:ext>
+            </a:extLst>
+          </p:cNvPr>
+          <p:cNvGrpSpPr/>
+          <p:nvPr/>
+        </p:nvGrpSpPr>
+        <p:grpSpPr>
+          <a:xfrm>
+            <a:off x="3936000" y="2027660"/>
+            <a:ext cx="4320000" cy="3817044"/>
+            <a:chOff x="3936000" y="2027660"/>
+            <a:chExt cx="4320000" cy="3817044"/>
+          </a:xfrm>
+        </p:grpSpPr>
+        <p:sp>
+          <p:nvSpPr>
+            <p:cNvPr id="5" name="矩形 4">
+              <a:extLst>
+                <a:ext uri="{FF2B5EF4-FFF2-40B4-BE49-F238E27FC236}">
+                  <a16:creationId xmlns:a16="http://schemas.microsoft.com/office/drawing/2014/main" id="{4ED464AC-3C6E-2FF9-EE41-F1F63F50259F}"/>
+                </a:ext>
+              </a:extLst>
+            </p:cNvPr>
+            <p:cNvSpPr/>
+            <p:nvPr/>
+          </p:nvSpPr>
+          <p:spPr>
+            <a:xfrm>
+              <a:off x="3936000" y="5124704"/>
+              <a:ext cx="4320000" cy="720000"/>
+            </a:xfrm>
+            <a:prstGeom prst="rect">
+              <a:avLst/>
+            </a:prstGeom>
+          </p:spPr>
+          <p:style>
+            <a:lnRef idx="0">
+              <a:schemeClr val="accent3"/>
+            </a:lnRef>
+            <a:fillRef idx="3">
+              <a:schemeClr val="accent3"/>
+            </a:fillRef>
+            <a:effectRef idx="3">
+              <a:schemeClr val="accent3"/>
+            </a:effectRef>
+            <a:fontRef idx="minor">
+              <a:schemeClr val="lt1"/>
+            </a:fontRef>
+          </p:style>
+          <p:txBody>
+            <a:bodyPr rtlCol="0" anchor="ctr"/>
+            <a:lstStyle/>
+            <a:p>
+              <a:pPr algn="ctr"/>
+              <a:r>
+                <a:rPr lang="en-US" altLang="zh-TW" dirty="0" err="1"/>
+                <a:t>NVMe</a:t>
+              </a:r>
+              <a:r>
+                <a:rPr lang="en-US" altLang="zh-TW" dirty="0"/>
+                <a:t> Device</a:t>
+              </a:r>
+              <a:endParaRPr lang="zh-TW" altLang="en-US" dirty="0"/>
+            </a:p>
+          </p:txBody>
+        </p:sp>
+        <p:sp>
+          <p:nvSpPr>
+            <p:cNvPr id="6" name="矩形 5">
+              <a:extLst>
+                <a:ext uri="{FF2B5EF4-FFF2-40B4-BE49-F238E27FC236}">
+                  <a16:creationId xmlns:a16="http://schemas.microsoft.com/office/drawing/2014/main" id="{07DD7720-1A05-ADE3-B111-9C687E2E16CF}"/>
+                </a:ext>
+              </a:extLst>
+            </p:cNvPr>
+            <p:cNvSpPr/>
+            <p:nvPr/>
+          </p:nvSpPr>
+          <p:spPr>
+            <a:xfrm>
+              <a:off x="6456000" y="3145259"/>
+              <a:ext cx="1800000" cy="1440000"/>
+            </a:xfrm>
+            <a:prstGeom prst="rect">
+              <a:avLst/>
+            </a:prstGeom>
+          </p:spPr>
+          <p:style>
+            <a:lnRef idx="1">
+              <a:schemeClr val="accent4"/>
+            </a:lnRef>
+            <a:fillRef idx="2">
+              <a:schemeClr val="accent4"/>
+            </a:fillRef>
+            <a:effectRef idx="1">
+              <a:schemeClr val="accent4"/>
+            </a:effectRef>
+            <a:fontRef idx="minor">
+              <a:schemeClr val="dk1"/>
+            </a:fontRef>
+          </p:style>
+          <p:txBody>
+            <a:bodyPr rtlCol="0" anchor="ctr"/>
+            <a:lstStyle/>
+            <a:p>
+              <a:pPr algn="ctr"/>
+              <a:r>
+                <a:rPr lang="en-US" altLang="zh-TW" dirty="0" err="1"/>
+                <a:t>Submittion</a:t>
+              </a:r>
+              <a:r>
+                <a:rPr lang="en-US" altLang="zh-TW" dirty="0"/>
+                <a:t> Queue</a:t>
+              </a:r>
+              <a:endParaRPr lang="zh-TW" altLang="en-US" dirty="0"/>
+            </a:p>
+          </p:txBody>
+        </p:sp>
+        <p:sp>
+          <p:nvSpPr>
+            <p:cNvPr id="7" name="矩形 6">
+              <a:extLst>
+                <a:ext uri="{FF2B5EF4-FFF2-40B4-BE49-F238E27FC236}">
+                  <a16:creationId xmlns:a16="http://schemas.microsoft.com/office/drawing/2014/main" id="{0E30C78F-D3CE-75FC-5752-EC90E5126C0A}"/>
+                </a:ext>
+              </a:extLst>
+            </p:cNvPr>
+            <p:cNvSpPr/>
+            <p:nvPr/>
+          </p:nvSpPr>
+          <p:spPr>
+            <a:xfrm>
+              <a:off x="3936001" y="3145259"/>
+              <a:ext cx="1800000" cy="1440000"/>
+            </a:xfrm>
+            <a:prstGeom prst="rect">
+              <a:avLst/>
+            </a:prstGeom>
+          </p:spPr>
+          <p:style>
+            <a:lnRef idx="1">
+              <a:schemeClr val="accent4"/>
+            </a:lnRef>
+            <a:fillRef idx="2">
+              <a:schemeClr val="accent4"/>
+            </a:fillRef>
+            <a:effectRef idx="1">
+              <a:schemeClr val="accent4"/>
+            </a:effectRef>
+            <a:fontRef idx="minor">
+              <a:schemeClr val="dk1"/>
+            </a:fontRef>
+          </p:style>
+          <p:txBody>
+            <a:bodyPr rtlCol="0" anchor="ctr"/>
+            <a:lstStyle/>
+            <a:p>
+              <a:pPr algn="ctr"/>
+              <a:r>
+                <a:rPr lang="en-US" altLang="zh-TW" dirty="0"/>
+                <a:t>Completion Queue</a:t>
+              </a:r>
+              <a:endParaRPr lang="zh-TW" altLang="en-US" dirty="0"/>
+            </a:p>
+          </p:txBody>
+        </p:sp>
+        <p:sp>
+          <p:nvSpPr>
+            <p:cNvPr id="8" name="箭號: 向下 7">
+              <a:extLst>
+                <a:ext uri="{FF2B5EF4-FFF2-40B4-BE49-F238E27FC236}">
+                  <a16:creationId xmlns:a16="http://schemas.microsoft.com/office/drawing/2014/main" id="{E35A7211-0DF0-3BB6-D20D-A9FB0D01E133}"/>
+                </a:ext>
+              </a:extLst>
+            </p:cNvPr>
+            <p:cNvSpPr/>
+            <p:nvPr/>
+          </p:nvSpPr>
+          <p:spPr>
+            <a:xfrm>
+              <a:off x="6990240" y="2029830"/>
+              <a:ext cx="731520" cy="1064768"/>
+            </a:xfrm>
+            <a:prstGeom prst="downArrow">
+              <a:avLst/>
+            </a:prstGeom>
+          </p:spPr>
+          <p:style>
+            <a:lnRef idx="1">
+              <a:schemeClr val="accent6"/>
+            </a:lnRef>
+            <a:fillRef idx="2">
+              <a:schemeClr val="accent6"/>
+            </a:fillRef>
+            <a:effectRef idx="1">
+              <a:schemeClr val="accent6"/>
+            </a:effectRef>
+            <a:fontRef idx="minor">
+              <a:schemeClr val="dk1"/>
+            </a:fontRef>
+          </p:style>
+          <p:txBody>
+            <a:bodyPr rtlCol="0" anchor="ctr"/>
+            <a:lstStyle/>
+            <a:p>
+              <a:pPr algn="ctr"/>
+              <a:endParaRPr lang="zh-TW" altLang="en-US" dirty="0"/>
+            </a:p>
+          </p:txBody>
+        </p:sp>
+        <p:sp>
+          <p:nvSpPr>
+            <p:cNvPr id="9" name="文字方塊 8">
+              <a:extLst>
+                <a:ext uri="{FF2B5EF4-FFF2-40B4-BE49-F238E27FC236}">
+                  <a16:creationId xmlns:a16="http://schemas.microsoft.com/office/drawing/2014/main" id="{5B5BF0F3-EC5E-662F-D315-C2EAF0E9C985}"/>
+                </a:ext>
+              </a:extLst>
+            </p:cNvPr>
+            <p:cNvSpPr txBox="1"/>
+            <p:nvPr/>
+          </p:nvSpPr>
+          <p:spPr>
+            <a:xfrm>
+              <a:off x="6861335" y="2300776"/>
+              <a:ext cx="944297" cy="369332"/>
+            </a:xfrm>
+            <a:prstGeom prst="rect">
+              <a:avLst/>
+            </a:prstGeom>
+            <a:noFill/>
+          </p:spPr>
+          <p:txBody>
+            <a:bodyPr wrap="none" rtlCol="0">
+              <a:spAutoFit/>
+            </a:bodyPr>
+            <a:lstStyle/>
+            <a:p>
+              <a:r>
+                <a:rPr lang="en-US" altLang="zh-TW" dirty="0"/>
+                <a:t>Request</a:t>
+              </a:r>
+              <a:endParaRPr lang="zh-TW" altLang="en-US" dirty="0"/>
+            </a:p>
+          </p:txBody>
+        </p:sp>
+        <p:sp>
+          <p:nvSpPr>
+            <p:cNvPr id="10" name="箭號: 向下 9">
+              <a:extLst>
+                <a:ext uri="{FF2B5EF4-FFF2-40B4-BE49-F238E27FC236}">
+                  <a16:creationId xmlns:a16="http://schemas.microsoft.com/office/drawing/2014/main" id="{505A6350-39C6-944F-01C4-FE3FF6AFCDC2}"/>
+                </a:ext>
+              </a:extLst>
+            </p:cNvPr>
+            <p:cNvSpPr/>
+            <p:nvPr/>
+          </p:nvSpPr>
+          <p:spPr>
+            <a:xfrm flipV="1">
+              <a:off x="4470241" y="2027660"/>
+              <a:ext cx="731520" cy="1064768"/>
+            </a:xfrm>
+            <a:prstGeom prst="downArrow">
+              <a:avLst/>
+            </a:prstGeom>
+          </p:spPr>
+          <p:style>
+            <a:lnRef idx="1">
+              <a:schemeClr val="accent5"/>
+            </a:lnRef>
+            <a:fillRef idx="2">
+              <a:schemeClr val="accent5"/>
+            </a:fillRef>
+            <a:effectRef idx="1">
+              <a:schemeClr val="accent5"/>
+            </a:effectRef>
+            <a:fontRef idx="minor">
+              <a:schemeClr val="dk1"/>
+            </a:fontRef>
+          </p:style>
+          <p:txBody>
+            <a:bodyPr rtlCol="0" anchor="ctr"/>
+            <a:lstStyle/>
+            <a:p>
+              <a:pPr algn="ctr"/>
+              <a:endParaRPr lang="zh-TW" altLang="en-US" dirty="0"/>
+            </a:p>
+          </p:txBody>
+        </p:sp>
+        <p:sp>
+          <p:nvSpPr>
+            <p:cNvPr id="11" name="文字方塊 10">
+              <a:extLst>
+                <a:ext uri="{FF2B5EF4-FFF2-40B4-BE49-F238E27FC236}">
+                  <a16:creationId xmlns:a16="http://schemas.microsoft.com/office/drawing/2014/main" id="{6472B034-85B0-F1EB-5712-259A1EEF793D}"/>
+                </a:ext>
+              </a:extLst>
+            </p:cNvPr>
+            <p:cNvSpPr txBox="1"/>
+            <p:nvPr/>
+          </p:nvSpPr>
+          <p:spPr>
+            <a:xfrm>
+              <a:off x="4295243" y="2485442"/>
+              <a:ext cx="1081515" cy="369332"/>
+            </a:xfrm>
+            <a:prstGeom prst="rect">
+              <a:avLst/>
+            </a:prstGeom>
+            <a:noFill/>
+          </p:spPr>
+          <p:txBody>
+            <a:bodyPr wrap="none" rtlCol="0">
+              <a:spAutoFit/>
+            </a:bodyPr>
+            <a:lstStyle/>
+            <a:p>
+              <a:r>
+                <a:rPr lang="en-US" altLang="zh-TW" dirty="0"/>
+                <a:t>Response</a:t>
+              </a:r>
+              <a:endParaRPr lang="zh-TW" altLang="en-US" dirty="0"/>
+            </a:p>
+          </p:txBody>
+        </p:sp>
+        <p:sp>
+          <p:nvSpPr>
+            <p:cNvPr id="12" name="箭號: 向下 11">
+              <a:extLst>
+                <a:ext uri="{FF2B5EF4-FFF2-40B4-BE49-F238E27FC236}">
+                  <a16:creationId xmlns:a16="http://schemas.microsoft.com/office/drawing/2014/main" id="{2F126EED-8A57-C40C-A71E-DD7C6E2EBDDE}"/>
+                </a:ext>
+              </a:extLst>
+            </p:cNvPr>
+            <p:cNvSpPr/>
+            <p:nvPr/>
+          </p:nvSpPr>
+          <p:spPr>
+            <a:xfrm>
+              <a:off x="6990240" y="4635920"/>
+              <a:ext cx="731520" cy="422320"/>
+            </a:xfrm>
+            <a:prstGeom prst="downArrow">
+              <a:avLst/>
+            </a:prstGeom>
+          </p:spPr>
+          <p:style>
+            <a:lnRef idx="1">
+              <a:schemeClr val="accent6"/>
+            </a:lnRef>
+            <a:fillRef idx="2">
+              <a:schemeClr val="accent6"/>
+            </a:fillRef>
+            <a:effectRef idx="1">
+              <a:schemeClr val="accent6"/>
+            </a:effectRef>
+            <a:fontRef idx="minor">
+              <a:schemeClr val="dk1"/>
+            </a:fontRef>
+          </p:style>
+          <p:txBody>
+            <a:bodyPr rtlCol="0" anchor="ctr"/>
+            <a:lstStyle/>
+            <a:p>
+              <a:pPr algn="ctr"/>
+              <a:endParaRPr lang="zh-TW" altLang="en-US" dirty="0"/>
+            </a:p>
+          </p:txBody>
+        </p:sp>
+        <p:sp>
+          <p:nvSpPr>
+            <p:cNvPr id="13" name="箭號: 向下 12">
+              <a:extLst>
+                <a:ext uri="{FF2B5EF4-FFF2-40B4-BE49-F238E27FC236}">
+                  <a16:creationId xmlns:a16="http://schemas.microsoft.com/office/drawing/2014/main" id="{68F295AF-E588-B885-AD59-6E189A1861C4}"/>
+                </a:ext>
+              </a:extLst>
+            </p:cNvPr>
+            <p:cNvSpPr/>
+            <p:nvPr/>
+          </p:nvSpPr>
+          <p:spPr>
+            <a:xfrm flipV="1">
+              <a:off x="4470241" y="4638089"/>
+              <a:ext cx="731520" cy="422320"/>
+            </a:xfrm>
+            <a:prstGeom prst="downArrow">
+              <a:avLst/>
+            </a:prstGeom>
+          </p:spPr>
+          <p:style>
+            <a:lnRef idx="1">
+              <a:schemeClr val="accent5"/>
+            </a:lnRef>
+            <a:fillRef idx="2">
+              <a:schemeClr val="accent5"/>
+            </a:fillRef>
+            <a:effectRef idx="1">
+              <a:schemeClr val="accent5"/>
+            </a:effectRef>
+            <a:fontRef idx="minor">
+              <a:schemeClr val="dk1"/>
+            </a:fontRef>
+          </p:style>
+          <p:txBody>
+            <a:bodyPr rtlCol="0" anchor="ctr"/>
+            <a:lstStyle/>
+            <a:p>
+              <a:pPr algn="ctr"/>
+              <a:endParaRPr lang="zh-TW" altLang="en-US" dirty="0"/>
+            </a:p>
+          </p:txBody>
+        </p:sp>
+      </p:grpSp>
     </p:spTree>
     <p:extLst>
       <p:ext uri="{BB962C8B-B14F-4D97-AF65-F5344CB8AC3E}">
-        <p14:creationId xmlns:p14="http://schemas.microsoft.com/office/powerpoint/2010/main" val="631674032"/>
+        <p14:creationId xmlns:p14="http://schemas.microsoft.com/office/powerpoint/2010/main" val="1410789146"/>
       </p:ext>
     </p:extLst>
   </p:cSld>
@@ -3980,7 +4422,7 @@
           <p:cNvPr id="2" name="標題 1">
             <a:extLst>
               <a:ext uri="{FF2B5EF4-FFF2-40B4-BE49-F238E27FC236}">
-                <a16:creationId xmlns:a16="http://schemas.microsoft.com/office/drawing/2014/main" id="{5DD07498-5F52-49AE-8F70-D644A562FAEE}"/>
+                <a16:creationId xmlns:a16="http://schemas.microsoft.com/office/drawing/2014/main" id="{209C67CB-C0B7-0BFA-0967-3287839C4611}"/>
               </a:ext>
             </a:extLst>
           </p:cNvPr>
@@ -3996,39 +4438,67 @@
           <a:bodyPr/>
           <a:lstStyle/>
           <a:p>
-            <a:endParaRPr lang="zh-TW" altLang="en-US"/>
-          </a:p>
-        </p:txBody>
-      </p:sp>
-      <p:sp>
-        <p:nvSpPr>
-          <p:cNvPr id="3" name="內容版面配置區 2">
-            <a:extLst>
-              <a:ext uri="{FF2B5EF4-FFF2-40B4-BE49-F238E27FC236}">
-                <a16:creationId xmlns:a16="http://schemas.microsoft.com/office/drawing/2014/main" id="{38A78F0E-8A29-474B-B872-6D9F55857160}"/>
-              </a:ext>
-            </a:extLst>
-          </p:cNvPr>
-          <p:cNvSpPr>
-            <a:spLocks noGrp="1"/>
-          </p:cNvSpPr>
+            <a:r>
+              <a:rPr lang="en-US" altLang="zh-TW" dirty="0"/>
+              <a:t>Queue and Doorbell</a:t>
+            </a:r>
+            <a:endParaRPr lang="zh-TW" altLang="en-US" dirty="0"/>
+          </a:p>
+        </p:txBody>
+      </p:sp>
+      <p:pic>
+        <p:nvPicPr>
+          <p:cNvPr id="1026" name="Picture 2">
+            <a:extLst>
+              <a:ext uri="{FF2B5EF4-FFF2-40B4-BE49-F238E27FC236}">
+                <a16:creationId xmlns:a16="http://schemas.microsoft.com/office/drawing/2014/main" id="{5B81D314-2D19-63AE-08BB-3A9436E0F1AB}"/>
+              </a:ext>
+            </a:extLst>
+          </p:cNvPr>
+          <p:cNvPicPr>
+            <a:picLocks noGrp="1" noChangeAspect="1" noChangeArrowheads="1"/>
+          </p:cNvPicPr>
           <p:nvPr>
             <p:ph idx="1"/>
           </p:nvPr>
-        </p:nvSpPr>
-        <p:spPr/>
-        <p:txBody>
-          <a:bodyPr/>
-          <a:lstStyle/>
-          <a:p>
-            <a:endParaRPr lang="zh-TW" altLang="en-US"/>
-          </a:p>
-        </p:txBody>
-      </p:sp>
+        </p:nvPicPr>
+        <p:blipFill>
+          <a:blip r:embed="rId2">
+            <a:extLst>
+              <a:ext uri="{28A0092B-C50C-407E-A947-70E740481C1C}">
+                <a14:useLocalDpi xmlns:a14="http://schemas.microsoft.com/office/drawing/2010/main" val="0"/>
+              </a:ext>
+            </a:extLst>
+          </a:blip>
+          <a:srcRect/>
+          <a:stretch>
+            <a:fillRect/>
+          </a:stretch>
+        </p:blipFill>
+        <p:spPr bwMode="auto">
+          <a:xfrm>
+            <a:off x="3847247" y="1825625"/>
+            <a:ext cx="4497506" cy="4351338"/>
+          </a:xfrm>
+          <a:prstGeom prst="rect">
+            <a:avLst/>
+          </a:prstGeom>
+          <a:noFill/>
+          <a:extLst>
+            <a:ext uri="{909E8E84-426E-40DD-AFC4-6F175D3DCCD1}">
+              <a14:hiddenFill xmlns:a14="http://schemas.microsoft.com/office/drawing/2010/main">
+                <a:solidFill>
+                  <a:srgbClr val="FFFFFF"/>
+                </a:solidFill>
+              </a14:hiddenFill>
+            </a:ext>
+          </a:extLst>
+        </p:spPr>
+      </p:pic>
     </p:spTree>
     <p:extLst>
       <p:ext uri="{BB962C8B-B14F-4D97-AF65-F5344CB8AC3E}">
-        <p14:creationId xmlns:p14="http://schemas.microsoft.com/office/powerpoint/2010/main" val="2298968539"/>
+        <p14:creationId xmlns:p14="http://schemas.microsoft.com/office/powerpoint/2010/main" val="765185140"/>
       </p:ext>
     </p:extLst>
   </p:cSld>
@@ -4057,10 +4527,10 @@
       </p:grpSpPr>
       <p:sp>
         <p:nvSpPr>
-          <p:cNvPr id="4" name="標題 3">
-            <a:extLst>
-              <a:ext uri="{FF2B5EF4-FFF2-40B4-BE49-F238E27FC236}">
-                <a16:creationId xmlns:a16="http://schemas.microsoft.com/office/drawing/2014/main" id="{B17EB488-837F-4E7C-B89F-E7F442EC7A6A}"/>
+          <p:cNvPr id="2" name="標題 1">
+            <a:extLst>
+              <a:ext uri="{FF2B5EF4-FFF2-40B4-BE49-F238E27FC236}">
+                <a16:creationId xmlns:a16="http://schemas.microsoft.com/office/drawing/2014/main" id="{887A500A-3067-5AB6-8DCA-F2FE7E7CE5B4}"/>
               </a:ext>
             </a:extLst>
           </p:cNvPr>
@@ -4078,7 +4548,7 @@
           <a:p>
             <a:r>
               <a:rPr lang="en-US" altLang="zh-TW" dirty="0"/>
-              <a:t>Important Behavior and Sequence</a:t>
+              <a:t>Queue and Doorbell</a:t>
             </a:r>
             <a:endParaRPr lang="zh-TW" altLang="en-US" dirty="0"/>
           </a:p>
@@ -4086,33 +4556,123 @@
       </p:sp>
       <p:sp>
         <p:nvSpPr>
-          <p:cNvPr id="5" name="文字版面配置區 4">
-            <a:extLst>
-              <a:ext uri="{FF2B5EF4-FFF2-40B4-BE49-F238E27FC236}">
-                <a16:creationId xmlns:a16="http://schemas.microsoft.com/office/drawing/2014/main" id="{0234E306-6658-4246-B671-84FED8974166}"/>
-              </a:ext>
-            </a:extLst>
-          </p:cNvPr>
-          <p:cNvSpPr>
-            <a:spLocks noGrp="1"/>
-          </p:cNvSpPr>
-          <p:nvPr>
-            <p:ph type="body" idx="1"/>
+          <p:cNvPr id="3" name="內容版面配置區 2">
+            <a:extLst>
+              <a:ext uri="{FF2B5EF4-FFF2-40B4-BE49-F238E27FC236}">
+                <a16:creationId xmlns:a16="http://schemas.microsoft.com/office/drawing/2014/main" id="{0C972CEF-B29C-6593-2136-6FADE57087E4}"/>
+              </a:ext>
+            </a:extLst>
+          </p:cNvPr>
+          <p:cNvSpPr>
+            <a:spLocks noGrp="1"/>
+          </p:cNvSpPr>
+          <p:nvPr>
+            <p:ph idx="1"/>
           </p:nvPr>
         </p:nvSpPr>
         <p:spPr/>
         <p:txBody>
-          <a:bodyPr/>
-          <a:lstStyle/>
-          <a:p>
-            <a:endParaRPr lang="zh-TW" altLang="en-US"/>
+          <a:bodyPr>
+            <a:normAutofit/>
+          </a:bodyPr>
+          <a:lstStyle/>
+          <a:p>
+            <a:r>
+              <a:rPr lang="en-US" altLang="zh-TW" dirty="0"/>
+              <a:t>Both </a:t>
+            </a:r>
+            <a:r>
+              <a:rPr lang="en-US" altLang="zh-TW" dirty="0" err="1"/>
+              <a:t>SubQueue</a:t>
+            </a:r>
+            <a:r>
+              <a:rPr lang="en-US" altLang="zh-TW" dirty="0"/>
+              <a:t> and </a:t>
+            </a:r>
+            <a:r>
+              <a:rPr lang="en-US" altLang="zh-TW" dirty="0" err="1"/>
+              <a:t>CplQueue</a:t>
+            </a:r>
+            <a:r>
+              <a:rPr lang="en-US" altLang="zh-TW" dirty="0"/>
+              <a:t> are implemented by ring buffer</a:t>
+            </a:r>
+          </a:p>
+          <a:p>
+            <a:pPr lvl="1"/>
+            <a:r>
+              <a:rPr lang="en-US" altLang="zh-TW" dirty="0"/>
+              <a:t>Producer / Consumer concept</a:t>
+            </a:r>
+          </a:p>
+          <a:p>
+            <a:pPr lvl="1"/>
+            <a:r>
+              <a:rPr lang="en-US" altLang="zh-TW" dirty="0"/>
+              <a:t>Doorbell / Interrupt notification</a:t>
+            </a:r>
+          </a:p>
+          <a:p>
+            <a:pPr lvl="1"/>
+            <a:endParaRPr lang="en-US" altLang="zh-TW" dirty="0"/>
+          </a:p>
+          <a:p>
+            <a:r>
+              <a:rPr lang="en-US" altLang="zh-TW" dirty="0"/>
+              <a:t>Host should “notify” device when sent new request into </a:t>
+            </a:r>
+            <a:r>
+              <a:rPr lang="en-US" altLang="zh-TW" dirty="0" err="1"/>
+              <a:t>SubQueue</a:t>
+            </a:r>
+            <a:r>
+              <a:rPr lang="en-US" altLang="zh-TW" dirty="0"/>
+              <a:t>, and “notify” device when retrieved(picked) results from </a:t>
+            </a:r>
+            <a:r>
+              <a:rPr lang="en-US" altLang="zh-TW" dirty="0" err="1"/>
+              <a:t>CplQueue</a:t>
+            </a:r>
+            <a:r>
+              <a:rPr lang="en-US" altLang="zh-TW" dirty="0"/>
+              <a:t>. </a:t>
+            </a:r>
+          </a:p>
+          <a:p>
+            <a:pPr lvl="1"/>
+            <a:r>
+              <a:rPr lang="en-US" altLang="zh-TW" dirty="0"/>
+              <a:t>Use Doorbells</a:t>
+            </a:r>
+          </a:p>
+          <a:p>
+            <a:r>
+              <a:rPr lang="en-US" altLang="zh-TW" dirty="0"/>
+              <a:t>Device should “notify” host when new result arrived to </a:t>
+            </a:r>
+            <a:r>
+              <a:rPr lang="en-US" altLang="zh-TW" dirty="0" err="1"/>
+              <a:t>CplQueue</a:t>
+            </a:r>
+            <a:r>
+              <a:rPr lang="en-US" altLang="zh-TW" dirty="0"/>
+              <a:t>.</a:t>
+            </a:r>
+          </a:p>
+          <a:p>
+            <a:pPr lvl="1"/>
+            <a:r>
+              <a:rPr lang="en-US" altLang="zh-TW" dirty="0"/>
+              <a:t>Use Interrupts</a:t>
+            </a:r>
+            <a:endParaRPr lang="zh-TW" altLang="en-US" dirty="0"/>
           </a:p>
         </p:txBody>
       </p:sp>
     </p:spTree>
     <p:extLst>
       <p:ext uri="{BB962C8B-B14F-4D97-AF65-F5344CB8AC3E}">
-        <p14:creationId xmlns:p14="http://schemas.microsoft.com/office/powerpoint/2010/main" val="2170769223"/>
+        <p14:creationId xmlns:p14="http://schemas.microsoft.com/office/powerpoint/2010/main" val="3304156739"/>
       </p:ext>
     </p:extLst>
   </p:cSld>
@@ -4144,7 +4704,7 @@
           <p:cNvPr id="2" name="標題 1">
             <a:extLst>
               <a:ext uri="{FF2B5EF4-FFF2-40B4-BE49-F238E27FC236}">
-                <a16:creationId xmlns:a16="http://schemas.microsoft.com/office/drawing/2014/main" id="{5DD07498-5F52-49AE-8F70-D644A562FAEE}"/>
+                <a16:creationId xmlns:a16="http://schemas.microsoft.com/office/drawing/2014/main" id="{A1401313-5B38-CF39-9F93-19A0B2EBC1DD}"/>
               </a:ext>
             </a:extLst>
           </p:cNvPr>
@@ -4160,7 +4720,11 @@
           <a:bodyPr/>
           <a:lstStyle/>
           <a:p>
-            <a:endParaRPr lang="zh-TW" altLang="en-US"/>
+            <a:r>
+              <a:rPr lang="en-US" altLang="zh-TW" dirty="0"/>
+              <a:t>Queue and Doorbell</a:t>
+            </a:r>
+            <a:endParaRPr lang="zh-TW" altLang="en-US" dirty="0"/>
           </a:p>
         </p:txBody>
       </p:sp>
@@ -4169,7 +4733,7 @@
           <p:cNvPr id="3" name="內容版面配置區 2">
             <a:extLst>
               <a:ext uri="{FF2B5EF4-FFF2-40B4-BE49-F238E27FC236}">
-                <a16:creationId xmlns:a16="http://schemas.microsoft.com/office/drawing/2014/main" id="{38A78F0E-8A29-474B-B872-6D9F55857160}"/>
+                <a16:creationId xmlns:a16="http://schemas.microsoft.com/office/drawing/2014/main" id="{3BAA17C6-C6A7-882F-3644-A8D553CD50B5}"/>
               </a:ext>
             </a:extLst>
           </p:cNvPr>
@@ -4187,34 +4751,81 @@
           <a:p>
             <a:r>
               <a:rPr lang="en-US" altLang="zh-TW" dirty="0"/>
-              <a:t>Init Controller</a:t>
-            </a:r>
-          </a:p>
-          <a:p>
-            <a:r>
-              <a:rPr lang="en-US" altLang="zh-TW" dirty="0"/>
-              <a:t>shutdown controller (SHN == 1)</a:t>
-            </a:r>
-          </a:p>
-          <a:p>
-            <a:r>
-              <a:rPr lang="en-US" altLang="zh-TW" dirty="0"/>
-              <a:t>reset controller</a:t>
-            </a:r>
-          </a:p>
-          <a:p>
-            <a:r>
-              <a:rPr lang="en-US" altLang="zh-TW" dirty="0"/>
-              <a:t>Queue create/delete sequence</a:t>
+              <a:t>Producer : Update index  “Tail” and notify consumer</a:t>
+            </a:r>
+          </a:p>
+          <a:p>
+            <a:r>
+              <a:rPr lang="en-US" altLang="zh-TW" dirty="0"/>
+              <a:t>Consumer : Update index “Head” and notify producer</a:t>
+            </a:r>
+          </a:p>
+          <a:p>
+            <a:endParaRPr lang="en-US" altLang="zh-TW" dirty="0"/>
+          </a:p>
+          <a:p>
+            <a:r>
+              <a:rPr lang="en-US" altLang="zh-TW" dirty="0"/>
+              <a:t>Doorbells are registers for corresponding queue that notify device something(head or tail) changed.</a:t>
             </a:r>
             <a:endParaRPr lang="zh-TW" altLang="en-US" dirty="0"/>
+          </a:p>
+          <a:p>
+            <a:pPr lvl="1"/>
+            <a:r>
+              <a:rPr lang="en-US" altLang="zh-TW" dirty="0"/>
+              <a:t>In </a:t>
+            </a:r>
+            <a:r>
+              <a:rPr lang="en-US" altLang="zh-TW" dirty="0" err="1"/>
+              <a:t>SubQ</a:t>
+            </a:r>
+            <a:r>
+              <a:rPr lang="en-US" altLang="zh-TW" dirty="0"/>
+              <a:t>, Host should update doorbell to tell device “new </a:t>
+            </a:r>
+            <a:r>
+              <a:rPr lang="en-US" altLang="zh-TW" dirty="0" err="1"/>
+              <a:t>SubQ</a:t>
+            </a:r>
+            <a:r>
+              <a:rPr lang="en-US" altLang="zh-TW" dirty="0"/>
+              <a:t> Tail”</a:t>
+            </a:r>
+          </a:p>
+          <a:p>
+            <a:pPr lvl="1"/>
+            <a:r>
+              <a:rPr lang="en-US" altLang="zh-TW" dirty="0"/>
+              <a:t>In </a:t>
+            </a:r>
+            <a:r>
+              <a:rPr lang="en-US" altLang="zh-TW" dirty="0" err="1"/>
+              <a:t>CplQ</a:t>
+            </a:r>
+            <a:r>
+              <a:rPr lang="en-US" altLang="zh-TW" dirty="0"/>
+              <a:t>, Host should update doorbell  to tell device “new </a:t>
+            </a:r>
+            <a:r>
+              <a:rPr lang="en-US" altLang="zh-TW" dirty="0" err="1"/>
+              <a:t>CplQ</a:t>
+            </a:r>
+            <a:r>
+              <a:rPr lang="en-US" altLang="zh-TW" dirty="0"/>
+              <a:t> Head”</a:t>
+            </a:r>
+          </a:p>
+          <a:p>
+            <a:pPr lvl="1"/>
+            <a:endParaRPr lang="en-US" altLang="zh-TW" dirty="0"/>
           </a:p>
         </p:txBody>
       </p:sp>
     </p:spTree>
     <p:extLst>
       <p:ext uri="{BB962C8B-B14F-4D97-AF65-F5344CB8AC3E}">
-        <p14:creationId xmlns:p14="http://schemas.microsoft.com/office/powerpoint/2010/main" val="777140348"/>
+        <p14:creationId xmlns:p14="http://schemas.microsoft.com/office/powerpoint/2010/main" val="253499098"/>
       </p:ext>
     </p:extLst>
   </p:cSld>
@@ -4243,10 +4854,10 @@
       </p:grpSpPr>
       <p:sp>
         <p:nvSpPr>
-          <p:cNvPr id="4" name="標題 3">
-            <a:extLst>
-              <a:ext uri="{FF2B5EF4-FFF2-40B4-BE49-F238E27FC236}">
-                <a16:creationId xmlns:a16="http://schemas.microsoft.com/office/drawing/2014/main" id="{9108BE99-58FD-4D5D-9AA4-65A64F5EC935}"/>
+          <p:cNvPr id="2" name="標題 1">
+            <a:extLst>
+              <a:ext uri="{FF2B5EF4-FFF2-40B4-BE49-F238E27FC236}">
+                <a16:creationId xmlns:a16="http://schemas.microsoft.com/office/drawing/2014/main" id="{01876AE3-6922-BBCF-BE2E-99388BCCE73F}"/>
               </a:ext>
             </a:extLst>
           </p:cNvPr>
@@ -4264,7 +4875,19 @@
           <a:p>
             <a:r>
               <a:rPr lang="en-US" altLang="zh-TW" dirty="0"/>
-              <a:t>Admin and I/O Queues</a:t>
+              <a:t>Admin </a:t>
+            </a:r>
+            <a:r>
+              <a:rPr lang="en-US" altLang="zh-TW" dirty="0" err="1"/>
+              <a:t>Cmd</a:t>
+            </a:r>
+            <a:r>
+              <a:rPr lang="en-US" altLang="zh-TW" dirty="0"/>
+              <a:t> and I/O </a:t>
+            </a:r>
+            <a:r>
+              <a:rPr lang="en-US" altLang="zh-TW" dirty="0" err="1"/>
+              <a:t>Cmd</a:t>
             </a:r>
             <a:endParaRPr lang="zh-TW" altLang="en-US" dirty="0"/>
           </a:p>
@@ -4272,18 +4895,18 @@
       </p:sp>
       <p:sp>
         <p:nvSpPr>
-          <p:cNvPr id="5" name="文字版面配置區 4">
-            <a:extLst>
-              <a:ext uri="{FF2B5EF4-FFF2-40B4-BE49-F238E27FC236}">
-                <a16:creationId xmlns:a16="http://schemas.microsoft.com/office/drawing/2014/main" id="{97D13A04-9C11-47DC-B7E1-8E69EA7F1754}"/>
-              </a:ext>
-            </a:extLst>
-          </p:cNvPr>
-          <p:cNvSpPr>
-            <a:spLocks noGrp="1"/>
-          </p:cNvSpPr>
-          <p:nvPr>
-            <p:ph type="body" idx="1"/>
+          <p:cNvPr id="3" name="內容版面配置區 2">
+            <a:extLst>
+              <a:ext uri="{FF2B5EF4-FFF2-40B4-BE49-F238E27FC236}">
+                <a16:creationId xmlns:a16="http://schemas.microsoft.com/office/drawing/2014/main" id="{06DAECAE-C3FB-D59E-0D86-CD779E0C3BB2}"/>
+              </a:ext>
+            </a:extLst>
+          </p:cNvPr>
+          <p:cNvSpPr>
+            <a:spLocks noGrp="1"/>
+          </p:cNvSpPr>
+          <p:nvPr>
+            <p:ph idx="1"/>
           </p:nvPr>
         </p:nvSpPr>
         <p:spPr/>
@@ -4291,14 +4914,46 @@
           <a:bodyPr/>
           <a:lstStyle/>
           <a:p>
-            <a:endParaRPr lang="zh-TW" altLang="en-US"/>
+            <a:r>
+              <a:rPr lang="en-US" altLang="zh-TW" dirty="0"/>
+              <a:t>The </a:t>
+            </a:r>
+            <a:r>
+              <a:rPr lang="en-US" altLang="zh-TW" dirty="0" err="1"/>
+              <a:t>NVMe</a:t>
+            </a:r>
+            <a:r>
+              <a:rPr lang="en-US" altLang="zh-TW" dirty="0"/>
+              <a:t> command are defined as 2 group</a:t>
+            </a:r>
+          </a:p>
+          <a:p>
+            <a:pPr lvl="1"/>
+            <a:r>
+              <a:rPr lang="en-US" altLang="zh-TW" dirty="0"/>
+              <a:t>Admin command : set Interrupt Coalescing, register I/O queue…etc.</a:t>
+            </a:r>
+          </a:p>
+          <a:p>
+            <a:pPr lvl="1"/>
+            <a:r>
+              <a:rPr lang="en-US" altLang="zh-TW" dirty="0"/>
+              <a:t>I/O command : Read / Write / Verify …etc.</a:t>
+            </a:r>
+          </a:p>
+          <a:p>
+            <a:pPr lvl="1"/>
+            <a:endParaRPr lang="en-US" altLang="zh-TW" dirty="0"/>
+          </a:p>
+          <a:p>
+            <a:endParaRPr lang="zh-TW" altLang="en-US" dirty="0"/>
           </a:p>
         </p:txBody>
       </p:sp>
     </p:spTree>
     <p:extLst>
       <p:ext uri="{BB962C8B-B14F-4D97-AF65-F5344CB8AC3E}">
-        <p14:creationId xmlns:p14="http://schemas.microsoft.com/office/powerpoint/2010/main" val="1835430700"/>
+        <p14:creationId xmlns:p14="http://schemas.microsoft.com/office/powerpoint/2010/main" val="3347484245"/>
       </p:ext>
     </p:extLst>
   </p:cSld>
@@ -4346,7 +5001,19 @@
           <a:bodyPr/>
           <a:lstStyle/>
           <a:p>
-            <a:endParaRPr lang="zh-TW" altLang="en-US"/>
+            <a:r>
+              <a:rPr lang="en-US" altLang="zh-TW" dirty="0"/>
+              <a:t>Commands of </a:t>
+            </a:r>
+            <a:r>
+              <a:rPr lang="en-US" altLang="zh-TW" dirty="0" err="1"/>
+              <a:t>NVMe</a:t>
+            </a:r>
+            <a:r>
+              <a:rPr lang="en-US" altLang="zh-TW" dirty="0"/>
+              <a:t> system</a:t>
+            </a:r>
+            <a:endParaRPr lang="zh-TW" altLang="en-US" dirty="0"/>
           </a:p>
         </p:txBody>
       </p:sp>
@@ -4371,14 +5038,92 @@
           <a:bodyPr/>
           <a:lstStyle/>
           <a:p>
-            <a:endParaRPr lang="zh-TW" altLang="en-US"/>
+            <a:r>
+              <a:rPr lang="en-US" altLang="zh-TW" dirty="0"/>
+              <a:t>Admin Commands</a:t>
+            </a:r>
+          </a:p>
+          <a:p>
+            <a:pPr lvl="1"/>
+            <a:r>
+              <a:rPr lang="en-US" altLang="zh-TW" dirty="0"/>
+              <a:t>Submit to admin queue</a:t>
+            </a:r>
+          </a:p>
+          <a:p>
+            <a:pPr lvl="1"/>
+            <a:r>
+              <a:rPr lang="en-US" altLang="zh-TW" dirty="0"/>
+              <a:t>I/O Queue Management(create / delete)</a:t>
+            </a:r>
+          </a:p>
+          <a:p>
+            <a:pPr lvl="1"/>
+            <a:r>
+              <a:rPr lang="en-US" altLang="zh-TW" dirty="0"/>
+              <a:t>Identify Controller and Namespace</a:t>
+            </a:r>
+          </a:p>
+          <a:p>
+            <a:pPr lvl="1"/>
+            <a:r>
+              <a:rPr lang="en-US" altLang="zh-TW" dirty="0"/>
+              <a:t>Get </a:t>
+            </a:r>
+            <a:r>
+              <a:rPr lang="en-US" altLang="zh-TW" dirty="0" err="1"/>
+              <a:t>LogPage</a:t>
+            </a:r>
+            <a:r>
+              <a:rPr lang="en-US" altLang="zh-TW" dirty="0"/>
+              <a:t> (e.g. SMART </a:t>
+            </a:r>
+            <a:r>
+              <a:rPr lang="en-US" altLang="zh-TW" dirty="0" err="1"/>
+              <a:t>infor</a:t>
+            </a:r>
+            <a:r>
+              <a:rPr lang="en-US" altLang="zh-TW" dirty="0"/>
+              <a:t>)</a:t>
+            </a:r>
+          </a:p>
+          <a:p>
+            <a:pPr lvl="1"/>
+            <a:r>
+              <a:rPr lang="en-US" altLang="zh-TW" dirty="0"/>
+              <a:t>Namespace Management</a:t>
+            </a:r>
+          </a:p>
+          <a:p>
+            <a:pPr lvl="1"/>
+            <a:r>
+              <a:rPr lang="en-US" altLang="zh-TW" dirty="0"/>
+              <a:t>Firmware Management</a:t>
+            </a:r>
+          </a:p>
+          <a:p>
+            <a:pPr lvl="1"/>
+            <a:r>
+              <a:rPr lang="en-US" altLang="zh-TW" dirty="0"/>
+              <a:t>Query / Set extra feature of controller</a:t>
+            </a:r>
+          </a:p>
+          <a:p>
+            <a:pPr lvl="1"/>
+            <a:r>
+              <a:rPr lang="en-US" altLang="zh-TW" dirty="0"/>
+              <a:t>......etc.</a:t>
+            </a:r>
+          </a:p>
+          <a:p>
+            <a:endParaRPr lang="zh-TW" altLang="en-US" dirty="0"/>
           </a:p>
         </p:txBody>
       </p:sp>
     </p:spTree>
     <p:extLst>
       <p:ext uri="{BB962C8B-B14F-4D97-AF65-F5344CB8AC3E}">
-        <p14:creationId xmlns:p14="http://schemas.microsoft.com/office/powerpoint/2010/main" val="2532945758"/>
+        <p14:creationId xmlns:p14="http://schemas.microsoft.com/office/powerpoint/2010/main" val="2054057593"/>
       </p:ext>
     </p:extLst>
   </p:cSld>
@@ -4407,10 +5152,10 @@
       </p:grpSpPr>
       <p:sp>
         <p:nvSpPr>
-          <p:cNvPr id="4" name="標題 3">
-            <a:extLst>
-              <a:ext uri="{FF2B5EF4-FFF2-40B4-BE49-F238E27FC236}">
-                <a16:creationId xmlns:a16="http://schemas.microsoft.com/office/drawing/2014/main" id="{B85BB7CA-6397-4B9A-9539-366D00893484}"/>
+          <p:cNvPr id="2" name="標題 1">
+            <a:extLst>
+              <a:ext uri="{FF2B5EF4-FFF2-40B4-BE49-F238E27FC236}">
+                <a16:creationId xmlns:a16="http://schemas.microsoft.com/office/drawing/2014/main" id="{5DD07498-5F52-49AE-8F70-D644A562FAEE}"/>
               </a:ext>
             </a:extLst>
           </p:cNvPr>
@@ -4426,13 +5171,17 @@
           <a:bodyPr/>
           <a:lstStyle/>
           <a:p>
+            <a:r>
+              <a:rPr lang="en-US" altLang="zh-TW" dirty="0"/>
+              <a:t>Commands of </a:t>
+            </a:r>
             <a:r>
               <a:rPr lang="en-US" altLang="zh-TW" dirty="0" err="1"/>
               <a:t>NVMe</a:t>
             </a:r>
             <a:r>
               <a:rPr lang="en-US" altLang="zh-TW" dirty="0"/>
-              <a:t> Queue</a:t>
+              <a:t> system</a:t>
             </a:r>
             <a:endParaRPr lang="zh-TW" altLang="en-US" dirty="0"/>
           </a:p>
@@ -4440,10 +5189,10 @@
       </p:sp>
       <p:sp>
         <p:nvSpPr>
-          <p:cNvPr id="5" name="內容版面配置區 4">
-            <a:extLst>
-              <a:ext uri="{FF2B5EF4-FFF2-40B4-BE49-F238E27FC236}">
-                <a16:creationId xmlns:a16="http://schemas.microsoft.com/office/drawing/2014/main" id="{31DD020F-E3D8-4D11-9F02-A2BF43BAEE98}"/>
+          <p:cNvPr id="3" name="內容版面配置區 2">
+            <a:extLst>
+              <a:ext uri="{FF2B5EF4-FFF2-40B4-BE49-F238E27FC236}">
+                <a16:creationId xmlns:a16="http://schemas.microsoft.com/office/drawing/2014/main" id="{38A78F0E-8A29-474B-B872-6D9F55857160}"/>
               </a:ext>
             </a:extLst>
           </p:cNvPr>
@@ -4459,406 +5208,59 @@
           <a:bodyPr/>
           <a:lstStyle/>
           <a:p>
-            <a:endParaRPr lang="zh-TW" altLang="en-US" dirty="0"/>
-          </a:p>
-        </p:txBody>
-      </p:sp>
-      <p:sp>
-        <p:nvSpPr>
-          <p:cNvPr id="6" name="矩形 5">
-            <a:extLst>
-              <a:ext uri="{FF2B5EF4-FFF2-40B4-BE49-F238E27FC236}">
-                <a16:creationId xmlns:a16="http://schemas.microsoft.com/office/drawing/2014/main" id="{8E686140-89F4-4F90-A674-3B67B1B6CC4F}"/>
-              </a:ext>
-            </a:extLst>
-          </p:cNvPr>
-          <p:cNvSpPr/>
-          <p:nvPr/>
-        </p:nvSpPr>
-        <p:spPr>
-          <a:xfrm>
-            <a:off x="3936000" y="5124704"/>
-            <a:ext cx="4320000" cy="720000"/>
-          </a:xfrm>
-          <a:prstGeom prst="rect">
-            <a:avLst/>
-          </a:prstGeom>
-        </p:spPr>
-        <p:style>
-          <a:lnRef idx="0">
-            <a:schemeClr val="accent3"/>
-          </a:lnRef>
-          <a:fillRef idx="3">
-            <a:schemeClr val="accent3"/>
-          </a:fillRef>
-          <a:effectRef idx="3">
-            <a:schemeClr val="accent3"/>
-          </a:effectRef>
-          <a:fontRef idx="minor">
-            <a:schemeClr val="lt1"/>
-          </a:fontRef>
-        </p:style>
-        <p:txBody>
-          <a:bodyPr rtlCol="0" anchor="ctr"/>
-          <a:lstStyle/>
-          <a:p>
-            <a:pPr algn="ctr"/>
-            <a:r>
-              <a:rPr lang="en-US" altLang="zh-TW" dirty="0" err="1"/>
-              <a:t>NVMe</a:t>
-            </a:r>
-            <a:r>
-              <a:rPr lang="en-US" altLang="zh-TW" dirty="0"/>
-              <a:t> Device</a:t>
-            </a:r>
-            <a:endParaRPr lang="zh-TW" altLang="en-US" dirty="0"/>
-          </a:p>
-        </p:txBody>
-      </p:sp>
-      <p:sp>
-        <p:nvSpPr>
-          <p:cNvPr id="7" name="矩形 6">
-            <a:extLst>
-              <a:ext uri="{FF2B5EF4-FFF2-40B4-BE49-F238E27FC236}">
-                <a16:creationId xmlns:a16="http://schemas.microsoft.com/office/drawing/2014/main" id="{0DE59471-ACB8-45E6-9E06-2044543FDA0F}"/>
-              </a:ext>
-            </a:extLst>
-          </p:cNvPr>
-          <p:cNvSpPr/>
-          <p:nvPr/>
-        </p:nvSpPr>
-        <p:spPr>
-          <a:xfrm>
-            <a:off x="6456000" y="3145259"/>
-            <a:ext cx="1800000" cy="1440000"/>
-          </a:xfrm>
-          <a:prstGeom prst="rect">
-            <a:avLst/>
-          </a:prstGeom>
-        </p:spPr>
-        <p:style>
-          <a:lnRef idx="1">
-            <a:schemeClr val="accent4"/>
-          </a:lnRef>
-          <a:fillRef idx="2">
-            <a:schemeClr val="accent4"/>
-          </a:fillRef>
-          <a:effectRef idx="1">
-            <a:schemeClr val="accent4"/>
-          </a:effectRef>
-          <a:fontRef idx="minor">
-            <a:schemeClr val="dk1"/>
-          </a:fontRef>
-        </p:style>
-        <p:txBody>
-          <a:bodyPr rtlCol="0" anchor="ctr"/>
-          <a:lstStyle/>
-          <a:p>
-            <a:pPr algn="ctr"/>
-            <a:r>
-              <a:rPr lang="en-US" altLang="zh-TW" dirty="0" err="1"/>
-              <a:t>Submittion</a:t>
-            </a:r>
-            <a:r>
-              <a:rPr lang="en-US" altLang="zh-TW" dirty="0"/>
-              <a:t> Queue</a:t>
-            </a:r>
-            <a:endParaRPr lang="zh-TW" altLang="en-US" dirty="0"/>
-          </a:p>
-        </p:txBody>
-      </p:sp>
-      <p:sp>
-        <p:nvSpPr>
-          <p:cNvPr id="8" name="矩形 7">
-            <a:extLst>
-              <a:ext uri="{FF2B5EF4-FFF2-40B4-BE49-F238E27FC236}">
-                <a16:creationId xmlns:a16="http://schemas.microsoft.com/office/drawing/2014/main" id="{B9B330FD-D329-4B29-911F-D7A7A4225E09}"/>
-              </a:ext>
-            </a:extLst>
-          </p:cNvPr>
-          <p:cNvSpPr/>
-          <p:nvPr/>
-        </p:nvSpPr>
-        <p:spPr>
-          <a:xfrm>
-            <a:off x="3936001" y="3145259"/>
-            <a:ext cx="1800000" cy="1440000"/>
-          </a:xfrm>
-          <a:prstGeom prst="rect">
-            <a:avLst/>
-          </a:prstGeom>
-        </p:spPr>
-        <p:style>
-          <a:lnRef idx="1">
-            <a:schemeClr val="accent4"/>
-          </a:lnRef>
-          <a:fillRef idx="2">
-            <a:schemeClr val="accent4"/>
-          </a:fillRef>
-          <a:effectRef idx="1">
-            <a:schemeClr val="accent4"/>
-          </a:effectRef>
-          <a:fontRef idx="minor">
-            <a:schemeClr val="dk1"/>
-          </a:fontRef>
-        </p:style>
-        <p:txBody>
-          <a:bodyPr rtlCol="0" anchor="ctr"/>
-          <a:lstStyle/>
-          <a:p>
-            <a:pPr algn="ctr"/>
-            <a:r>
-              <a:rPr lang="en-US" altLang="zh-TW" dirty="0"/>
-              <a:t>Completion Queue</a:t>
-            </a:r>
-            <a:endParaRPr lang="zh-TW" altLang="en-US" dirty="0"/>
-          </a:p>
-        </p:txBody>
-      </p:sp>
-      <p:sp>
-        <p:nvSpPr>
-          <p:cNvPr id="9" name="箭號: 向下 8">
-            <a:extLst>
-              <a:ext uri="{FF2B5EF4-FFF2-40B4-BE49-F238E27FC236}">
-                <a16:creationId xmlns:a16="http://schemas.microsoft.com/office/drawing/2014/main" id="{179642EC-D510-455F-82A9-8AED41E60404}"/>
-              </a:ext>
-            </a:extLst>
-          </p:cNvPr>
-          <p:cNvSpPr/>
-          <p:nvPr/>
-        </p:nvSpPr>
-        <p:spPr>
-          <a:xfrm>
-            <a:off x="6990240" y="2029830"/>
-            <a:ext cx="731520" cy="1064768"/>
-          </a:xfrm>
-          <a:prstGeom prst="downArrow">
-            <a:avLst/>
-          </a:prstGeom>
-        </p:spPr>
-        <p:style>
-          <a:lnRef idx="1">
-            <a:schemeClr val="accent6"/>
-          </a:lnRef>
-          <a:fillRef idx="2">
-            <a:schemeClr val="accent6"/>
-          </a:fillRef>
-          <a:effectRef idx="1">
-            <a:schemeClr val="accent6"/>
-          </a:effectRef>
-          <a:fontRef idx="minor">
-            <a:schemeClr val="dk1"/>
-          </a:fontRef>
-        </p:style>
-        <p:txBody>
-          <a:bodyPr rtlCol="0" anchor="ctr"/>
-          <a:lstStyle/>
-          <a:p>
-            <a:pPr algn="ctr"/>
-            <a:endParaRPr lang="zh-TW" altLang="en-US" dirty="0"/>
-          </a:p>
-        </p:txBody>
-      </p:sp>
-      <p:sp>
-        <p:nvSpPr>
-          <p:cNvPr id="10" name="文字方塊 9">
-            <a:extLst>
-              <a:ext uri="{FF2B5EF4-FFF2-40B4-BE49-F238E27FC236}">
-                <a16:creationId xmlns:a16="http://schemas.microsoft.com/office/drawing/2014/main" id="{68D89488-31A0-4902-9D29-15A4A0D257FD}"/>
-              </a:ext>
-            </a:extLst>
-          </p:cNvPr>
-          <p:cNvSpPr txBox="1"/>
-          <p:nvPr/>
-        </p:nvSpPr>
-        <p:spPr>
-          <a:xfrm>
-            <a:off x="6861335" y="2300776"/>
-            <a:ext cx="944297" cy="369332"/>
-          </a:xfrm>
-          <a:prstGeom prst="rect">
-            <a:avLst/>
-          </a:prstGeom>
-          <a:noFill/>
-        </p:spPr>
-        <p:txBody>
-          <a:bodyPr wrap="none" rtlCol="0">
-            <a:spAutoFit/>
-          </a:bodyPr>
-          <a:lstStyle/>
-          <a:p>
-            <a:r>
-              <a:rPr lang="en-US" altLang="zh-TW" dirty="0"/>
-              <a:t>Request</a:t>
-            </a:r>
-            <a:endParaRPr lang="zh-TW" altLang="en-US" dirty="0"/>
-          </a:p>
-        </p:txBody>
-      </p:sp>
-      <p:sp>
-        <p:nvSpPr>
-          <p:cNvPr id="11" name="箭號: 向下 10">
-            <a:extLst>
-              <a:ext uri="{FF2B5EF4-FFF2-40B4-BE49-F238E27FC236}">
-                <a16:creationId xmlns:a16="http://schemas.microsoft.com/office/drawing/2014/main" id="{456F3645-A5B7-4AB0-97DB-28A5D55495F5}"/>
-              </a:ext>
-            </a:extLst>
-          </p:cNvPr>
-          <p:cNvSpPr/>
-          <p:nvPr/>
-        </p:nvSpPr>
-        <p:spPr>
-          <a:xfrm flipV="1">
-            <a:off x="4470241" y="2027660"/>
-            <a:ext cx="731520" cy="1064768"/>
-          </a:xfrm>
-          <a:prstGeom prst="downArrow">
-            <a:avLst/>
-          </a:prstGeom>
-        </p:spPr>
-        <p:style>
-          <a:lnRef idx="1">
-            <a:schemeClr val="accent5"/>
-          </a:lnRef>
-          <a:fillRef idx="2">
-            <a:schemeClr val="accent5"/>
-          </a:fillRef>
-          <a:effectRef idx="1">
-            <a:schemeClr val="accent5"/>
-          </a:effectRef>
-          <a:fontRef idx="minor">
-            <a:schemeClr val="dk1"/>
-          </a:fontRef>
-        </p:style>
-        <p:txBody>
-          <a:bodyPr rtlCol="0" anchor="ctr"/>
-          <a:lstStyle/>
-          <a:p>
-            <a:pPr algn="ctr"/>
-            <a:endParaRPr lang="zh-TW" altLang="en-US" dirty="0"/>
-          </a:p>
-        </p:txBody>
-      </p:sp>
-      <p:sp>
-        <p:nvSpPr>
-          <p:cNvPr id="12" name="文字方塊 11">
-            <a:extLst>
-              <a:ext uri="{FF2B5EF4-FFF2-40B4-BE49-F238E27FC236}">
-                <a16:creationId xmlns:a16="http://schemas.microsoft.com/office/drawing/2014/main" id="{4C02CD59-28AB-4C20-ACBF-634B0794A565}"/>
-              </a:ext>
-            </a:extLst>
-          </p:cNvPr>
-          <p:cNvSpPr txBox="1"/>
-          <p:nvPr/>
-        </p:nvSpPr>
-        <p:spPr>
-          <a:xfrm>
-            <a:off x="4295243" y="2485442"/>
-            <a:ext cx="1081515" cy="369332"/>
-          </a:xfrm>
-          <a:prstGeom prst="rect">
-            <a:avLst/>
-          </a:prstGeom>
-          <a:noFill/>
-        </p:spPr>
-        <p:txBody>
-          <a:bodyPr wrap="none" rtlCol="0">
-            <a:spAutoFit/>
-          </a:bodyPr>
-          <a:lstStyle/>
-          <a:p>
-            <a:r>
-              <a:rPr lang="en-US" altLang="zh-TW" dirty="0"/>
-              <a:t>Response</a:t>
-            </a:r>
-            <a:endParaRPr lang="zh-TW" altLang="en-US" dirty="0"/>
-          </a:p>
-        </p:txBody>
-      </p:sp>
-      <p:sp>
-        <p:nvSpPr>
-          <p:cNvPr id="13" name="箭號: 向下 12">
-            <a:extLst>
-              <a:ext uri="{FF2B5EF4-FFF2-40B4-BE49-F238E27FC236}">
-                <a16:creationId xmlns:a16="http://schemas.microsoft.com/office/drawing/2014/main" id="{1E1B7B98-0CCB-4C01-9F7F-1D15D42C29DB}"/>
-              </a:ext>
-            </a:extLst>
-          </p:cNvPr>
-          <p:cNvSpPr/>
-          <p:nvPr/>
-        </p:nvSpPr>
-        <p:spPr>
-          <a:xfrm>
-            <a:off x="6990240" y="4635920"/>
-            <a:ext cx="731520" cy="422320"/>
-          </a:xfrm>
-          <a:prstGeom prst="downArrow">
-            <a:avLst/>
-          </a:prstGeom>
-        </p:spPr>
-        <p:style>
-          <a:lnRef idx="1">
-            <a:schemeClr val="accent6"/>
-          </a:lnRef>
-          <a:fillRef idx="2">
-            <a:schemeClr val="accent6"/>
-          </a:fillRef>
-          <a:effectRef idx="1">
-            <a:schemeClr val="accent6"/>
-          </a:effectRef>
-          <a:fontRef idx="minor">
-            <a:schemeClr val="dk1"/>
-          </a:fontRef>
-        </p:style>
-        <p:txBody>
-          <a:bodyPr rtlCol="0" anchor="ctr"/>
-          <a:lstStyle/>
-          <a:p>
-            <a:pPr algn="ctr"/>
-            <a:endParaRPr lang="zh-TW" altLang="en-US" dirty="0"/>
-          </a:p>
-        </p:txBody>
-      </p:sp>
-      <p:sp>
-        <p:nvSpPr>
-          <p:cNvPr id="14" name="箭號: 向下 13">
-            <a:extLst>
-              <a:ext uri="{FF2B5EF4-FFF2-40B4-BE49-F238E27FC236}">
-                <a16:creationId xmlns:a16="http://schemas.microsoft.com/office/drawing/2014/main" id="{066C193D-0CE9-445A-B111-5AE904F0F298}"/>
-              </a:ext>
-            </a:extLst>
-          </p:cNvPr>
-          <p:cNvSpPr/>
-          <p:nvPr/>
-        </p:nvSpPr>
-        <p:spPr>
-          <a:xfrm flipV="1">
-            <a:off x="4470241" y="4638089"/>
-            <a:ext cx="731520" cy="422320"/>
-          </a:xfrm>
-          <a:prstGeom prst="downArrow">
-            <a:avLst/>
-          </a:prstGeom>
-        </p:spPr>
-        <p:style>
-          <a:lnRef idx="1">
-            <a:schemeClr val="accent5"/>
-          </a:lnRef>
-          <a:fillRef idx="2">
-            <a:schemeClr val="accent5"/>
-          </a:fillRef>
-          <a:effectRef idx="1">
-            <a:schemeClr val="accent5"/>
-          </a:effectRef>
-          <a:fontRef idx="minor">
-            <a:schemeClr val="dk1"/>
-          </a:fontRef>
-        </p:style>
-        <p:txBody>
-          <a:bodyPr rtlCol="0" anchor="ctr"/>
-          <a:lstStyle/>
-          <a:p>
-            <a:pPr algn="ctr"/>
+            <a:r>
+              <a:rPr lang="en-US" altLang="zh-TW" dirty="0"/>
+              <a:t>NVM Commands (I/O commands)</a:t>
+            </a:r>
+          </a:p>
+          <a:p>
+            <a:pPr lvl="1"/>
+            <a:r>
+              <a:rPr lang="en-US" altLang="zh-TW" dirty="0"/>
+              <a:t>Submit to I/O queue</a:t>
+            </a:r>
+          </a:p>
+          <a:p>
+            <a:pPr lvl="1"/>
+            <a:r>
+              <a:rPr lang="en-US" altLang="zh-TW" dirty="0"/>
+              <a:t>Read data</a:t>
+            </a:r>
+          </a:p>
+          <a:p>
+            <a:pPr lvl="1"/>
+            <a:r>
+              <a:rPr lang="en-US" altLang="zh-TW" dirty="0"/>
+              <a:t>Write data</a:t>
+            </a:r>
+          </a:p>
+          <a:p>
+            <a:pPr lvl="1"/>
+            <a:r>
+              <a:rPr lang="en-US" altLang="zh-TW" dirty="0"/>
+              <a:t>Copy and verify</a:t>
+            </a:r>
+          </a:p>
+          <a:p>
+            <a:pPr lvl="1"/>
+            <a:r>
+              <a:rPr lang="en-US" altLang="zh-TW" dirty="0"/>
+              <a:t>Flush</a:t>
+            </a:r>
+          </a:p>
+          <a:p>
+            <a:pPr lvl="1"/>
+            <a:r>
+              <a:rPr lang="en-US" altLang="zh-TW" dirty="0"/>
+              <a:t>Write Zero</a:t>
+            </a:r>
+          </a:p>
+          <a:p>
+            <a:pPr lvl="1"/>
+            <a:r>
+              <a:rPr lang="en-US" altLang="zh-TW" dirty="0"/>
+              <a:t>......etc.</a:t>
+            </a:r>
             <a:endParaRPr lang="zh-TW" altLang="en-US" dirty="0"/>
           </a:p>
         </p:txBody>
@@ -4866,7 +5268,7 @@
     </p:spTree>
     <p:extLst>
       <p:ext uri="{BB962C8B-B14F-4D97-AF65-F5344CB8AC3E}">
-        <p14:creationId xmlns:p14="http://schemas.microsoft.com/office/powerpoint/2010/main" val="3301797147"/>
+        <p14:creationId xmlns:p14="http://schemas.microsoft.com/office/powerpoint/2010/main" val="2580500672"/>
       </p:ext>
     </p:extLst>
   </p:cSld>
@@ -4898,7 +5300,7 @@
           <p:cNvPr id="2" name="標題 1">
             <a:extLst>
               <a:ext uri="{FF2B5EF4-FFF2-40B4-BE49-F238E27FC236}">
-                <a16:creationId xmlns:a16="http://schemas.microsoft.com/office/drawing/2014/main" id="{4D13DE31-7707-4B7B-9B84-481CA9627F15}"/>
+                <a16:creationId xmlns:a16="http://schemas.microsoft.com/office/drawing/2014/main" id="{5DD07498-5F52-49AE-8F70-D644A562FAEE}"/>
               </a:ext>
             </a:extLst>
           </p:cNvPr>
@@ -4914,15 +5316,7 @@
           <a:bodyPr/>
           <a:lstStyle/>
           <a:p>
-            <a:r>
-              <a:rPr lang="en-US" altLang="zh-TW" dirty="0" err="1"/>
-              <a:t>NVMe</a:t>
-            </a:r>
-            <a:r>
-              <a:rPr lang="en-US" altLang="zh-TW" dirty="0"/>
-              <a:t> Queue Concept</a:t>
-            </a:r>
-            <a:endParaRPr lang="zh-TW" altLang="en-US" dirty="0"/>
+            <a:endParaRPr lang="zh-TW" altLang="en-US"/>
           </a:p>
         </p:txBody>
       </p:sp>
@@ -4931,7 +5325,7 @@
           <p:cNvPr id="3" name="內容版面配置區 2">
             <a:extLst>
               <a:ext uri="{FF2B5EF4-FFF2-40B4-BE49-F238E27FC236}">
-                <a16:creationId xmlns:a16="http://schemas.microsoft.com/office/drawing/2014/main" id="{F2FACA4D-14DE-4121-AA24-8B9A15FC399C}"/>
+                <a16:creationId xmlns:a16="http://schemas.microsoft.com/office/drawing/2014/main" id="{38A78F0E-8A29-474B-B872-6D9F55857160}"/>
               </a:ext>
             </a:extLst>
           </p:cNvPr>
@@ -4944,117 +5338,17 @@
         </p:nvSpPr>
         <p:spPr/>
         <p:txBody>
-          <a:bodyPr>
-            <a:normAutofit lnSpcReduction="10000"/>
-          </a:bodyPr>
-          <a:lstStyle/>
-          <a:p>
-            <a:r>
-              <a:rPr lang="en-US" altLang="zh-TW" dirty="0"/>
-              <a:t>All queues are kind of ring buffer structure with doorbell notification .</a:t>
-            </a:r>
-          </a:p>
-          <a:p>
-            <a:r>
-              <a:rPr lang="en-US" altLang="zh-TW" dirty="0" err="1"/>
-              <a:t>Submittion</a:t>
-            </a:r>
-            <a:r>
-              <a:rPr lang="en-US" altLang="zh-TW" dirty="0"/>
-              <a:t> Queue</a:t>
-            </a:r>
-          </a:p>
-          <a:p>
-            <a:pPr lvl="1"/>
-            <a:r>
-              <a:rPr lang="en-US" altLang="zh-TW" dirty="0"/>
-              <a:t>Submit NVME_COMMAND to NVME device</a:t>
-            </a:r>
-          </a:p>
-          <a:p>
-            <a:pPr lvl="1"/>
-            <a:r>
-              <a:rPr lang="en-US" altLang="zh-TW" dirty="0"/>
-              <a:t>After submit, update doorbell to notification device</a:t>
-            </a:r>
-          </a:p>
-          <a:p>
-            <a:pPr lvl="1"/>
-            <a:endParaRPr lang="en-US" altLang="zh-TW" dirty="0"/>
-          </a:p>
-          <a:p>
-            <a:r>
-              <a:rPr lang="en-US" altLang="zh-TW" dirty="0"/>
-              <a:t>Completion Queue</a:t>
-            </a:r>
-          </a:p>
-          <a:p>
-            <a:pPr lvl="1"/>
-            <a:r>
-              <a:rPr lang="en-US" altLang="zh-TW" dirty="0"/>
-              <a:t>Retrieve command result from NVME device</a:t>
-            </a:r>
-          </a:p>
-          <a:p>
-            <a:pPr lvl="1"/>
-            <a:r>
-              <a:rPr lang="en-US" altLang="zh-TW" dirty="0"/>
-              <a:t>Device trigger interrupt</a:t>
-            </a:r>
-            <a:r>
-              <a:rPr lang="zh-TW" altLang="en-US" dirty="0"/>
-              <a:t> </a:t>
-            </a:r>
-            <a:r>
-              <a:rPr lang="en-US" altLang="zh-TW" dirty="0"/>
-              <a:t>back to driver for notification</a:t>
-            </a:r>
-          </a:p>
-          <a:p>
-            <a:pPr lvl="1"/>
-            <a:endParaRPr lang="en-US" altLang="zh-TW" dirty="0"/>
-          </a:p>
-          <a:p>
-            <a:r>
-              <a:rPr lang="en-US" altLang="zh-TW" dirty="0"/>
-              <a:t>1 </a:t>
-            </a:r>
-            <a:r>
-              <a:rPr lang="en-US" altLang="zh-TW" dirty="0" err="1"/>
-              <a:t>SubQ</a:t>
-            </a:r>
-            <a:r>
-              <a:rPr lang="en-US" altLang="zh-TW" dirty="0"/>
-              <a:t> + 1 </a:t>
-            </a:r>
-            <a:r>
-              <a:rPr lang="en-US" altLang="zh-TW" dirty="0" err="1"/>
-              <a:t>CplQ</a:t>
-            </a:r>
-            <a:r>
-              <a:rPr lang="en-US" altLang="zh-TW" dirty="0"/>
-              <a:t> </a:t>
-            </a:r>
-            <a:r>
-              <a:rPr lang="en-US" altLang="zh-TW" dirty="0">
-                <a:sym typeface="Wingdings" panose="05000000000000000000" pitchFamily="2" charset="2"/>
-              </a:rPr>
-              <a:t> a </a:t>
-            </a:r>
-            <a:r>
-              <a:rPr lang="en-US" altLang="zh-TW" dirty="0" err="1">
-                <a:sym typeface="Wingdings" panose="05000000000000000000" pitchFamily="2" charset="2"/>
-              </a:rPr>
-              <a:t>QueuePair</a:t>
-            </a:r>
-            <a:endParaRPr lang="zh-TW" altLang="en-US" dirty="0"/>
+          <a:bodyPr/>
+          <a:lstStyle/>
+          <a:p>
+            <a:endParaRPr lang="zh-TW" altLang="en-US"/>
           </a:p>
         </p:txBody>
       </p:sp>
     </p:spTree>
     <p:extLst>
       <p:ext uri="{BB962C8B-B14F-4D97-AF65-F5344CB8AC3E}">
-        <p14:creationId xmlns:p14="http://schemas.microsoft.com/office/powerpoint/2010/main" val="3690968021"/>
+        <p14:creationId xmlns:p14="http://schemas.microsoft.com/office/powerpoint/2010/main" val="3066730032"/>
       </p:ext>
     </p:extLst>
   </p:cSld>
@@ -5086,6 +5380,1317 @@
           <p:cNvPr id="2" name="標題 1">
             <a:extLst>
               <a:ext uri="{FF2B5EF4-FFF2-40B4-BE49-F238E27FC236}">
+                <a16:creationId xmlns:a16="http://schemas.microsoft.com/office/drawing/2014/main" id="{5DD07498-5F52-49AE-8F70-D644A562FAEE}"/>
+              </a:ext>
+            </a:extLst>
+          </p:cNvPr>
+          <p:cNvSpPr>
+            <a:spLocks noGrp="1"/>
+          </p:cNvSpPr>
+          <p:nvPr>
+            <p:ph type="title"/>
+          </p:nvPr>
+        </p:nvSpPr>
+        <p:spPr/>
+        <p:txBody>
+          <a:bodyPr/>
+          <a:lstStyle/>
+          <a:p>
+            <a:endParaRPr lang="zh-TW" altLang="en-US"/>
+          </a:p>
+        </p:txBody>
+      </p:sp>
+      <p:sp>
+        <p:nvSpPr>
+          <p:cNvPr id="3" name="內容版面配置區 2">
+            <a:extLst>
+              <a:ext uri="{FF2B5EF4-FFF2-40B4-BE49-F238E27FC236}">
+                <a16:creationId xmlns:a16="http://schemas.microsoft.com/office/drawing/2014/main" id="{38A78F0E-8A29-474B-B872-6D9F55857160}"/>
+              </a:ext>
+            </a:extLst>
+          </p:cNvPr>
+          <p:cNvSpPr>
+            <a:spLocks noGrp="1"/>
+          </p:cNvSpPr>
+          <p:nvPr>
+            <p:ph idx="1"/>
+          </p:nvPr>
+        </p:nvSpPr>
+        <p:spPr/>
+        <p:txBody>
+          <a:bodyPr/>
+          <a:lstStyle/>
+          <a:p>
+            <a:endParaRPr lang="zh-TW" altLang="en-US"/>
+          </a:p>
+        </p:txBody>
+      </p:sp>
+    </p:spTree>
+    <p:extLst>
+      <p:ext uri="{BB962C8B-B14F-4D97-AF65-F5344CB8AC3E}">
+        <p14:creationId xmlns:p14="http://schemas.microsoft.com/office/powerpoint/2010/main" val="631674032"/>
+      </p:ext>
+    </p:extLst>
+  </p:cSld>
+  <p:clrMapOvr>
+    <a:masterClrMapping/>
+  </p:clrMapOvr>
+</p:sld>
+</file>
+
+<file path=ppt/slides/slide19.xml><?xml version="1.0" encoding="utf-8"?>
+<p:sld xmlns:a="http://schemas.openxmlformats.org/drawingml/2006/main" xmlns:r="http://schemas.openxmlformats.org/officeDocument/2006/relationships" xmlns:p="http://schemas.openxmlformats.org/presentationml/2006/main">
+  <p:cSld>
+    <p:spTree>
+      <p:nvGrpSpPr>
+        <p:cNvPr id="1" name=""/>
+        <p:cNvGrpSpPr/>
+        <p:nvPr/>
+      </p:nvGrpSpPr>
+      <p:grpSpPr>
+        <a:xfrm>
+          <a:off x="0" y="0"/>
+          <a:ext cx="0" cy="0"/>
+          <a:chOff x="0" y="0"/>
+          <a:chExt cx="0" cy="0"/>
+        </a:xfrm>
+      </p:grpSpPr>
+      <p:sp>
+        <p:nvSpPr>
+          <p:cNvPr id="2" name="標題 1">
+            <a:extLst>
+              <a:ext uri="{FF2B5EF4-FFF2-40B4-BE49-F238E27FC236}">
+                <a16:creationId xmlns:a16="http://schemas.microsoft.com/office/drawing/2014/main" id="{5DD07498-5F52-49AE-8F70-D644A562FAEE}"/>
+              </a:ext>
+            </a:extLst>
+          </p:cNvPr>
+          <p:cNvSpPr>
+            <a:spLocks noGrp="1"/>
+          </p:cNvSpPr>
+          <p:nvPr>
+            <p:ph type="title"/>
+          </p:nvPr>
+        </p:nvSpPr>
+        <p:spPr/>
+        <p:txBody>
+          <a:bodyPr/>
+          <a:lstStyle/>
+          <a:p>
+            <a:endParaRPr lang="zh-TW" altLang="en-US"/>
+          </a:p>
+        </p:txBody>
+      </p:sp>
+      <p:sp>
+        <p:nvSpPr>
+          <p:cNvPr id="3" name="內容版面配置區 2">
+            <a:extLst>
+              <a:ext uri="{FF2B5EF4-FFF2-40B4-BE49-F238E27FC236}">
+                <a16:creationId xmlns:a16="http://schemas.microsoft.com/office/drawing/2014/main" id="{38A78F0E-8A29-474B-B872-6D9F55857160}"/>
+              </a:ext>
+            </a:extLst>
+          </p:cNvPr>
+          <p:cNvSpPr>
+            <a:spLocks noGrp="1"/>
+          </p:cNvSpPr>
+          <p:nvPr>
+            <p:ph idx="1"/>
+          </p:nvPr>
+        </p:nvSpPr>
+        <p:spPr/>
+        <p:txBody>
+          <a:bodyPr/>
+          <a:lstStyle/>
+          <a:p>
+            <a:endParaRPr lang="zh-TW" altLang="en-US"/>
+          </a:p>
+        </p:txBody>
+      </p:sp>
+    </p:spTree>
+    <p:extLst>
+      <p:ext uri="{BB962C8B-B14F-4D97-AF65-F5344CB8AC3E}">
+        <p14:creationId xmlns:p14="http://schemas.microsoft.com/office/powerpoint/2010/main" val="2298968539"/>
+      </p:ext>
+    </p:extLst>
+  </p:cSld>
+  <p:clrMapOvr>
+    <a:masterClrMapping/>
+  </p:clrMapOvr>
+</p:sld>
+</file>
+
+<file path=ppt/slides/slide2.xml><?xml version="1.0" encoding="utf-8"?>
+<p:sld xmlns:a="http://schemas.openxmlformats.org/drawingml/2006/main" xmlns:r="http://schemas.openxmlformats.org/officeDocument/2006/relationships" xmlns:p="http://schemas.openxmlformats.org/presentationml/2006/main">
+  <p:cSld>
+    <p:spTree>
+      <p:nvGrpSpPr>
+        <p:cNvPr id="1" name=""/>
+        <p:cNvGrpSpPr/>
+        <p:nvPr/>
+      </p:nvGrpSpPr>
+      <p:grpSpPr>
+        <a:xfrm>
+          <a:off x="0" y="0"/>
+          <a:ext cx="0" cy="0"/>
+          <a:chOff x="0" y="0"/>
+          <a:chExt cx="0" cy="0"/>
+        </a:xfrm>
+      </p:grpSpPr>
+      <p:sp>
+        <p:nvSpPr>
+          <p:cNvPr id="2" name="標題 1">
+            <a:extLst>
+              <a:ext uri="{FF2B5EF4-FFF2-40B4-BE49-F238E27FC236}">
+                <a16:creationId xmlns:a16="http://schemas.microsoft.com/office/drawing/2014/main" id="{AFF77278-4B2F-3AA5-B6E4-3421CA7B241D}"/>
+              </a:ext>
+            </a:extLst>
+          </p:cNvPr>
+          <p:cNvSpPr>
+            <a:spLocks noGrp="1"/>
+          </p:cNvSpPr>
+          <p:nvPr>
+            <p:ph type="title"/>
+          </p:nvPr>
+        </p:nvSpPr>
+        <p:spPr/>
+        <p:txBody>
+          <a:bodyPr/>
+          <a:lstStyle/>
+          <a:p>
+            <a:r>
+              <a:rPr lang="en-US" altLang="zh-TW" dirty="0"/>
+              <a:t>TOC</a:t>
+            </a:r>
+            <a:endParaRPr lang="zh-TW" altLang="en-US" dirty="0"/>
+          </a:p>
+        </p:txBody>
+      </p:sp>
+      <p:sp>
+        <p:nvSpPr>
+          <p:cNvPr id="3" name="內容版面配置區 2">
+            <a:extLst>
+              <a:ext uri="{FF2B5EF4-FFF2-40B4-BE49-F238E27FC236}">
+                <a16:creationId xmlns:a16="http://schemas.microsoft.com/office/drawing/2014/main" id="{99512BD9-06B8-B510-DF25-3A7ECD660AEC}"/>
+              </a:ext>
+            </a:extLst>
+          </p:cNvPr>
+          <p:cNvSpPr>
+            <a:spLocks noGrp="1"/>
+          </p:cNvSpPr>
+          <p:nvPr>
+            <p:ph idx="1"/>
+          </p:nvPr>
+        </p:nvSpPr>
+        <p:spPr/>
+        <p:txBody>
+          <a:bodyPr/>
+          <a:lstStyle/>
+          <a:p>
+            <a:r>
+              <a:rPr lang="en-US" altLang="zh-TW" dirty="0" err="1"/>
+              <a:t>NVMe</a:t>
+            </a:r>
+            <a:r>
+              <a:rPr lang="en-US" altLang="zh-TW" dirty="0"/>
+              <a:t> Overview</a:t>
+            </a:r>
+          </a:p>
+          <a:p>
+            <a:r>
+              <a:rPr lang="en-US" altLang="zh-TW" dirty="0"/>
+              <a:t>Important Behavior and Sequence</a:t>
+            </a:r>
+          </a:p>
+          <a:p>
+            <a:r>
+              <a:rPr lang="en-US" altLang="zh-TW" dirty="0"/>
+              <a:t>Admin and I/O Queue</a:t>
+            </a:r>
+          </a:p>
+          <a:p>
+            <a:r>
+              <a:rPr lang="en-US" altLang="zh-TW" dirty="0"/>
+              <a:t>Command and Completion</a:t>
+            </a:r>
+          </a:p>
+          <a:p>
+            <a:r>
+              <a:rPr lang="en-US" altLang="zh-TW" dirty="0"/>
+              <a:t>SCSI Translation</a:t>
+            </a:r>
+          </a:p>
+          <a:p>
+            <a:r>
+              <a:rPr lang="en-US" altLang="zh-TW" dirty="0"/>
+              <a:t>Reference</a:t>
+            </a:r>
+            <a:endParaRPr lang="zh-TW" altLang="en-US" dirty="0"/>
+          </a:p>
+          <a:p>
+            <a:endParaRPr lang="zh-TW" altLang="en-US" dirty="0"/>
+          </a:p>
+        </p:txBody>
+      </p:sp>
+    </p:spTree>
+    <p:extLst>
+      <p:ext uri="{BB962C8B-B14F-4D97-AF65-F5344CB8AC3E}">
+        <p14:creationId xmlns:p14="http://schemas.microsoft.com/office/powerpoint/2010/main" val="1587906646"/>
+      </p:ext>
+    </p:extLst>
+  </p:cSld>
+  <p:clrMapOvr>
+    <a:masterClrMapping/>
+  </p:clrMapOvr>
+</p:sld>
+</file>
+
+<file path=ppt/slides/slide20.xml><?xml version="1.0" encoding="utf-8"?>
+<p:sld xmlns:a="http://schemas.openxmlformats.org/drawingml/2006/main" xmlns:r="http://schemas.openxmlformats.org/officeDocument/2006/relationships" xmlns:p="http://schemas.openxmlformats.org/presentationml/2006/main">
+  <p:cSld>
+    <p:spTree>
+      <p:nvGrpSpPr>
+        <p:cNvPr id="1" name=""/>
+        <p:cNvGrpSpPr/>
+        <p:nvPr/>
+      </p:nvGrpSpPr>
+      <p:grpSpPr>
+        <a:xfrm>
+          <a:off x="0" y="0"/>
+          <a:ext cx="0" cy="0"/>
+          <a:chOff x="0" y="0"/>
+          <a:chExt cx="0" cy="0"/>
+        </a:xfrm>
+      </p:grpSpPr>
+      <p:sp>
+        <p:nvSpPr>
+          <p:cNvPr id="4" name="標題 3">
+            <a:extLst>
+              <a:ext uri="{FF2B5EF4-FFF2-40B4-BE49-F238E27FC236}">
+                <a16:creationId xmlns:a16="http://schemas.microsoft.com/office/drawing/2014/main" id="{B17EB488-837F-4E7C-B89F-E7F442EC7A6A}"/>
+              </a:ext>
+            </a:extLst>
+          </p:cNvPr>
+          <p:cNvSpPr>
+            <a:spLocks noGrp="1"/>
+          </p:cNvSpPr>
+          <p:nvPr>
+            <p:ph type="title"/>
+          </p:nvPr>
+        </p:nvSpPr>
+        <p:spPr/>
+        <p:txBody>
+          <a:bodyPr/>
+          <a:lstStyle/>
+          <a:p>
+            <a:r>
+              <a:rPr lang="en-US" altLang="zh-TW" dirty="0"/>
+              <a:t>Important Behavior and Sequence</a:t>
+            </a:r>
+            <a:endParaRPr lang="zh-TW" altLang="en-US" dirty="0"/>
+          </a:p>
+        </p:txBody>
+      </p:sp>
+      <p:sp>
+        <p:nvSpPr>
+          <p:cNvPr id="5" name="文字版面配置區 4">
+            <a:extLst>
+              <a:ext uri="{FF2B5EF4-FFF2-40B4-BE49-F238E27FC236}">
+                <a16:creationId xmlns:a16="http://schemas.microsoft.com/office/drawing/2014/main" id="{0234E306-6658-4246-B671-84FED8974166}"/>
+              </a:ext>
+            </a:extLst>
+          </p:cNvPr>
+          <p:cNvSpPr>
+            <a:spLocks noGrp="1"/>
+          </p:cNvSpPr>
+          <p:nvPr>
+            <p:ph type="body" idx="1"/>
+          </p:nvPr>
+        </p:nvSpPr>
+        <p:spPr/>
+        <p:txBody>
+          <a:bodyPr/>
+          <a:lstStyle/>
+          <a:p>
+            <a:endParaRPr lang="zh-TW" altLang="en-US"/>
+          </a:p>
+        </p:txBody>
+      </p:sp>
+    </p:spTree>
+    <p:extLst>
+      <p:ext uri="{BB962C8B-B14F-4D97-AF65-F5344CB8AC3E}">
+        <p14:creationId xmlns:p14="http://schemas.microsoft.com/office/powerpoint/2010/main" val="2170769223"/>
+      </p:ext>
+    </p:extLst>
+  </p:cSld>
+  <p:clrMapOvr>
+    <a:masterClrMapping/>
+  </p:clrMapOvr>
+</p:sld>
+</file>
+
+<file path=ppt/slides/slide21.xml><?xml version="1.0" encoding="utf-8"?>
+<p:sld xmlns:a="http://schemas.openxmlformats.org/drawingml/2006/main" xmlns:r="http://schemas.openxmlformats.org/officeDocument/2006/relationships" xmlns:p="http://schemas.openxmlformats.org/presentationml/2006/main">
+  <p:cSld>
+    <p:spTree>
+      <p:nvGrpSpPr>
+        <p:cNvPr id="1" name=""/>
+        <p:cNvGrpSpPr/>
+        <p:nvPr/>
+      </p:nvGrpSpPr>
+      <p:grpSpPr>
+        <a:xfrm>
+          <a:off x="0" y="0"/>
+          <a:ext cx="0" cy="0"/>
+          <a:chOff x="0" y="0"/>
+          <a:chExt cx="0" cy="0"/>
+        </a:xfrm>
+      </p:grpSpPr>
+      <p:sp>
+        <p:nvSpPr>
+          <p:cNvPr id="2" name="標題 1">
+            <a:extLst>
+              <a:ext uri="{FF2B5EF4-FFF2-40B4-BE49-F238E27FC236}">
+                <a16:creationId xmlns:a16="http://schemas.microsoft.com/office/drawing/2014/main" id="{5DD07498-5F52-49AE-8F70-D644A562FAEE}"/>
+              </a:ext>
+            </a:extLst>
+          </p:cNvPr>
+          <p:cNvSpPr>
+            <a:spLocks noGrp="1"/>
+          </p:cNvSpPr>
+          <p:nvPr>
+            <p:ph type="title"/>
+          </p:nvPr>
+        </p:nvSpPr>
+        <p:spPr/>
+        <p:txBody>
+          <a:bodyPr/>
+          <a:lstStyle/>
+          <a:p>
+            <a:endParaRPr lang="zh-TW" altLang="en-US"/>
+          </a:p>
+        </p:txBody>
+      </p:sp>
+      <p:sp>
+        <p:nvSpPr>
+          <p:cNvPr id="3" name="內容版面配置區 2">
+            <a:extLst>
+              <a:ext uri="{FF2B5EF4-FFF2-40B4-BE49-F238E27FC236}">
+                <a16:creationId xmlns:a16="http://schemas.microsoft.com/office/drawing/2014/main" id="{38A78F0E-8A29-474B-B872-6D9F55857160}"/>
+              </a:ext>
+            </a:extLst>
+          </p:cNvPr>
+          <p:cNvSpPr>
+            <a:spLocks noGrp="1"/>
+          </p:cNvSpPr>
+          <p:nvPr>
+            <p:ph idx="1"/>
+          </p:nvPr>
+        </p:nvSpPr>
+        <p:spPr/>
+        <p:txBody>
+          <a:bodyPr/>
+          <a:lstStyle/>
+          <a:p>
+            <a:r>
+              <a:rPr lang="en-US" altLang="zh-TW" dirty="0"/>
+              <a:t>Init Controller</a:t>
+            </a:r>
+          </a:p>
+          <a:p>
+            <a:r>
+              <a:rPr lang="en-US" altLang="zh-TW" dirty="0"/>
+              <a:t>shutdown controller (SHN == 1)</a:t>
+            </a:r>
+          </a:p>
+          <a:p>
+            <a:r>
+              <a:rPr lang="en-US" altLang="zh-TW" dirty="0"/>
+              <a:t>reset controller</a:t>
+            </a:r>
+          </a:p>
+          <a:p>
+            <a:r>
+              <a:rPr lang="en-US" altLang="zh-TW" dirty="0"/>
+              <a:t>Queue Register/Unregister sequence</a:t>
+            </a:r>
+            <a:endParaRPr lang="zh-TW" altLang="en-US" dirty="0"/>
+          </a:p>
+        </p:txBody>
+      </p:sp>
+    </p:spTree>
+    <p:extLst>
+      <p:ext uri="{BB962C8B-B14F-4D97-AF65-F5344CB8AC3E}">
+        <p14:creationId xmlns:p14="http://schemas.microsoft.com/office/powerpoint/2010/main" val="777140348"/>
+      </p:ext>
+    </p:extLst>
+  </p:cSld>
+  <p:clrMapOvr>
+    <a:masterClrMapping/>
+  </p:clrMapOvr>
+</p:sld>
+</file>
+
+<file path=ppt/slides/slide22.xml><?xml version="1.0" encoding="utf-8"?>
+<p:sld xmlns:a="http://schemas.openxmlformats.org/drawingml/2006/main" xmlns:r="http://schemas.openxmlformats.org/officeDocument/2006/relationships" xmlns:p="http://schemas.openxmlformats.org/presentationml/2006/main">
+  <p:cSld>
+    <p:spTree>
+      <p:nvGrpSpPr>
+        <p:cNvPr id="1" name=""/>
+        <p:cNvGrpSpPr/>
+        <p:nvPr/>
+      </p:nvGrpSpPr>
+      <p:grpSpPr>
+        <a:xfrm>
+          <a:off x="0" y="0"/>
+          <a:ext cx="0" cy="0"/>
+          <a:chOff x="0" y="0"/>
+          <a:chExt cx="0" cy="0"/>
+        </a:xfrm>
+      </p:grpSpPr>
+      <p:sp>
+        <p:nvSpPr>
+          <p:cNvPr id="4" name="標題 3">
+            <a:extLst>
+              <a:ext uri="{FF2B5EF4-FFF2-40B4-BE49-F238E27FC236}">
+                <a16:creationId xmlns:a16="http://schemas.microsoft.com/office/drawing/2014/main" id="{9108BE99-58FD-4D5D-9AA4-65A64F5EC935}"/>
+              </a:ext>
+            </a:extLst>
+          </p:cNvPr>
+          <p:cNvSpPr>
+            <a:spLocks noGrp="1"/>
+          </p:cNvSpPr>
+          <p:nvPr>
+            <p:ph type="title"/>
+          </p:nvPr>
+        </p:nvSpPr>
+        <p:spPr/>
+        <p:txBody>
+          <a:bodyPr/>
+          <a:lstStyle/>
+          <a:p>
+            <a:r>
+              <a:rPr lang="en-US" altLang="zh-TW" dirty="0"/>
+              <a:t>Admin and I/O Queues</a:t>
+            </a:r>
+            <a:endParaRPr lang="zh-TW" altLang="en-US" dirty="0"/>
+          </a:p>
+        </p:txBody>
+      </p:sp>
+      <p:sp>
+        <p:nvSpPr>
+          <p:cNvPr id="5" name="文字版面配置區 4">
+            <a:extLst>
+              <a:ext uri="{FF2B5EF4-FFF2-40B4-BE49-F238E27FC236}">
+                <a16:creationId xmlns:a16="http://schemas.microsoft.com/office/drawing/2014/main" id="{97D13A04-9C11-47DC-B7E1-8E69EA7F1754}"/>
+              </a:ext>
+            </a:extLst>
+          </p:cNvPr>
+          <p:cNvSpPr>
+            <a:spLocks noGrp="1"/>
+          </p:cNvSpPr>
+          <p:nvPr>
+            <p:ph type="body" idx="1"/>
+          </p:nvPr>
+        </p:nvSpPr>
+        <p:spPr/>
+        <p:txBody>
+          <a:bodyPr/>
+          <a:lstStyle/>
+          <a:p>
+            <a:endParaRPr lang="zh-TW" altLang="en-US"/>
+          </a:p>
+        </p:txBody>
+      </p:sp>
+    </p:spTree>
+    <p:extLst>
+      <p:ext uri="{BB962C8B-B14F-4D97-AF65-F5344CB8AC3E}">
+        <p14:creationId xmlns:p14="http://schemas.microsoft.com/office/powerpoint/2010/main" val="1835430700"/>
+      </p:ext>
+    </p:extLst>
+  </p:cSld>
+  <p:clrMapOvr>
+    <a:masterClrMapping/>
+  </p:clrMapOvr>
+</p:sld>
+</file>
+
+<file path=ppt/slides/slide23.xml><?xml version="1.0" encoding="utf-8"?>
+<p:sld xmlns:a="http://schemas.openxmlformats.org/drawingml/2006/main" xmlns:r="http://schemas.openxmlformats.org/officeDocument/2006/relationships" xmlns:p="http://schemas.openxmlformats.org/presentationml/2006/main">
+  <p:cSld>
+    <p:spTree>
+      <p:nvGrpSpPr>
+        <p:cNvPr id="1" name=""/>
+        <p:cNvGrpSpPr/>
+        <p:nvPr/>
+      </p:nvGrpSpPr>
+      <p:grpSpPr>
+        <a:xfrm>
+          <a:off x="0" y="0"/>
+          <a:ext cx="0" cy="0"/>
+          <a:chOff x="0" y="0"/>
+          <a:chExt cx="0" cy="0"/>
+        </a:xfrm>
+      </p:grpSpPr>
+      <p:sp>
+        <p:nvSpPr>
+          <p:cNvPr id="2" name="標題 1">
+            <a:extLst>
+              <a:ext uri="{FF2B5EF4-FFF2-40B4-BE49-F238E27FC236}">
+                <a16:creationId xmlns:a16="http://schemas.microsoft.com/office/drawing/2014/main" id="{5DD07498-5F52-49AE-8F70-D644A562FAEE}"/>
+              </a:ext>
+            </a:extLst>
+          </p:cNvPr>
+          <p:cNvSpPr>
+            <a:spLocks noGrp="1"/>
+          </p:cNvSpPr>
+          <p:nvPr>
+            <p:ph type="title"/>
+          </p:nvPr>
+        </p:nvSpPr>
+        <p:spPr/>
+        <p:txBody>
+          <a:bodyPr/>
+          <a:lstStyle/>
+          <a:p>
+            <a:endParaRPr lang="zh-TW" altLang="en-US"/>
+          </a:p>
+        </p:txBody>
+      </p:sp>
+      <p:sp>
+        <p:nvSpPr>
+          <p:cNvPr id="3" name="內容版面配置區 2">
+            <a:extLst>
+              <a:ext uri="{FF2B5EF4-FFF2-40B4-BE49-F238E27FC236}">
+                <a16:creationId xmlns:a16="http://schemas.microsoft.com/office/drawing/2014/main" id="{38A78F0E-8A29-474B-B872-6D9F55857160}"/>
+              </a:ext>
+            </a:extLst>
+          </p:cNvPr>
+          <p:cNvSpPr>
+            <a:spLocks noGrp="1"/>
+          </p:cNvSpPr>
+          <p:nvPr>
+            <p:ph idx="1"/>
+          </p:nvPr>
+        </p:nvSpPr>
+        <p:spPr/>
+        <p:txBody>
+          <a:bodyPr/>
+          <a:lstStyle/>
+          <a:p>
+            <a:endParaRPr lang="zh-TW" altLang="en-US"/>
+          </a:p>
+        </p:txBody>
+      </p:sp>
+    </p:spTree>
+    <p:extLst>
+      <p:ext uri="{BB962C8B-B14F-4D97-AF65-F5344CB8AC3E}">
+        <p14:creationId xmlns:p14="http://schemas.microsoft.com/office/powerpoint/2010/main" val="2532945758"/>
+      </p:ext>
+    </p:extLst>
+  </p:cSld>
+  <p:clrMapOvr>
+    <a:masterClrMapping/>
+  </p:clrMapOvr>
+</p:sld>
+</file>
+
+<file path=ppt/slides/slide24.xml><?xml version="1.0" encoding="utf-8"?>
+<p:sld xmlns:a="http://schemas.openxmlformats.org/drawingml/2006/main" xmlns:r="http://schemas.openxmlformats.org/officeDocument/2006/relationships" xmlns:p="http://schemas.openxmlformats.org/presentationml/2006/main">
+  <p:cSld>
+    <p:spTree>
+      <p:nvGrpSpPr>
+        <p:cNvPr id="1" name=""/>
+        <p:cNvGrpSpPr/>
+        <p:nvPr/>
+      </p:nvGrpSpPr>
+      <p:grpSpPr>
+        <a:xfrm>
+          <a:off x="0" y="0"/>
+          <a:ext cx="0" cy="0"/>
+          <a:chOff x="0" y="0"/>
+          <a:chExt cx="0" cy="0"/>
+        </a:xfrm>
+      </p:grpSpPr>
+      <p:sp>
+        <p:nvSpPr>
+          <p:cNvPr id="4" name="標題 3">
+            <a:extLst>
+              <a:ext uri="{FF2B5EF4-FFF2-40B4-BE49-F238E27FC236}">
+                <a16:creationId xmlns:a16="http://schemas.microsoft.com/office/drawing/2014/main" id="{B85BB7CA-6397-4B9A-9539-366D00893484}"/>
+              </a:ext>
+            </a:extLst>
+          </p:cNvPr>
+          <p:cNvSpPr>
+            <a:spLocks noGrp="1"/>
+          </p:cNvSpPr>
+          <p:nvPr>
+            <p:ph type="title"/>
+          </p:nvPr>
+        </p:nvSpPr>
+        <p:spPr/>
+        <p:txBody>
+          <a:bodyPr/>
+          <a:lstStyle/>
+          <a:p>
+            <a:r>
+              <a:rPr lang="en-US" altLang="zh-TW" dirty="0" err="1"/>
+              <a:t>NVMe</a:t>
+            </a:r>
+            <a:r>
+              <a:rPr lang="en-US" altLang="zh-TW" dirty="0"/>
+              <a:t> Queue</a:t>
+            </a:r>
+            <a:endParaRPr lang="zh-TW" altLang="en-US" dirty="0"/>
+          </a:p>
+        </p:txBody>
+      </p:sp>
+      <p:sp>
+        <p:nvSpPr>
+          <p:cNvPr id="5" name="內容版面配置區 4">
+            <a:extLst>
+              <a:ext uri="{FF2B5EF4-FFF2-40B4-BE49-F238E27FC236}">
+                <a16:creationId xmlns:a16="http://schemas.microsoft.com/office/drawing/2014/main" id="{31DD020F-E3D8-4D11-9F02-A2BF43BAEE98}"/>
+              </a:ext>
+            </a:extLst>
+          </p:cNvPr>
+          <p:cNvSpPr>
+            <a:spLocks noGrp="1"/>
+          </p:cNvSpPr>
+          <p:nvPr>
+            <p:ph idx="1"/>
+          </p:nvPr>
+        </p:nvSpPr>
+        <p:spPr/>
+        <p:txBody>
+          <a:bodyPr/>
+          <a:lstStyle/>
+          <a:p>
+            <a:endParaRPr lang="zh-TW" altLang="en-US" dirty="0"/>
+          </a:p>
+        </p:txBody>
+      </p:sp>
+      <p:sp>
+        <p:nvSpPr>
+          <p:cNvPr id="6" name="矩形 5">
+            <a:extLst>
+              <a:ext uri="{FF2B5EF4-FFF2-40B4-BE49-F238E27FC236}">
+                <a16:creationId xmlns:a16="http://schemas.microsoft.com/office/drawing/2014/main" id="{8E686140-89F4-4F90-A674-3B67B1B6CC4F}"/>
+              </a:ext>
+            </a:extLst>
+          </p:cNvPr>
+          <p:cNvSpPr/>
+          <p:nvPr/>
+        </p:nvSpPr>
+        <p:spPr>
+          <a:xfrm>
+            <a:off x="3936000" y="5124704"/>
+            <a:ext cx="4320000" cy="720000"/>
+          </a:xfrm>
+          <a:prstGeom prst="rect">
+            <a:avLst/>
+          </a:prstGeom>
+        </p:spPr>
+        <p:style>
+          <a:lnRef idx="0">
+            <a:schemeClr val="accent3"/>
+          </a:lnRef>
+          <a:fillRef idx="3">
+            <a:schemeClr val="accent3"/>
+          </a:fillRef>
+          <a:effectRef idx="3">
+            <a:schemeClr val="accent3"/>
+          </a:effectRef>
+          <a:fontRef idx="minor">
+            <a:schemeClr val="lt1"/>
+          </a:fontRef>
+        </p:style>
+        <p:txBody>
+          <a:bodyPr rtlCol="0" anchor="ctr"/>
+          <a:lstStyle/>
+          <a:p>
+            <a:pPr algn="ctr"/>
+            <a:r>
+              <a:rPr lang="en-US" altLang="zh-TW" dirty="0" err="1"/>
+              <a:t>NVMe</a:t>
+            </a:r>
+            <a:r>
+              <a:rPr lang="en-US" altLang="zh-TW" dirty="0"/>
+              <a:t> Device</a:t>
+            </a:r>
+            <a:endParaRPr lang="zh-TW" altLang="en-US" dirty="0"/>
+          </a:p>
+        </p:txBody>
+      </p:sp>
+      <p:sp>
+        <p:nvSpPr>
+          <p:cNvPr id="7" name="矩形 6">
+            <a:extLst>
+              <a:ext uri="{FF2B5EF4-FFF2-40B4-BE49-F238E27FC236}">
+                <a16:creationId xmlns:a16="http://schemas.microsoft.com/office/drawing/2014/main" id="{0DE59471-ACB8-45E6-9E06-2044543FDA0F}"/>
+              </a:ext>
+            </a:extLst>
+          </p:cNvPr>
+          <p:cNvSpPr/>
+          <p:nvPr/>
+        </p:nvSpPr>
+        <p:spPr>
+          <a:xfrm>
+            <a:off x="6456000" y="3145259"/>
+            <a:ext cx="1800000" cy="1440000"/>
+          </a:xfrm>
+          <a:prstGeom prst="rect">
+            <a:avLst/>
+          </a:prstGeom>
+        </p:spPr>
+        <p:style>
+          <a:lnRef idx="1">
+            <a:schemeClr val="accent4"/>
+          </a:lnRef>
+          <a:fillRef idx="2">
+            <a:schemeClr val="accent4"/>
+          </a:fillRef>
+          <a:effectRef idx="1">
+            <a:schemeClr val="accent4"/>
+          </a:effectRef>
+          <a:fontRef idx="minor">
+            <a:schemeClr val="dk1"/>
+          </a:fontRef>
+        </p:style>
+        <p:txBody>
+          <a:bodyPr rtlCol="0" anchor="ctr"/>
+          <a:lstStyle/>
+          <a:p>
+            <a:pPr algn="ctr"/>
+            <a:r>
+              <a:rPr lang="en-US" altLang="zh-TW" dirty="0" err="1"/>
+              <a:t>Submittion</a:t>
+            </a:r>
+            <a:r>
+              <a:rPr lang="en-US" altLang="zh-TW" dirty="0"/>
+              <a:t> Queue</a:t>
+            </a:r>
+            <a:endParaRPr lang="zh-TW" altLang="en-US" dirty="0"/>
+          </a:p>
+        </p:txBody>
+      </p:sp>
+      <p:sp>
+        <p:nvSpPr>
+          <p:cNvPr id="8" name="矩形 7">
+            <a:extLst>
+              <a:ext uri="{FF2B5EF4-FFF2-40B4-BE49-F238E27FC236}">
+                <a16:creationId xmlns:a16="http://schemas.microsoft.com/office/drawing/2014/main" id="{B9B330FD-D329-4B29-911F-D7A7A4225E09}"/>
+              </a:ext>
+            </a:extLst>
+          </p:cNvPr>
+          <p:cNvSpPr/>
+          <p:nvPr/>
+        </p:nvSpPr>
+        <p:spPr>
+          <a:xfrm>
+            <a:off x="3936001" y="3145259"/>
+            <a:ext cx="1800000" cy="1440000"/>
+          </a:xfrm>
+          <a:prstGeom prst="rect">
+            <a:avLst/>
+          </a:prstGeom>
+        </p:spPr>
+        <p:style>
+          <a:lnRef idx="1">
+            <a:schemeClr val="accent4"/>
+          </a:lnRef>
+          <a:fillRef idx="2">
+            <a:schemeClr val="accent4"/>
+          </a:fillRef>
+          <a:effectRef idx="1">
+            <a:schemeClr val="accent4"/>
+          </a:effectRef>
+          <a:fontRef idx="minor">
+            <a:schemeClr val="dk1"/>
+          </a:fontRef>
+        </p:style>
+        <p:txBody>
+          <a:bodyPr rtlCol="0" anchor="ctr"/>
+          <a:lstStyle/>
+          <a:p>
+            <a:pPr algn="ctr"/>
+            <a:r>
+              <a:rPr lang="en-US" altLang="zh-TW" dirty="0"/>
+              <a:t>Completion Queue</a:t>
+            </a:r>
+            <a:endParaRPr lang="zh-TW" altLang="en-US" dirty="0"/>
+          </a:p>
+        </p:txBody>
+      </p:sp>
+      <p:sp>
+        <p:nvSpPr>
+          <p:cNvPr id="9" name="箭號: 向下 8">
+            <a:extLst>
+              <a:ext uri="{FF2B5EF4-FFF2-40B4-BE49-F238E27FC236}">
+                <a16:creationId xmlns:a16="http://schemas.microsoft.com/office/drawing/2014/main" id="{179642EC-D510-455F-82A9-8AED41E60404}"/>
+              </a:ext>
+            </a:extLst>
+          </p:cNvPr>
+          <p:cNvSpPr/>
+          <p:nvPr/>
+        </p:nvSpPr>
+        <p:spPr>
+          <a:xfrm>
+            <a:off x="6990240" y="2029830"/>
+            <a:ext cx="731520" cy="1064768"/>
+          </a:xfrm>
+          <a:prstGeom prst="downArrow">
+            <a:avLst/>
+          </a:prstGeom>
+        </p:spPr>
+        <p:style>
+          <a:lnRef idx="1">
+            <a:schemeClr val="accent6"/>
+          </a:lnRef>
+          <a:fillRef idx="2">
+            <a:schemeClr val="accent6"/>
+          </a:fillRef>
+          <a:effectRef idx="1">
+            <a:schemeClr val="accent6"/>
+          </a:effectRef>
+          <a:fontRef idx="minor">
+            <a:schemeClr val="dk1"/>
+          </a:fontRef>
+        </p:style>
+        <p:txBody>
+          <a:bodyPr rtlCol="0" anchor="ctr"/>
+          <a:lstStyle/>
+          <a:p>
+            <a:pPr algn="ctr"/>
+            <a:endParaRPr lang="zh-TW" altLang="en-US" dirty="0"/>
+          </a:p>
+        </p:txBody>
+      </p:sp>
+      <p:sp>
+        <p:nvSpPr>
+          <p:cNvPr id="10" name="文字方塊 9">
+            <a:extLst>
+              <a:ext uri="{FF2B5EF4-FFF2-40B4-BE49-F238E27FC236}">
+                <a16:creationId xmlns:a16="http://schemas.microsoft.com/office/drawing/2014/main" id="{68D89488-31A0-4902-9D29-15A4A0D257FD}"/>
+              </a:ext>
+            </a:extLst>
+          </p:cNvPr>
+          <p:cNvSpPr txBox="1"/>
+          <p:nvPr/>
+        </p:nvSpPr>
+        <p:spPr>
+          <a:xfrm>
+            <a:off x="6861335" y="2300776"/>
+            <a:ext cx="944297" cy="369332"/>
+          </a:xfrm>
+          <a:prstGeom prst="rect">
+            <a:avLst/>
+          </a:prstGeom>
+          <a:noFill/>
+        </p:spPr>
+        <p:txBody>
+          <a:bodyPr wrap="none" rtlCol="0">
+            <a:spAutoFit/>
+          </a:bodyPr>
+          <a:lstStyle/>
+          <a:p>
+            <a:r>
+              <a:rPr lang="en-US" altLang="zh-TW" dirty="0"/>
+              <a:t>Request</a:t>
+            </a:r>
+            <a:endParaRPr lang="zh-TW" altLang="en-US" dirty="0"/>
+          </a:p>
+        </p:txBody>
+      </p:sp>
+      <p:sp>
+        <p:nvSpPr>
+          <p:cNvPr id="11" name="箭號: 向下 10">
+            <a:extLst>
+              <a:ext uri="{FF2B5EF4-FFF2-40B4-BE49-F238E27FC236}">
+                <a16:creationId xmlns:a16="http://schemas.microsoft.com/office/drawing/2014/main" id="{456F3645-A5B7-4AB0-97DB-28A5D55495F5}"/>
+              </a:ext>
+            </a:extLst>
+          </p:cNvPr>
+          <p:cNvSpPr/>
+          <p:nvPr/>
+        </p:nvSpPr>
+        <p:spPr>
+          <a:xfrm flipV="1">
+            <a:off x="4470241" y="2027660"/>
+            <a:ext cx="731520" cy="1064768"/>
+          </a:xfrm>
+          <a:prstGeom prst="downArrow">
+            <a:avLst/>
+          </a:prstGeom>
+        </p:spPr>
+        <p:style>
+          <a:lnRef idx="1">
+            <a:schemeClr val="accent5"/>
+          </a:lnRef>
+          <a:fillRef idx="2">
+            <a:schemeClr val="accent5"/>
+          </a:fillRef>
+          <a:effectRef idx="1">
+            <a:schemeClr val="accent5"/>
+          </a:effectRef>
+          <a:fontRef idx="minor">
+            <a:schemeClr val="dk1"/>
+          </a:fontRef>
+        </p:style>
+        <p:txBody>
+          <a:bodyPr rtlCol="0" anchor="ctr"/>
+          <a:lstStyle/>
+          <a:p>
+            <a:pPr algn="ctr"/>
+            <a:endParaRPr lang="zh-TW" altLang="en-US" dirty="0"/>
+          </a:p>
+        </p:txBody>
+      </p:sp>
+      <p:sp>
+        <p:nvSpPr>
+          <p:cNvPr id="12" name="文字方塊 11">
+            <a:extLst>
+              <a:ext uri="{FF2B5EF4-FFF2-40B4-BE49-F238E27FC236}">
+                <a16:creationId xmlns:a16="http://schemas.microsoft.com/office/drawing/2014/main" id="{4C02CD59-28AB-4C20-ACBF-634B0794A565}"/>
+              </a:ext>
+            </a:extLst>
+          </p:cNvPr>
+          <p:cNvSpPr txBox="1"/>
+          <p:nvPr/>
+        </p:nvSpPr>
+        <p:spPr>
+          <a:xfrm>
+            <a:off x="4295243" y="2485442"/>
+            <a:ext cx="1081515" cy="369332"/>
+          </a:xfrm>
+          <a:prstGeom prst="rect">
+            <a:avLst/>
+          </a:prstGeom>
+          <a:noFill/>
+        </p:spPr>
+        <p:txBody>
+          <a:bodyPr wrap="none" rtlCol="0">
+            <a:spAutoFit/>
+          </a:bodyPr>
+          <a:lstStyle/>
+          <a:p>
+            <a:r>
+              <a:rPr lang="en-US" altLang="zh-TW" dirty="0"/>
+              <a:t>Response</a:t>
+            </a:r>
+            <a:endParaRPr lang="zh-TW" altLang="en-US" dirty="0"/>
+          </a:p>
+        </p:txBody>
+      </p:sp>
+      <p:sp>
+        <p:nvSpPr>
+          <p:cNvPr id="13" name="箭號: 向下 12">
+            <a:extLst>
+              <a:ext uri="{FF2B5EF4-FFF2-40B4-BE49-F238E27FC236}">
+                <a16:creationId xmlns:a16="http://schemas.microsoft.com/office/drawing/2014/main" id="{1E1B7B98-0CCB-4C01-9F7F-1D15D42C29DB}"/>
+              </a:ext>
+            </a:extLst>
+          </p:cNvPr>
+          <p:cNvSpPr/>
+          <p:nvPr/>
+        </p:nvSpPr>
+        <p:spPr>
+          <a:xfrm>
+            <a:off x="6990240" y="4635920"/>
+            <a:ext cx="731520" cy="422320"/>
+          </a:xfrm>
+          <a:prstGeom prst="downArrow">
+            <a:avLst/>
+          </a:prstGeom>
+        </p:spPr>
+        <p:style>
+          <a:lnRef idx="1">
+            <a:schemeClr val="accent6"/>
+          </a:lnRef>
+          <a:fillRef idx="2">
+            <a:schemeClr val="accent6"/>
+          </a:fillRef>
+          <a:effectRef idx="1">
+            <a:schemeClr val="accent6"/>
+          </a:effectRef>
+          <a:fontRef idx="minor">
+            <a:schemeClr val="dk1"/>
+          </a:fontRef>
+        </p:style>
+        <p:txBody>
+          <a:bodyPr rtlCol="0" anchor="ctr"/>
+          <a:lstStyle/>
+          <a:p>
+            <a:pPr algn="ctr"/>
+            <a:endParaRPr lang="zh-TW" altLang="en-US" dirty="0"/>
+          </a:p>
+        </p:txBody>
+      </p:sp>
+      <p:sp>
+        <p:nvSpPr>
+          <p:cNvPr id="14" name="箭號: 向下 13">
+            <a:extLst>
+              <a:ext uri="{FF2B5EF4-FFF2-40B4-BE49-F238E27FC236}">
+                <a16:creationId xmlns:a16="http://schemas.microsoft.com/office/drawing/2014/main" id="{066C193D-0CE9-445A-B111-5AE904F0F298}"/>
+              </a:ext>
+            </a:extLst>
+          </p:cNvPr>
+          <p:cNvSpPr/>
+          <p:nvPr/>
+        </p:nvSpPr>
+        <p:spPr>
+          <a:xfrm flipV="1">
+            <a:off x="4470241" y="4638089"/>
+            <a:ext cx="731520" cy="422320"/>
+          </a:xfrm>
+          <a:prstGeom prst="downArrow">
+            <a:avLst/>
+          </a:prstGeom>
+        </p:spPr>
+        <p:style>
+          <a:lnRef idx="1">
+            <a:schemeClr val="accent5"/>
+          </a:lnRef>
+          <a:fillRef idx="2">
+            <a:schemeClr val="accent5"/>
+          </a:fillRef>
+          <a:effectRef idx="1">
+            <a:schemeClr val="accent5"/>
+          </a:effectRef>
+          <a:fontRef idx="minor">
+            <a:schemeClr val="dk1"/>
+          </a:fontRef>
+        </p:style>
+        <p:txBody>
+          <a:bodyPr rtlCol="0" anchor="ctr"/>
+          <a:lstStyle/>
+          <a:p>
+            <a:pPr algn="ctr"/>
+            <a:endParaRPr lang="zh-TW" altLang="en-US" dirty="0"/>
+          </a:p>
+        </p:txBody>
+      </p:sp>
+    </p:spTree>
+    <p:extLst>
+      <p:ext uri="{BB962C8B-B14F-4D97-AF65-F5344CB8AC3E}">
+        <p14:creationId xmlns:p14="http://schemas.microsoft.com/office/powerpoint/2010/main" val="3301797147"/>
+      </p:ext>
+    </p:extLst>
+  </p:cSld>
+  <p:clrMapOvr>
+    <a:masterClrMapping/>
+  </p:clrMapOvr>
+</p:sld>
+</file>
+
+<file path=ppt/slides/slide25.xml><?xml version="1.0" encoding="utf-8"?>
+<p:sld xmlns:a="http://schemas.openxmlformats.org/drawingml/2006/main" xmlns:r="http://schemas.openxmlformats.org/officeDocument/2006/relationships" xmlns:p="http://schemas.openxmlformats.org/presentationml/2006/main">
+  <p:cSld>
+    <p:spTree>
+      <p:nvGrpSpPr>
+        <p:cNvPr id="1" name=""/>
+        <p:cNvGrpSpPr/>
+        <p:nvPr/>
+      </p:nvGrpSpPr>
+      <p:grpSpPr>
+        <a:xfrm>
+          <a:off x="0" y="0"/>
+          <a:ext cx="0" cy="0"/>
+          <a:chOff x="0" y="0"/>
+          <a:chExt cx="0" cy="0"/>
+        </a:xfrm>
+      </p:grpSpPr>
+      <p:sp>
+        <p:nvSpPr>
+          <p:cNvPr id="2" name="標題 1">
+            <a:extLst>
+              <a:ext uri="{FF2B5EF4-FFF2-40B4-BE49-F238E27FC236}">
+                <a16:creationId xmlns:a16="http://schemas.microsoft.com/office/drawing/2014/main" id="{4D13DE31-7707-4B7B-9B84-481CA9627F15}"/>
+              </a:ext>
+            </a:extLst>
+          </p:cNvPr>
+          <p:cNvSpPr>
+            <a:spLocks noGrp="1"/>
+          </p:cNvSpPr>
+          <p:nvPr>
+            <p:ph type="title"/>
+          </p:nvPr>
+        </p:nvSpPr>
+        <p:spPr/>
+        <p:txBody>
+          <a:bodyPr/>
+          <a:lstStyle/>
+          <a:p>
+            <a:r>
+              <a:rPr lang="en-US" altLang="zh-TW" dirty="0" err="1"/>
+              <a:t>NVMe</a:t>
+            </a:r>
+            <a:r>
+              <a:rPr lang="en-US" altLang="zh-TW" dirty="0"/>
+              <a:t> Queue Concept</a:t>
+            </a:r>
+            <a:endParaRPr lang="zh-TW" altLang="en-US" dirty="0"/>
+          </a:p>
+        </p:txBody>
+      </p:sp>
+      <p:sp>
+        <p:nvSpPr>
+          <p:cNvPr id="3" name="內容版面配置區 2">
+            <a:extLst>
+              <a:ext uri="{FF2B5EF4-FFF2-40B4-BE49-F238E27FC236}">
+                <a16:creationId xmlns:a16="http://schemas.microsoft.com/office/drawing/2014/main" id="{F2FACA4D-14DE-4121-AA24-8B9A15FC399C}"/>
+              </a:ext>
+            </a:extLst>
+          </p:cNvPr>
+          <p:cNvSpPr>
+            <a:spLocks noGrp="1"/>
+          </p:cNvSpPr>
+          <p:nvPr>
+            <p:ph idx="1"/>
+          </p:nvPr>
+        </p:nvSpPr>
+        <p:spPr/>
+        <p:txBody>
+          <a:bodyPr>
+            <a:normAutofit lnSpcReduction="10000"/>
+          </a:bodyPr>
+          <a:lstStyle/>
+          <a:p>
+            <a:r>
+              <a:rPr lang="en-US" altLang="zh-TW" dirty="0"/>
+              <a:t>All queues are kind of ring buffer structure with doorbell notification .</a:t>
+            </a:r>
+          </a:p>
+          <a:p>
+            <a:r>
+              <a:rPr lang="en-US" altLang="zh-TW" dirty="0" err="1"/>
+              <a:t>Submittion</a:t>
+            </a:r>
+            <a:r>
+              <a:rPr lang="en-US" altLang="zh-TW" dirty="0"/>
+              <a:t> Queue</a:t>
+            </a:r>
+          </a:p>
+          <a:p>
+            <a:pPr lvl="1"/>
+            <a:r>
+              <a:rPr lang="en-US" altLang="zh-TW" dirty="0"/>
+              <a:t>Submit NVME_COMMAND to NVME device</a:t>
+            </a:r>
+          </a:p>
+          <a:p>
+            <a:pPr lvl="1"/>
+            <a:r>
+              <a:rPr lang="en-US" altLang="zh-TW" dirty="0"/>
+              <a:t>After submit, update doorbell to notification device</a:t>
+            </a:r>
+          </a:p>
+          <a:p>
+            <a:pPr lvl="1"/>
+            <a:endParaRPr lang="en-US" altLang="zh-TW" dirty="0"/>
+          </a:p>
+          <a:p>
+            <a:r>
+              <a:rPr lang="en-US" altLang="zh-TW" dirty="0"/>
+              <a:t>Completion Queue</a:t>
+            </a:r>
+          </a:p>
+          <a:p>
+            <a:pPr lvl="1"/>
+            <a:r>
+              <a:rPr lang="en-US" altLang="zh-TW" dirty="0"/>
+              <a:t>Retrieve command result from NVME device</a:t>
+            </a:r>
+          </a:p>
+          <a:p>
+            <a:pPr lvl="1"/>
+            <a:r>
+              <a:rPr lang="en-US" altLang="zh-TW" dirty="0"/>
+              <a:t>Device trigger interrupt</a:t>
+            </a:r>
+            <a:r>
+              <a:rPr lang="zh-TW" altLang="en-US" dirty="0"/>
+              <a:t> </a:t>
+            </a:r>
+            <a:r>
+              <a:rPr lang="en-US" altLang="zh-TW" dirty="0"/>
+              <a:t>back to driver for notification</a:t>
+            </a:r>
+          </a:p>
+          <a:p>
+            <a:pPr lvl="1"/>
+            <a:endParaRPr lang="en-US" altLang="zh-TW" dirty="0"/>
+          </a:p>
+          <a:p>
+            <a:r>
+              <a:rPr lang="en-US" altLang="zh-TW" dirty="0"/>
+              <a:t>1 </a:t>
+            </a:r>
+            <a:r>
+              <a:rPr lang="en-US" altLang="zh-TW" dirty="0" err="1"/>
+              <a:t>SubQ</a:t>
+            </a:r>
+            <a:r>
+              <a:rPr lang="en-US" altLang="zh-TW" dirty="0"/>
+              <a:t> + 1 </a:t>
+            </a:r>
+            <a:r>
+              <a:rPr lang="en-US" altLang="zh-TW" dirty="0" err="1"/>
+              <a:t>CplQ</a:t>
+            </a:r>
+            <a:r>
+              <a:rPr lang="en-US" altLang="zh-TW" dirty="0"/>
+              <a:t> </a:t>
+            </a:r>
+            <a:r>
+              <a:rPr lang="en-US" altLang="zh-TW" dirty="0">
+                <a:sym typeface="Wingdings" panose="05000000000000000000" pitchFamily="2" charset="2"/>
+              </a:rPr>
+              <a:t> a </a:t>
+            </a:r>
+            <a:r>
+              <a:rPr lang="en-US" altLang="zh-TW" dirty="0" err="1">
+                <a:sym typeface="Wingdings" panose="05000000000000000000" pitchFamily="2" charset="2"/>
+              </a:rPr>
+              <a:t>QueuePair</a:t>
+            </a:r>
+            <a:endParaRPr lang="zh-TW" altLang="en-US" dirty="0"/>
+          </a:p>
+        </p:txBody>
+      </p:sp>
+    </p:spTree>
+    <p:extLst>
+      <p:ext uri="{BB962C8B-B14F-4D97-AF65-F5344CB8AC3E}">
+        <p14:creationId xmlns:p14="http://schemas.microsoft.com/office/powerpoint/2010/main" val="3690968021"/>
+      </p:ext>
+    </p:extLst>
+  </p:cSld>
+  <p:clrMapOvr>
+    <a:masterClrMapping/>
+  </p:clrMapOvr>
+</p:sld>
+</file>
+
+<file path=ppt/slides/slide26.xml><?xml version="1.0" encoding="utf-8"?>
+<p:sld xmlns:a="http://schemas.openxmlformats.org/drawingml/2006/main" xmlns:r="http://schemas.openxmlformats.org/officeDocument/2006/relationships" xmlns:p="http://schemas.openxmlformats.org/presentationml/2006/main">
+  <p:cSld>
+    <p:spTree>
+      <p:nvGrpSpPr>
+        <p:cNvPr id="1" name=""/>
+        <p:cNvGrpSpPr/>
+        <p:nvPr/>
+      </p:nvGrpSpPr>
+      <p:grpSpPr>
+        <a:xfrm>
+          <a:off x="0" y="0"/>
+          <a:ext cx="0" cy="0"/>
+          <a:chOff x="0" y="0"/>
+          <a:chExt cx="0" cy="0"/>
+        </a:xfrm>
+      </p:grpSpPr>
+      <p:sp>
+        <p:nvSpPr>
+          <p:cNvPr id="2" name="標題 1">
+            <a:extLst>
+              <a:ext uri="{FF2B5EF4-FFF2-40B4-BE49-F238E27FC236}">
                 <a16:creationId xmlns:a16="http://schemas.microsoft.com/office/drawing/2014/main" id="{A8E875E9-AD81-4F57-AE9B-9695FC1E596C}"/>
               </a:ext>
             </a:extLst>
@@ -5241,7 +6846,7 @@
 </p:sld>
 </file>
 
-<file path=ppt/slides/slide19.xml><?xml version="1.0" encoding="utf-8"?>
+<file path=ppt/slides/slide27.xml><?xml version="1.0" encoding="utf-8"?>
 <p:sld xmlns:a="http://schemas.openxmlformats.org/drawingml/2006/main" xmlns:r="http://schemas.openxmlformats.org/officeDocument/2006/relationships" xmlns:p="http://schemas.openxmlformats.org/presentationml/2006/main">
   <p:cSld>
     <p:spTree>
@@ -5349,7 +6954,7 @@
 </p:sld>
 </file>
 
-<file path=ppt/slides/slide2.xml><?xml version="1.0" encoding="utf-8"?>
+<file path=ppt/slides/slide28.xml><?xml version="1.0" encoding="utf-8"?>
 <p:sld xmlns:a="http://schemas.openxmlformats.org/drawingml/2006/main" xmlns:r="http://schemas.openxmlformats.org/officeDocument/2006/relationships" xmlns:p="http://schemas.openxmlformats.org/presentationml/2006/main">
   <p:cSld>
     <p:spTree>
@@ -5371,7 +6976,7 @@
           <p:cNvPr id="2" name="標題 1">
             <a:extLst>
               <a:ext uri="{FF2B5EF4-FFF2-40B4-BE49-F238E27FC236}">
-                <a16:creationId xmlns:a16="http://schemas.microsoft.com/office/drawing/2014/main" id="{AFF77278-4B2F-3AA5-B6E4-3421CA7B241D}"/>
+                <a16:creationId xmlns:a16="http://schemas.microsoft.com/office/drawing/2014/main" id="{976890C9-EBB7-41E9-BD92-EB9523480302}"/>
               </a:ext>
             </a:extLst>
           </p:cNvPr>
@@ -5380,35 +6985,6 @@
           </p:cNvSpPr>
           <p:nvPr>
             <p:ph type="title"/>
-          </p:nvPr>
-        </p:nvSpPr>
-        <p:spPr/>
-        <p:txBody>
-          <a:bodyPr/>
-          <a:lstStyle/>
-          <a:p>
-            <a:r>
-              <a:rPr lang="en-US" altLang="zh-TW" dirty="0"/>
-              <a:t>TOC</a:t>
-            </a:r>
-            <a:endParaRPr lang="zh-TW" altLang="en-US" dirty="0"/>
-          </a:p>
-        </p:txBody>
-      </p:sp>
-      <p:sp>
-        <p:nvSpPr>
-          <p:cNvPr id="3" name="內容版面配置區 2">
-            <a:extLst>
-              <a:ext uri="{FF2B5EF4-FFF2-40B4-BE49-F238E27FC236}">
-                <a16:creationId xmlns:a16="http://schemas.microsoft.com/office/drawing/2014/main" id="{99512BD9-06B8-B510-DF25-3A7ECD660AEC}"/>
-              </a:ext>
-            </a:extLst>
-          </p:cNvPr>
-          <p:cNvSpPr>
-            <a:spLocks noGrp="1"/>
-          </p:cNvSpPr>
-          <p:nvPr>
-            <p:ph idx="1"/>
           </p:nvPr>
         </p:nvSpPr>
         <p:spPr/>
@@ -5422,43 +6998,110 @@
             </a:r>
             <a:r>
               <a:rPr lang="en-US" altLang="zh-TW" dirty="0"/>
-              <a:t> Overview</a:t>
-            </a:r>
-          </a:p>
-          <a:p>
-            <a:r>
-              <a:rPr lang="en-US" altLang="zh-TW" dirty="0"/>
-              <a:t>Important Behavior and Sequence</a:t>
-            </a:r>
-          </a:p>
-          <a:p>
-            <a:r>
-              <a:rPr lang="en-US" altLang="zh-TW" dirty="0"/>
-              <a:t>Admin and I/O Queue</a:t>
-            </a:r>
-          </a:p>
-          <a:p>
-            <a:r>
-              <a:rPr lang="en-US" altLang="zh-TW" dirty="0"/>
-              <a:t>SCSI Translation</a:t>
-            </a:r>
-          </a:p>
-          <a:p>
-            <a:r>
-              <a:rPr lang="en-US" altLang="zh-TW" dirty="0"/>
-              <a:t>Reference</a:t>
+              <a:t> </a:t>
+            </a:r>
+            <a:r>
+              <a:rPr lang="en-US" altLang="zh-TW" dirty="0" err="1"/>
+              <a:t>Submittion</a:t>
+            </a:r>
+            <a:r>
+              <a:rPr lang="en-US" altLang="zh-TW" dirty="0"/>
+              <a:t> Queue</a:t>
             </a:r>
             <a:endParaRPr lang="zh-TW" altLang="en-US" dirty="0"/>
           </a:p>
-          <a:p>
-            <a:endParaRPr lang="zh-TW" altLang="en-US" dirty="0"/>
+        </p:txBody>
+      </p:sp>
+      <p:sp>
+        <p:nvSpPr>
+          <p:cNvPr id="3" name="內容版面配置區 2">
+            <a:extLst>
+              <a:ext uri="{FF2B5EF4-FFF2-40B4-BE49-F238E27FC236}">
+                <a16:creationId xmlns:a16="http://schemas.microsoft.com/office/drawing/2014/main" id="{04200311-BA0E-4721-A01F-A7A768374014}"/>
+              </a:ext>
+            </a:extLst>
+          </p:cNvPr>
+          <p:cNvSpPr>
+            <a:spLocks noGrp="1"/>
+          </p:cNvSpPr>
+          <p:nvPr>
+            <p:ph idx="1"/>
+          </p:nvPr>
+        </p:nvSpPr>
+        <p:spPr/>
+        <p:txBody>
+          <a:bodyPr/>
+          <a:lstStyle/>
+          <a:p>
+            <a:r>
+              <a:rPr lang="en-US" altLang="zh-TW" dirty="0"/>
+              <a:t>Each command put into this queue by sequence</a:t>
+            </a:r>
+          </a:p>
+          <a:p>
+            <a:r>
+              <a:rPr lang="en-US" altLang="zh-TW" dirty="0"/>
+              <a:t>Using NVME_COMMAND structure as entry</a:t>
+            </a:r>
+          </a:p>
+          <a:p>
+            <a:r>
+              <a:rPr lang="en-US" altLang="zh-TW" dirty="0" err="1"/>
+              <a:t>SubQHead</a:t>
+            </a:r>
+            <a:r>
+              <a:rPr lang="en-US" altLang="zh-TW" dirty="0"/>
+              <a:t> and </a:t>
+            </a:r>
+            <a:r>
+              <a:rPr lang="en-US" altLang="zh-TW" dirty="0" err="1"/>
+              <a:t>SubQTail</a:t>
+            </a:r>
+            <a:r>
+              <a:rPr lang="en-US" altLang="zh-TW" dirty="0"/>
+              <a:t> cursor</a:t>
+            </a:r>
+          </a:p>
+          <a:p>
+            <a:pPr lvl="1"/>
+            <a:r>
+              <a:rPr lang="en-US" altLang="zh-TW" dirty="0"/>
+              <a:t>Sender update </a:t>
+            </a:r>
+            <a:r>
+              <a:rPr lang="en-US" altLang="zh-TW" dirty="0" err="1"/>
+              <a:t>SubQTail</a:t>
+            </a:r>
+            <a:r>
+              <a:rPr lang="en-US" altLang="zh-TW" dirty="0"/>
+              <a:t> to indicate “where is latest submitted entry”</a:t>
+            </a:r>
+          </a:p>
+          <a:p>
+            <a:pPr lvl="1"/>
+            <a:r>
+              <a:rPr lang="en-US" altLang="zh-TW" dirty="0" err="1"/>
+              <a:t>NVMe</a:t>
+            </a:r>
+            <a:r>
+              <a:rPr lang="en-US" altLang="zh-TW" dirty="0"/>
+              <a:t> device update </a:t>
+            </a:r>
+            <a:r>
+              <a:rPr lang="en-US" altLang="zh-TW" dirty="0" err="1"/>
+              <a:t>SubQHead</a:t>
+            </a:r>
+            <a:r>
+              <a:rPr lang="en-US" altLang="zh-TW" dirty="0"/>
+              <a:t> to indicate “where is latest consumed entry”</a:t>
+            </a:r>
           </a:p>
         </p:txBody>
       </p:sp>
     </p:spTree>
     <p:extLst>
       <p:ext uri="{BB962C8B-B14F-4D97-AF65-F5344CB8AC3E}">
-        <p14:creationId xmlns:p14="http://schemas.microsoft.com/office/powerpoint/2010/main" val="1587906646"/>
+        <p14:creationId xmlns:p14="http://schemas.microsoft.com/office/powerpoint/2010/main" val="734294015"/>
       </p:ext>
     </p:extLst>
   </p:cSld>
@@ -5468,7 +7111,7 @@
 </p:sld>
 </file>
 
-<file path=ppt/slides/slide20.xml><?xml version="1.0" encoding="utf-8"?>
+<file path=ppt/slides/slide29.xml><?xml version="1.0" encoding="utf-8"?>
 <p:sld xmlns:a="http://schemas.openxmlformats.org/drawingml/2006/main" xmlns:r="http://schemas.openxmlformats.org/officeDocument/2006/relationships" xmlns:p="http://schemas.openxmlformats.org/presentationml/2006/main">
   <p:cSld>
     <p:spTree>
@@ -5490,7 +7133,7 @@
           <p:cNvPr id="2" name="標題 1">
             <a:extLst>
               <a:ext uri="{FF2B5EF4-FFF2-40B4-BE49-F238E27FC236}">
-                <a16:creationId xmlns:a16="http://schemas.microsoft.com/office/drawing/2014/main" id="{976890C9-EBB7-41E9-BD92-EB9523480302}"/>
+                <a16:creationId xmlns:a16="http://schemas.microsoft.com/office/drawing/2014/main" id="{5DD07498-5F52-49AE-8F70-D644A562FAEE}"/>
               </a:ext>
             </a:extLst>
           </p:cNvPr>
@@ -5506,116 +7149,88 @@
           <a:bodyPr/>
           <a:lstStyle/>
           <a:p>
+            <a:r>
+              <a:rPr lang="en-US" altLang="zh-TW" dirty="0"/>
+              <a:t>How to transmit data with command</a:t>
+            </a:r>
+            <a:endParaRPr lang="zh-TW" altLang="en-US" dirty="0"/>
+          </a:p>
+        </p:txBody>
+      </p:sp>
+      <p:sp>
+        <p:nvSpPr>
+          <p:cNvPr id="3" name="內容版面配置區 2">
+            <a:extLst>
+              <a:ext uri="{FF2B5EF4-FFF2-40B4-BE49-F238E27FC236}">
+                <a16:creationId xmlns:a16="http://schemas.microsoft.com/office/drawing/2014/main" id="{38A78F0E-8A29-474B-B872-6D9F55857160}"/>
+              </a:ext>
+            </a:extLst>
+          </p:cNvPr>
+          <p:cNvSpPr>
+            <a:spLocks noGrp="1"/>
+          </p:cNvSpPr>
+          <p:nvPr>
+            <p:ph idx="1"/>
+          </p:nvPr>
+        </p:nvSpPr>
+        <p:spPr/>
+        <p:txBody>
+          <a:bodyPr/>
+          <a:lstStyle/>
+          <a:p>
+            <a:r>
+              <a:rPr lang="en-US" altLang="zh-TW" dirty="0"/>
+              <a:t>To transmit data with commands, sender have to prepare some physical pages to store data </a:t>
+            </a:r>
+          </a:p>
+          <a:p>
+            <a:pPr lvl="1"/>
+            <a:r>
+              <a:rPr lang="en-US" altLang="zh-TW" dirty="0"/>
+              <a:t>Sender should set PRP field to store these data</a:t>
+            </a:r>
+          </a:p>
+          <a:p>
+            <a:endParaRPr lang="en-US" altLang="zh-TW" dirty="0"/>
+          </a:p>
+          <a:p>
+            <a:r>
+              <a:rPr lang="en-US" altLang="zh-TW" dirty="0"/>
+              <a:t>Host should prepare these pages to read from/write to </a:t>
+            </a:r>
             <a:r>
               <a:rPr lang="en-US" altLang="zh-TW" dirty="0" err="1"/>
               <a:t>NVMe</a:t>
             </a:r>
             <a:r>
               <a:rPr lang="en-US" altLang="zh-TW" dirty="0"/>
-              <a:t> </a:t>
-            </a:r>
-            <a:r>
-              <a:rPr lang="en-US" altLang="zh-TW" dirty="0" err="1"/>
-              <a:t>Submittion</a:t>
-            </a:r>
-            <a:r>
-              <a:rPr lang="en-US" altLang="zh-TW" dirty="0"/>
-              <a:t> Queue</a:t>
-            </a:r>
+              <a:t> device.</a:t>
+            </a:r>
+          </a:p>
+          <a:p>
+            <a:endParaRPr lang="en-US" altLang="zh-TW" dirty="0"/>
+          </a:p>
+          <a:p>
+            <a:r>
+              <a:rPr lang="en-US" altLang="zh-TW" dirty="0"/>
+              <a:t>Physical Region Page (PRP)</a:t>
+            </a:r>
+          </a:p>
+          <a:p>
+            <a:r>
+              <a:rPr lang="en-US" altLang="zh-TW" dirty="0"/>
+              <a:t>Scatter Gather List (SGL)</a:t>
+            </a:r>
+          </a:p>
+          <a:p>
             <a:endParaRPr lang="zh-TW" altLang="en-US" dirty="0"/>
-          </a:p>
-        </p:txBody>
-      </p:sp>
-      <p:sp>
-        <p:nvSpPr>
-          <p:cNvPr id="3" name="內容版面配置區 2">
-            <a:extLst>
-              <a:ext uri="{FF2B5EF4-FFF2-40B4-BE49-F238E27FC236}">
-                <a16:creationId xmlns:a16="http://schemas.microsoft.com/office/drawing/2014/main" id="{04200311-BA0E-4721-A01F-A7A768374014}"/>
-              </a:ext>
-            </a:extLst>
-          </p:cNvPr>
-          <p:cNvSpPr>
-            <a:spLocks noGrp="1"/>
-          </p:cNvSpPr>
-          <p:nvPr>
-            <p:ph idx="1"/>
-          </p:nvPr>
-        </p:nvSpPr>
-        <p:spPr/>
-        <p:txBody>
-          <a:bodyPr/>
-          <a:lstStyle/>
-          <a:p>
-            <a:r>
-              <a:rPr lang="en-US" altLang="zh-TW" dirty="0"/>
-              <a:t>Each command put into this queue by sequence</a:t>
-            </a:r>
-          </a:p>
-          <a:p>
-            <a:r>
-              <a:rPr lang="en-US" altLang="zh-TW" dirty="0"/>
-              <a:t>Using NVME_COMMAND structure as entry</a:t>
-            </a:r>
-          </a:p>
-          <a:p>
-            <a:r>
-              <a:rPr lang="en-US" altLang="zh-TW" dirty="0" err="1"/>
-              <a:t>SubQHead</a:t>
-            </a:r>
-            <a:r>
-              <a:rPr lang="en-US" altLang="zh-TW" dirty="0"/>
-              <a:t> and </a:t>
-            </a:r>
-            <a:r>
-              <a:rPr lang="en-US" altLang="zh-TW" dirty="0" err="1"/>
-              <a:t>SubQTail</a:t>
-            </a:r>
-            <a:r>
-              <a:rPr lang="en-US" altLang="zh-TW" dirty="0"/>
-              <a:t> cursor</a:t>
-            </a:r>
-          </a:p>
-          <a:p>
-            <a:pPr lvl="1"/>
-            <a:r>
-              <a:rPr lang="en-US" altLang="zh-TW" dirty="0"/>
-              <a:t>Sender update </a:t>
-            </a:r>
-            <a:r>
-              <a:rPr lang="en-US" altLang="zh-TW" dirty="0" err="1"/>
-              <a:t>SubQTail</a:t>
-            </a:r>
-            <a:r>
-              <a:rPr lang="en-US" altLang="zh-TW" dirty="0"/>
-              <a:t> to indicate “where is latest submitted entry”</a:t>
-            </a:r>
-          </a:p>
-          <a:p>
-            <a:pPr lvl="1"/>
-            <a:r>
-              <a:rPr lang="en-US" altLang="zh-TW" dirty="0" err="1"/>
-              <a:t>NVMe</a:t>
-            </a:r>
-            <a:r>
-              <a:rPr lang="en-US" altLang="zh-TW" dirty="0"/>
-              <a:t> device update </a:t>
-            </a:r>
-            <a:r>
-              <a:rPr lang="en-US" altLang="zh-TW" dirty="0" err="1"/>
-              <a:t>SubQHead</a:t>
-            </a:r>
-            <a:r>
-              <a:rPr lang="en-US" altLang="zh-TW" dirty="0"/>
-              <a:t> to indicate “where is latest consumed entry”</a:t>
-            </a:r>
           </a:p>
         </p:txBody>
       </p:sp>
     </p:spTree>
     <p:extLst>
       <p:ext uri="{BB962C8B-B14F-4D97-AF65-F5344CB8AC3E}">
-        <p14:creationId xmlns:p14="http://schemas.microsoft.com/office/powerpoint/2010/main" val="734294015"/>
+        <p14:creationId xmlns:p14="http://schemas.microsoft.com/office/powerpoint/2010/main" val="1075892646"/>
       </p:ext>
     </p:extLst>
   </p:cSld>
@@ -5625,7 +7240,7 @@
 </p:sld>
 </file>
 
-<file path=ppt/slides/slide21.xml><?xml version="1.0" encoding="utf-8"?>
+<file path=ppt/slides/slide3.xml><?xml version="1.0" encoding="utf-8"?>
 <p:sld xmlns:a="http://schemas.openxmlformats.org/drawingml/2006/main" xmlns:r="http://schemas.openxmlformats.org/officeDocument/2006/relationships" xmlns:p="http://schemas.openxmlformats.org/presentationml/2006/main">
   <p:cSld>
     <p:spTree>
@@ -5665,7 +7280,15 @@
           <a:p>
             <a:r>
               <a:rPr lang="en-US" altLang="zh-TW" dirty="0"/>
-              <a:t>How to transmit data with command</a:t>
+              <a:t>What is </a:t>
+            </a:r>
+            <a:r>
+              <a:rPr lang="en-US" altLang="zh-TW" dirty="0" err="1"/>
+              <a:t>SPCNVMe</a:t>
+            </a:r>
+            <a:r>
+              <a:rPr lang="en-US" altLang="zh-TW" dirty="0"/>
+              <a:t> ?</a:t>
             </a:r>
             <a:endParaRPr lang="zh-TW" altLang="en-US" dirty="0"/>
           </a:p>
@@ -5694,23 +7317,15 @@
           <a:p>
             <a:r>
               <a:rPr lang="en-US" altLang="zh-TW" dirty="0"/>
-              <a:t>To transmit data with commands, sender have to prepare some physical pages to store data </a:t>
-            </a:r>
-          </a:p>
-          <a:p>
-            <a:pPr lvl="1"/>
-            <a:r>
-              <a:rPr lang="en-US" altLang="zh-TW" dirty="0"/>
-              <a:t>Sender should set PRP field to store these data</a:t>
-            </a:r>
-          </a:p>
-          <a:p>
-            <a:endParaRPr lang="en-US" altLang="zh-TW" dirty="0"/>
-          </a:p>
-          <a:p>
-            <a:r>
-              <a:rPr lang="en-US" altLang="zh-TW" dirty="0"/>
-              <a:t>Host should prepare these pages to read from/write to </a:t>
+              <a:t>an </a:t>
+            </a:r>
+            <a:r>
+              <a:rPr lang="en-US" altLang="zh-TW" dirty="0" err="1"/>
+              <a:t>OpenSource</a:t>
+            </a:r>
+            <a:r>
+              <a:rPr lang="en-US" altLang="zh-TW" dirty="0"/>
+              <a:t> PCIe </a:t>
             </a:r>
             <a:r>
               <a:rPr lang="en-US" altLang="zh-TW" dirty="0" err="1"/>
@@ -5718,22 +7333,47 @@
             </a:r>
             <a:r>
               <a:rPr lang="en-US" altLang="zh-TW" dirty="0"/>
-              <a:t> device.</a:t>
-            </a:r>
-          </a:p>
-          <a:p>
+              <a:t> driver for Windows Platform</a:t>
+            </a:r>
+          </a:p>
+          <a:p>
+            <a:r>
+              <a:rPr lang="en-US" altLang="zh-TW" dirty="0"/>
+              <a:t>Implemented by </a:t>
+            </a:r>
+            <a:r>
+              <a:rPr lang="en-US" altLang="zh-TW" dirty="0" err="1"/>
+              <a:t>Storport</a:t>
+            </a:r>
+            <a:r>
+              <a:rPr lang="en-US" altLang="zh-TW" dirty="0"/>
+              <a:t> Miniport framework</a:t>
+            </a:r>
+          </a:p>
+          <a:p>
+            <a:r>
+              <a:rPr lang="en-US" altLang="zh-TW" dirty="0"/>
+              <a:t>Supported only Win 8+</a:t>
+            </a:r>
+          </a:p>
+          <a:p>
+            <a:pPr lvl="1"/>
+            <a:r>
+              <a:rPr lang="en-US" altLang="zh-TW" dirty="0"/>
+              <a:t>Maybe I will make it support Win7 when I have free time.... :p</a:t>
+            </a:r>
+          </a:p>
+          <a:p>
+            <a:pPr lvl="1"/>
             <a:endParaRPr lang="en-US" altLang="zh-TW" dirty="0"/>
           </a:p>
           <a:p>
-            <a:r>
-              <a:rPr lang="en-US" altLang="zh-TW" dirty="0"/>
-              <a:t>Physical Region Page (PRP)</a:t>
-            </a:r>
-          </a:p>
-          <a:p>
-            <a:r>
-              <a:rPr lang="en-US" altLang="zh-TW" dirty="0"/>
-              <a:t>Scatter Gather List (SGL)</a:t>
+            <a:endParaRPr lang="en-US" altLang="zh-TW" dirty="0"/>
+          </a:p>
+          <a:p>
+            <a:r>
+              <a:rPr lang="en-US" altLang="zh-TW" dirty="0"/>
+              <a:t>Some information are reversed from windows built-in stornvme.sys.</a:t>
             </a:r>
           </a:p>
           <a:p>
@@ -5744,7 +7384,7 @@
     </p:spTree>
     <p:extLst>
       <p:ext uri="{BB962C8B-B14F-4D97-AF65-F5344CB8AC3E}">
-        <p14:creationId xmlns:p14="http://schemas.microsoft.com/office/powerpoint/2010/main" val="1075892646"/>
+        <p14:creationId xmlns:p14="http://schemas.microsoft.com/office/powerpoint/2010/main" val="1333622040"/>
       </p:ext>
     </p:extLst>
   </p:cSld>
@@ -5754,87 +7394,7 @@
 </p:sld>
 </file>
 
-<file path=ppt/slides/slide22.xml><?xml version="1.0" encoding="utf-8"?>
-<p:sld xmlns:a="http://schemas.openxmlformats.org/drawingml/2006/main" xmlns:r="http://schemas.openxmlformats.org/officeDocument/2006/relationships" xmlns:p="http://schemas.openxmlformats.org/presentationml/2006/main">
-  <p:cSld>
-    <p:spTree>
-      <p:nvGrpSpPr>
-        <p:cNvPr id="1" name=""/>
-        <p:cNvGrpSpPr/>
-        <p:nvPr/>
-      </p:nvGrpSpPr>
-      <p:grpSpPr>
-        <a:xfrm>
-          <a:off x="0" y="0"/>
-          <a:ext cx="0" cy="0"/>
-          <a:chOff x="0" y="0"/>
-          <a:chExt cx="0" cy="0"/>
-        </a:xfrm>
-      </p:grpSpPr>
-      <p:sp>
-        <p:nvSpPr>
-          <p:cNvPr id="2" name="標題 1">
-            <a:extLst>
-              <a:ext uri="{FF2B5EF4-FFF2-40B4-BE49-F238E27FC236}">
-                <a16:creationId xmlns:a16="http://schemas.microsoft.com/office/drawing/2014/main" id="{EC86F950-3471-456F-B75A-981FB35221F3}"/>
-              </a:ext>
-            </a:extLst>
-          </p:cNvPr>
-          <p:cNvSpPr>
-            <a:spLocks noGrp="1"/>
-          </p:cNvSpPr>
-          <p:nvPr>
-            <p:ph type="title"/>
-          </p:nvPr>
-        </p:nvSpPr>
-        <p:spPr/>
-        <p:txBody>
-          <a:bodyPr/>
-          <a:lstStyle/>
-          <a:p>
-            <a:endParaRPr lang="zh-TW" altLang="en-US" dirty="0"/>
-          </a:p>
-        </p:txBody>
-      </p:sp>
-      <p:sp>
-        <p:nvSpPr>
-          <p:cNvPr id="3" name="內容版面配置區 2">
-            <a:extLst>
-              <a:ext uri="{FF2B5EF4-FFF2-40B4-BE49-F238E27FC236}">
-                <a16:creationId xmlns:a16="http://schemas.microsoft.com/office/drawing/2014/main" id="{9E6D7088-FD26-4E35-ACB4-34AA12025937}"/>
-              </a:ext>
-            </a:extLst>
-          </p:cNvPr>
-          <p:cNvSpPr>
-            <a:spLocks noGrp="1"/>
-          </p:cNvSpPr>
-          <p:nvPr>
-            <p:ph idx="1"/>
-          </p:nvPr>
-        </p:nvSpPr>
-        <p:spPr/>
-        <p:txBody>
-          <a:bodyPr/>
-          <a:lstStyle/>
-          <a:p>
-            <a:endParaRPr lang="zh-TW" altLang="en-US"/>
-          </a:p>
-        </p:txBody>
-      </p:sp>
-    </p:spTree>
-    <p:extLst>
-      <p:ext uri="{BB962C8B-B14F-4D97-AF65-F5344CB8AC3E}">
-        <p14:creationId xmlns:p14="http://schemas.microsoft.com/office/powerpoint/2010/main" val="1983699397"/>
-      </p:ext>
-    </p:extLst>
-  </p:cSld>
-  <p:clrMapOvr>
-    <a:masterClrMapping/>
-  </p:clrMapOvr>
-</p:sld>
-</file>
-
-<file path=ppt/slides/slide23.xml><?xml version="1.0" encoding="utf-8"?>
+<file path=ppt/slides/slide30.xml><?xml version="1.0" encoding="utf-8"?>
 <p:sld xmlns:a="http://schemas.openxmlformats.org/drawingml/2006/main" xmlns:r="http://schemas.openxmlformats.org/officeDocument/2006/relationships" xmlns:p="http://schemas.openxmlformats.org/presentationml/2006/main">
   <p:cSld>
     <p:spTree>
@@ -7331,7 +8891,7 @@
     </p:spTree>
     <p:extLst>
       <p:ext uri="{BB962C8B-B14F-4D97-AF65-F5344CB8AC3E}">
-        <p14:creationId xmlns:p14="http://schemas.microsoft.com/office/powerpoint/2010/main" val="3225014572"/>
+        <p14:creationId xmlns:p14="http://schemas.microsoft.com/office/powerpoint/2010/main" val="300965638"/>
       </p:ext>
     </p:extLst>
   </p:cSld>
@@ -7341,7 +8901,7 @@
 </p:sld>
 </file>
 
-<file path=ppt/slides/slide24.xml><?xml version="1.0" encoding="utf-8"?>
+<file path=ppt/slides/slide31.xml><?xml version="1.0" encoding="utf-8"?>
 <p:sld xmlns:a="http://schemas.openxmlformats.org/drawingml/2006/main" xmlns:r="http://schemas.openxmlformats.org/officeDocument/2006/relationships" xmlns:p="http://schemas.openxmlformats.org/presentationml/2006/main">
   <p:cSld>
     <p:spTree>
@@ -7503,7 +9063,7 @@
     </p:spTree>
     <p:extLst>
       <p:ext uri="{BB962C8B-B14F-4D97-AF65-F5344CB8AC3E}">
-        <p14:creationId xmlns:p14="http://schemas.microsoft.com/office/powerpoint/2010/main" val="1102719799"/>
+        <p14:creationId xmlns:p14="http://schemas.microsoft.com/office/powerpoint/2010/main" val="2140232046"/>
       </p:ext>
     </p:extLst>
   </p:cSld>
@@ -7513,7 +9073,7 @@
 </p:sld>
 </file>
 
-<file path=ppt/slides/slide25.xml><?xml version="1.0" encoding="utf-8"?>
+<file path=ppt/slides/slide32.xml><?xml version="1.0" encoding="utf-8"?>
 <p:sld xmlns:a="http://schemas.openxmlformats.org/drawingml/2006/main" xmlns:r="http://schemas.openxmlformats.org/officeDocument/2006/relationships" xmlns:p="http://schemas.openxmlformats.org/presentationml/2006/main">
   <p:cSld>
     <p:spTree>
@@ -7583,7 +9143,7 @@
     </p:spTree>
     <p:extLst>
       <p:ext uri="{BB962C8B-B14F-4D97-AF65-F5344CB8AC3E}">
-        <p14:creationId xmlns:p14="http://schemas.microsoft.com/office/powerpoint/2010/main" val="3141863352"/>
+        <p14:creationId xmlns:p14="http://schemas.microsoft.com/office/powerpoint/2010/main" val="1983699397"/>
       </p:ext>
     </p:extLst>
   </p:cSld>
@@ -7593,7 +9153,7 @@
 </p:sld>
 </file>
 
-<file path=ppt/slides/slide26.xml><?xml version="1.0" encoding="utf-8"?>
+<file path=ppt/slides/slide33.xml><?xml version="1.0" encoding="utf-8"?>
 <p:sld xmlns:a="http://schemas.openxmlformats.org/drawingml/2006/main" xmlns:r="http://schemas.openxmlformats.org/officeDocument/2006/relationships" xmlns:p="http://schemas.openxmlformats.org/presentationml/2006/main">
   <p:cSld>
     <p:spTree>
@@ -7615,7 +9175,7 @@
           <p:cNvPr id="4" name="標題 3">
             <a:extLst>
               <a:ext uri="{FF2B5EF4-FFF2-40B4-BE49-F238E27FC236}">
-                <a16:creationId xmlns:a16="http://schemas.microsoft.com/office/drawing/2014/main" id="{00F7993E-90D9-4121-8ABB-193ED25601F3}"/>
+                <a16:creationId xmlns:a16="http://schemas.microsoft.com/office/drawing/2014/main" id="{9108BE99-58FD-4D5D-9AA4-65A64F5EC935}"/>
               </a:ext>
             </a:extLst>
           </p:cNvPr>
@@ -7633,23 +9193,7 @@
           <a:p>
             <a:r>
               <a:rPr lang="en-US" altLang="zh-TW" dirty="0"/>
-              <a:t>SCSI</a:t>
-            </a:r>
-            <a:r>
-              <a:rPr lang="zh-TW" altLang="en-US" dirty="0"/>
-              <a:t> </a:t>
-            </a:r>
-            <a:r>
-              <a:rPr lang="en-US" altLang="zh-TW" dirty="0"/>
-              <a:t>Command</a:t>
-            </a:r>
-            <a:r>
-              <a:rPr lang="zh-TW" altLang="en-US" dirty="0"/>
-              <a:t> </a:t>
-            </a:r>
-            <a:r>
-              <a:rPr lang="en-US" altLang="zh-TW" dirty="0"/>
-              <a:t>Translation</a:t>
+              <a:t>Command and Completion</a:t>
             </a:r>
             <a:endParaRPr lang="zh-TW" altLang="en-US" dirty="0"/>
           </a:p>
@@ -7660,7 +9204,7 @@
           <p:cNvPr id="5" name="文字版面配置區 4">
             <a:extLst>
               <a:ext uri="{FF2B5EF4-FFF2-40B4-BE49-F238E27FC236}">
-                <a16:creationId xmlns:a16="http://schemas.microsoft.com/office/drawing/2014/main" id="{51C43A67-4728-421E-9965-03B66287D293}"/>
+                <a16:creationId xmlns:a16="http://schemas.microsoft.com/office/drawing/2014/main" id="{97D13A04-9C11-47DC-B7E1-8E69EA7F1754}"/>
               </a:ext>
             </a:extLst>
           </p:cNvPr>
@@ -7683,7 +9227,7 @@
     </p:spTree>
     <p:extLst>
       <p:ext uri="{BB962C8B-B14F-4D97-AF65-F5344CB8AC3E}">
-        <p14:creationId xmlns:p14="http://schemas.microsoft.com/office/powerpoint/2010/main" val="2036064448"/>
+        <p14:creationId xmlns:p14="http://schemas.microsoft.com/office/powerpoint/2010/main" val="3254601453"/>
       </p:ext>
     </p:extLst>
   </p:cSld>
@@ -7693,7 +9237,7 @@
 </p:sld>
 </file>
 
-<file path=ppt/slides/slide27.xml><?xml version="1.0" encoding="utf-8"?>
+<file path=ppt/slides/slide34.xml><?xml version="1.0" encoding="utf-8"?>
 <p:sld xmlns:a="http://schemas.openxmlformats.org/drawingml/2006/main" xmlns:r="http://schemas.openxmlformats.org/officeDocument/2006/relationships" xmlns:p="http://schemas.openxmlformats.org/presentationml/2006/main">
   <p:cSld>
     <p:spTree>
@@ -7733,7 +9277,7 @@
           <a:p>
             <a:r>
               <a:rPr lang="en-US" altLang="zh-TW" dirty="0"/>
-              <a:t>SCSI Translation</a:t>
+              <a:t>NVME Command</a:t>
             </a:r>
             <a:endParaRPr lang="zh-TW" altLang="en-US" dirty="0"/>
           </a:p>
@@ -7757,17 +9301,79 @@
         </p:nvSpPr>
         <p:spPr/>
         <p:txBody>
-          <a:bodyPr/>
-          <a:lstStyle/>
-          <a:p>
-            <a:endParaRPr lang="zh-TW" altLang="en-US" dirty="0"/>
+          <a:bodyPr>
+            <a:normAutofit/>
+          </a:bodyPr>
+          <a:lstStyle/>
+          <a:p>
+            <a:r>
+              <a:rPr lang="en-US" altLang="zh-TW" dirty="0"/>
+              <a:t>Total 64 Bytes, defined in </a:t>
+            </a:r>
+            <a:r>
+              <a:rPr lang="en-US" altLang="zh-TW" dirty="0" err="1"/>
+              <a:t>nvme.h</a:t>
+            </a:r>
+            <a:r>
+              <a:rPr lang="en-US" altLang="zh-TW" dirty="0"/>
+              <a:t> struct _NVME_COMMAND</a:t>
+            </a:r>
+          </a:p>
+          <a:p>
+            <a:pPr lvl="1"/>
+            <a:r>
+              <a:rPr lang="en-US" altLang="zh-TW" dirty="0" err="1"/>
+              <a:t>NVMe</a:t>
+            </a:r>
+            <a:r>
+              <a:rPr lang="en-US" altLang="zh-TW" dirty="0"/>
+              <a:t> spec 1.3 Figure11</a:t>
+            </a:r>
+          </a:p>
+          <a:p>
+            <a:pPr lvl="1"/>
+            <a:r>
+              <a:rPr lang="en-US" altLang="zh-TW" dirty="0"/>
+              <a:t>CDW0 : 4 bytes</a:t>
+            </a:r>
+          </a:p>
+          <a:p>
+            <a:pPr lvl="1"/>
+            <a:r>
+              <a:rPr lang="en-US" altLang="zh-TW" dirty="0"/>
+              <a:t>NSID : 4 bytes</a:t>
+            </a:r>
+          </a:p>
+          <a:p>
+            <a:pPr lvl="1"/>
+            <a:r>
+              <a:rPr lang="en-US" altLang="zh-TW" dirty="0"/>
+              <a:t>MPTR : 8 bytes</a:t>
+            </a:r>
+          </a:p>
+          <a:p>
+            <a:pPr lvl="1"/>
+            <a:r>
+              <a:rPr lang="en-US" altLang="zh-TW" dirty="0"/>
+              <a:t>DPTR (PRP1 and PRP2) : 16 bytes</a:t>
+            </a:r>
+          </a:p>
+          <a:p>
+            <a:pPr lvl="1"/>
+            <a:r>
+              <a:rPr lang="en-US" altLang="zh-TW" dirty="0"/>
+              <a:t>CDW10 ~ CDW15 : 4 bytes for each</a:t>
+            </a:r>
+          </a:p>
+          <a:p>
+            <a:endParaRPr lang="en-US" altLang="zh-TW" dirty="0"/>
           </a:p>
         </p:txBody>
       </p:sp>
     </p:spTree>
     <p:extLst>
       <p:ext uri="{BB962C8B-B14F-4D97-AF65-F5344CB8AC3E}">
-        <p14:creationId xmlns:p14="http://schemas.microsoft.com/office/powerpoint/2010/main" val="2864589049"/>
+        <p14:creationId xmlns:p14="http://schemas.microsoft.com/office/powerpoint/2010/main" val="3141863352"/>
       </p:ext>
     </p:extLst>
   </p:cSld>
@@ -7777,7 +9383,7 @@
 </p:sld>
 </file>
 
-<file path=ppt/slides/slide28.xml><?xml version="1.0" encoding="utf-8"?>
+<file path=ppt/slides/slide35.xml><?xml version="1.0" encoding="utf-8"?>
 <p:sld xmlns:a="http://schemas.openxmlformats.org/drawingml/2006/main" xmlns:r="http://schemas.openxmlformats.org/officeDocument/2006/relationships" xmlns:p="http://schemas.openxmlformats.org/presentationml/2006/main">
   <p:cSld>
     <p:spTree>
@@ -7815,39 +9421,508 @@
           <a:bodyPr/>
           <a:lstStyle/>
           <a:p>
-            <a:endParaRPr lang="zh-TW" altLang="en-US"/>
-          </a:p>
-        </p:txBody>
-      </p:sp>
-      <p:sp>
-        <p:nvSpPr>
-          <p:cNvPr id="3" name="內容版面配置區 2">
-            <a:extLst>
-              <a:ext uri="{FF2B5EF4-FFF2-40B4-BE49-F238E27FC236}">
-                <a16:creationId xmlns:a16="http://schemas.microsoft.com/office/drawing/2014/main" id="{9E6D7088-FD26-4E35-ACB4-34AA12025937}"/>
-              </a:ext>
-            </a:extLst>
-          </p:cNvPr>
-          <p:cNvSpPr>
-            <a:spLocks noGrp="1"/>
-          </p:cNvSpPr>
+            <a:r>
+              <a:rPr lang="en-US" altLang="zh-TW" dirty="0"/>
+              <a:t>NVME Command</a:t>
+            </a:r>
+            <a:endParaRPr lang="zh-TW" altLang="en-US" dirty="0"/>
+          </a:p>
+        </p:txBody>
+      </p:sp>
+      <p:pic>
+        <p:nvPicPr>
+          <p:cNvPr id="5" name="內容版面配置區 4">
+            <a:extLst>
+              <a:ext uri="{FF2B5EF4-FFF2-40B4-BE49-F238E27FC236}">
+                <a16:creationId xmlns:a16="http://schemas.microsoft.com/office/drawing/2014/main" id="{BEF409FE-5A7F-7CA8-621E-20652222B249}"/>
+              </a:ext>
+            </a:extLst>
+          </p:cNvPr>
+          <p:cNvPicPr>
+            <a:picLocks noGrp="1" noChangeAspect="1"/>
+          </p:cNvPicPr>
           <p:nvPr>
             <p:ph idx="1"/>
           </p:nvPr>
-        </p:nvSpPr>
-        <p:spPr/>
-        <p:txBody>
-          <a:bodyPr/>
-          <a:lstStyle/>
-          <a:p>
-            <a:endParaRPr lang="zh-TW" altLang="en-US"/>
-          </a:p>
-        </p:txBody>
-      </p:sp>
+        </p:nvPicPr>
+        <p:blipFill>
+          <a:blip r:embed="rId2"/>
+          <a:stretch>
+            <a:fillRect/>
+          </a:stretch>
+        </p:blipFill>
+        <p:spPr>
+          <a:xfrm>
+            <a:off x="838200" y="1528331"/>
+            <a:ext cx="6358348" cy="5178769"/>
+          </a:xfrm>
+        </p:spPr>
+      </p:pic>
+      <p:sp>
+        <p:nvSpPr>
+          <p:cNvPr id="6" name="文字方塊 5">
+            <a:extLst>
+              <a:ext uri="{FF2B5EF4-FFF2-40B4-BE49-F238E27FC236}">
+                <a16:creationId xmlns:a16="http://schemas.microsoft.com/office/drawing/2014/main" id="{D343687D-CA6D-7691-8489-D62A9E04507A}"/>
+              </a:ext>
+            </a:extLst>
+          </p:cNvPr>
+          <p:cNvSpPr txBox="1"/>
+          <p:nvPr/>
+        </p:nvSpPr>
+        <p:spPr>
+          <a:xfrm>
+            <a:off x="7412761" y="2387350"/>
+            <a:ext cx="2867132" cy="369332"/>
+          </a:xfrm>
+          <a:prstGeom prst="rect">
+            <a:avLst/>
+          </a:prstGeom>
+          <a:noFill/>
+        </p:spPr>
+        <p:txBody>
+          <a:bodyPr wrap="none" rtlCol="0">
+            <a:spAutoFit/>
+          </a:bodyPr>
+          <a:lstStyle/>
+          <a:p>
+            <a:r>
+              <a:rPr lang="en-US" altLang="zh-TW" dirty="0" err="1">
+                <a:solidFill>
+                  <a:schemeClr val="accent5">
+                    <a:lumMod val="75000"/>
+                  </a:schemeClr>
+                </a:solidFill>
+              </a:rPr>
+              <a:t>OpCode</a:t>
+            </a:r>
+            <a:r>
+              <a:rPr lang="zh-TW" altLang="en-US" dirty="0">
+                <a:solidFill>
+                  <a:schemeClr val="accent5">
+                    <a:lumMod val="75000"/>
+                  </a:schemeClr>
+                </a:solidFill>
+              </a:rPr>
+              <a:t>、</a:t>
+            </a:r>
+            <a:r>
+              <a:rPr lang="en-US" altLang="zh-TW" dirty="0">
+                <a:solidFill>
+                  <a:schemeClr val="accent5">
+                    <a:lumMod val="75000"/>
+                  </a:schemeClr>
+                </a:solidFill>
+              </a:rPr>
+              <a:t>Fuse</a:t>
+            </a:r>
+            <a:r>
+              <a:rPr lang="zh-TW" altLang="en-US" dirty="0">
+                <a:solidFill>
+                  <a:schemeClr val="accent5">
+                    <a:lumMod val="75000"/>
+                  </a:schemeClr>
+                </a:solidFill>
+              </a:rPr>
+              <a:t>、</a:t>
+            </a:r>
+            <a:r>
+              <a:rPr lang="en-US" altLang="zh-TW" dirty="0">
+                <a:solidFill>
+                  <a:schemeClr val="accent5">
+                    <a:lumMod val="75000"/>
+                  </a:schemeClr>
+                </a:solidFill>
+              </a:rPr>
+              <a:t>PSDT</a:t>
+            </a:r>
+            <a:r>
+              <a:rPr lang="zh-TW" altLang="en-US" dirty="0">
+                <a:solidFill>
+                  <a:schemeClr val="accent5">
+                    <a:lumMod val="75000"/>
+                  </a:schemeClr>
+                </a:solidFill>
+              </a:rPr>
+              <a:t>、</a:t>
+            </a:r>
+            <a:r>
+              <a:rPr lang="en-US" altLang="zh-TW" dirty="0">
+                <a:solidFill>
+                  <a:schemeClr val="accent5">
+                    <a:lumMod val="75000"/>
+                  </a:schemeClr>
+                </a:solidFill>
+              </a:rPr>
+              <a:t>CID</a:t>
+            </a:r>
+            <a:endParaRPr lang="zh-TW" altLang="en-US" dirty="0">
+              <a:solidFill>
+                <a:schemeClr val="accent5">
+                  <a:lumMod val="75000"/>
+                </a:schemeClr>
+              </a:solidFill>
+            </a:endParaRPr>
+          </a:p>
+        </p:txBody>
+      </p:sp>
+      <p:cxnSp>
+        <p:nvCxnSpPr>
+          <p:cNvPr id="8" name="直線單箭頭接點 7">
+            <a:extLst>
+              <a:ext uri="{FF2B5EF4-FFF2-40B4-BE49-F238E27FC236}">
+                <a16:creationId xmlns:a16="http://schemas.microsoft.com/office/drawing/2014/main" id="{0077A9DC-20EC-CBBB-8010-1DAB4A23A406}"/>
+              </a:ext>
+            </a:extLst>
+          </p:cNvPr>
+          <p:cNvCxnSpPr>
+            <a:stCxn id="6" idx="1"/>
+          </p:cNvCxnSpPr>
+          <p:nvPr/>
+        </p:nvCxnSpPr>
+        <p:spPr>
+          <a:xfrm flipH="1">
+            <a:off x="4400550" y="2572016"/>
+            <a:ext cx="3012211" cy="856984"/>
+          </a:xfrm>
+          <a:prstGeom prst="straightConnector1">
+            <a:avLst/>
+          </a:prstGeom>
+          <a:ln w="57150">
+            <a:tailEnd type="triangle"/>
+          </a:ln>
+        </p:spPr>
+        <p:style>
+          <a:lnRef idx="1">
+            <a:schemeClr val="accent1"/>
+          </a:lnRef>
+          <a:fillRef idx="0">
+            <a:schemeClr val="accent1"/>
+          </a:fillRef>
+          <a:effectRef idx="0">
+            <a:schemeClr val="accent1"/>
+          </a:effectRef>
+          <a:fontRef idx="minor">
+            <a:schemeClr val="tx1"/>
+          </a:fontRef>
+        </p:style>
+      </p:cxnSp>
+      <p:sp>
+        <p:nvSpPr>
+          <p:cNvPr id="9" name="文字方塊 8">
+            <a:extLst>
+              <a:ext uri="{FF2B5EF4-FFF2-40B4-BE49-F238E27FC236}">
+                <a16:creationId xmlns:a16="http://schemas.microsoft.com/office/drawing/2014/main" id="{DFB9EA10-98A9-1876-88FA-59A04B85DEA6}"/>
+              </a:ext>
+            </a:extLst>
+          </p:cNvPr>
+          <p:cNvSpPr txBox="1"/>
+          <p:nvPr/>
+        </p:nvSpPr>
+        <p:spPr>
+          <a:xfrm>
+            <a:off x="7412761" y="2908175"/>
+            <a:ext cx="1532792" cy="369332"/>
+          </a:xfrm>
+          <a:prstGeom prst="rect">
+            <a:avLst/>
+          </a:prstGeom>
+          <a:noFill/>
+        </p:spPr>
+        <p:txBody>
+          <a:bodyPr wrap="none" rtlCol="0">
+            <a:spAutoFit/>
+          </a:bodyPr>
+          <a:lstStyle/>
+          <a:p>
+            <a:r>
+              <a:rPr lang="en-US" altLang="zh-TW" dirty="0">
+                <a:solidFill>
+                  <a:schemeClr val="accent5">
+                    <a:lumMod val="75000"/>
+                  </a:schemeClr>
+                </a:solidFill>
+              </a:rPr>
+              <a:t>Namespace ID</a:t>
+            </a:r>
+            <a:endParaRPr lang="zh-TW" altLang="en-US" dirty="0">
+              <a:solidFill>
+                <a:schemeClr val="accent5">
+                  <a:lumMod val="75000"/>
+                </a:schemeClr>
+              </a:solidFill>
+            </a:endParaRPr>
+          </a:p>
+        </p:txBody>
+      </p:sp>
+      <p:cxnSp>
+        <p:nvCxnSpPr>
+          <p:cNvPr id="10" name="直線單箭頭接點 9">
+            <a:extLst>
+              <a:ext uri="{FF2B5EF4-FFF2-40B4-BE49-F238E27FC236}">
+                <a16:creationId xmlns:a16="http://schemas.microsoft.com/office/drawing/2014/main" id="{B6AC1F3A-2E01-3749-6742-DDA31C97AC2B}"/>
+              </a:ext>
+            </a:extLst>
+          </p:cNvPr>
+          <p:cNvCxnSpPr>
+            <a:cxnSpLocks/>
+            <a:stCxn id="9" idx="1"/>
+          </p:cNvCxnSpPr>
+          <p:nvPr/>
+        </p:nvCxnSpPr>
+        <p:spPr>
+          <a:xfrm flipH="1">
+            <a:off x="4444512" y="3092841"/>
+            <a:ext cx="2968249" cy="545169"/>
+          </a:xfrm>
+          <a:prstGeom prst="straightConnector1">
+            <a:avLst/>
+          </a:prstGeom>
+          <a:ln w="57150">
+            <a:tailEnd type="triangle"/>
+          </a:ln>
+        </p:spPr>
+        <p:style>
+          <a:lnRef idx="1">
+            <a:schemeClr val="accent1"/>
+          </a:lnRef>
+          <a:fillRef idx="0">
+            <a:schemeClr val="accent1"/>
+          </a:fillRef>
+          <a:effectRef idx="0">
+            <a:schemeClr val="accent1"/>
+          </a:effectRef>
+          <a:fontRef idx="minor">
+            <a:schemeClr val="tx1"/>
+          </a:fontRef>
+        </p:style>
+      </p:cxnSp>
+      <p:sp>
+        <p:nvSpPr>
+          <p:cNvPr id="13" name="文字方塊 12">
+            <a:extLst>
+              <a:ext uri="{FF2B5EF4-FFF2-40B4-BE49-F238E27FC236}">
+                <a16:creationId xmlns:a16="http://schemas.microsoft.com/office/drawing/2014/main" id="{6F333FA7-DAE4-303E-5732-EF6574461AB3}"/>
+              </a:ext>
+            </a:extLst>
+          </p:cNvPr>
+          <p:cNvSpPr txBox="1"/>
+          <p:nvPr/>
+        </p:nvSpPr>
+        <p:spPr>
+          <a:xfrm>
+            <a:off x="7412761" y="3580493"/>
+            <a:ext cx="633122" cy="369332"/>
+          </a:xfrm>
+          <a:prstGeom prst="rect">
+            <a:avLst/>
+          </a:prstGeom>
+          <a:noFill/>
+        </p:spPr>
+        <p:txBody>
+          <a:bodyPr wrap="none" rtlCol="0">
+            <a:spAutoFit/>
+          </a:bodyPr>
+          <a:lstStyle/>
+          <a:p>
+            <a:r>
+              <a:rPr lang="en-US" altLang="zh-TW" dirty="0">
+                <a:solidFill>
+                  <a:schemeClr val="accent5">
+                    <a:lumMod val="75000"/>
+                  </a:schemeClr>
+                </a:solidFill>
+              </a:rPr>
+              <a:t>PRPs</a:t>
+            </a:r>
+            <a:endParaRPr lang="zh-TW" altLang="en-US" dirty="0">
+              <a:solidFill>
+                <a:schemeClr val="accent5">
+                  <a:lumMod val="75000"/>
+                </a:schemeClr>
+              </a:solidFill>
+            </a:endParaRPr>
+          </a:p>
+        </p:txBody>
+      </p:sp>
+      <p:cxnSp>
+        <p:nvCxnSpPr>
+          <p:cNvPr id="14" name="直線單箭頭接點 13">
+            <a:extLst>
+              <a:ext uri="{FF2B5EF4-FFF2-40B4-BE49-F238E27FC236}">
+                <a16:creationId xmlns:a16="http://schemas.microsoft.com/office/drawing/2014/main" id="{4330F3E6-D3E0-A16D-A6E6-ACAF3E292672}"/>
+              </a:ext>
+            </a:extLst>
+          </p:cNvPr>
+          <p:cNvCxnSpPr>
+            <a:cxnSpLocks/>
+            <a:stCxn id="13" idx="1"/>
+          </p:cNvCxnSpPr>
+          <p:nvPr/>
+        </p:nvCxnSpPr>
+        <p:spPr>
+          <a:xfrm flipH="1">
+            <a:off x="4339004" y="3765159"/>
+            <a:ext cx="3073757" cy="670560"/>
+          </a:xfrm>
+          <a:prstGeom prst="straightConnector1">
+            <a:avLst/>
+          </a:prstGeom>
+          <a:ln w="57150">
+            <a:tailEnd type="triangle"/>
+          </a:ln>
+        </p:spPr>
+        <p:style>
+          <a:lnRef idx="1">
+            <a:schemeClr val="accent1"/>
+          </a:lnRef>
+          <a:fillRef idx="0">
+            <a:schemeClr val="accent1"/>
+          </a:fillRef>
+          <a:effectRef idx="0">
+            <a:schemeClr val="accent1"/>
+          </a:effectRef>
+          <a:fontRef idx="minor">
+            <a:schemeClr val="tx1"/>
+          </a:fontRef>
+        </p:style>
+      </p:cxnSp>
+      <p:cxnSp>
+        <p:nvCxnSpPr>
+          <p:cNvPr id="17" name="直線單箭頭接點 16">
+            <a:extLst>
+              <a:ext uri="{FF2B5EF4-FFF2-40B4-BE49-F238E27FC236}">
+                <a16:creationId xmlns:a16="http://schemas.microsoft.com/office/drawing/2014/main" id="{8FB4F428-6D3F-2050-8104-EE12912748C1}"/>
+              </a:ext>
+            </a:extLst>
+          </p:cNvPr>
+          <p:cNvCxnSpPr>
+            <a:cxnSpLocks/>
+            <a:stCxn id="13" idx="1"/>
+          </p:cNvCxnSpPr>
+          <p:nvPr/>
+        </p:nvCxnSpPr>
+        <p:spPr>
+          <a:xfrm flipH="1">
+            <a:off x="4339004" y="3765159"/>
+            <a:ext cx="3073757" cy="880449"/>
+          </a:xfrm>
+          <a:prstGeom prst="straightConnector1">
+            <a:avLst/>
+          </a:prstGeom>
+          <a:ln w="57150">
+            <a:tailEnd type="triangle"/>
+          </a:ln>
+        </p:spPr>
+        <p:style>
+          <a:lnRef idx="1">
+            <a:schemeClr val="accent1"/>
+          </a:lnRef>
+          <a:fillRef idx="0">
+            <a:schemeClr val="accent1"/>
+          </a:fillRef>
+          <a:effectRef idx="0">
+            <a:schemeClr val="accent1"/>
+          </a:effectRef>
+          <a:fontRef idx="minor">
+            <a:schemeClr val="tx1"/>
+          </a:fontRef>
+        </p:style>
+      </p:cxnSp>
+      <p:sp>
+        <p:nvSpPr>
+          <p:cNvPr id="19" name="文字方塊 18">
+            <a:extLst>
+              <a:ext uri="{FF2B5EF4-FFF2-40B4-BE49-F238E27FC236}">
+                <a16:creationId xmlns:a16="http://schemas.microsoft.com/office/drawing/2014/main" id="{A05493C8-AB75-446B-F087-1E0C739EB951}"/>
+              </a:ext>
+            </a:extLst>
+          </p:cNvPr>
+          <p:cNvSpPr txBox="1"/>
+          <p:nvPr/>
+        </p:nvSpPr>
+        <p:spPr>
+          <a:xfrm>
+            <a:off x="7453052" y="5611830"/>
+            <a:ext cx="3900748" cy="369332"/>
+          </a:xfrm>
+          <a:prstGeom prst="rect">
+            <a:avLst/>
+          </a:prstGeom>
+          <a:noFill/>
+        </p:spPr>
+        <p:txBody>
+          <a:bodyPr wrap="none" rtlCol="0">
+            <a:spAutoFit/>
+          </a:bodyPr>
+          <a:lstStyle/>
+          <a:p>
+            <a:r>
+              <a:rPr lang="en-US" altLang="zh-TW" dirty="0">
+                <a:solidFill>
+                  <a:schemeClr val="accent5">
+                    <a:lumMod val="75000"/>
+                  </a:schemeClr>
+                </a:solidFill>
+              </a:rPr>
+              <a:t>Structures for corresponding command</a:t>
+            </a:r>
+            <a:endParaRPr lang="zh-TW" altLang="en-US" dirty="0">
+              <a:solidFill>
+                <a:schemeClr val="accent5">
+                  <a:lumMod val="75000"/>
+                </a:schemeClr>
+              </a:solidFill>
+            </a:endParaRPr>
+          </a:p>
+        </p:txBody>
+      </p:sp>
+      <p:cxnSp>
+        <p:nvCxnSpPr>
+          <p:cNvPr id="20" name="直線單箭頭接點 19">
+            <a:extLst>
+              <a:ext uri="{FF2B5EF4-FFF2-40B4-BE49-F238E27FC236}">
+                <a16:creationId xmlns:a16="http://schemas.microsoft.com/office/drawing/2014/main" id="{2615030A-E1FE-AD9D-FE81-B196A3415268}"/>
+              </a:ext>
+            </a:extLst>
+          </p:cNvPr>
+          <p:cNvCxnSpPr>
+            <a:cxnSpLocks/>
+            <a:stCxn id="19" idx="1"/>
+          </p:cNvCxnSpPr>
+          <p:nvPr/>
+        </p:nvCxnSpPr>
+        <p:spPr>
+          <a:xfrm flipH="1">
+            <a:off x="3556488" y="5796496"/>
+            <a:ext cx="3896564" cy="209889"/>
+          </a:xfrm>
+          <a:prstGeom prst="straightConnector1">
+            <a:avLst/>
+          </a:prstGeom>
+          <a:ln w="57150">
+            <a:tailEnd type="triangle"/>
+          </a:ln>
+        </p:spPr>
+        <p:style>
+          <a:lnRef idx="1">
+            <a:schemeClr val="accent1"/>
+          </a:lnRef>
+          <a:fillRef idx="0">
+            <a:schemeClr val="accent1"/>
+          </a:fillRef>
+          <a:effectRef idx="0">
+            <a:schemeClr val="accent1"/>
+          </a:effectRef>
+          <a:fontRef idx="minor">
+            <a:schemeClr val="tx1"/>
+          </a:fontRef>
+        </p:style>
+      </p:cxnSp>
     </p:spTree>
     <p:extLst>
       <p:ext uri="{BB962C8B-B14F-4D97-AF65-F5344CB8AC3E}">
-        <p14:creationId xmlns:p14="http://schemas.microsoft.com/office/powerpoint/2010/main" val="386798515"/>
+        <p14:creationId xmlns:p14="http://schemas.microsoft.com/office/powerpoint/2010/main" val="1136481062"/>
       </p:ext>
     </p:extLst>
   </p:cSld>
@@ -7857,7 +9932,7 @@
 </p:sld>
 </file>
 
-<file path=ppt/slides/slide29.xml><?xml version="1.0" encoding="utf-8"?>
+<file path=ppt/slides/slide36.xml><?xml version="1.0" encoding="utf-8"?>
 <p:sld xmlns:a="http://schemas.openxmlformats.org/drawingml/2006/main" xmlns:r="http://schemas.openxmlformats.org/officeDocument/2006/relationships" xmlns:p="http://schemas.openxmlformats.org/presentationml/2006/main">
   <p:cSld>
     <p:spTree>
@@ -7879,7 +9954,7 @@
           <p:cNvPr id="2" name="標題 1">
             <a:extLst>
               <a:ext uri="{FF2B5EF4-FFF2-40B4-BE49-F238E27FC236}">
-                <a16:creationId xmlns:a16="http://schemas.microsoft.com/office/drawing/2014/main" id="{5DD07498-5F52-49AE-8F70-D644A562FAEE}"/>
+                <a16:creationId xmlns:a16="http://schemas.microsoft.com/office/drawing/2014/main" id="{EC86F950-3471-456F-B75A-981FB35221F3}"/>
               </a:ext>
             </a:extLst>
           </p:cNvPr>
@@ -7897,7 +9972,7 @@
           <a:p>
             <a:r>
               <a:rPr lang="en-US" altLang="zh-TW" dirty="0"/>
-              <a:t>Reference</a:t>
+              <a:t>NVME Command – CDW0</a:t>
             </a:r>
             <a:endParaRPr lang="zh-TW" altLang="en-US" dirty="0"/>
           </a:p>
@@ -7908,7 +9983,7 @@
           <p:cNvPr id="3" name="內容版面配置區 2">
             <a:extLst>
               <a:ext uri="{FF2B5EF4-FFF2-40B4-BE49-F238E27FC236}">
-                <a16:creationId xmlns:a16="http://schemas.microsoft.com/office/drawing/2014/main" id="{38A78F0E-8A29-474B-B872-6D9F55857160}"/>
+                <a16:creationId xmlns:a16="http://schemas.microsoft.com/office/drawing/2014/main" id="{9E6D7088-FD26-4E35-ACB4-34AA12025937}"/>
               </a:ext>
             </a:extLst>
           </p:cNvPr>
@@ -7924,53 +9999,81 @@
           <a:bodyPr/>
           <a:lstStyle/>
           <a:p>
+            <a:r>
+              <a:rPr lang="en-US" altLang="zh-TW" dirty="0"/>
+              <a:t>Refer to </a:t>
+            </a:r>
             <a:r>
               <a:rPr lang="en-US" altLang="zh-TW" dirty="0" err="1"/>
               <a:t>NVMe</a:t>
             </a:r>
             <a:r>
               <a:rPr lang="en-US" altLang="zh-TW" dirty="0"/>
-              <a:t> 1.3 spec</a:t>
+              <a:t> 1.3 Figure 10</a:t>
             </a:r>
           </a:p>
           <a:p>
             <a:pPr lvl="1"/>
             <a:r>
-              <a:rPr lang="en-US" altLang="zh-TW" dirty="0">
-                <a:hlinkClick r:id="rId2"/>
-              </a:rPr>
-              <a:t>https://nvmexpress.org/wp-content/uploads/NVM_Express_Revision_1.3.pdf</a:t>
+              <a:rPr lang="en-US" altLang="zh-TW" dirty="0" err="1"/>
+              <a:t>OpCode</a:t>
+            </a:r>
+            <a:r>
+              <a:rPr lang="en-US" altLang="zh-TW" dirty="0"/>
+              <a:t> : </a:t>
+            </a:r>
+            <a:r>
+              <a:rPr lang="en-US" altLang="zh-TW" dirty="0" err="1"/>
+              <a:t>cmd</a:t>
+            </a:r>
+            <a:r>
+              <a:rPr lang="en-US" altLang="zh-TW" dirty="0"/>
+              <a:t> code. Admin and I/O command has different </a:t>
+            </a:r>
+            <a:r>
+              <a:rPr lang="en-US" altLang="zh-TW" dirty="0" err="1"/>
+              <a:t>OpCode</a:t>
             </a:r>
             <a:endParaRPr lang="en-US" altLang="zh-TW" dirty="0"/>
           </a:p>
           <a:p>
-            <a:endParaRPr lang="en-US" altLang="zh-TW" dirty="0"/>
-          </a:p>
-          <a:p>
-            <a:r>
-              <a:rPr lang="en-US" altLang="zh-TW" dirty="0"/>
-              <a:t>Windows </a:t>
-            </a:r>
-            <a:r>
-              <a:rPr lang="en-US" altLang="zh-TW" dirty="0" err="1"/>
-              <a:t>StorNVMe</a:t>
-            </a:r>
-            <a:r>
-              <a:rPr lang="en-US" altLang="zh-TW" dirty="0"/>
-              <a:t> driver SCSI Translation Support</a:t>
+            <a:pPr lvl="2"/>
+            <a:r>
+              <a:rPr lang="en-US" altLang="zh-TW" dirty="0"/>
+              <a:t>E.g. NVME_ADMIN_COMMAND_IDENTIFY == 6</a:t>
             </a:r>
           </a:p>
           <a:p>
             <a:pPr lvl="1"/>
             <a:r>
-              <a:rPr lang="en-US" altLang="zh-TW">
-                <a:hlinkClick r:id="rId3"/>
-              </a:rPr>
-              <a:t>https://github.com/MicrosoftDocs/windows-driver-docs/blob/staging/windows-driver-docs-pr/storage/stornvme-scsi-translation-support.md</a:t>
-            </a:r>
-            <a:endParaRPr lang="en-US" altLang="zh-TW"/>
-          </a:p>
-          <a:p>
+              <a:rPr lang="en-US" altLang="zh-TW" dirty="0"/>
+              <a:t>FUSE : fused operation</a:t>
+            </a:r>
+          </a:p>
+          <a:p>
+            <a:pPr lvl="1"/>
+            <a:r>
+              <a:rPr lang="en-US" altLang="zh-TW" dirty="0"/>
+              <a:t>CID : command id, should be unique in entire device currently processing</a:t>
+            </a:r>
+          </a:p>
+          <a:p>
+            <a:pPr lvl="1"/>
+            <a:r>
+              <a:rPr lang="en-US" altLang="zh-TW" dirty="0"/>
+              <a:t>PSDT :</a:t>
+            </a:r>
+            <a:r>
+              <a:rPr lang="zh-TW" altLang="en-US" dirty="0"/>
+              <a:t> </a:t>
+            </a:r>
+            <a:r>
+              <a:rPr lang="en-US" altLang="zh-TW" dirty="0"/>
+              <a:t>select DPTR or MPTR to transfer data. Default 00 == DPTR (use PRP) </a:t>
+            </a:r>
+          </a:p>
+          <a:p>
+            <a:pPr lvl="1"/>
             <a:endParaRPr lang="zh-TW" altLang="en-US" dirty="0"/>
           </a:p>
         </p:txBody>
@@ -7978,7 +10081,7 @@
     </p:spTree>
     <p:extLst>
       <p:ext uri="{BB962C8B-B14F-4D97-AF65-F5344CB8AC3E}">
-        <p14:creationId xmlns:p14="http://schemas.microsoft.com/office/powerpoint/2010/main" val="1102339624"/>
+        <p14:creationId xmlns:p14="http://schemas.microsoft.com/office/powerpoint/2010/main" val="3322081116"/>
       </p:ext>
     </p:extLst>
   </p:cSld>
@@ -7988,7 +10091,7 @@
 </p:sld>
 </file>
 
-<file path=ppt/slides/slide3.xml><?xml version="1.0" encoding="utf-8"?>
+<file path=ppt/slides/slide37.xml><?xml version="1.0" encoding="utf-8"?>
 <p:sld xmlns:a="http://schemas.openxmlformats.org/drawingml/2006/main" xmlns:r="http://schemas.openxmlformats.org/officeDocument/2006/relationships" xmlns:p="http://schemas.openxmlformats.org/presentationml/2006/main">
   <p:cSld>
     <p:spTree>
@@ -8010,7 +10113,7 @@
           <p:cNvPr id="2" name="標題 1">
             <a:extLst>
               <a:ext uri="{FF2B5EF4-FFF2-40B4-BE49-F238E27FC236}">
-                <a16:creationId xmlns:a16="http://schemas.microsoft.com/office/drawing/2014/main" id="{5DD07498-5F52-49AE-8F70-D644A562FAEE}"/>
+                <a16:creationId xmlns:a16="http://schemas.microsoft.com/office/drawing/2014/main" id="{FC8BBE01-F13D-34EE-5C42-1122F44F7643}"/>
               </a:ext>
             </a:extLst>
           </p:cNvPr>
@@ -8028,15 +10131,7 @@
           <a:p>
             <a:r>
               <a:rPr lang="en-US" altLang="zh-TW" dirty="0"/>
-              <a:t>What is </a:t>
-            </a:r>
-            <a:r>
-              <a:rPr lang="en-US" altLang="zh-TW" dirty="0" err="1"/>
-              <a:t>SPCNVMe</a:t>
-            </a:r>
-            <a:r>
-              <a:rPr lang="en-US" altLang="zh-TW" dirty="0"/>
-              <a:t> ?</a:t>
+              <a:t>NVME Command – NSID</a:t>
             </a:r>
             <a:endParaRPr lang="zh-TW" altLang="en-US" dirty="0"/>
           </a:p>
@@ -8047,7 +10142,7 @@
           <p:cNvPr id="3" name="內容版面配置區 2">
             <a:extLst>
               <a:ext uri="{FF2B5EF4-FFF2-40B4-BE49-F238E27FC236}">
-                <a16:creationId xmlns:a16="http://schemas.microsoft.com/office/drawing/2014/main" id="{38A78F0E-8A29-474B-B872-6D9F55857160}"/>
+                <a16:creationId xmlns:a16="http://schemas.microsoft.com/office/drawing/2014/main" id="{A1F40A70-EB7D-F09D-C74D-E375A6E2BA2C}"/>
               </a:ext>
             </a:extLst>
           </p:cNvPr>
@@ -8065,15 +10160,7 @@
           <a:p>
             <a:r>
               <a:rPr lang="en-US" altLang="zh-TW" dirty="0"/>
-              <a:t>an </a:t>
-            </a:r>
-            <a:r>
-              <a:rPr lang="en-US" altLang="zh-TW" dirty="0" err="1"/>
-              <a:t>OpenSource</a:t>
-            </a:r>
-            <a:r>
-              <a:rPr lang="en-US" altLang="zh-TW" dirty="0"/>
-              <a:t> PCIe </a:t>
+              <a:t>Refer to </a:t>
             </a:r>
             <a:r>
               <a:rPr lang="en-US" altLang="zh-TW" dirty="0" err="1"/>
@@ -8081,50 +10168,59 @@
             </a:r>
             <a:r>
               <a:rPr lang="en-US" altLang="zh-TW" dirty="0"/>
-              <a:t> driver for Windows Platform</a:t>
-            </a:r>
-          </a:p>
-          <a:p>
-            <a:r>
-              <a:rPr lang="en-US" altLang="zh-TW" dirty="0"/>
-              <a:t>Implemented by </a:t>
+              <a:t> 1.3 Figure 11</a:t>
+            </a:r>
+          </a:p>
+          <a:p>
+            <a:pPr lvl="1"/>
+            <a:r>
+              <a:rPr lang="en-US" altLang="zh-TW" dirty="0"/>
+              <a:t>Select Namespace ID that this command applies to.</a:t>
+            </a:r>
+          </a:p>
+          <a:p>
+            <a:pPr lvl="1"/>
+            <a:r>
+              <a:rPr lang="en-US" altLang="zh-TW" dirty="0"/>
+              <a:t>1-based index id</a:t>
+            </a:r>
+          </a:p>
+          <a:p>
+            <a:pPr lvl="1"/>
+            <a:r>
+              <a:rPr lang="en-US" altLang="zh-TW" dirty="0"/>
+              <a:t>If </a:t>
             </a:r>
             <a:r>
               <a:rPr lang="en-US" altLang="zh-TW" dirty="0" err="1"/>
-              <a:t>Storport</a:t>
-            </a:r>
-            <a:r>
-              <a:rPr lang="en-US" altLang="zh-TW" dirty="0"/>
-              <a:t> Miniport framework</a:t>
-            </a:r>
-          </a:p>
-          <a:p>
-            <a:r>
-              <a:rPr lang="en-US" altLang="zh-TW" dirty="0"/>
-              <a:t>Supported only Win 8+</a:t>
+              <a:t>cmd</a:t>
+            </a:r>
+            <a:r>
+              <a:rPr lang="en-US" altLang="zh-TW" dirty="0"/>
+              <a:t> doesn’t need NSID, set this field to 0</a:t>
             </a:r>
           </a:p>
           <a:p>
             <a:pPr lvl="1"/>
             <a:r>
               <a:rPr lang="en-US" altLang="zh-TW" dirty="0"/>
-              <a:t>Maybe I will make it support Win7 when I have free time.... :p</a:t>
+              <a:t>If apply this command to all namespaces, set this field to 0xFFFFFFFF</a:t>
             </a:r>
           </a:p>
           <a:p>
             <a:pPr lvl="1"/>
-            <a:endParaRPr lang="en-US" altLang="zh-TW" dirty="0"/>
-          </a:p>
-          <a:p>
-            <a:endParaRPr lang="en-US" altLang="zh-TW" dirty="0"/>
-          </a:p>
-          <a:p>
-            <a:r>
-              <a:rPr lang="en-US" altLang="zh-TW" dirty="0"/>
-              <a:t>Some information are reversed from windows built-in stornvme.sys.</a:t>
-            </a:r>
-          </a:p>
-          <a:p>
+            <a:r>
+              <a:rPr lang="en-US" altLang="zh-TW" dirty="0"/>
+              <a:t>Wrong NSID will cause </a:t>
+            </a:r>
+            <a:r>
+              <a:rPr lang="en-US" altLang="zh-TW" dirty="0" err="1"/>
+              <a:t>cmd</a:t>
+            </a:r>
+            <a:r>
+              <a:rPr lang="en-US" altLang="zh-TW" dirty="0"/>
+              <a:t> failed.</a:t>
+            </a:r>
             <a:endParaRPr lang="zh-TW" altLang="en-US" dirty="0"/>
           </a:p>
         </p:txBody>
@@ -8132,7 +10228,7 @@
     </p:spTree>
     <p:extLst>
       <p:ext uri="{BB962C8B-B14F-4D97-AF65-F5344CB8AC3E}">
-        <p14:creationId xmlns:p14="http://schemas.microsoft.com/office/powerpoint/2010/main" val="1333622040"/>
+        <p14:creationId xmlns:p14="http://schemas.microsoft.com/office/powerpoint/2010/main" val="4244260410"/>
       </p:ext>
     </p:extLst>
   </p:cSld>
@@ -8142,7 +10238,1096 @@
 </p:sld>
 </file>
 
-<file path=ppt/slides/slide30.xml><?xml version="1.0" encoding="utf-8"?>
+<file path=ppt/slides/slide38.xml><?xml version="1.0" encoding="utf-8"?>
+<p:sld xmlns:a="http://schemas.openxmlformats.org/drawingml/2006/main" xmlns:r="http://schemas.openxmlformats.org/officeDocument/2006/relationships" xmlns:p="http://schemas.openxmlformats.org/presentationml/2006/main">
+  <p:cSld>
+    <p:spTree>
+      <p:nvGrpSpPr>
+        <p:cNvPr id="1" name=""/>
+        <p:cNvGrpSpPr/>
+        <p:nvPr/>
+      </p:nvGrpSpPr>
+      <p:grpSpPr>
+        <a:xfrm>
+          <a:off x="0" y="0"/>
+          <a:ext cx="0" cy="0"/>
+          <a:chOff x="0" y="0"/>
+          <a:chExt cx="0" cy="0"/>
+        </a:xfrm>
+      </p:grpSpPr>
+      <p:sp>
+        <p:nvSpPr>
+          <p:cNvPr id="2" name="標題 1">
+            <a:extLst>
+              <a:ext uri="{FF2B5EF4-FFF2-40B4-BE49-F238E27FC236}">
+                <a16:creationId xmlns:a16="http://schemas.microsoft.com/office/drawing/2014/main" id="{EC86F950-3471-456F-B75A-981FB35221F3}"/>
+              </a:ext>
+            </a:extLst>
+          </p:cNvPr>
+          <p:cNvSpPr>
+            <a:spLocks noGrp="1"/>
+          </p:cNvSpPr>
+          <p:nvPr>
+            <p:ph type="title"/>
+          </p:nvPr>
+        </p:nvSpPr>
+        <p:spPr/>
+        <p:txBody>
+          <a:bodyPr/>
+          <a:lstStyle/>
+          <a:p>
+            <a:r>
+              <a:rPr lang="en-US" altLang="zh-TW" dirty="0"/>
+              <a:t>NVME Command – MPTR and DPTR</a:t>
+            </a:r>
+            <a:endParaRPr lang="zh-TW" altLang="en-US" dirty="0"/>
+          </a:p>
+        </p:txBody>
+      </p:sp>
+      <p:sp>
+        <p:nvSpPr>
+          <p:cNvPr id="3" name="內容版面配置區 2">
+            <a:extLst>
+              <a:ext uri="{FF2B5EF4-FFF2-40B4-BE49-F238E27FC236}">
+                <a16:creationId xmlns:a16="http://schemas.microsoft.com/office/drawing/2014/main" id="{9E6D7088-FD26-4E35-ACB4-34AA12025937}"/>
+              </a:ext>
+            </a:extLst>
+          </p:cNvPr>
+          <p:cNvSpPr>
+            <a:spLocks noGrp="1"/>
+          </p:cNvSpPr>
+          <p:nvPr>
+            <p:ph idx="1"/>
+          </p:nvPr>
+        </p:nvSpPr>
+        <p:spPr/>
+        <p:txBody>
+          <a:bodyPr/>
+          <a:lstStyle/>
+          <a:p>
+            <a:r>
+              <a:rPr lang="en-US" altLang="zh-TW" dirty="0"/>
+              <a:t>Refer to </a:t>
+            </a:r>
+            <a:r>
+              <a:rPr lang="en-US" altLang="zh-TW" dirty="0" err="1"/>
+              <a:t>NVMe</a:t>
+            </a:r>
+            <a:r>
+              <a:rPr lang="en-US" altLang="zh-TW" dirty="0"/>
+              <a:t> 1.3 Figure 11</a:t>
+            </a:r>
+          </a:p>
+          <a:p>
+            <a:pPr lvl="1"/>
+            <a:r>
+              <a:rPr lang="en-US" altLang="zh-TW" dirty="0"/>
+              <a:t>MPTR is reserved for </a:t>
+            </a:r>
+            <a:r>
+              <a:rPr lang="en-US" altLang="zh-TW" dirty="0" err="1"/>
+              <a:t>NVMe</a:t>
+            </a:r>
+            <a:r>
+              <a:rPr lang="en-US" altLang="zh-TW" dirty="0"/>
+              <a:t> over Fabric (so I didn’t use)</a:t>
+            </a:r>
+          </a:p>
+          <a:p>
+            <a:pPr lvl="1"/>
+            <a:r>
+              <a:rPr lang="en-US" altLang="zh-TW" dirty="0"/>
+              <a:t>DPTR is common way to pass data buffer with </a:t>
+            </a:r>
+            <a:r>
+              <a:rPr lang="en-US" altLang="zh-TW" dirty="0" err="1"/>
+              <a:t>NVMe</a:t>
+            </a:r>
+            <a:r>
+              <a:rPr lang="en-US" altLang="zh-TW" dirty="0"/>
+              <a:t> command.</a:t>
+            </a:r>
+          </a:p>
+          <a:p>
+            <a:pPr lvl="2"/>
+            <a:r>
+              <a:rPr lang="en-US" altLang="zh-TW" dirty="0"/>
+              <a:t>I only use PRP, not SGL.</a:t>
+            </a:r>
+          </a:p>
+          <a:p>
+            <a:pPr lvl="1"/>
+            <a:r>
+              <a:rPr lang="en-US" altLang="zh-TW" dirty="0"/>
+              <a:t>PRP contains </a:t>
+            </a:r>
+            <a:r>
+              <a:rPr lang="en-US" altLang="zh-TW" dirty="0" err="1"/>
+              <a:t>PhysicalAddress</a:t>
+            </a:r>
+            <a:r>
+              <a:rPr lang="en-US" altLang="zh-TW" dirty="0"/>
+              <a:t> of data buffer.</a:t>
+            </a:r>
+          </a:p>
+          <a:p>
+            <a:pPr lvl="1"/>
+            <a:endParaRPr lang="en-US" altLang="zh-TW" dirty="0"/>
+          </a:p>
+          <a:p>
+            <a:pPr lvl="1"/>
+            <a:endParaRPr lang="zh-TW" altLang="en-US" dirty="0"/>
+          </a:p>
+        </p:txBody>
+      </p:sp>
+    </p:spTree>
+    <p:extLst>
+      <p:ext uri="{BB962C8B-B14F-4D97-AF65-F5344CB8AC3E}">
+        <p14:creationId xmlns:p14="http://schemas.microsoft.com/office/powerpoint/2010/main" val="4224191270"/>
+      </p:ext>
+    </p:extLst>
+  </p:cSld>
+  <p:clrMapOvr>
+    <a:masterClrMapping/>
+  </p:clrMapOvr>
+</p:sld>
+</file>
+
+<file path=ppt/slides/slide39.xml><?xml version="1.0" encoding="utf-8"?>
+<p:sld xmlns:a="http://schemas.openxmlformats.org/drawingml/2006/main" xmlns:r="http://schemas.openxmlformats.org/officeDocument/2006/relationships" xmlns:p="http://schemas.openxmlformats.org/presentationml/2006/main">
+  <p:cSld>
+    <p:spTree>
+      <p:nvGrpSpPr>
+        <p:cNvPr id="1" name=""/>
+        <p:cNvGrpSpPr/>
+        <p:nvPr/>
+      </p:nvGrpSpPr>
+      <p:grpSpPr>
+        <a:xfrm>
+          <a:off x="0" y="0"/>
+          <a:ext cx="0" cy="0"/>
+          <a:chOff x="0" y="0"/>
+          <a:chExt cx="0" cy="0"/>
+        </a:xfrm>
+      </p:grpSpPr>
+      <p:sp>
+        <p:nvSpPr>
+          <p:cNvPr id="2" name="標題 1">
+            <a:extLst>
+              <a:ext uri="{FF2B5EF4-FFF2-40B4-BE49-F238E27FC236}">
+                <a16:creationId xmlns:a16="http://schemas.microsoft.com/office/drawing/2014/main" id="{EC86F950-3471-456F-B75A-981FB35221F3}"/>
+              </a:ext>
+            </a:extLst>
+          </p:cNvPr>
+          <p:cNvSpPr>
+            <a:spLocks noGrp="1"/>
+          </p:cNvSpPr>
+          <p:nvPr>
+            <p:ph type="title"/>
+          </p:nvPr>
+        </p:nvSpPr>
+        <p:spPr/>
+        <p:txBody>
+          <a:bodyPr/>
+          <a:lstStyle/>
+          <a:p>
+            <a:r>
+              <a:rPr lang="en-US" altLang="zh-TW" dirty="0"/>
+              <a:t>NVME Command – PRP (DPTR) rules</a:t>
+            </a:r>
+            <a:endParaRPr lang="zh-TW" altLang="en-US" dirty="0"/>
+          </a:p>
+        </p:txBody>
+      </p:sp>
+      <p:sp>
+        <p:nvSpPr>
+          <p:cNvPr id="3" name="內容版面配置區 2">
+            <a:extLst>
+              <a:ext uri="{FF2B5EF4-FFF2-40B4-BE49-F238E27FC236}">
+                <a16:creationId xmlns:a16="http://schemas.microsoft.com/office/drawing/2014/main" id="{9E6D7088-FD26-4E35-ACB4-34AA12025937}"/>
+              </a:ext>
+            </a:extLst>
+          </p:cNvPr>
+          <p:cNvSpPr>
+            <a:spLocks noGrp="1"/>
+          </p:cNvSpPr>
+          <p:nvPr>
+            <p:ph idx="1"/>
+          </p:nvPr>
+        </p:nvSpPr>
+        <p:spPr/>
+        <p:txBody>
+          <a:bodyPr/>
+          <a:lstStyle/>
+          <a:p>
+            <a:r>
+              <a:rPr lang="en-US" altLang="zh-TW" dirty="0"/>
+              <a:t>In all condition, PRP1 should be </a:t>
+            </a:r>
+            <a:r>
+              <a:rPr lang="en-US" altLang="zh-TW" dirty="0">
+                <a:highlight>
+                  <a:srgbClr val="FFFF00"/>
+                </a:highlight>
+              </a:rPr>
+              <a:t>DWORD</a:t>
+            </a:r>
+            <a:r>
+              <a:rPr lang="en-US" altLang="zh-TW" dirty="0"/>
+              <a:t> aligned at least. PRP2 should be </a:t>
+            </a:r>
+            <a:r>
+              <a:rPr lang="en-US" altLang="zh-TW" dirty="0">
+                <a:highlight>
+                  <a:srgbClr val="FFFF00"/>
+                </a:highlight>
+              </a:rPr>
+              <a:t>page aligned</a:t>
+            </a:r>
+            <a:r>
+              <a:rPr lang="en-US" altLang="zh-TW" dirty="0"/>
+              <a:t>.</a:t>
+            </a:r>
+          </a:p>
+          <a:p>
+            <a:r>
+              <a:rPr lang="en-US" altLang="zh-TW" dirty="0"/>
+              <a:t>All following address means “</a:t>
+            </a:r>
+            <a:r>
+              <a:rPr lang="en-US" altLang="zh-TW" dirty="0" err="1"/>
+              <a:t>PhysicalAddress</a:t>
+            </a:r>
+            <a:r>
+              <a:rPr lang="en-US" altLang="zh-TW" dirty="0"/>
+              <a:t>”</a:t>
+            </a:r>
+          </a:p>
+          <a:p>
+            <a:pPr lvl="1"/>
+            <a:r>
+              <a:rPr lang="en-US" altLang="zh-TW" dirty="0"/>
+              <a:t>If buffer doesn’t across page boundary, PRP1 == address of buffer start, and PRP2 == 0</a:t>
+            </a:r>
+          </a:p>
+          <a:p>
+            <a:pPr lvl="1"/>
+            <a:r>
+              <a:rPr lang="en-US" altLang="zh-TW" dirty="0"/>
+              <a:t>If buffer across one page boundary, PRP1 ==  address of buffer start, and PRP2 == next page start address</a:t>
+            </a:r>
+          </a:p>
+          <a:p>
+            <a:pPr lvl="2"/>
+            <a:r>
+              <a:rPr lang="en-US" altLang="zh-TW" dirty="0"/>
+              <a:t>E.g. buffer </a:t>
+            </a:r>
+            <a:r>
+              <a:rPr lang="en-US" altLang="zh-TW" dirty="0" err="1"/>
+              <a:t>va</a:t>
+            </a:r>
+            <a:r>
+              <a:rPr lang="en-US" altLang="zh-TW" dirty="0"/>
+              <a:t>=0xffff80a000001730, pa = 0x0000000005942730 length 0xC00. PRP1 == 0x0000000005942730 and PRP2 == 0x0000000005943000</a:t>
+            </a:r>
+          </a:p>
+          <a:p>
+            <a:pPr lvl="1"/>
+            <a:endParaRPr lang="en-US" altLang="zh-TW" dirty="0"/>
+          </a:p>
+        </p:txBody>
+      </p:sp>
+    </p:spTree>
+    <p:extLst>
+      <p:ext uri="{BB962C8B-B14F-4D97-AF65-F5344CB8AC3E}">
+        <p14:creationId xmlns:p14="http://schemas.microsoft.com/office/powerpoint/2010/main" val="988915059"/>
+      </p:ext>
+    </p:extLst>
+  </p:cSld>
+  <p:clrMapOvr>
+    <a:masterClrMapping/>
+  </p:clrMapOvr>
+</p:sld>
+</file>
+
+<file path=ppt/slides/slide4.xml><?xml version="1.0" encoding="utf-8"?>
+<p:sld xmlns:a="http://schemas.openxmlformats.org/drawingml/2006/main" xmlns:r="http://schemas.openxmlformats.org/officeDocument/2006/relationships" xmlns:p="http://schemas.openxmlformats.org/presentationml/2006/main">
+  <p:cSld>
+    <p:spTree>
+      <p:nvGrpSpPr>
+        <p:cNvPr id="1" name=""/>
+        <p:cNvGrpSpPr/>
+        <p:nvPr/>
+      </p:nvGrpSpPr>
+      <p:grpSpPr>
+        <a:xfrm>
+          <a:off x="0" y="0"/>
+          <a:ext cx="0" cy="0"/>
+          <a:chOff x="0" y="0"/>
+          <a:chExt cx="0" cy="0"/>
+        </a:xfrm>
+      </p:grpSpPr>
+      <p:sp>
+        <p:nvSpPr>
+          <p:cNvPr id="6" name="標題 5">
+            <a:extLst>
+              <a:ext uri="{FF2B5EF4-FFF2-40B4-BE49-F238E27FC236}">
+                <a16:creationId xmlns:a16="http://schemas.microsoft.com/office/drawing/2014/main" id="{DADF06BF-988B-4B88-B932-A6EEAF258791}"/>
+              </a:ext>
+            </a:extLst>
+          </p:cNvPr>
+          <p:cNvSpPr>
+            <a:spLocks noGrp="1"/>
+          </p:cNvSpPr>
+          <p:nvPr>
+            <p:ph type="title"/>
+          </p:nvPr>
+        </p:nvSpPr>
+        <p:spPr/>
+        <p:txBody>
+          <a:bodyPr/>
+          <a:lstStyle/>
+          <a:p>
+            <a:r>
+              <a:rPr lang="en-US" altLang="zh-TW" dirty="0"/>
+              <a:t>Overview</a:t>
+            </a:r>
+            <a:endParaRPr lang="zh-TW" altLang="en-US" dirty="0"/>
+          </a:p>
+        </p:txBody>
+      </p:sp>
+      <p:sp>
+        <p:nvSpPr>
+          <p:cNvPr id="7" name="文字版面配置區 6">
+            <a:extLst>
+              <a:ext uri="{FF2B5EF4-FFF2-40B4-BE49-F238E27FC236}">
+                <a16:creationId xmlns:a16="http://schemas.microsoft.com/office/drawing/2014/main" id="{D4EE589F-F9B3-490B-886C-236427096FD9}"/>
+              </a:ext>
+            </a:extLst>
+          </p:cNvPr>
+          <p:cNvSpPr>
+            <a:spLocks noGrp="1"/>
+          </p:cNvSpPr>
+          <p:nvPr>
+            <p:ph type="body" idx="1"/>
+          </p:nvPr>
+        </p:nvSpPr>
+        <p:spPr/>
+        <p:txBody>
+          <a:bodyPr/>
+          <a:lstStyle/>
+          <a:p>
+            <a:endParaRPr lang="zh-TW" altLang="en-US"/>
+          </a:p>
+        </p:txBody>
+      </p:sp>
+    </p:spTree>
+    <p:extLst>
+      <p:ext uri="{BB962C8B-B14F-4D97-AF65-F5344CB8AC3E}">
+        <p14:creationId xmlns:p14="http://schemas.microsoft.com/office/powerpoint/2010/main" val="2060120053"/>
+      </p:ext>
+    </p:extLst>
+  </p:cSld>
+  <p:clrMapOvr>
+    <a:masterClrMapping/>
+  </p:clrMapOvr>
+</p:sld>
+</file>
+
+<file path=ppt/slides/slide40.xml><?xml version="1.0" encoding="utf-8"?>
+<p:sld xmlns:a="http://schemas.openxmlformats.org/drawingml/2006/main" xmlns:r="http://schemas.openxmlformats.org/officeDocument/2006/relationships" xmlns:p="http://schemas.openxmlformats.org/presentationml/2006/main">
+  <p:cSld>
+    <p:spTree>
+      <p:nvGrpSpPr>
+        <p:cNvPr id="1" name=""/>
+        <p:cNvGrpSpPr/>
+        <p:nvPr/>
+      </p:nvGrpSpPr>
+      <p:grpSpPr>
+        <a:xfrm>
+          <a:off x="0" y="0"/>
+          <a:ext cx="0" cy="0"/>
+          <a:chOff x="0" y="0"/>
+          <a:chExt cx="0" cy="0"/>
+        </a:xfrm>
+      </p:grpSpPr>
+      <p:sp>
+        <p:nvSpPr>
+          <p:cNvPr id="2" name="標題 1">
+            <a:extLst>
+              <a:ext uri="{FF2B5EF4-FFF2-40B4-BE49-F238E27FC236}">
+                <a16:creationId xmlns:a16="http://schemas.microsoft.com/office/drawing/2014/main" id="{EC86F950-3471-456F-B75A-981FB35221F3}"/>
+              </a:ext>
+            </a:extLst>
+          </p:cNvPr>
+          <p:cNvSpPr>
+            <a:spLocks noGrp="1"/>
+          </p:cNvSpPr>
+          <p:nvPr>
+            <p:ph type="title"/>
+          </p:nvPr>
+        </p:nvSpPr>
+        <p:spPr/>
+        <p:txBody>
+          <a:bodyPr/>
+          <a:lstStyle/>
+          <a:p>
+            <a:r>
+              <a:rPr lang="en-US" altLang="zh-TW" dirty="0"/>
+              <a:t>NVME Command – PRP (DPTR) rules</a:t>
+            </a:r>
+            <a:endParaRPr lang="zh-TW" altLang="en-US" dirty="0"/>
+          </a:p>
+        </p:txBody>
+      </p:sp>
+      <p:sp>
+        <p:nvSpPr>
+          <p:cNvPr id="3" name="內容版面配置區 2">
+            <a:extLst>
+              <a:ext uri="{FF2B5EF4-FFF2-40B4-BE49-F238E27FC236}">
+                <a16:creationId xmlns:a16="http://schemas.microsoft.com/office/drawing/2014/main" id="{9E6D7088-FD26-4E35-ACB4-34AA12025937}"/>
+              </a:ext>
+            </a:extLst>
+          </p:cNvPr>
+          <p:cNvSpPr>
+            <a:spLocks noGrp="1"/>
+          </p:cNvSpPr>
+          <p:nvPr>
+            <p:ph idx="1"/>
+          </p:nvPr>
+        </p:nvSpPr>
+        <p:spPr/>
+        <p:txBody>
+          <a:bodyPr/>
+          <a:lstStyle/>
+          <a:p>
+            <a:pPr lvl="1"/>
+            <a:r>
+              <a:rPr lang="en-US" altLang="zh-TW" dirty="0"/>
+              <a:t>If buffer across 2 or more page boundary, PRP1 is buffer start address, PRP2 is another allocated new PAGE(1 page only). In this page stores address array of following buffer address.</a:t>
+            </a:r>
+          </a:p>
+          <a:p>
+            <a:pPr lvl="2"/>
+            <a:r>
+              <a:rPr lang="en-US" altLang="zh-TW" dirty="0"/>
+              <a:t>E.g. </a:t>
+            </a:r>
+            <a:r>
+              <a:rPr lang="en-US" altLang="zh-TW" dirty="0" err="1"/>
+              <a:t>assum</a:t>
+            </a:r>
+            <a:r>
+              <a:rPr lang="en-US" altLang="zh-TW" dirty="0"/>
+              <a:t> a buffer </a:t>
+            </a:r>
+            <a:r>
+              <a:rPr lang="en-US" altLang="zh-TW" dirty="0" err="1"/>
+              <a:t>va</a:t>
+            </a:r>
+            <a:r>
+              <a:rPr lang="en-US" altLang="zh-TW" dirty="0"/>
+              <a:t>=0xffff80a000001730, pa=0x0000000005942730, length=0x1A00. </a:t>
+            </a:r>
+          </a:p>
+          <a:p>
+            <a:pPr lvl="2"/>
+            <a:r>
+              <a:rPr lang="en-US" altLang="zh-TW" dirty="0"/>
+              <a:t>PRP1 == 0x0000000005942730, PRP2 == another page (assume it is 0x0000000006007000, named PHYSICAL_ADDRESS *prp2_list pointer points to this page). </a:t>
+            </a:r>
+          </a:p>
+          <a:p>
+            <a:pPr lvl="2"/>
+            <a:r>
+              <a:rPr lang="en-US" altLang="zh-TW" dirty="0"/>
+              <a:t>prp2_list[0]==0x0000000005943000, prp2_list[1]== 0x0000000005944000</a:t>
+            </a:r>
+            <a:endParaRPr lang="zh-TW" altLang="en-US" dirty="0"/>
+          </a:p>
+          <a:p>
+            <a:endParaRPr lang="zh-TW" altLang="en-US" dirty="0"/>
+          </a:p>
+        </p:txBody>
+      </p:sp>
+    </p:spTree>
+    <p:extLst>
+      <p:ext uri="{BB962C8B-B14F-4D97-AF65-F5344CB8AC3E}">
+        <p14:creationId xmlns:p14="http://schemas.microsoft.com/office/powerpoint/2010/main" val="2517877975"/>
+      </p:ext>
+    </p:extLst>
+  </p:cSld>
+  <p:clrMapOvr>
+    <a:masterClrMapping/>
+  </p:clrMapOvr>
+</p:sld>
+</file>
+
+<file path=ppt/slides/slide41.xml><?xml version="1.0" encoding="utf-8"?>
+<p:sld xmlns:a="http://schemas.openxmlformats.org/drawingml/2006/main" xmlns:r="http://schemas.openxmlformats.org/officeDocument/2006/relationships" xmlns:p="http://schemas.openxmlformats.org/presentationml/2006/main">
+  <p:cSld>
+    <p:spTree>
+      <p:nvGrpSpPr>
+        <p:cNvPr id="1" name=""/>
+        <p:cNvGrpSpPr/>
+        <p:nvPr/>
+      </p:nvGrpSpPr>
+      <p:grpSpPr>
+        <a:xfrm>
+          <a:off x="0" y="0"/>
+          <a:ext cx="0" cy="0"/>
+          <a:chOff x="0" y="0"/>
+          <a:chExt cx="0" cy="0"/>
+        </a:xfrm>
+      </p:grpSpPr>
+      <p:sp>
+        <p:nvSpPr>
+          <p:cNvPr id="2" name="標題 1">
+            <a:extLst>
+              <a:ext uri="{FF2B5EF4-FFF2-40B4-BE49-F238E27FC236}">
+                <a16:creationId xmlns:a16="http://schemas.microsoft.com/office/drawing/2014/main" id="{EC86F950-3471-456F-B75A-981FB35221F3}"/>
+              </a:ext>
+            </a:extLst>
+          </p:cNvPr>
+          <p:cNvSpPr>
+            <a:spLocks noGrp="1"/>
+          </p:cNvSpPr>
+          <p:nvPr>
+            <p:ph type="title"/>
+          </p:nvPr>
+        </p:nvSpPr>
+        <p:spPr/>
+        <p:txBody>
+          <a:bodyPr/>
+          <a:lstStyle/>
+          <a:p>
+            <a:r>
+              <a:rPr lang="en-US" altLang="zh-TW" dirty="0"/>
+              <a:t>NVME Command –</a:t>
+            </a:r>
+            <a:endParaRPr lang="zh-TW" altLang="en-US" dirty="0"/>
+          </a:p>
+        </p:txBody>
+      </p:sp>
+      <p:sp>
+        <p:nvSpPr>
+          <p:cNvPr id="3" name="內容版面配置區 2">
+            <a:extLst>
+              <a:ext uri="{FF2B5EF4-FFF2-40B4-BE49-F238E27FC236}">
+                <a16:creationId xmlns:a16="http://schemas.microsoft.com/office/drawing/2014/main" id="{9E6D7088-FD26-4E35-ACB4-34AA12025937}"/>
+              </a:ext>
+            </a:extLst>
+          </p:cNvPr>
+          <p:cNvSpPr>
+            <a:spLocks noGrp="1"/>
+          </p:cNvSpPr>
+          <p:nvPr>
+            <p:ph idx="1"/>
+          </p:nvPr>
+        </p:nvSpPr>
+        <p:spPr/>
+        <p:txBody>
+          <a:bodyPr/>
+          <a:lstStyle/>
+          <a:p>
+            <a:endParaRPr lang="zh-TW" altLang="en-US"/>
+          </a:p>
+        </p:txBody>
+      </p:sp>
+    </p:spTree>
+    <p:extLst>
+      <p:ext uri="{BB962C8B-B14F-4D97-AF65-F5344CB8AC3E}">
+        <p14:creationId xmlns:p14="http://schemas.microsoft.com/office/powerpoint/2010/main" val="2978471475"/>
+      </p:ext>
+    </p:extLst>
+  </p:cSld>
+  <p:clrMapOvr>
+    <a:masterClrMapping/>
+  </p:clrMapOvr>
+</p:sld>
+</file>
+
+<file path=ppt/slides/slide42.xml><?xml version="1.0" encoding="utf-8"?>
+<p:sld xmlns:a="http://schemas.openxmlformats.org/drawingml/2006/main" xmlns:r="http://schemas.openxmlformats.org/officeDocument/2006/relationships" xmlns:p="http://schemas.openxmlformats.org/presentationml/2006/main">
+  <p:cSld>
+    <p:spTree>
+      <p:nvGrpSpPr>
+        <p:cNvPr id="1" name=""/>
+        <p:cNvGrpSpPr/>
+        <p:nvPr/>
+      </p:nvGrpSpPr>
+      <p:grpSpPr>
+        <a:xfrm>
+          <a:off x="0" y="0"/>
+          <a:ext cx="0" cy="0"/>
+          <a:chOff x="0" y="0"/>
+          <a:chExt cx="0" cy="0"/>
+        </a:xfrm>
+      </p:grpSpPr>
+      <p:sp>
+        <p:nvSpPr>
+          <p:cNvPr id="2" name="標題 1">
+            <a:extLst>
+              <a:ext uri="{FF2B5EF4-FFF2-40B4-BE49-F238E27FC236}">
+                <a16:creationId xmlns:a16="http://schemas.microsoft.com/office/drawing/2014/main" id="{EC86F950-3471-456F-B75A-981FB35221F3}"/>
+              </a:ext>
+            </a:extLst>
+          </p:cNvPr>
+          <p:cNvSpPr>
+            <a:spLocks noGrp="1"/>
+          </p:cNvSpPr>
+          <p:nvPr>
+            <p:ph type="title"/>
+          </p:nvPr>
+        </p:nvSpPr>
+        <p:spPr/>
+        <p:txBody>
+          <a:bodyPr/>
+          <a:lstStyle/>
+          <a:p>
+            <a:r>
+              <a:rPr lang="en-US" altLang="zh-TW" dirty="0"/>
+              <a:t>NVME Command –</a:t>
+            </a:r>
+            <a:endParaRPr lang="zh-TW" altLang="en-US" dirty="0"/>
+          </a:p>
+        </p:txBody>
+      </p:sp>
+      <p:sp>
+        <p:nvSpPr>
+          <p:cNvPr id="3" name="內容版面配置區 2">
+            <a:extLst>
+              <a:ext uri="{FF2B5EF4-FFF2-40B4-BE49-F238E27FC236}">
+                <a16:creationId xmlns:a16="http://schemas.microsoft.com/office/drawing/2014/main" id="{9E6D7088-FD26-4E35-ACB4-34AA12025937}"/>
+              </a:ext>
+            </a:extLst>
+          </p:cNvPr>
+          <p:cNvSpPr>
+            <a:spLocks noGrp="1"/>
+          </p:cNvSpPr>
+          <p:nvPr>
+            <p:ph idx="1"/>
+          </p:nvPr>
+        </p:nvSpPr>
+        <p:spPr/>
+        <p:txBody>
+          <a:bodyPr/>
+          <a:lstStyle/>
+          <a:p>
+            <a:endParaRPr lang="zh-TW" altLang="en-US"/>
+          </a:p>
+        </p:txBody>
+      </p:sp>
+    </p:spTree>
+    <p:extLst>
+      <p:ext uri="{BB962C8B-B14F-4D97-AF65-F5344CB8AC3E}">
+        <p14:creationId xmlns:p14="http://schemas.microsoft.com/office/powerpoint/2010/main" val="2866801021"/>
+      </p:ext>
+    </p:extLst>
+  </p:cSld>
+  <p:clrMapOvr>
+    <a:masterClrMapping/>
+  </p:clrMapOvr>
+</p:sld>
+</file>
+
+<file path=ppt/slides/slide43.xml><?xml version="1.0" encoding="utf-8"?>
+<p:sld xmlns:a="http://schemas.openxmlformats.org/drawingml/2006/main" xmlns:r="http://schemas.openxmlformats.org/officeDocument/2006/relationships" xmlns:p="http://schemas.openxmlformats.org/presentationml/2006/main">
+  <p:cSld>
+    <p:spTree>
+      <p:nvGrpSpPr>
+        <p:cNvPr id="1" name=""/>
+        <p:cNvGrpSpPr/>
+        <p:nvPr/>
+      </p:nvGrpSpPr>
+      <p:grpSpPr>
+        <a:xfrm>
+          <a:off x="0" y="0"/>
+          <a:ext cx="0" cy="0"/>
+          <a:chOff x="0" y="0"/>
+          <a:chExt cx="0" cy="0"/>
+        </a:xfrm>
+      </p:grpSpPr>
+      <p:sp>
+        <p:nvSpPr>
+          <p:cNvPr id="4" name="標題 3">
+            <a:extLst>
+              <a:ext uri="{FF2B5EF4-FFF2-40B4-BE49-F238E27FC236}">
+                <a16:creationId xmlns:a16="http://schemas.microsoft.com/office/drawing/2014/main" id="{00F7993E-90D9-4121-8ABB-193ED25601F3}"/>
+              </a:ext>
+            </a:extLst>
+          </p:cNvPr>
+          <p:cNvSpPr>
+            <a:spLocks noGrp="1"/>
+          </p:cNvSpPr>
+          <p:nvPr>
+            <p:ph type="title"/>
+          </p:nvPr>
+        </p:nvSpPr>
+        <p:spPr/>
+        <p:txBody>
+          <a:bodyPr/>
+          <a:lstStyle/>
+          <a:p>
+            <a:r>
+              <a:rPr lang="en-US" altLang="zh-TW" dirty="0"/>
+              <a:t>SCSI</a:t>
+            </a:r>
+            <a:r>
+              <a:rPr lang="zh-TW" altLang="en-US" dirty="0"/>
+              <a:t> </a:t>
+            </a:r>
+            <a:r>
+              <a:rPr lang="en-US" altLang="zh-TW" dirty="0"/>
+              <a:t>Command</a:t>
+            </a:r>
+            <a:r>
+              <a:rPr lang="zh-TW" altLang="en-US" dirty="0"/>
+              <a:t> </a:t>
+            </a:r>
+            <a:r>
+              <a:rPr lang="en-US" altLang="zh-TW" dirty="0"/>
+              <a:t>Translation</a:t>
+            </a:r>
+            <a:endParaRPr lang="zh-TW" altLang="en-US" dirty="0"/>
+          </a:p>
+        </p:txBody>
+      </p:sp>
+      <p:sp>
+        <p:nvSpPr>
+          <p:cNvPr id="5" name="文字版面配置區 4">
+            <a:extLst>
+              <a:ext uri="{FF2B5EF4-FFF2-40B4-BE49-F238E27FC236}">
+                <a16:creationId xmlns:a16="http://schemas.microsoft.com/office/drawing/2014/main" id="{51C43A67-4728-421E-9965-03B66287D293}"/>
+              </a:ext>
+            </a:extLst>
+          </p:cNvPr>
+          <p:cNvSpPr>
+            <a:spLocks noGrp="1"/>
+          </p:cNvSpPr>
+          <p:nvPr>
+            <p:ph type="body" idx="1"/>
+          </p:nvPr>
+        </p:nvSpPr>
+        <p:spPr/>
+        <p:txBody>
+          <a:bodyPr/>
+          <a:lstStyle/>
+          <a:p>
+            <a:endParaRPr lang="zh-TW" altLang="en-US"/>
+          </a:p>
+        </p:txBody>
+      </p:sp>
+    </p:spTree>
+    <p:extLst>
+      <p:ext uri="{BB962C8B-B14F-4D97-AF65-F5344CB8AC3E}">
+        <p14:creationId xmlns:p14="http://schemas.microsoft.com/office/powerpoint/2010/main" val="2036064448"/>
+      </p:ext>
+    </p:extLst>
+  </p:cSld>
+  <p:clrMapOvr>
+    <a:masterClrMapping/>
+  </p:clrMapOvr>
+</p:sld>
+</file>
+
+<file path=ppt/slides/slide44.xml><?xml version="1.0" encoding="utf-8"?>
+<p:sld xmlns:a="http://schemas.openxmlformats.org/drawingml/2006/main" xmlns:r="http://schemas.openxmlformats.org/officeDocument/2006/relationships" xmlns:p="http://schemas.openxmlformats.org/presentationml/2006/main">
+  <p:cSld>
+    <p:spTree>
+      <p:nvGrpSpPr>
+        <p:cNvPr id="1" name=""/>
+        <p:cNvGrpSpPr/>
+        <p:nvPr/>
+      </p:nvGrpSpPr>
+      <p:grpSpPr>
+        <a:xfrm>
+          <a:off x="0" y="0"/>
+          <a:ext cx="0" cy="0"/>
+          <a:chOff x="0" y="0"/>
+          <a:chExt cx="0" cy="0"/>
+        </a:xfrm>
+      </p:grpSpPr>
+      <p:sp>
+        <p:nvSpPr>
+          <p:cNvPr id="2" name="標題 1">
+            <a:extLst>
+              <a:ext uri="{FF2B5EF4-FFF2-40B4-BE49-F238E27FC236}">
+                <a16:creationId xmlns:a16="http://schemas.microsoft.com/office/drawing/2014/main" id="{EC86F950-3471-456F-B75A-981FB35221F3}"/>
+              </a:ext>
+            </a:extLst>
+          </p:cNvPr>
+          <p:cNvSpPr>
+            <a:spLocks noGrp="1"/>
+          </p:cNvSpPr>
+          <p:nvPr>
+            <p:ph type="title"/>
+          </p:nvPr>
+        </p:nvSpPr>
+        <p:spPr/>
+        <p:txBody>
+          <a:bodyPr/>
+          <a:lstStyle/>
+          <a:p>
+            <a:r>
+              <a:rPr lang="en-US" altLang="zh-TW" dirty="0"/>
+              <a:t>SCSI Translation</a:t>
+            </a:r>
+            <a:endParaRPr lang="zh-TW" altLang="en-US" dirty="0"/>
+          </a:p>
+        </p:txBody>
+      </p:sp>
+      <p:sp>
+        <p:nvSpPr>
+          <p:cNvPr id="3" name="內容版面配置區 2">
+            <a:extLst>
+              <a:ext uri="{FF2B5EF4-FFF2-40B4-BE49-F238E27FC236}">
+                <a16:creationId xmlns:a16="http://schemas.microsoft.com/office/drawing/2014/main" id="{9E6D7088-FD26-4E35-ACB4-34AA12025937}"/>
+              </a:ext>
+            </a:extLst>
+          </p:cNvPr>
+          <p:cNvSpPr>
+            <a:spLocks noGrp="1"/>
+          </p:cNvSpPr>
+          <p:nvPr>
+            <p:ph idx="1"/>
+          </p:nvPr>
+        </p:nvSpPr>
+        <p:spPr/>
+        <p:txBody>
+          <a:bodyPr/>
+          <a:lstStyle/>
+          <a:p>
+            <a:endParaRPr lang="zh-TW" altLang="en-US" dirty="0"/>
+          </a:p>
+        </p:txBody>
+      </p:sp>
+    </p:spTree>
+    <p:extLst>
+      <p:ext uri="{BB962C8B-B14F-4D97-AF65-F5344CB8AC3E}">
+        <p14:creationId xmlns:p14="http://schemas.microsoft.com/office/powerpoint/2010/main" val="2864589049"/>
+      </p:ext>
+    </p:extLst>
+  </p:cSld>
+  <p:clrMapOvr>
+    <a:masterClrMapping/>
+  </p:clrMapOvr>
+</p:sld>
+</file>
+
+<file path=ppt/slides/slide45.xml><?xml version="1.0" encoding="utf-8"?>
+<p:sld xmlns:a="http://schemas.openxmlformats.org/drawingml/2006/main" xmlns:r="http://schemas.openxmlformats.org/officeDocument/2006/relationships" xmlns:p="http://schemas.openxmlformats.org/presentationml/2006/main">
+  <p:cSld>
+    <p:spTree>
+      <p:nvGrpSpPr>
+        <p:cNvPr id="1" name=""/>
+        <p:cNvGrpSpPr/>
+        <p:nvPr/>
+      </p:nvGrpSpPr>
+      <p:grpSpPr>
+        <a:xfrm>
+          <a:off x="0" y="0"/>
+          <a:ext cx="0" cy="0"/>
+          <a:chOff x="0" y="0"/>
+          <a:chExt cx="0" cy="0"/>
+        </a:xfrm>
+      </p:grpSpPr>
+      <p:sp>
+        <p:nvSpPr>
+          <p:cNvPr id="2" name="標題 1">
+            <a:extLst>
+              <a:ext uri="{FF2B5EF4-FFF2-40B4-BE49-F238E27FC236}">
+                <a16:creationId xmlns:a16="http://schemas.microsoft.com/office/drawing/2014/main" id="{EC86F950-3471-456F-B75A-981FB35221F3}"/>
+              </a:ext>
+            </a:extLst>
+          </p:cNvPr>
+          <p:cNvSpPr>
+            <a:spLocks noGrp="1"/>
+          </p:cNvSpPr>
+          <p:nvPr>
+            <p:ph type="title"/>
+          </p:nvPr>
+        </p:nvSpPr>
+        <p:spPr/>
+        <p:txBody>
+          <a:bodyPr/>
+          <a:lstStyle/>
+          <a:p>
+            <a:endParaRPr lang="zh-TW" altLang="en-US"/>
+          </a:p>
+        </p:txBody>
+      </p:sp>
+      <p:sp>
+        <p:nvSpPr>
+          <p:cNvPr id="3" name="內容版面配置區 2">
+            <a:extLst>
+              <a:ext uri="{FF2B5EF4-FFF2-40B4-BE49-F238E27FC236}">
+                <a16:creationId xmlns:a16="http://schemas.microsoft.com/office/drawing/2014/main" id="{9E6D7088-FD26-4E35-ACB4-34AA12025937}"/>
+              </a:ext>
+            </a:extLst>
+          </p:cNvPr>
+          <p:cNvSpPr>
+            <a:spLocks noGrp="1"/>
+          </p:cNvSpPr>
+          <p:nvPr>
+            <p:ph idx="1"/>
+          </p:nvPr>
+        </p:nvSpPr>
+        <p:spPr/>
+        <p:txBody>
+          <a:bodyPr/>
+          <a:lstStyle/>
+          <a:p>
+            <a:endParaRPr lang="zh-TW" altLang="en-US"/>
+          </a:p>
+        </p:txBody>
+      </p:sp>
+    </p:spTree>
+    <p:extLst>
+      <p:ext uri="{BB962C8B-B14F-4D97-AF65-F5344CB8AC3E}">
+        <p14:creationId xmlns:p14="http://schemas.microsoft.com/office/powerpoint/2010/main" val="386798515"/>
+      </p:ext>
+    </p:extLst>
+  </p:cSld>
+  <p:clrMapOvr>
+    <a:masterClrMapping/>
+  </p:clrMapOvr>
+</p:sld>
+</file>
+
+<file path=ppt/slides/slide46.xml><?xml version="1.0" encoding="utf-8"?>
+<p:sld xmlns:a="http://schemas.openxmlformats.org/drawingml/2006/main" xmlns:r="http://schemas.openxmlformats.org/officeDocument/2006/relationships" xmlns:p="http://schemas.openxmlformats.org/presentationml/2006/main">
+  <p:cSld>
+    <p:spTree>
+      <p:nvGrpSpPr>
+        <p:cNvPr id="1" name=""/>
+        <p:cNvGrpSpPr/>
+        <p:nvPr/>
+      </p:nvGrpSpPr>
+      <p:grpSpPr>
+        <a:xfrm>
+          <a:off x="0" y="0"/>
+          <a:ext cx="0" cy="0"/>
+          <a:chOff x="0" y="0"/>
+          <a:chExt cx="0" cy="0"/>
+        </a:xfrm>
+      </p:grpSpPr>
+      <p:sp>
+        <p:nvSpPr>
+          <p:cNvPr id="2" name="標題 1">
+            <a:extLst>
+              <a:ext uri="{FF2B5EF4-FFF2-40B4-BE49-F238E27FC236}">
+                <a16:creationId xmlns:a16="http://schemas.microsoft.com/office/drawing/2014/main" id="{5DD07498-5F52-49AE-8F70-D644A562FAEE}"/>
+              </a:ext>
+            </a:extLst>
+          </p:cNvPr>
+          <p:cNvSpPr>
+            <a:spLocks noGrp="1"/>
+          </p:cNvSpPr>
+          <p:nvPr>
+            <p:ph type="title"/>
+          </p:nvPr>
+        </p:nvSpPr>
+        <p:spPr/>
+        <p:txBody>
+          <a:bodyPr/>
+          <a:lstStyle/>
+          <a:p>
+            <a:r>
+              <a:rPr lang="en-US" altLang="zh-TW" dirty="0"/>
+              <a:t>Reference</a:t>
+            </a:r>
+            <a:endParaRPr lang="zh-TW" altLang="en-US" dirty="0"/>
+          </a:p>
+        </p:txBody>
+      </p:sp>
+      <p:sp>
+        <p:nvSpPr>
+          <p:cNvPr id="3" name="內容版面配置區 2">
+            <a:extLst>
+              <a:ext uri="{FF2B5EF4-FFF2-40B4-BE49-F238E27FC236}">
+                <a16:creationId xmlns:a16="http://schemas.microsoft.com/office/drawing/2014/main" id="{38A78F0E-8A29-474B-B872-6D9F55857160}"/>
+              </a:ext>
+            </a:extLst>
+          </p:cNvPr>
+          <p:cNvSpPr>
+            <a:spLocks noGrp="1"/>
+          </p:cNvSpPr>
+          <p:nvPr>
+            <p:ph idx="1"/>
+          </p:nvPr>
+        </p:nvSpPr>
+        <p:spPr/>
+        <p:txBody>
+          <a:bodyPr/>
+          <a:lstStyle/>
+          <a:p>
+            <a:r>
+              <a:rPr lang="en-US" altLang="zh-TW" dirty="0" err="1"/>
+              <a:t>NVMe</a:t>
+            </a:r>
+            <a:r>
+              <a:rPr lang="en-US" altLang="zh-TW" dirty="0"/>
+              <a:t> 1.3 spec</a:t>
+            </a:r>
+          </a:p>
+          <a:p>
+            <a:pPr lvl="1"/>
+            <a:r>
+              <a:rPr lang="en-US" altLang="zh-TW" dirty="0">
+                <a:hlinkClick r:id="rId2"/>
+              </a:rPr>
+              <a:t>https://nvmexpress.org/wp-content/uploads/NVM_Express_Revision_1.3.pdf</a:t>
+            </a:r>
+            <a:endParaRPr lang="en-US" altLang="zh-TW" dirty="0"/>
+          </a:p>
+          <a:p>
+            <a:endParaRPr lang="en-US" altLang="zh-TW" dirty="0"/>
+          </a:p>
+          <a:p>
+            <a:r>
+              <a:rPr lang="en-US" altLang="zh-TW" dirty="0"/>
+              <a:t>Windows </a:t>
+            </a:r>
+            <a:r>
+              <a:rPr lang="en-US" altLang="zh-TW" dirty="0" err="1"/>
+              <a:t>StorNVMe</a:t>
+            </a:r>
+            <a:r>
+              <a:rPr lang="en-US" altLang="zh-TW" dirty="0"/>
+              <a:t> driver SCSI Translation Support</a:t>
+            </a:r>
+          </a:p>
+          <a:p>
+            <a:pPr lvl="1"/>
+            <a:r>
+              <a:rPr lang="en-US" altLang="zh-TW">
+                <a:hlinkClick r:id="rId3"/>
+              </a:rPr>
+              <a:t>https://github.com/MicrosoftDocs/windows-driver-docs/blob/staging/windows-driver-docs-pr/storage/stornvme-scsi-translation-support.md</a:t>
+            </a:r>
+            <a:endParaRPr lang="en-US" altLang="zh-TW"/>
+          </a:p>
+          <a:p>
+            <a:endParaRPr lang="zh-TW" altLang="en-US" dirty="0"/>
+          </a:p>
+        </p:txBody>
+      </p:sp>
+    </p:spTree>
+    <p:extLst>
+      <p:ext uri="{BB962C8B-B14F-4D97-AF65-F5344CB8AC3E}">
+        <p14:creationId xmlns:p14="http://schemas.microsoft.com/office/powerpoint/2010/main" val="1102339624"/>
+      </p:ext>
+    </p:extLst>
+  </p:cSld>
+  <p:clrMapOvr>
+    <a:masterClrMapping/>
+  </p:clrMapOvr>
+</p:sld>
+</file>
+
+<file path=ppt/slides/slide47.xml><?xml version="1.0" encoding="utf-8"?>
 <p:sld xmlns:a="http://schemas.openxmlformats.org/drawingml/2006/main" xmlns:r="http://schemas.openxmlformats.org/officeDocument/2006/relationships" xmlns:p="http://schemas.openxmlformats.org/presentationml/2006/main">
   <p:cSld>
     <p:spTree>
@@ -8219,7 +11404,7 @@
 </p:sld>
 </file>
 
-<file path=ppt/slides/slide31.xml><?xml version="1.0" encoding="utf-8"?>
+<file path=ppt/slides/slide48.xml><?xml version="1.0" encoding="utf-8"?>
 <p:sld xmlns:a="http://schemas.openxmlformats.org/drawingml/2006/main" xmlns:r="http://schemas.openxmlformats.org/officeDocument/2006/relationships" xmlns:p="http://schemas.openxmlformats.org/presentationml/2006/main">
   <p:cSld>
     <p:spTree>
@@ -8303,7 +11488,7 @@
 </p:sld>
 </file>
 
-<file path=ppt/slides/slide32.xml><?xml version="1.0" encoding="utf-8"?>
+<file path=ppt/slides/slide49.xml><?xml version="1.0" encoding="utf-8"?>
 <p:sld xmlns:a="http://schemas.openxmlformats.org/drawingml/2006/main" xmlns:r="http://schemas.openxmlformats.org/officeDocument/2006/relationships" xmlns:p="http://schemas.openxmlformats.org/presentationml/2006/main">
   <p:cSld>
     <p:spTree>
@@ -8396,90 +11581,6 @@
     <p:extLst>
       <p:ext uri="{BB962C8B-B14F-4D97-AF65-F5344CB8AC3E}">
         <p14:creationId xmlns:p14="http://schemas.microsoft.com/office/powerpoint/2010/main" val="4239985929"/>
-      </p:ext>
-    </p:extLst>
-  </p:cSld>
-  <p:clrMapOvr>
-    <a:masterClrMapping/>
-  </p:clrMapOvr>
-</p:sld>
-</file>
-
-<file path=ppt/slides/slide4.xml><?xml version="1.0" encoding="utf-8"?>
-<p:sld xmlns:a="http://schemas.openxmlformats.org/drawingml/2006/main" xmlns:r="http://schemas.openxmlformats.org/officeDocument/2006/relationships" xmlns:p="http://schemas.openxmlformats.org/presentationml/2006/main">
-  <p:cSld>
-    <p:spTree>
-      <p:nvGrpSpPr>
-        <p:cNvPr id="1" name=""/>
-        <p:cNvGrpSpPr/>
-        <p:nvPr/>
-      </p:nvGrpSpPr>
-      <p:grpSpPr>
-        <a:xfrm>
-          <a:off x="0" y="0"/>
-          <a:ext cx="0" cy="0"/>
-          <a:chOff x="0" y="0"/>
-          <a:chExt cx="0" cy="0"/>
-        </a:xfrm>
-      </p:grpSpPr>
-      <p:sp>
-        <p:nvSpPr>
-          <p:cNvPr id="6" name="標題 5">
-            <a:extLst>
-              <a:ext uri="{FF2B5EF4-FFF2-40B4-BE49-F238E27FC236}">
-                <a16:creationId xmlns:a16="http://schemas.microsoft.com/office/drawing/2014/main" id="{DADF06BF-988B-4B88-B932-A6EEAF258791}"/>
-              </a:ext>
-            </a:extLst>
-          </p:cNvPr>
-          <p:cNvSpPr>
-            <a:spLocks noGrp="1"/>
-          </p:cNvSpPr>
-          <p:nvPr>
-            <p:ph type="title"/>
-          </p:nvPr>
-        </p:nvSpPr>
-        <p:spPr/>
-        <p:txBody>
-          <a:bodyPr/>
-          <a:lstStyle/>
-          <a:p>
-            <a:r>
-              <a:rPr lang="en-US" altLang="zh-TW" dirty="0"/>
-              <a:t>Overview</a:t>
-            </a:r>
-            <a:endParaRPr lang="zh-TW" altLang="en-US" dirty="0"/>
-          </a:p>
-        </p:txBody>
-      </p:sp>
-      <p:sp>
-        <p:nvSpPr>
-          <p:cNvPr id="7" name="文字版面配置區 6">
-            <a:extLst>
-              <a:ext uri="{FF2B5EF4-FFF2-40B4-BE49-F238E27FC236}">
-                <a16:creationId xmlns:a16="http://schemas.microsoft.com/office/drawing/2014/main" id="{D4EE589F-F9B3-490B-886C-236427096FD9}"/>
-              </a:ext>
-            </a:extLst>
-          </p:cNvPr>
-          <p:cNvSpPr>
-            <a:spLocks noGrp="1"/>
-          </p:cNvSpPr>
-          <p:nvPr>
-            <p:ph type="body" idx="1"/>
-          </p:nvPr>
-        </p:nvSpPr>
-        <p:spPr/>
-        <p:txBody>
-          <a:bodyPr/>
-          <a:lstStyle/>
-          <a:p>
-            <a:endParaRPr lang="zh-TW" altLang="en-US"/>
-          </a:p>
-        </p:txBody>
-      </p:sp>
-    </p:spTree>
-    <p:extLst>
-      <p:ext uri="{BB962C8B-B14F-4D97-AF65-F5344CB8AC3E}">
-        <p14:creationId xmlns:p14="http://schemas.microsoft.com/office/powerpoint/2010/main" val="2060120053"/>
       </p:ext>
     </p:extLst>
   </p:cSld>
@@ -8559,11 +11660,63 @@
             <p:ph idx="1"/>
           </p:nvPr>
         </p:nvSpPr>
-        <p:spPr/>
+        <p:spPr>
+          <a:xfrm>
+            <a:off x="838200" y="1825625"/>
+            <a:ext cx="5962650" cy="4351338"/>
+          </a:xfrm>
+        </p:spPr>
         <p:txBody>
           <a:bodyPr/>
           <a:lstStyle/>
           <a:p>
+            <a:r>
+              <a:rPr lang="en-US" altLang="zh-TW" dirty="0"/>
+              <a:t>A </a:t>
+            </a:r>
+            <a:r>
+              <a:rPr lang="en-US" altLang="zh-TW" dirty="0" err="1"/>
+              <a:t>NVMe</a:t>
+            </a:r>
+            <a:r>
+              <a:rPr lang="en-US" altLang="zh-TW" dirty="0"/>
+              <a:t> device has controller and namespaces</a:t>
+            </a:r>
+          </a:p>
+          <a:p>
+            <a:pPr lvl="1"/>
+            <a:r>
+              <a:rPr lang="en-US" altLang="zh-TW" dirty="0"/>
+              <a:t>Actually </a:t>
+            </a:r>
+            <a:r>
+              <a:rPr lang="en-US" altLang="zh-TW" dirty="0" err="1"/>
+              <a:t>NVMe</a:t>
+            </a:r>
+            <a:r>
+              <a:rPr lang="en-US" altLang="zh-TW" dirty="0"/>
+              <a:t> support multiple controller but </a:t>
+            </a:r>
+            <a:r>
+              <a:rPr lang="en-US" altLang="zh-TW" dirty="0" err="1"/>
+              <a:t>SpcNVMe</a:t>
+            </a:r>
+            <a:r>
+              <a:rPr lang="en-US" altLang="zh-TW" dirty="0"/>
+              <a:t> doesn’t support it yet.</a:t>
+            </a:r>
+          </a:p>
+          <a:p>
+            <a:r>
+              <a:rPr lang="en-US" altLang="zh-TW" dirty="0"/>
+              <a:t>Each namespace has different format(e.g. block size)</a:t>
+            </a:r>
+          </a:p>
+          <a:p>
+            <a:r>
+              <a:rPr lang="en-US" altLang="zh-TW" dirty="0"/>
+              <a:t>Each namespace can represent one “Disk” in windows view.</a:t>
+            </a:r>
             <a:endParaRPr lang="zh-TW" altLang="en-US" dirty="0"/>
           </a:p>
         </p:txBody>
@@ -8582,7 +11735,7 @@
         </p:nvGrpSpPr>
         <p:grpSpPr>
           <a:xfrm>
-            <a:off x="3936000" y="1895306"/>
+            <a:off x="6920988" y="1895306"/>
             <a:ext cx="4320000" cy="4211976"/>
             <a:chOff x="2632953" y="1964987"/>
             <a:chExt cx="4320000" cy="4211976"/>
@@ -8962,7 +12115,7 @@
         </p:nvGrpSpPr>
         <p:grpSpPr>
           <a:xfrm>
-            <a:off x="3396000" y="1523234"/>
+            <a:off x="3396000" y="1532026"/>
             <a:ext cx="5400000" cy="5052663"/>
             <a:chOff x="3396000" y="1523234"/>
             <a:chExt cx="5400000" cy="5052663"/>
@@ -9014,7 +12167,7 @@
               </a:r>
               <a:r>
                 <a:rPr lang="en-US" altLang="zh-TW" dirty="0"/>
-                <a:t> Controller</a:t>
+                <a:t> Device</a:t>
               </a:r>
             </a:p>
           </p:txBody>
@@ -9307,7 +12460,7 @@
           <p:cNvPr id="2" name="標題 1">
             <a:extLst>
               <a:ext uri="{FF2B5EF4-FFF2-40B4-BE49-F238E27FC236}">
-                <a16:creationId xmlns:a16="http://schemas.microsoft.com/office/drawing/2014/main" id="{5DD07498-5F52-49AE-8F70-D644A562FAEE}"/>
+                <a16:creationId xmlns:a16="http://schemas.microsoft.com/office/drawing/2014/main" id="{BA8CB61A-0D21-2694-1825-D7936F8C3535}"/>
               </a:ext>
             </a:extLst>
           </p:cNvPr>
@@ -9325,7 +12478,7 @@
           <a:p>
             <a:r>
               <a:rPr lang="en-US" altLang="zh-TW" dirty="0"/>
-              <a:t>Commands of </a:t>
+              <a:t>Logical View of </a:t>
             </a:r>
             <a:r>
               <a:rPr lang="en-US" altLang="zh-TW" dirty="0" err="1"/>
@@ -9344,7 +12497,7 @@
           <p:cNvPr id="3" name="內容版面配置區 2">
             <a:extLst>
               <a:ext uri="{FF2B5EF4-FFF2-40B4-BE49-F238E27FC236}">
-                <a16:creationId xmlns:a16="http://schemas.microsoft.com/office/drawing/2014/main" id="{38A78F0E-8A29-474B-B872-6D9F55857160}"/>
+                <a16:creationId xmlns:a16="http://schemas.microsoft.com/office/drawing/2014/main" id="{42DD71B5-CFB6-DD89-FD25-25E97E2A75F7}"/>
               </a:ext>
             </a:extLst>
           </p:cNvPr>
@@ -9355,97 +12508,324 @@
             <p:ph idx="1"/>
           </p:nvPr>
         </p:nvSpPr>
-        <p:spPr/>
+        <p:spPr>
+          <a:xfrm>
+            <a:off x="838200" y="1825625"/>
+            <a:ext cx="6252796" cy="4351338"/>
+          </a:xfrm>
+        </p:spPr>
         <p:txBody>
           <a:bodyPr/>
           <a:lstStyle/>
           <a:p>
             <a:r>
               <a:rPr lang="en-US" altLang="zh-TW" dirty="0"/>
-              <a:t>Admin Commands</a:t>
+              <a:t>Terms Definition in spec</a:t>
             </a:r>
           </a:p>
           <a:p>
             <a:pPr lvl="1"/>
             <a:r>
               <a:rPr lang="en-US" altLang="zh-TW" dirty="0"/>
-              <a:t>Submit to admin queue</a:t>
+              <a:t>Host : OS Layer which your driver running</a:t>
             </a:r>
           </a:p>
           <a:p>
             <a:pPr lvl="1"/>
             <a:r>
               <a:rPr lang="en-US" altLang="zh-TW" dirty="0"/>
-              <a:t>I/O Queue Management(create / delete)</a:t>
+              <a:t>Device : Your </a:t>
+            </a:r>
+            <a:r>
+              <a:rPr lang="en-US" altLang="zh-TW" dirty="0" err="1"/>
+              <a:t>NVMe</a:t>
+            </a:r>
+            <a:r>
+              <a:rPr lang="en-US" altLang="zh-TW" dirty="0"/>
+              <a:t> device</a:t>
             </a:r>
           </a:p>
           <a:p>
             <a:pPr lvl="1"/>
-            <a:r>
-              <a:rPr lang="en-US" altLang="zh-TW" dirty="0"/>
-              <a:t>Identify Controller and Namespace</a:t>
-            </a:r>
-          </a:p>
-          <a:p>
-            <a:pPr lvl="1"/>
-            <a:r>
-              <a:rPr lang="en-US" altLang="zh-TW" dirty="0"/>
-              <a:t>Get </a:t>
-            </a:r>
-            <a:r>
-              <a:rPr lang="en-US" altLang="zh-TW" dirty="0" err="1"/>
-              <a:t>LogPage</a:t>
-            </a:r>
-            <a:r>
-              <a:rPr lang="en-US" altLang="zh-TW" dirty="0"/>
-              <a:t> (e.g. SMART </a:t>
-            </a:r>
-            <a:r>
-              <a:rPr lang="en-US" altLang="zh-TW" dirty="0" err="1"/>
-              <a:t>infor</a:t>
-            </a:r>
-            <a:r>
-              <a:rPr lang="en-US" altLang="zh-TW" dirty="0"/>
-              <a:t>)</a:t>
-            </a:r>
-          </a:p>
-          <a:p>
-            <a:pPr lvl="1"/>
-            <a:r>
-              <a:rPr lang="en-US" altLang="zh-TW" dirty="0"/>
-              <a:t>Namespace Management</a:t>
-            </a:r>
-          </a:p>
-          <a:p>
-            <a:pPr lvl="1"/>
-            <a:r>
-              <a:rPr lang="en-US" altLang="zh-TW" dirty="0"/>
-              <a:t>Firmware Management</a:t>
-            </a:r>
-          </a:p>
-          <a:p>
-            <a:pPr lvl="1"/>
-            <a:r>
-              <a:rPr lang="en-US" altLang="zh-TW" dirty="0"/>
-              <a:t>Query / Set extra feature of controller</a:t>
-            </a:r>
-          </a:p>
-          <a:p>
-            <a:pPr lvl="1"/>
-            <a:r>
-              <a:rPr lang="en-US" altLang="zh-TW" dirty="0"/>
-              <a:t>......etc.</a:t>
-            </a:r>
-          </a:p>
-          <a:p>
+            <a:endParaRPr lang="en-US" altLang="zh-TW" dirty="0"/>
+          </a:p>
+          <a:p>
+            <a:r>
+              <a:rPr lang="en-US" altLang="zh-TW" dirty="0"/>
+              <a:t>Host control / communicate / submit commands to device, get completion and result from device.</a:t>
+            </a:r>
             <a:endParaRPr lang="zh-TW" altLang="en-US" dirty="0"/>
           </a:p>
         </p:txBody>
       </p:sp>
+      <p:grpSp>
+        <p:nvGrpSpPr>
+          <p:cNvPr id="9" name="群組 8">
+            <a:extLst>
+              <a:ext uri="{FF2B5EF4-FFF2-40B4-BE49-F238E27FC236}">
+                <a16:creationId xmlns:a16="http://schemas.microsoft.com/office/drawing/2014/main" id="{5A63A8BB-4017-56D3-A022-28333CDF3232}"/>
+              </a:ext>
+            </a:extLst>
+          </p:cNvPr>
+          <p:cNvGrpSpPr/>
+          <p:nvPr/>
+        </p:nvGrpSpPr>
+        <p:grpSpPr>
+          <a:xfrm>
+            <a:off x="7240465" y="2231898"/>
+            <a:ext cx="4320001" cy="2804400"/>
+            <a:chOff x="5785338" y="1453778"/>
+            <a:chExt cx="4320001" cy="2804400"/>
+          </a:xfrm>
+        </p:grpSpPr>
+        <p:sp>
+          <p:nvSpPr>
+            <p:cNvPr id="5" name="矩形 4">
+              <a:extLst>
+                <a:ext uri="{FF2B5EF4-FFF2-40B4-BE49-F238E27FC236}">
+                  <a16:creationId xmlns:a16="http://schemas.microsoft.com/office/drawing/2014/main" id="{C2E957D6-DA28-8E91-2F2E-83DF112C6094}"/>
+                </a:ext>
+              </a:extLst>
+            </p:cNvPr>
+            <p:cNvSpPr/>
+            <p:nvPr/>
+          </p:nvSpPr>
+          <p:spPr>
+            <a:xfrm>
+              <a:off x="5785339" y="2998178"/>
+              <a:ext cx="4320000" cy="1260000"/>
+            </a:xfrm>
+            <a:prstGeom prst="rect">
+              <a:avLst/>
+            </a:prstGeom>
+          </p:spPr>
+          <p:style>
+            <a:lnRef idx="1">
+              <a:schemeClr val="accent5"/>
+            </a:lnRef>
+            <a:fillRef idx="2">
+              <a:schemeClr val="accent5"/>
+            </a:fillRef>
+            <a:effectRef idx="1">
+              <a:schemeClr val="accent5"/>
+            </a:effectRef>
+            <a:fontRef idx="minor">
+              <a:schemeClr val="dk1"/>
+            </a:fontRef>
+          </p:style>
+          <p:txBody>
+            <a:bodyPr rtlCol="0" anchor="b"/>
+            <a:lstStyle/>
+            <a:p>
+              <a:pPr algn="ctr"/>
+              <a:r>
+                <a:rPr lang="en-US" altLang="zh-TW" dirty="0" err="1"/>
+                <a:t>Haradware</a:t>
+              </a:r>
+              <a:r>
+                <a:rPr lang="en-US" altLang="zh-TW" dirty="0"/>
+                <a:t> Layer</a:t>
+              </a:r>
+              <a:endParaRPr lang="zh-TW" altLang="en-US" dirty="0"/>
+            </a:p>
+          </p:txBody>
+        </p:sp>
+        <p:sp>
+          <p:nvSpPr>
+            <p:cNvPr id="4" name="矩形 3">
+              <a:extLst>
+                <a:ext uri="{FF2B5EF4-FFF2-40B4-BE49-F238E27FC236}">
+                  <a16:creationId xmlns:a16="http://schemas.microsoft.com/office/drawing/2014/main" id="{507DEE18-2F9E-C269-859C-CC75AF433F98}"/>
+                </a:ext>
+              </a:extLst>
+            </p:cNvPr>
+            <p:cNvSpPr/>
+            <p:nvPr/>
+          </p:nvSpPr>
+          <p:spPr>
+            <a:xfrm>
+              <a:off x="6503106" y="3121268"/>
+              <a:ext cx="2880000" cy="720000"/>
+            </a:xfrm>
+            <a:prstGeom prst="rect">
+              <a:avLst/>
+            </a:prstGeom>
+          </p:spPr>
+          <p:style>
+            <a:lnRef idx="1">
+              <a:schemeClr val="accent6"/>
+            </a:lnRef>
+            <a:fillRef idx="2">
+              <a:schemeClr val="accent6"/>
+            </a:fillRef>
+            <a:effectRef idx="1">
+              <a:schemeClr val="accent6"/>
+            </a:effectRef>
+            <a:fontRef idx="minor">
+              <a:schemeClr val="dk1"/>
+            </a:fontRef>
+          </p:style>
+          <p:txBody>
+            <a:bodyPr rtlCol="0" anchor="ctr"/>
+            <a:lstStyle/>
+            <a:p>
+              <a:pPr algn="ctr"/>
+              <a:r>
+                <a:rPr lang="en-US" altLang="zh-TW" dirty="0"/>
+                <a:t>NVME Device</a:t>
+              </a:r>
+              <a:endParaRPr lang="zh-TW" altLang="en-US" dirty="0"/>
+            </a:p>
+          </p:txBody>
+        </p:sp>
+        <p:sp>
+          <p:nvSpPr>
+            <p:cNvPr id="6" name="矩形 5">
+              <a:extLst>
+                <a:ext uri="{FF2B5EF4-FFF2-40B4-BE49-F238E27FC236}">
+                  <a16:creationId xmlns:a16="http://schemas.microsoft.com/office/drawing/2014/main" id="{92678138-4B7F-41A8-D18A-3894C50B9226}"/>
+                </a:ext>
+              </a:extLst>
+            </p:cNvPr>
+            <p:cNvSpPr/>
+            <p:nvPr/>
+          </p:nvSpPr>
+          <p:spPr>
+            <a:xfrm>
+              <a:off x="5785338" y="1453778"/>
+              <a:ext cx="4319999" cy="1166330"/>
+            </a:xfrm>
+            <a:prstGeom prst="rect">
+              <a:avLst/>
+            </a:prstGeom>
+          </p:spPr>
+          <p:style>
+            <a:lnRef idx="1">
+              <a:schemeClr val="accent6"/>
+            </a:lnRef>
+            <a:fillRef idx="2">
+              <a:schemeClr val="accent6"/>
+            </a:fillRef>
+            <a:effectRef idx="1">
+              <a:schemeClr val="accent6"/>
+            </a:effectRef>
+            <a:fontRef idx="minor">
+              <a:schemeClr val="dk1"/>
+            </a:fontRef>
+          </p:style>
+          <p:txBody>
+            <a:bodyPr rtlCol="0" anchor="ctr"/>
+            <a:lstStyle/>
+            <a:p>
+              <a:pPr algn="ctr"/>
+              <a:r>
+                <a:rPr lang="en-US" altLang="zh-TW" dirty="0"/>
+                <a:t>Host</a:t>
+              </a:r>
+            </a:p>
+            <a:p>
+              <a:pPr algn="ctr"/>
+              <a:r>
+                <a:rPr lang="en-US" altLang="zh-TW" dirty="0"/>
+                <a:t>(OS Layer)</a:t>
+              </a:r>
+              <a:endParaRPr lang="zh-TW" altLang="en-US" dirty="0"/>
+            </a:p>
+          </p:txBody>
+        </p:sp>
+        <p:sp>
+          <p:nvSpPr>
+            <p:cNvPr id="7" name="箭號: 向下 6">
+              <a:extLst>
+                <a:ext uri="{FF2B5EF4-FFF2-40B4-BE49-F238E27FC236}">
+                  <a16:creationId xmlns:a16="http://schemas.microsoft.com/office/drawing/2014/main" id="{DED6D159-61B9-C719-A973-71483ACB79D1}"/>
+                </a:ext>
+              </a:extLst>
+            </p:cNvPr>
+            <p:cNvSpPr/>
+            <p:nvPr/>
+          </p:nvSpPr>
+          <p:spPr>
+            <a:xfrm>
+              <a:off x="8524142" y="2655277"/>
+              <a:ext cx="373673" cy="426427"/>
+            </a:xfrm>
+            <a:prstGeom prst="downArrow">
+              <a:avLst/>
+            </a:prstGeom>
+          </p:spPr>
+          <p:style>
+            <a:lnRef idx="1">
+              <a:schemeClr val="accent4"/>
+            </a:lnRef>
+            <a:fillRef idx="2">
+              <a:schemeClr val="accent4"/>
+            </a:fillRef>
+            <a:effectRef idx="1">
+              <a:schemeClr val="accent4"/>
+            </a:effectRef>
+            <a:fontRef idx="minor">
+              <a:schemeClr val="dk1"/>
+            </a:fontRef>
+          </p:style>
+          <p:txBody>
+            <a:bodyPr rtlCol="0" anchor="ctr"/>
+            <a:lstStyle/>
+            <a:p>
+              <a:pPr algn="ctr"/>
+              <a:endParaRPr lang="zh-TW" altLang="en-US"/>
+            </a:p>
+          </p:txBody>
+        </p:sp>
+        <p:sp>
+          <p:nvSpPr>
+            <p:cNvPr id="8" name="箭號: 向下 7">
+              <a:extLst>
+                <a:ext uri="{FF2B5EF4-FFF2-40B4-BE49-F238E27FC236}">
+                  <a16:creationId xmlns:a16="http://schemas.microsoft.com/office/drawing/2014/main" id="{BC48F4CB-555E-9DB3-2332-EB8E08778926}"/>
+                </a:ext>
+              </a:extLst>
+            </p:cNvPr>
+            <p:cNvSpPr/>
+            <p:nvPr/>
+          </p:nvSpPr>
+          <p:spPr>
+            <a:xfrm rot="10800000">
+              <a:off x="7042638" y="2655276"/>
+              <a:ext cx="373673" cy="426427"/>
+            </a:xfrm>
+            <a:prstGeom prst="downArrow">
+              <a:avLst/>
+            </a:prstGeom>
+          </p:spPr>
+          <p:style>
+            <a:lnRef idx="1">
+              <a:schemeClr val="accent4"/>
+            </a:lnRef>
+            <a:fillRef idx="2">
+              <a:schemeClr val="accent4"/>
+            </a:fillRef>
+            <a:effectRef idx="1">
+              <a:schemeClr val="accent4"/>
+            </a:effectRef>
+            <a:fontRef idx="minor">
+              <a:schemeClr val="dk1"/>
+            </a:fontRef>
+          </p:style>
+          <p:txBody>
+            <a:bodyPr rtlCol="0" anchor="ctr"/>
+            <a:lstStyle/>
+            <a:p>
+              <a:pPr algn="ctr"/>
+              <a:endParaRPr lang="zh-TW" altLang="en-US"/>
+            </a:p>
+          </p:txBody>
+        </p:sp>
+      </p:grpSp>
     </p:spTree>
     <p:extLst>
       <p:ext uri="{BB962C8B-B14F-4D97-AF65-F5344CB8AC3E}">
-        <p14:creationId xmlns:p14="http://schemas.microsoft.com/office/powerpoint/2010/main" val="2054057593"/>
+        <p14:creationId xmlns:p14="http://schemas.microsoft.com/office/powerpoint/2010/main" val="358019456"/>
       </p:ext>
     </p:extLst>
   </p:cSld>
@@ -9477,7 +12857,7 @@
           <p:cNvPr id="2" name="標題 1">
             <a:extLst>
               <a:ext uri="{FF2B5EF4-FFF2-40B4-BE49-F238E27FC236}">
-                <a16:creationId xmlns:a16="http://schemas.microsoft.com/office/drawing/2014/main" id="{5DD07498-5F52-49AE-8F70-D644A562FAEE}"/>
+                <a16:creationId xmlns:a16="http://schemas.microsoft.com/office/drawing/2014/main" id="{1BAFF97B-94AD-2EB1-C568-9AB36BEDCA22}"/>
               </a:ext>
             </a:extLst>
           </p:cNvPr>
@@ -9495,7 +12875,42 @@
           <a:p>
             <a:r>
               <a:rPr lang="en-US" altLang="zh-TW" dirty="0"/>
-              <a:t>Commands of </a:t>
+              <a:t>Register Region and </a:t>
+            </a:r>
+            <a:r>
+              <a:rPr lang="en-US" altLang="zh-TW" dirty="0" err="1"/>
+              <a:t>QueuePair</a:t>
+            </a:r>
+            <a:endParaRPr lang="zh-TW" altLang="en-US" dirty="0"/>
+          </a:p>
+        </p:txBody>
+      </p:sp>
+      <p:sp>
+        <p:nvSpPr>
+          <p:cNvPr id="3" name="內容版面配置區 2">
+            <a:extLst>
+              <a:ext uri="{FF2B5EF4-FFF2-40B4-BE49-F238E27FC236}">
+                <a16:creationId xmlns:a16="http://schemas.microsoft.com/office/drawing/2014/main" id="{E661B7E1-9EDC-1506-3BB5-2E54EB7B56A4}"/>
+              </a:ext>
+            </a:extLst>
+          </p:cNvPr>
+          <p:cNvSpPr>
+            <a:spLocks noGrp="1"/>
+          </p:cNvSpPr>
+          <p:nvPr>
+            <p:ph idx="1"/>
+          </p:nvPr>
+        </p:nvSpPr>
+        <p:spPr/>
+        <p:txBody>
+          <a:bodyPr>
+            <a:normAutofit/>
+          </a:bodyPr>
+          <a:lstStyle/>
+          <a:p>
+            <a:r>
+              <a:rPr lang="en-US" altLang="zh-TW" dirty="0"/>
+              <a:t>For </a:t>
             </a:r>
             <a:r>
               <a:rPr lang="en-US" altLang="zh-TW" dirty="0" err="1"/>
@@ -9503,94 +12918,133 @@
             </a:r>
             <a:r>
               <a:rPr lang="en-US" altLang="zh-TW" dirty="0"/>
-              <a:t> system</a:t>
-            </a:r>
-            <a:endParaRPr lang="zh-TW" altLang="en-US" dirty="0"/>
-          </a:p>
-        </p:txBody>
-      </p:sp>
-      <p:sp>
-        <p:nvSpPr>
-          <p:cNvPr id="3" name="內容版面配置區 2">
-            <a:extLst>
-              <a:ext uri="{FF2B5EF4-FFF2-40B4-BE49-F238E27FC236}">
-                <a16:creationId xmlns:a16="http://schemas.microsoft.com/office/drawing/2014/main" id="{38A78F0E-8A29-474B-B872-6D9F55857160}"/>
-              </a:ext>
-            </a:extLst>
-          </p:cNvPr>
-          <p:cNvSpPr>
-            <a:spLocks noGrp="1"/>
-          </p:cNvSpPr>
-          <p:nvPr>
-            <p:ph idx="1"/>
-          </p:nvPr>
-        </p:nvSpPr>
-        <p:spPr/>
-        <p:txBody>
-          <a:bodyPr/>
-          <a:lstStyle/>
-          <a:p>
-            <a:r>
-              <a:rPr lang="en-US" altLang="zh-TW" dirty="0"/>
-              <a:t>NVM Commands (I/O commands)</a:t>
+              <a:t> device, there is one “Global” register region.</a:t>
             </a:r>
           </a:p>
           <a:p>
             <a:pPr lvl="1"/>
             <a:r>
               <a:rPr lang="en-US" altLang="zh-TW" dirty="0"/>
-              <a:t>Submit to I/O queue</a:t>
+              <a:t>Each PCI device has its own </a:t>
+            </a:r>
+            <a:r>
+              <a:rPr lang="en-US" altLang="zh-TW" dirty="0" err="1"/>
+              <a:t>i</a:t>
+            </a:r>
+            <a:r>
+              <a:rPr lang="en-US" altLang="zh-TW" dirty="0"/>
+              <a:t>/o address and register address. They are used to communicate with hardware to perform actions you want.</a:t>
             </a:r>
           </a:p>
           <a:p>
             <a:pPr lvl="1"/>
             <a:r>
               <a:rPr lang="en-US" altLang="zh-TW" dirty="0"/>
-              <a:t>Read data</a:t>
+              <a:t>By registers, you can enable(startup)/disable(shutdown) device, check status and other </a:t>
+            </a:r>
+            <a:r>
+              <a:rPr lang="en-US" altLang="zh-TW" dirty="0" err="1"/>
+              <a:t>informations</a:t>
+            </a:r>
+            <a:r>
+              <a:rPr lang="en-US" altLang="zh-TW" dirty="0"/>
+              <a:t> are done by registers.</a:t>
+            </a:r>
+          </a:p>
+          <a:p>
+            <a:r>
+              <a:rPr lang="en-US" altLang="zh-TW" dirty="0"/>
+              <a:t>Use </a:t>
+            </a:r>
+            <a:r>
+              <a:rPr lang="en-US" altLang="zh-TW" dirty="0" err="1"/>
+              <a:t>QueuePair</a:t>
+            </a:r>
+            <a:r>
+              <a:rPr lang="en-US" altLang="zh-TW" dirty="0"/>
+              <a:t> for communication</a:t>
             </a:r>
           </a:p>
           <a:p>
             <a:pPr lvl="1"/>
             <a:r>
               <a:rPr lang="en-US" altLang="zh-TW" dirty="0"/>
-              <a:t>Write data</a:t>
+              <a:t>Host submit commands to device via </a:t>
+            </a:r>
+            <a:r>
+              <a:rPr lang="en-US" altLang="zh-TW" dirty="0" err="1"/>
+              <a:t>SubmissionQueue</a:t>
+            </a:r>
+            <a:r>
+              <a:rPr lang="en-US" altLang="zh-TW" dirty="0"/>
+              <a:t> (</a:t>
+            </a:r>
+            <a:r>
+              <a:rPr lang="en-US" altLang="zh-TW" dirty="0" err="1"/>
+              <a:t>SubQueue</a:t>
+            </a:r>
+            <a:r>
+              <a:rPr lang="en-US" altLang="zh-TW" dirty="0"/>
+              <a:t>)</a:t>
             </a:r>
           </a:p>
           <a:p>
             <a:pPr lvl="1"/>
             <a:r>
               <a:rPr lang="en-US" altLang="zh-TW" dirty="0"/>
-              <a:t>Copy and verify</a:t>
+              <a:t>Host retrieve command result from device via </a:t>
+            </a:r>
+            <a:r>
+              <a:rPr lang="en-US" altLang="zh-TW" dirty="0" err="1"/>
+              <a:t>CompletionQueue</a:t>
+            </a:r>
+            <a:r>
+              <a:rPr lang="en-US" altLang="zh-TW" dirty="0"/>
+              <a:t> (</a:t>
+            </a:r>
+            <a:r>
+              <a:rPr lang="en-US" altLang="zh-TW" dirty="0" err="1"/>
+              <a:t>CplQueue</a:t>
+            </a:r>
+            <a:r>
+              <a:rPr lang="en-US" altLang="zh-TW" dirty="0"/>
+              <a:t>)</a:t>
             </a:r>
           </a:p>
           <a:p>
             <a:pPr lvl="1"/>
             <a:r>
               <a:rPr lang="en-US" altLang="zh-TW" dirty="0"/>
-              <a:t>Flush</a:t>
-            </a:r>
-          </a:p>
-          <a:p>
-            <a:pPr lvl="1"/>
-            <a:r>
-              <a:rPr lang="en-US" altLang="zh-TW" dirty="0"/>
-              <a:t>Write Zero</a:t>
-            </a:r>
-          </a:p>
-          <a:p>
-            <a:pPr lvl="1"/>
-            <a:r>
-              <a:rPr lang="en-US" altLang="zh-TW" dirty="0"/>
-              <a:t>......etc.</a:t>
-            </a:r>
-            <a:endParaRPr lang="zh-TW" altLang="en-US" dirty="0"/>
+              <a:t>1 </a:t>
+            </a:r>
+            <a:r>
+              <a:rPr lang="en-US" altLang="zh-TW" dirty="0" err="1"/>
+              <a:t>SubQueue</a:t>
+            </a:r>
+            <a:r>
+              <a:rPr lang="en-US" altLang="zh-TW" dirty="0"/>
+              <a:t> + 1 </a:t>
+            </a:r>
+            <a:r>
+              <a:rPr lang="en-US" altLang="zh-TW" dirty="0" err="1"/>
+              <a:t>CplQueue</a:t>
+            </a:r>
+            <a:r>
+              <a:rPr lang="en-US" altLang="zh-TW" dirty="0"/>
+              <a:t> == 1 </a:t>
+            </a:r>
+            <a:r>
+              <a:rPr lang="en-US" altLang="zh-TW" dirty="0" err="1"/>
+              <a:t>QueuePair</a:t>
+            </a:r>
+            <a:endParaRPr lang="en-US" altLang="zh-TW" dirty="0"/>
           </a:p>
         </p:txBody>
       </p:sp>
     </p:spTree>
     <p:extLst>
       <p:ext uri="{BB962C8B-B14F-4D97-AF65-F5344CB8AC3E}">
-        <p14:creationId xmlns:p14="http://schemas.microsoft.com/office/powerpoint/2010/main" val="2580500672"/>
+        <p14:creationId xmlns:p14="http://schemas.microsoft.com/office/powerpoint/2010/main" val="3299136197"/>
       </p:ext>
     </p:extLst>
   </p:cSld>
@@ -9622,7 +13076,7 @@
           <p:cNvPr id="2" name="標題 1">
             <a:extLst>
               <a:ext uri="{FF2B5EF4-FFF2-40B4-BE49-F238E27FC236}">
-                <a16:creationId xmlns:a16="http://schemas.microsoft.com/office/drawing/2014/main" id="{5DD07498-5F52-49AE-8F70-D644A562FAEE}"/>
+                <a16:creationId xmlns:a16="http://schemas.microsoft.com/office/drawing/2014/main" id="{1BAFF97B-94AD-2EB1-C568-9AB36BEDCA22}"/>
               </a:ext>
             </a:extLst>
           </p:cNvPr>
@@ -9638,7 +13092,11 @@
           <a:bodyPr/>
           <a:lstStyle/>
           <a:p>
-            <a:endParaRPr lang="zh-TW" altLang="en-US"/>
+            <a:r>
+              <a:rPr lang="en-US" altLang="zh-TW" dirty="0" err="1"/>
+              <a:t>QueuePairs</a:t>
+            </a:r>
+            <a:endParaRPr lang="zh-TW" altLang="en-US" dirty="0"/>
           </a:p>
         </p:txBody>
       </p:sp>
@@ -9647,7 +13105,7 @@
           <p:cNvPr id="3" name="內容版面配置區 2">
             <a:extLst>
               <a:ext uri="{FF2B5EF4-FFF2-40B4-BE49-F238E27FC236}">
-                <a16:creationId xmlns:a16="http://schemas.microsoft.com/office/drawing/2014/main" id="{38A78F0E-8A29-474B-B872-6D9F55857160}"/>
+                <a16:creationId xmlns:a16="http://schemas.microsoft.com/office/drawing/2014/main" id="{E661B7E1-9EDC-1506-3BB5-2E54EB7B56A4}"/>
               </a:ext>
             </a:extLst>
           </p:cNvPr>
@@ -9660,17 +13118,109 @@
         </p:nvSpPr>
         <p:spPr/>
         <p:txBody>
-          <a:bodyPr/>
-          <a:lstStyle/>
-          <a:p>
-            <a:endParaRPr lang="zh-TW" altLang="en-US"/>
+          <a:bodyPr>
+            <a:normAutofit/>
+          </a:bodyPr>
+          <a:lstStyle/>
+          <a:p>
+            <a:r>
+              <a:rPr lang="en-US" altLang="zh-TW" dirty="0"/>
+              <a:t>In device, 1 </a:t>
+            </a:r>
+            <a:r>
+              <a:rPr lang="en-US" altLang="zh-TW" dirty="0" err="1"/>
+              <a:t>QueuePair</a:t>
+            </a:r>
+            <a:r>
+              <a:rPr lang="en-US" altLang="zh-TW" dirty="0"/>
+              <a:t> for admin requests</a:t>
+            </a:r>
+          </a:p>
+          <a:p>
+            <a:pPr lvl="1"/>
+            <a:r>
+              <a:rPr lang="en-US" altLang="zh-TW" dirty="0"/>
+              <a:t>E.g. register I/O queue, identify controllers and namespaces, query SMART info, setup Interrupt Coalescing…etc.</a:t>
+            </a:r>
+          </a:p>
+          <a:p>
+            <a:r>
+              <a:rPr lang="en-US" altLang="zh-TW" dirty="0"/>
+              <a:t>Multiple I/O </a:t>
+            </a:r>
+            <a:r>
+              <a:rPr lang="en-US" altLang="zh-TW" dirty="0" err="1"/>
+              <a:t>QueuePairs</a:t>
+            </a:r>
+            <a:r>
+              <a:rPr lang="en-US" altLang="zh-TW" dirty="0"/>
+              <a:t> for I/O related requests</a:t>
+            </a:r>
+          </a:p>
+          <a:p>
+            <a:pPr lvl="1"/>
+            <a:r>
+              <a:rPr lang="en-US" altLang="zh-TW" dirty="0"/>
+              <a:t>Minimum 1 I/O </a:t>
+            </a:r>
+            <a:r>
+              <a:rPr lang="en-US" altLang="zh-TW" dirty="0" err="1"/>
+              <a:t>QueuePair</a:t>
+            </a:r>
+            <a:r>
+              <a:rPr lang="en-US" altLang="zh-TW" dirty="0"/>
+              <a:t> in each device, max depends on vendors</a:t>
+            </a:r>
+          </a:p>
+          <a:p>
+            <a:r>
+              <a:rPr lang="en-US" altLang="zh-TW" dirty="0" err="1"/>
+              <a:t>QueueSize</a:t>
+            </a:r>
+            <a:r>
+              <a:rPr lang="en-US" altLang="zh-TW" dirty="0"/>
+              <a:t> is “How many entries a Queue has?”</a:t>
+            </a:r>
+          </a:p>
+          <a:p>
+            <a:pPr lvl="1"/>
+            <a:r>
+              <a:rPr lang="en-US" altLang="zh-TW" dirty="0"/>
+              <a:t>Host must register queue size before use them</a:t>
+            </a:r>
+          </a:p>
+          <a:p>
+            <a:pPr lvl="1"/>
+            <a:r>
+              <a:rPr lang="en-US" altLang="zh-TW" dirty="0" err="1"/>
+              <a:t>SubQ</a:t>
+            </a:r>
+            <a:r>
+              <a:rPr lang="en-US" altLang="zh-TW" dirty="0"/>
+              <a:t> size can be different from </a:t>
+            </a:r>
+            <a:r>
+              <a:rPr lang="en-US" altLang="zh-TW" dirty="0" err="1"/>
+              <a:t>CplQ</a:t>
+            </a:r>
+            <a:r>
+              <a:rPr lang="en-US" altLang="zh-TW" dirty="0"/>
+              <a:t> size </a:t>
+            </a:r>
+          </a:p>
+          <a:p>
+            <a:pPr lvl="1"/>
+            <a:r>
+              <a:rPr lang="en-US" altLang="zh-TW" dirty="0"/>
+              <a:t>Of course, it’s better that set same size for them.</a:t>
+            </a:r>
           </a:p>
         </p:txBody>
       </p:sp>
     </p:spTree>
     <p:extLst>
       <p:ext uri="{BB962C8B-B14F-4D97-AF65-F5344CB8AC3E}">
-        <p14:creationId xmlns:p14="http://schemas.microsoft.com/office/powerpoint/2010/main" val="3066730032"/>
+        <p14:creationId xmlns:p14="http://schemas.microsoft.com/office/powerpoint/2010/main" val="801171469"/>
       </p:ext>
     </p:extLst>
   </p:cSld>
